--- a/Oral presentation/NLP.pptx
+++ b/Oral presentation/NLP.pptx
@@ -5,10 +5,10 @@
     <p:sldMasterId id="2147483648" r:id="rId1"/>
   </p:sldMasterIdLst>
   <p:notesMasterIdLst>
-    <p:notesMasterId r:id="rId34"/>
+    <p:notesMasterId r:id="rId35"/>
   </p:notesMasterIdLst>
   <p:handoutMasterIdLst>
-    <p:handoutMasterId r:id="rId35"/>
+    <p:handoutMasterId r:id="rId36"/>
   </p:handoutMasterIdLst>
   <p:sldIdLst>
     <p:sldId id="261" r:id="rId2"/>
@@ -31,54 +31,51 @@
     <p:sldId id="300" r:id="rId19"/>
     <p:sldId id="295" r:id="rId20"/>
     <p:sldId id="296" r:id="rId21"/>
-    <p:sldId id="308" r:id="rId22"/>
-    <p:sldId id="278" r:id="rId23"/>
-    <p:sldId id="272" r:id="rId24"/>
-    <p:sldId id="273" r:id="rId25"/>
-    <p:sldId id="309" r:id="rId26"/>
-    <p:sldId id="316" r:id="rId27"/>
-    <p:sldId id="318" r:id="rId28"/>
-    <p:sldId id="317" r:id="rId29"/>
-    <p:sldId id="310" r:id="rId30"/>
-    <p:sldId id="314" r:id="rId31"/>
-    <p:sldId id="315" r:id="rId32"/>
-    <p:sldId id="260" r:id="rId33"/>
+    <p:sldId id="319" r:id="rId22"/>
+    <p:sldId id="308" r:id="rId23"/>
+    <p:sldId id="278" r:id="rId24"/>
+    <p:sldId id="272" r:id="rId25"/>
+    <p:sldId id="273" r:id="rId26"/>
+    <p:sldId id="260" r:id="rId27"/>
+    <p:sldId id="309" r:id="rId28"/>
+    <p:sldId id="316" r:id="rId29"/>
+    <p:sldId id="318" r:id="rId30"/>
+    <p:sldId id="317" r:id="rId31"/>
+    <p:sldId id="310" r:id="rId32"/>
+    <p:sldId id="314" r:id="rId33"/>
+    <p:sldId id="315" r:id="rId34"/>
   </p:sldIdLst>
   <p:sldSz cx="12188825" cy="6858000"/>
   <p:notesSz cx="6797675" cy="9926638"/>
   <p:embeddedFontLst>
     <p:embeddedFont>
       <p:font typeface="AU Passata" panose="020B0604020202020204" charset="0"/>
-      <p:regular r:id="rId36"/>
-      <p:bold r:id="rId37"/>
+      <p:regular r:id="rId37"/>
+      <p:bold r:id="rId38"/>
     </p:embeddedFont>
     <p:embeddedFont>
       <p:font typeface="AU Passata Light" panose="020B0604020202020204" charset="0"/>
-      <p:regular r:id="rId38"/>
-      <p:bold r:id="rId39"/>
+      <p:regular r:id="rId39"/>
+      <p:bold r:id="rId40"/>
     </p:embeddedFont>
     <p:embeddedFont>
       <p:font typeface="AU Peto" panose="020B0604020202020204" charset="0"/>
-      <p:regular r:id="rId40"/>
-      <p:bold r:id="rId41"/>
+      <p:regular r:id="rId41"/>
+      <p:bold r:id="rId42"/>
     </p:embeddedFont>
     <p:embeddedFont>
       <p:font typeface="Calibri" panose="020F0502020204030204" pitchFamily="34" charset="0"/>
-      <p:regular r:id="rId42"/>
-      <p:bold r:id="rId43"/>
-      <p:italic r:id="rId44"/>
-      <p:boldItalic r:id="rId45"/>
+      <p:regular r:id="rId43"/>
+      <p:bold r:id="rId44"/>
+      <p:italic r:id="rId45"/>
+      <p:boldItalic r:id="rId46"/>
     </p:embeddedFont>
     <p:embeddedFont>
       <p:font typeface="Georgia" panose="02040502050405020303" pitchFamily="18" charset="0"/>
-      <p:regular r:id="rId46"/>
-      <p:bold r:id="rId47"/>
-      <p:italic r:id="rId48"/>
-      <p:boldItalic r:id="rId49"/>
-    </p:embeddedFont>
-    <p:embeddedFont>
-      <p:font typeface="Segoe UI Historic" panose="020B0502040204020203" pitchFamily="34" charset="0"/>
-      <p:regular r:id="rId50"/>
+      <p:regular r:id="rId47"/>
+      <p:bold r:id="rId48"/>
+      <p:italic r:id="rId49"/>
+      <p:boldItalic r:id="rId50"/>
     </p:embeddedFont>
     <p:embeddedFont>
       <p:font typeface="Wingdings 3" panose="05040102010807070707" pitchFamily="18" charset="2"/>
@@ -1031,6 +1028,16 @@
               <a:t>Speak slowly</a:t>
             </a:r>
           </a:p>
+          <a:p>
+            <a:pPr marL="285750" indent="-285750">
+              <a:buFont typeface="Arial" panose="020B0604020202020204" pitchFamily="34" charset="0"/>
+              <a:buChar char="•"/>
+            </a:pPr>
+            <a:r>
+              <a:rPr lang="en-US" dirty="0"/>
+              <a:t>Be to the point</a:t>
+            </a:r>
+          </a:p>
         </p:txBody>
       </p:sp>
       <p:sp>
@@ -1119,19 +1126,9 @@
           <a:bodyPr/>
           <a:lstStyle/>
           <a:p>
-            <a:pPr marL="285750" indent="-285750">
-              <a:buFont typeface="Arial" panose="020B0604020202020204" pitchFamily="34" charset="0"/>
-              <a:buChar char="•"/>
-            </a:pPr>
-            <a:r>
-              <a:rPr lang="en-US" dirty="0"/>
-              <a:t>Fundamental role in project</a:t>
-            </a:r>
-          </a:p>
-          <a:p>
-            <a:pPr marL="285750" lvl="0" indent="-285750">
-              <a:buFont typeface="Arial" panose="020B0604020202020204" pitchFamily="34" charset="0"/>
-              <a:buChar char="•"/>
+            <a:pPr marL="0" lvl="0" indent="0">
+              <a:buFont typeface="Arial" panose="020B0604020202020204" pitchFamily="34" charset="0"/>
+              <a:buNone/>
             </a:pPr>
             <a:endParaRPr lang="en-US" dirty="0"/>
           </a:p>
@@ -1302,71 +1299,6 @@
               <a:tabLst/>
               <a:defRPr/>
             </a:pPr>
-            <a:r>
-              <a:rPr lang="en-US" sz="1800" dirty="0">
-                <a:solidFill>
-                  <a:srgbClr val="000000"/>
-                </a:solidFill>
-                <a:effectLst/>
-                <a:latin typeface="Arial" panose="020B0604020202020204" pitchFamily="34" charset="0"/>
-                <a:ea typeface="Times New Roman" panose="02020603050405020304" pitchFamily="18" charset="0"/>
-                <a:cs typeface="Arial" panose="020B0604020202020204" pitchFamily="34" charset="0"/>
-              </a:rPr>
-              <a:t>Scraped</a:t>
-            </a:r>
-          </a:p>
-          <a:p>
-            <a:pPr marL="895243" marR="0" lvl="1" indent="-285750" algn="l" defTabSz="914400" rtl="0" eaLnBrk="0" fontAlgn="base" latinLnBrk="0" hangingPunct="0">
-              <a:lnSpc>
-                <a:spcPct val="100000"/>
-              </a:lnSpc>
-              <a:spcBef>
-                <a:spcPct val="30000"/>
-              </a:spcBef>
-              <a:spcAft>
-                <a:spcPct val="0"/>
-              </a:spcAft>
-              <a:buClrTx/>
-              <a:buSzTx/>
-              <a:buFont typeface="Arial" panose="020B0604020202020204" pitchFamily="34" charset="0"/>
-              <a:buChar char="•"/>
-              <a:tabLst/>
-              <a:defRPr/>
-            </a:pPr>
-            <a:r>
-              <a:rPr lang="en-US" sz="1800" dirty="0">
-                <a:latin typeface="+mj-lt"/>
-              </a:rPr>
-              <a:t>2015-2017</a:t>
-            </a:r>
-            <a:endParaRPr lang="en-US" sz="1800" dirty="0">
-              <a:solidFill>
-                <a:srgbClr val="000000"/>
-              </a:solidFill>
-              <a:effectLst/>
-              <a:latin typeface="Arial" panose="020B0604020202020204" pitchFamily="34" charset="0"/>
-              <a:ea typeface="Times New Roman" panose="02020603050405020304" pitchFamily="18" charset="0"/>
-              <a:cs typeface="Arial" panose="020B0604020202020204" pitchFamily="34" charset="0"/>
-            </a:endParaRPr>
-          </a:p>
-          <a:p>
-            <a:pPr marL="895243" marR="0" lvl="1" indent="-285750" algn="l" defTabSz="914400" rtl="0" eaLnBrk="0" fontAlgn="base" latinLnBrk="0" hangingPunct="0">
-              <a:lnSpc>
-                <a:spcPct val="100000"/>
-              </a:lnSpc>
-              <a:spcBef>
-                <a:spcPct val="30000"/>
-              </a:spcBef>
-              <a:spcAft>
-                <a:spcPct val="0"/>
-              </a:spcAft>
-              <a:buClrTx/>
-              <a:buSzTx/>
-              <a:buFont typeface="Arial" panose="020B0604020202020204" pitchFamily="34" charset="0"/>
-              <a:buChar char="•"/>
-              <a:tabLst/>
-              <a:defRPr/>
-            </a:pPr>
             <a:endParaRPr lang="en-US" sz="1800" dirty="0">
               <a:solidFill>
                 <a:srgbClr val="000000"/>
@@ -1467,11 +1399,39 @@
                 <a:ea typeface="Arial" panose="020B0604020202020204" pitchFamily="34" charset="0"/>
                 <a:cs typeface="Arial" panose="020B0604020202020204" pitchFamily="34" charset="0"/>
               </a:rPr>
-              <a:t>Carefully selected</a:t>
+              <a:t>Latter more carefully selected</a:t>
             </a:r>
           </a:p>
           <a:p>
             <a:pPr marL="895243" marR="0" lvl="1" indent="-285750" algn="l" defTabSz="914400" rtl="0" eaLnBrk="0" fontAlgn="base" latinLnBrk="0" hangingPunct="0">
+              <a:lnSpc>
+                <a:spcPct val="100000"/>
+              </a:lnSpc>
+              <a:spcBef>
+                <a:spcPct val="30000"/>
+              </a:spcBef>
+              <a:spcAft>
+                <a:spcPct val="0"/>
+              </a:spcAft>
+              <a:buClrTx/>
+              <a:buSzTx/>
+              <a:buFont typeface="Arial" panose="020B0604020202020204" pitchFamily="34" charset="0"/>
+              <a:buChar char="•"/>
+              <a:tabLst/>
+              <a:defRPr/>
+            </a:pPr>
+            <a:endParaRPr lang="en-US" sz="1800" dirty="0">
+              <a:solidFill>
+                <a:srgbClr val="000000"/>
+              </a:solidFill>
+              <a:effectLst/>
+              <a:latin typeface="Arial" panose="020B0604020202020204" pitchFamily="34" charset="0"/>
+              <a:ea typeface="Arial" panose="020B0604020202020204" pitchFamily="34" charset="0"/>
+              <a:cs typeface="Arial" panose="020B0604020202020204" pitchFamily="34" charset="0"/>
+            </a:endParaRPr>
+          </a:p>
+          <a:p>
+            <a:pPr marL="285750" marR="0" lvl="0" indent="-285750" algn="l" defTabSz="914400" rtl="0" eaLnBrk="0" fontAlgn="base" latinLnBrk="0" hangingPunct="0">
               <a:lnSpc>
                 <a:spcPct val="100000"/>
               </a:lnSpc>
@@ -1498,11 +1458,11 @@
                 <a:ea typeface="Arial" panose="020B0604020202020204" pitchFamily="34" charset="0"/>
                 <a:cs typeface="Arial" panose="020B0604020202020204" pitchFamily="34" charset="0"/>
               </a:rPr>
-              <a:t>2016-2017</a:t>
-            </a:r>
-          </a:p>
-          <a:p>
-            <a:pPr marL="895243" marR="0" lvl="1" indent="-285750" algn="l" defTabSz="914400" rtl="0" eaLnBrk="0" fontAlgn="base" latinLnBrk="0" hangingPunct="0">
+              <a:t>Both used in previous research -&gt; why we chose it</a:t>
+            </a:r>
+          </a:p>
+          <a:p>
+            <a:pPr marL="285750" marR="0" lvl="0" indent="-285750" algn="l" defTabSz="914400" rtl="0" eaLnBrk="0" fontAlgn="base" latinLnBrk="0" hangingPunct="0">
               <a:lnSpc>
                 <a:spcPct val="100000"/>
               </a:lnSpc>
@@ -1547,6 +1507,34 @@
               <a:tabLst/>
               <a:defRPr/>
             </a:pPr>
+            <a:endParaRPr lang="en-US" sz="1800" dirty="0">
+              <a:solidFill>
+                <a:srgbClr val="000000"/>
+              </a:solidFill>
+              <a:effectLst/>
+              <a:latin typeface="Arial" panose="020B0604020202020204" pitchFamily="34" charset="0"/>
+              <a:ea typeface="Arial" panose="020B0604020202020204" pitchFamily="34" charset="0"/>
+              <a:cs typeface="Arial" panose="020B0604020202020204" pitchFamily="34" charset="0"/>
+            </a:endParaRPr>
+          </a:p>
+          <a:p>
+            <a:pPr marL="285750" marR="0" lvl="0" indent="-285750" algn="l" defTabSz="914400" rtl="0" eaLnBrk="0" fontAlgn="base" latinLnBrk="0" hangingPunct="0">
+              <a:lnSpc>
+                <a:spcPct val="100000"/>
+              </a:lnSpc>
+              <a:spcBef>
+                <a:spcPct val="30000"/>
+              </a:spcBef>
+              <a:spcAft>
+                <a:spcPct val="0"/>
+              </a:spcAft>
+              <a:buClrTx/>
+              <a:buSzTx/>
+              <a:buFont typeface="Arial" panose="020B0604020202020204" pitchFamily="34" charset="0"/>
+              <a:buChar char="•"/>
+              <a:tabLst/>
+              <a:defRPr/>
+            </a:pPr>
             <a:r>
               <a:rPr lang="en-US" sz="1800" dirty="0">
                 <a:solidFill>
@@ -1557,8 +1545,60 @@
                 <a:ea typeface="Arial" panose="020B0604020202020204" pitchFamily="34" charset="0"/>
                 <a:cs typeface="Arial" panose="020B0604020202020204" pitchFamily="34" charset="0"/>
               </a:rPr>
-              <a:t>Both used in previous research</a:t>
-            </a:r>
+              <a:t>(</a:t>
+            </a:r>
+            <a:r>
+              <a:rPr lang="en-US" sz="1800" i="1" dirty="0">
+                <a:solidFill>
+                  <a:srgbClr val="000000"/>
+                </a:solidFill>
+                <a:effectLst/>
+                <a:latin typeface="Arial" panose="020B0604020202020204" pitchFamily="34" charset="0"/>
+                <a:ea typeface="Arial" panose="020B0604020202020204" pitchFamily="34" charset="0"/>
+                <a:cs typeface="Arial" panose="020B0604020202020204" pitchFamily="34" charset="0"/>
+              </a:rPr>
+              <a:t>2016-2017, and 2015-2017</a:t>
+            </a:r>
+            <a:r>
+              <a:rPr lang="en-US" sz="1800" dirty="0">
+                <a:solidFill>
+                  <a:srgbClr val="000000"/>
+                </a:solidFill>
+                <a:effectLst/>
+                <a:latin typeface="Arial" panose="020B0604020202020204" pitchFamily="34" charset="0"/>
+                <a:ea typeface="Arial" panose="020B0604020202020204" pitchFamily="34" charset="0"/>
+                <a:cs typeface="Arial" panose="020B0604020202020204" pitchFamily="34" charset="0"/>
+              </a:rPr>
+              <a:t>)</a:t>
+            </a:r>
+          </a:p>
+          <a:p>
+            <a:pPr marL="285750" marR="0" lvl="0" indent="-285750" algn="l" defTabSz="914400" rtl="0" eaLnBrk="0" fontAlgn="base" latinLnBrk="0" hangingPunct="0">
+              <a:lnSpc>
+                <a:spcPct val="100000"/>
+              </a:lnSpc>
+              <a:spcBef>
+                <a:spcPct val="30000"/>
+              </a:spcBef>
+              <a:spcAft>
+                <a:spcPct val="0"/>
+              </a:spcAft>
+              <a:buClrTx/>
+              <a:buSzTx/>
+              <a:buFont typeface="Arial" panose="020B0604020202020204" pitchFamily="34" charset="0"/>
+              <a:buChar char="•"/>
+              <a:tabLst/>
+              <a:defRPr/>
+            </a:pPr>
+            <a:endParaRPr lang="en-US" sz="1800" dirty="0">
+              <a:solidFill>
+                <a:srgbClr val="000000"/>
+              </a:solidFill>
+              <a:effectLst/>
+              <a:latin typeface="Arial" panose="020B0604020202020204" pitchFamily="34" charset="0"/>
+              <a:ea typeface="Arial" panose="020B0604020202020204" pitchFamily="34" charset="0"/>
+              <a:cs typeface="Arial" panose="020B0604020202020204" pitchFamily="34" charset="0"/>
+            </a:endParaRPr>
           </a:p>
         </p:txBody>
       </p:sp>
@@ -1666,22 +1706,13 @@
               <a:defRPr/>
             </a:pPr>
             <a:r>
-              <a:rPr lang="en-US" sz="1800" dirty="0" err="1">
-                <a:effectLst/>
-                <a:latin typeface="Times New Roman" panose="02020603050405020304" pitchFamily="18" charset="0"/>
-                <a:ea typeface="Arial" panose="020B0604020202020204" pitchFamily="34" charset="0"/>
-                <a:cs typeface="Arial" panose="020B0604020202020204" pitchFamily="34" charset="0"/>
-              </a:rPr>
-              <a:t>Datasat</a:t>
-            </a:r>
-            <a:r>
               <a:rPr lang="en-US" sz="1800" dirty="0">
                 <a:effectLst/>
                 <a:latin typeface="Times New Roman" panose="02020603050405020304" pitchFamily="18" charset="0"/>
                 <a:ea typeface="Arial" panose="020B0604020202020204" pitchFamily="34" charset="0"/>
                 <a:cs typeface="Arial" panose="020B0604020202020204" pitchFamily="34" charset="0"/>
               </a:rPr>
-              <a:t> 1 supposedly cleaned, as stated by Victoria University</a:t>
+              <a:t>Dataset 1</a:t>
             </a:r>
           </a:p>
           <a:p>
@@ -1709,7 +1740,35 @@
                 <a:ea typeface="Arial" panose="020B0604020202020204" pitchFamily="34" charset="0"/>
                 <a:cs typeface="Arial" panose="020B0604020202020204" pitchFamily="34" charset="0"/>
               </a:rPr>
-              <a:t>Systematic patterns, unrelated to articles</a:t>
+              <a:t>Systematic patterns, unrelated to the content of the articles</a:t>
+            </a:r>
+          </a:p>
+          <a:p>
+            <a:pPr marL="895243" marR="0" lvl="1" indent="-285750" algn="l" defTabSz="914400" rtl="0" eaLnBrk="0" fontAlgn="base" latinLnBrk="0" hangingPunct="0">
+              <a:lnSpc>
+                <a:spcPct val="100000"/>
+              </a:lnSpc>
+              <a:spcBef>
+                <a:spcPct val="30000"/>
+              </a:spcBef>
+              <a:spcAft>
+                <a:spcPct val="0"/>
+              </a:spcAft>
+              <a:buClrTx/>
+              <a:buSzTx/>
+              <a:buFont typeface="Arial" panose="020B0604020202020204" pitchFamily="34" charset="0"/>
+              <a:buChar char="•"/>
+              <a:tabLst/>
+              <a:defRPr/>
+            </a:pPr>
+            <a:r>
+              <a:rPr lang="en-US" sz="1800" dirty="0">
+                <a:effectLst/>
+                <a:latin typeface="Times New Roman" panose="02020603050405020304" pitchFamily="18" charset="0"/>
+                <a:ea typeface="Arial" panose="020B0604020202020204" pitchFamily="34" charset="0"/>
+                <a:cs typeface="Arial" panose="020B0604020202020204" pitchFamily="34" charset="0"/>
+              </a:rPr>
+              <a:t>REUTERS</a:t>
             </a:r>
             <a:endParaRPr lang="da-DK" sz="1800" dirty="0">
               <a:effectLst/>
@@ -1832,36 +1891,6 @@
               <a:t>Assess generalizability across datasets</a:t>
             </a:r>
           </a:p>
-          <a:p>
-            <a:pPr marL="895243" marR="0" lvl="1" indent="-285750" algn="l" defTabSz="914400" rtl="0" eaLnBrk="0" fontAlgn="base" latinLnBrk="0" hangingPunct="0">
-              <a:lnSpc>
-                <a:spcPct val="100000"/>
-              </a:lnSpc>
-              <a:spcBef>
-                <a:spcPct val="30000"/>
-              </a:spcBef>
-              <a:spcAft>
-                <a:spcPct val="0"/>
-              </a:spcAft>
-              <a:buClrTx/>
-              <a:buSzTx/>
-              <a:buFont typeface="Arial" panose="020B0604020202020204" pitchFamily="34" charset="0"/>
-              <a:buChar char="•"/>
-              <a:tabLst/>
-              <a:defRPr/>
-            </a:pPr>
-            <a:r>
-              <a:rPr lang="en-US" sz="1600" dirty="0">
-                <a:effectLst/>
-                <a:latin typeface="Times New Roman" panose="02020603050405020304" pitchFamily="18" charset="0"/>
-                <a:cs typeface="Arial" panose="020B0604020202020204" pitchFamily="34" charset="0"/>
-              </a:rPr>
-              <a:t>Train 2 models on two different datasets and cross-test</a:t>
-            </a:r>
-          </a:p>
-          <a:p>
-            <a:endParaRPr lang="da-DK" dirty="0"/>
-          </a:p>
         </p:txBody>
       </p:sp>
       <p:sp>
@@ -1964,7 +1993,43 @@
             </a:r>
             <a:r>
               <a:rPr lang="en-GB" dirty="0"/>
-              <a:t>), for classification of Fake/Real News</a:t>
+              <a:t>), for the task of classifying Fake/Real News</a:t>
+            </a:r>
+          </a:p>
+          <a:p>
+            <a:pPr marL="895243" lvl="1" indent="-285750">
+              <a:buFont typeface="Arial" panose="020B0604020202020204" pitchFamily="34" charset="0"/>
+              <a:buChar char="•"/>
+            </a:pPr>
+            <a:r>
+              <a:rPr lang="en-GB" dirty="0"/>
+              <a:t>One for 1</a:t>
+            </a:r>
+            <a:r>
+              <a:rPr lang="en-GB" baseline="30000" dirty="0"/>
+              <a:t>st</a:t>
+            </a:r>
+            <a:r>
+              <a:rPr lang="en-GB" dirty="0"/>
+              <a:t> dataset</a:t>
+            </a:r>
+          </a:p>
+          <a:p>
+            <a:pPr marL="895243" lvl="1" indent="-285750">
+              <a:buFont typeface="Arial" panose="020B0604020202020204" pitchFamily="34" charset="0"/>
+              <a:buChar char="•"/>
+            </a:pPr>
+            <a:r>
+              <a:rPr lang="en-GB" dirty="0"/>
+              <a:t>One for 2</a:t>
+            </a:r>
+            <a:r>
+              <a:rPr lang="en-GB" baseline="30000" dirty="0"/>
+              <a:t>nd</a:t>
+            </a:r>
+            <a:r>
+              <a:rPr lang="en-GB" dirty="0"/>
+              <a:t> dataset</a:t>
             </a:r>
           </a:p>
         </p:txBody>
@@ -2144,7 +2209,7 @@
             </a:pPr>
             <a:r>
               <a:rPr lang="en-GB" dirty="0"/>
-              <a:t>Data quality:</a:t>
+              <a:t>Performance related to data:</a:t>
             </a:r>
           </a:p>
           <a:p>
@@ -2154,7 +2219,7 @@
             </a:pPr>
             <a:r>
               <a:rPr lang="en-GB" dirty="0"/>
-              <a:t>Type of Fake News? These entries contain many abbreviations, misspellings, slang.</a:t>
+              <a:t>These entries contain many abbreviations, misspellings, slang.</a:t>
             </a:r>
           </a:p>
           <a:p>
@@ -2177,11 +2242,11 @@
             </a:pPr>
             <a:r>
               <a:rPr lang="en-GB" dirty="0"/>
-              <a:t>Seems scraped.</a:t>
-            </a:r>
-          </a:p>
-          <a:p>
-            <a:pPr marL="2114230" marR="0" lvl="3" indent="-285750" algn="l" defTabSz="914400" rtl="0" eaLnBrk="0" fontAlgn="base" latinLnBrk="0" hangingPunct="0">
+              <a:t>BUT it likely wouldn’t cause such high performance. </a:t>
+            </a:r>
+          </a:p>
+          <a:p>
+            <a:pPr marL="1504737" marR="0" lvl="2" indent="-285750" algn="l" defTabSz="914400" rtl="0" eaLnBrk="0" fontAlgn="base" latinLnBrk="0" hangingPunct="0">
               <a:lnSpc>
                 <a:spcPct val="100000"/>
               </a:lnSpc>
@@ -2200,37 +2265,7 @@
             </a:pPr>
             <a:r>
               <a:rPr lang="en-GB" dirty="0"/>
-              <a:t>Information Security and Object Technology, states that it has already been cleaned, surprising to us, when we inspected the data</a:t>
-            </a:r>
-          </a:p>
-          <a:p>
-            <a:pPr marL="1504737" lvl="2" indent="-285750">
-              <a:buFont typeface="Arial" panose="020B0604020202020204" pitchFamily="34" charset="0"/>
-              <a:buChar char="•"/>
-            </a:pPr>
-            <a:r>
-              <a:rPr lang="en-GB" dirty="0"/>
-              <a:t>BUT -&gt; Something we missed in cleaning? Possibly</a:t>
-            </a:r>
-          </a:p>
-          <a:p>
-            <a:pPr marL="895243" lvl="1" indent="-285750">
-              <a:buFont typeface="Arial" panose="020B0604020202020204" pitchFamily="34" charset="0"/>
-              <a:buChar char="•"/>
-            </a:pPr>
-            <a:r>
-              <a:rPr lang="en-GB" dirty="0"/>
-              <a:t>Don’t read too much into these results</a:t>
-            </a:r>
-          </a:p>
-          <a:p>
-            <a:pPr marL="895243" lvl="1" indent="-285750">
-              <a:buFont typeface="Arial" panose="020B0604020202020204" pitchFamily="34" charset="0"/>
-              <a:buChar char="•"/>
-            </a:pPr>
-            <a:r>
-              <a:rPr lang="en-GB" dirty="0"/>
-              <a:t>It is concerning that Ahmed et al., published two papers.</a:t>
+              <a:t>Dataset poor quality, possible we missed something similar to the “REUTERS” in our cleaning</a:t>
             </a:r>
           </a:p>
           <a:p>
@@ -2257,17 +2292,7 @@
             </a:pPr>
             <a:r>
               <a:rPr lang="en-GB" dirty="0"/>
-              <a:t>0.80 reasonable</a:t>
-            </a:r>
-          </a:p>
-          <a:p>
-            <a:pPr marL="895243" lvl="1" indent="-285750">
-              <a:buFont typeface="Arial" panose="020B0604020202020204" pitchFamily="34" charset="0"/>
-              <a:buChar char="•"/>
-            </a:pPr>
-            <a:r>
-              <a:rPr lang="en-GB" dirty="0"/>
-              <a:t>Large drop in performance -&gt; this model more trustworthy results</a:t>
+              <a:t>More reasonable</a:t>
             </a:r>
           </a:p>
           <a:p>
@@ -2281,6 +2306,16 @@
             </a:r>
           </a:p>
           <a:p>
+            <a:pPr marL="895243" lvl="1" indent="-285750">
+              <a:buFont typeface="Arial" panose="020B0604020202020204" pitchFamily="34" charset="0"/>
+              <a:buChar char="•"/>
+            </a:pPr>
+            <a:r>
+              <a:rPr lang="en-GB" dirty="0"/>
+              <a:t>Garbage in – garbage out</a:t>
+            </a:r>
+          </a:p>
+          <a:p>
             <a:pPr marL="609493" lvl="1" indent="0">
               <a:buFont typeface="Arial" panose="020B0604020202020204" pitchFamily="34" charset="0"/>
               <a:buNone/>
@@ -2314,7 +2349,7 @@
             </a:pPr>
             <a:r>
               <a:rPr lang="en-GB" dirty="0"/>
-              <a:t>-&gt; Suggests problem for not only our models, but also for the field? Maybe</a:t>
+              <a:t>-&gt; Suggests problem for not only our models, but also for the field?</a:t>
             </a:r>
           </a:p>
           <a:p>
@@ -2331,30 +2366,27 @@
             </a:pPr>
             <a:r>
               <a:rPr lang="en-GB" dirty="0"/>
-              <a:t>This could be accommodated by 2 factors:</a:t>
-            </a:r>
-          </a:p>
-          <a:p>
-            <a:pPr marL="895243" marR="0" lvl="1" indent="-285750" algn="l" defTabSz="914400" rtl="0" eaLnBrk="0" fontAlgn="base" latinLnBrk="0" hangingPunct="0">
-              <a:lnSpc>
-                <a:spcPct val="100000"/>
-              </a:lnSpc>
-              <a:spcBef>
-                <a:spcPct val="30000"/>
-              </a:spcBef>
-              <a:spcAft>
-                <a:spcPct val="0"/>
-              </a:spcAft>
-              <a:buClrTx/>
-              <a:buSzTx/>
-              <a:buFont typeface="Arial" panose="020B0604020202020204" pitchFamily="34" charset="0"/>
-              <a:buChar char="•"/>
-              <a:tabLst/>
-              <a:defRPr/>
+              <a:t>Generalizability problem may, however, be accommodated in future research by:</a:t>
+            </a:r>
+          </a:p>
+          <a:p>
+            <a:pPr marL="895243" lvl="1" indent="-285750">
+              <a:buFont typeface="Arial" panose="020B0604020202020204" pitchFamily="34" charset="0"/>
+              <a:buChar char="•"/>
             </a:pPr>
             <a:r>
               <a:rPr lang="en-GB" dirty="0"/>
-              <a:t>1) Assess generalizability of models (cross-test) - Know predictive capabilities in real-world settings.</a:t>
+              <a:t>1) Assess generalizability of models more, e.g. -&gt; Cross-testing own models on other datasets</a:t>
+            </a:r>
+          </a:p>
+          <a:p>
+            <a:pPr marL="2114230" lvl="3" indent="-285750">
+              <a:buFont typeface="Arial" panose="020B0604020202020204" pitchFamily="34" charset="0"/>
+              <a:buChar char="•"/>
+            </a:pPr>
+            <a:r>
+              <a:rPr lang="en-GB" dirty="0"/>
+              <a:t>-&gt; This would enable us in knowing predictive capabilities in something closer to real-world settings.</a:t>
             </a:r>
           </a:p>
           <a:p>
@@ -2364,7 +2396,7 @@
             </a:pPr>
             <a:r>
               <a:rPr lang="en-GB" dirty="0"/>
-              <a:t>Open science (sharing scripts and datasets)</a:t>
+              <a:t>Open science practices may allow this (sharing models, scripts and datasets)</a:t>
             </a:r>
           </a:p>
           <a:p>
@@ -2381,7 +2413,7 @@
             </a:pPr>
             <a:r>
               <a:rPr lang="en-GB" dirty="0"/>
-              <a:t>2) Data awareness/scepticism</a:t>
+              <a:t>2) If generalizability problems, then could be accommodated by focusing on data and having data awareness</a:t>
             </a:r>
           </a:p>
           <a:p>
@@ -2391,88 +2423,27 @@
             </a:pPr>
             <a:r>
               <a:rPr lang="en-GB" dirty="0"/>
-              <a:t>Be wary of dataset quality (avoid unrelated systematic patterns)</a:t>
-            </a:r>
-          </a:p>
-          <a:p>
-            <a:pPr marL="1504737" lvl="2" indent="-285750">
+              <a:t>Large, publicly available datasets of high quality seems to be lacking within the field</a:t>
+            </a:r>
+          </a:p>
+          <a:p>
+            <a:pPr marL="2114230" lvl="3" indent="-285750">
               <a:buFont typeface="Arial" panose="020B0604020202020204" pitchFamily="34" charset="0"/>
               <a:buChar char="•"/>
             </a:pPr>
             <a:r>
               <a:rPr lang="en-GB" dirty="0"/>
-              <a:t>Definition of Fake News</a:t>
-            </a:r>
-          </a:p>
-          <a:p>
-            <a:pPr marL="2114230" lvl="3" indent="-285750">
+              <a:t>Best if sampled from a wide array of sources.</a:t>
+            </a:r>
+          </a:p>
+          <a:p>
+            <a:pPr marL="2723723" lvl="4" indent="-285750">
               <a:buFont typeface="Arial" panose="020B0604020202020204" pitchFamily="34" charset="0"/>
               <a:buChar char="•"/>
             </a:pPr>
             <a:r>
               <a:rPr lang="en-GB" dirty="0"/>
-              <a:t>Universally accepted</a:t>
-            </a:r>
-          </a:p>
-          <a:p>
-            <a:pPr marL="2723723" lvl="4" indent="-285750">
-              <a:buFont typeface="Arial" panose="020B0604020202020204" pitchFamily="34" charset="0"/>
-              <a:buChar char="•"/>
-            </a:pPr>
-            <a:r>
-              <a:rPr lang="en-GB" dirty="0"/>
-              <a:t>Allows for sharing and expanding datasets</a:t>
-            </a:r>
-          </a:p>
-          <a:p>
-            <a:pPr marL="2723723" lvl="4" indent="-285750">
-              <a:buFont typeface="Arial" panose="020B0604020202020204" pitchFamily="34" charset="0"/>
-              <a:buChar char="•"/>
-            </a:pPr>
-            <a:r>
-              <a:rPr lang="en-US" dirty="0"/>
-              <a:t>Models would generalize if there was agreement on what we’re classifying?  E.g. should satirical fake news be included? They were initially included in dataset 2</a:t>
-            </a:r>
-            <a:endParaRPr lang="en-GB" dirty="0"/>
-          </a:p>
-          <a:p>
-            <a:pPr marL="2114230" lvl="3" indent="-285750">
-              <a:buFont typeface="Arial" panose="020B0604020202020204" pitchFamily="34" charset="0"/>
-              <a:buChar char="•"/>
-            </a:pPr>
-            <a:r>
-              <a:rPr lang="en-GB" dirty="0"/>
-              <a:t>Practically applicable:</a:t>
-            </a:r>
-          </a:p>
-          <a:p>
-            <a:pPr marL="2723723" lvl="4" indent="-285750">
-              <a:buFont typeface="Arial" panose="020B0604020202020204" pitchFamily="34" charset="0"/>
-              <a:buChar char="•"/>
-            </a:pPr>
-            <a:r>
-              <a:rPr lang="en-GB" dirty="0"/>
-              <a:t>Steadfast rules for coding whether news articles were Fake or Real. </a:t>
-            </a:r>
-          </a:p>
-          <a:p>
-            <a:pPr marL="2723723" lvl="4" indent="-285750">
-              <a:buFont typeface="Arial" panose="020B0604020202020204" pitchFamily="34" charset="0"/>
-              <a:buChar char="•"/>
-            </a:pPr>
-            <a:r>
-              <a:rPr lang="en-GB" dirty="0"/>
-              <a:t>Johan and I sometimes in doubt.</a:t>
-            </a:r>
-          </a:p>
-          <a:p>
-            <a:pPr marL="2723723" lvl="4" indent="-285750">
-              <a:buFont typeface="Arial" panose="020B0604020202020204" pitchFamily="34" charset="0"/>
-              <a:buChar char="•"/>
-            </a:pPr>
-            <a:r>
-              <a:rPr lang="en-US" dirty="0"/>
-              <a:t>Streamline datasets for expanding or sharing</a:t>
+              <a:t>-&gt; Poor generalizability of models often stem from non-representative data</a:t>
             </a:r>
           </a:p>
         </p:txBody>
@@ -2611,7 +2582,7 @@
               <a:rPr lang="en-US" sz="1800" b="0" i="0" u="none" strike="noStrike" baseline="0" dirty="0">
                 <a:latin typeface="SFRM1000"/>
               </a:rPr>
-              <a:t>To assess temporal generalizability problems -&gt; better to include BERT models for time periods</a:t>
+              <a:t>To assess temporal generalizability problems -&gt; a more direct way would be to train BERT model on an earlier period, and test on a later</a:t>
             </a:r>
           </a:p>
           <a:p>
@@ -2636,7 +2607,7 @@
               <a:rPr lang="en-US" sz="1800" b="0" i="0" u="none" strike="noStrike" baseline="0" dirty="0">
                 <a:latin typeface="SFRM1000"/>
               </a:rPr>
-              <a:t>More direct, but we also wanted a bit of a challenge</a:t>
+              <a:t>But we wanted something differently than just more BERT modeling</a:t>
             </a:r>
           </a:p>
           <a:p>
@@ -3257,6 +3228,24 @@
               <a:buFont typeface="Arial" panose="020B0604020202020204" pitchFamily="34" charset="0"/>
               <a:buChar char="•"/>
             </a:pPr>
+            <a:r>
+              <a:rPr lang="en-GB" b="0" dirty="0"/>
+              <a:t>We did that by computing the cosine distances of the words in word-embedding space, between period 1 and period 5.</a:t>
+            </a:r>
+          </a:p>
+          <a:p>
+            <a:pPr marL="895243" lvl="1" indent="-285750">
+              <a:buFont typeface="Arial" panose="020B0604020202020204" pitchFamily="34" charset="0"/>
+              <a:buChar char="•"/>
+            </a:pPr>
+            <a:r>
+              <a:rPr lang="en-GB" b="0" dirty="0"/>
+              <a:t>As distances in word embedding space are a proxy for semantic </a:t>
+            </a:r>
+            <a:r>
+              <a:rPr lang="en-GB" b="0" dirty="0" err="1"/>
+              <a:t>similiarity</a:t>
+            </a:r>
             <a:endParaRPr lang="en-GB" b="0" dirty="0"/>
           </a:p>
         </p:txBody>
@@ -3352,8 +3341,8 @@
               <a:buChar char="•"/>
             </a:pPr>
             <a:r>
-              <a:rPr lang="en-GB" dirty="0"/>
-              <a:t>Semantic shift -&gt; Distance in word embedding space</a:t>
+              <a:rPr lang="en-GB" b="0" dirty="0"/>
+              <a:t>We then looked at the changes in the 10 nearest neighbours for the nouns, across time.</a:t>
             </a:r>
           </a:p>
           <a:p>
@@ -3362,28 +3351,8 @@
               <a:buChar char="•"/>
             </a:pPr>
             <a:r>
-              <a:rPr lang="en-GB" dirty="0"/>
-              <a:t>0.8 means large (some studies suggest, but arbitrary cut-off). </a:t>
-            </a:r>
-          </a:p>
-          <a:p>
-            <a:pPr marL="895243" lvl="1" indent="-285750">
-              <a:buFont typeface="Arial" panose="020B0604020202020204" pitchFamily="34" charset="0"/>
-              <a:buChar char="•"/>
-            </a:pPr>
-            <a:r>
-              <a:rPr lang="en-GB" dirty="0"/>
-              <a:t>After submitting our synopsis, we, moreover, found some more problems which I might go into later, regarding the use of cosine distances, and comparing vector representations across different embedding spaces. </a:t>
-            </a:r>
-          </a:p>
-          <a:p>
-            <a:pPr marL="1504737" lvl="2" indent="-285750">
-              <a:buFont typeface="Arial" panose="020B0604020202020204" pitchFamily="34" charset="0"/>
-              <a:buChar char="•"/>
-            </a:pPr>
-            <a:r>
-              <a:rPr lang="en-GB" dirty="0"/>
-              <a:t>But only if we have the time.</a:t>
+              <a:rPr lang="en-GB" b="0" dirty="0"/>
+              <a:t>To investigate whether the most semantically similar words changes over time.</a:t>
             </a:r>
           </a:p>
         </p:txBody>
@@ -3420,7 +3389,7 @@
     </p:spTree>
     <p:extLst>
       <p:ext uri="{BB962C8B-B14F-4D97-AF65-F5344CB8AC3E}">
-        <p14:creationId xmlns:p14="http://schemas.microsoft.com/office/powerpoint/2010/main" val="657350138"/>
+        <p14:creationId xmlns:p14="http://schemas.microsoft.com/office/powerpoint/2010/main" val="239092441"/>
       </p:ext>
     </p:extLst>
   </p:cSld>
@@ -3474,13 +3443,13 @@
           <a:bodyPr/>
           <a:lstStyle/>
           <a:p>
-            <a:pPr marL="285750" indent="-285750">
-              <a:buFont typeface="Arial" panose="020B0604020202020204" pitchFamily="34" charset="0"/>
-              <a:buChar char="•"/>
-            </a:pPr>
-            <a:r>
-              <a:rPr lang="en-GB" i="0" dirty="0"/>
-              <a:t>Explain graph -&gt; </a:t>
+            <a:pPr marL="285750" lvl="0" indent="-285750">
+              <a:buFont typeface="Arial" panose="020B0604020202020204" pitchFamily="34" charset="0"/>
+              <a:buChar char="•"/>
+            </a:pPr>
+            <a:r>
+              <a:rPr lang="en-GB" dirty="0"/>
+              <a:t>Found problems after submitting synopsis</a:t>
             </a:r>
           </a:p>
           <a:p>
@@ -3489,8 +3458,8 @@
               <a:buChar char="•"/>
             </a:pPr>
             <a:r>
-              <a:rPr lang="en-GB" i="0" dirty="0"/>
-              <a:t>Syria in beginning, </a:t>
+              <a:rPr lang="en-GB" dirty="0"/>
+              <a:t>regarding cosine distances</a:t>
             </a:r>
           </a:p>
           <a:p>
@@ -3499,98 +3468,8 @@
               <a:buChar char="•"/>
             </a:pPr>
             <a:r>
-              <a:rPr lang="en-GB" i="0" dirty="0"/>
-              <a:t>Meddle + Collude in end (US election)</a:t>
-            </a:r>
-          </a:p>
-          <a:p>
-            <a:pPr marL="0" indent="0">
-              <a:buFont typeface="Arial" panose="020B0604020202020204" pitchFamily="34" charset="0"/>
-              <a:buNone/>
-            </a:pPr>
-            <a:endParaRPr lang="en-GB" i="1" dirty="0"/>
-          </a:p>
-          <a:p>
-            <a:pPr marL="285750" marR="0" lvl="0" indent="-285750" algn="l" defTabSz="914400" rtl="0" eaLnBrk="0" fontAlgn="base" latinLnBrk="0" hangingPunct="0">
-              <a:lnSpc>
-                <a:spcPct val="100000"/>
-              </a:lnSpc>
-              <a:spcBef>
-                <a:spcPct val="30000"/>
-              </a:spcBef>
-              <a:spcAft>
-                <a:spcPct val="0"/>
-              </a:spcAft>
-              <a:buClrTx/>
-              <a:buSzTx/>
-              <a:buFont typeface="Arial" panose="020B0604020202020204" pitchFamily="34" charset="0"/>
-              <a:buChar char="•"/>
-              <a:tabLst/>
-              <a:defRPr/>
-            </a:pPr>
-            <a:r>
-              <a:rPr lang="en-US" sz="1600" b="0" i="0" u="none" strike="noStrike" baseline="0" dirty="0">
-                <a:latin typeface="+mj-lt"/>
-              </a:rPr>
-              <a:t>Illustrates</a:t>
-            </a:r>
-            <a:r>
-              <a:rPr lang="en-US" sz="1800" b="0" i="0" u="none" strike="noStrike" baseline="0" dirty="0">
-                <a:latin typeface="SFRM1000"/>
-              </a:rPr>
-              <a:t> how non-</a:t>
-            </a:r>
-            <a:r>
-              <a:rPr lang="en-US" sz="1800" b="0" i="0" u="none" strike="noStrike" baseline="0" dirty="0" err="1">
-                <a:latin typeface="SFRM1000"/>
-              </a:rPr>
-              <a:t>staticity</a:t>
-            </a:r>
-            <a:r>
-              <a:rPr lang="en-US" sz="1800" b="0" i="0" u="none" strike="noStrike" baseline="0" dirty="0">
-                <a:latin typeface="SFRM1000"/>
-              </a:rPr>
-              <a:t> interferes with building word-embedding representations that are reliable and generalizable across time periods.</a:t>
-            </a:r>
-          </a:p>
-          <a:p>
-            <a:pPr marL="285750" marR="0" lvl="0" indent="-285750" algn="l" defTabSz="914400" rtl="0" eaLnBrk="0" fontAlgn="base" latinLnBrk="0" hangingPunct="0">
-              <a:lnSpc>
-                <a:spcPct val="100000"/>
-              </a:lnSpc>
-              <a:spcBef>
-                <a:spcPct val="30000"/>
-              </a:spcBef>
-              <a:spcAft>
-                <a:spcPct val="0"/>
-              </a:spcAft>
-              <a:buClrTx/>
-              <a:buSzTx/>
-              <a:buFont typeface="Arial" panose="020B0604020202020204" pitchFamily="34" charset="0"/>
-              <a:buChar char="•"/>
-              <a:tabLst/>
-              <a:defRPr/>
-            </a:pPr>
-            <a:r>
-              <a:rPr lang="en-US" sz="1800" b="0" i="0" u="none" strike="noStrike" baseline="0" dirty="0">
-                <a:latin typeface="SFRM1000"/>
-              </a:rPr>
-              <a:t>This, in turn, also means that building a model for classification on some dataset from a given period, would not necessarily make the model generalizable to future datasets.</a:t>
-            </a:r>
-            <a:endParaRPr lang="en-GB" sz="1800" b="0" i="0" u="none" strike="noStrike" baseline="0" dirty="0">
-              <a:latin typeface="SFRM1000"/>
-            </a:endParaRPr>
-          </a:p>
-          <a:p>
-            <a:pPr marL="285750" lvl="0" indent="-285750">
-              <a:buFont typeface="Arial" panose="020B0604020202020204" pitchFamily="34" charset="0"/>
-              <a:buChar char="•"/>
-            </a:pPr>
-            <a:r>
-              <a:rPr lang="en-GB" sz="1800" b="0" i="0" u="none" strike="noStrike" baseline="0" dirty="0">
-                <a:latin typeface="SFRM1000"/>
-              </a:rPr>
-              <a:t>Hypothetically, given a large enough dataset that spans enough time:</a:t>
+              <a:rPr lang="en-GB" dirty="0"/>
+              <a:t>and comparing vector representations across different embedding spaces</a:t>
             </a:r>
           </a:p>
           <a:p>
@@ -3599,138 +3478,9 @@
               <a:buChar char="•"/>
             </a:pPr>
             <a:r>
-              <a:rPr lang="en-GB" sz="1800" b="0" i="0" u="none" strike="noStrike" baseline="0" dirty="0">
-                <a:latin typeface="SFRM1000"/>
-              </a:rPr>
-              <a:t>Not impossible that a model might learn more general patterns, that are unrelated to time-specific topics of news.</a:t>
-            </a:r>
-          </a:p>
-          <a:p>
-            <a:pPr marL="895243" lvl="1" indent="-285750">
-              <a:buFont typeface="Arial" panose="020B0604020202020204" pitchFamily="34" charset="0"/>
-              <a:buChar char="•"/>
-            </a:pPr>
-            <a:r>
-              <a:rPr lang="en-GB" sz="1800" b="0" i="0" u="none" strike="noStrike" baseline="0" dirty="0">
-                <a:latin typeface="SFRM1000"/>
-              </a:rPr>
-              <a:t>However, not feasible since it requires large datasets spanning a large timeframe. -&gt; Right now, hardly any publicly available data (the large dataset was bad quality, and the small was very small).</a:t>
-            </a:r>
-            <a:endParaRPr lang="en-GB" dirty="0"/>
-          </a:p>
-          <a:p>
-            <a:pPr marL="285750" lvl="0" indent="-285750">
-              <a:buFont typeface="Arial" panose="020B0604020202020204" pitchFamily="34" charset="0"/>
-              <a:buChar char="•"/>
-            </a:pPr>
-            <a:r>
               <a:rPr lang="en-GB" dirty="0"/>
-              <a:t>Instead, if we want to practically implement these models, we, therefore, need to:</a:t>
-            </a:r>
-          </a:p>
-          <a:p>
-            <a:pPr marL="895243" lvl="1" indent="-285750">
-              <a:buFont typeface="Arial" panose="020B0604020202020204" pitchFamily="34" charset="0"/>
-              <a:buChar char="•"/>
-            </a:pPr>
-            <a:r>
-              <a:rPr lang="en-GB" dirty="0"/>
-              <a:t>Continually update or retrain models with newest data</a:t>
-            </a:r>
-          </a:p>
-          <a:p>
-            <a:pPr marL="0" marR="0" lvl="0" indent="0" algn="l" defTabSz="914400" rtl="0" eaLnBrk="0" fontAlgn="base" latinLnBrk="0" hangingPunct="0">
-              <a:lnSpc>
-                <a:spcPct val="100000"/>
-              </a:lnSpc>
-              <a:spcBef>
-                <a:spcPct val="30000"/>
-              </a:spcBef>
-              <a:spcAft>
-                <a:spcPct val="0"/>
-              </a:spcAft>
-              <a:buClrTx/>
-              <a:buSzTx/>
-              <a:buFont typeface="Arial" panose="020B0604020202020204" pitchFamily="34" charset="0"/>
-              <a:buNone/>
-              <a:tabLst/>
-              <a:defRPr/>
-            </a:pPr>
-            <a:endParaRPr lang="en-US" sz="1800" b="0" i="0" u="none" strike="noStrike" baseline="0" dirty="0">
-              <a:latin typeface="SFRM1000"/>
-            </a:endParaRPr>
-          </a:p>
-          <a:p>
-            <a:pPr marL="285750" marR="0" lvl="0" indent="-285750" algn="l" defTabSz="914400" rtl="0" eaLnBrk="0" fontAlgn="base" latinLnBrk="0" hangingPunct="0">
-              <a:lnSpc>
-                <a:spcPct val="100000"/>
-              </a:lnSpc>
-              <a:spcBef>
-                <a:spcPct val="30000"/>
-              </a:spcBef>
-              <a:spcAft>
-                <a:spcPct val="0"/>
-              </a:spcAft>
-              <a:buClrTx/>
-              <a:buSzTx/>
-              <a:buFont typeface="Arial" panose="020B0604020202020204" pitchFamily="34" charset="0"/>
-              <a:buChar char="•"/>
-              <a:tabLst/>
-              <a:defRPr/>
-            </a:pPr>
-            <a:r>
-              <a:rPr lang="en-US" sz="1800" b="0" i="0" u="none" strike="noStrike" baseline="0" dirty="0">
-                <a:latin typeface="SFRM1000"/>
-              </a:rPr>
-              <a:t>However; these results should be taken with a grain of salt:</a:t>
-            </a:r>
-          </a:p>
-          <a:p>
-            <a:pPr marL="895243" marR="0" lvl="1" indent="-285750" algn="l" defTabSz="914400" rtl="0" eaLnBrk="0" fontAlgn="base" latinLnBrk="0" hangingPunct="0">
-              <a:lnSpc>
-                <a:spcPct val="100000"/>
-              </a:lnSpc>
-              <a:spcBef>
-                <a:spcPct val="30000"/>
-              </a:spcBef>
-              <a:spcAft>
-                <a:spcPct val="0"/>
-              </a:spcAft>
-              <a:buClrTx/>
-              <a:buSzTx/>
-              <a:buFont typeface="Arial" panose="020B0604020202020204" pitchFamily="34" charset="0"/>
-              <a:buChar char="•"/>
-              <a:tabLst/>
-              <a:defRPr/>
-            </a:pPr>
-            <a:r>
-              <a:rPr lang="en-US" sz="1800" b="0" i="0" u="none" strike="noStrike" baseline="0" dirty="0">
-                <a:latin typeface="SFRM1000"/>
-              </a:rPr>
-              <a:t>We handpicked words with most drastic changes in semantics (embedding space). Thus not scientifically rigorous practice -&gt; prove a point.</a:t>
-            </a:r>
-          </a:p>
-          <a:p>
-            <a:pPr marL="895243" marR="0" lvl="1" indent="-285750" algn="l" defTabSz="914400" rtl="0" eaLnBrk="0" fontAlgn="base" latinLnBrk="0" hangingPunct="0">
-              <a:lnSpc>
-                <a:spcPct val="100000"/>
-              </a:lnSpc>
-              <a:spcBef>
-                <a:spcPct val="30000"/>
-              </a:spcBef>
-              <a:spcAft>
-                <a:spcPct val="0"/>
-              </a:spcAft>
-              <a:buClrTx/>
-              <a:buSzTx/>
-              <a:buFont typeface="Arial" panose="020B0604020202020204" pitchFamily="34" charset="0"/>
-              <a:buChar char="•"/>
-              <a:tabLst/>
-              <a:defRPr/>
-            </a:pPr>
-            <a:endParaRPr lang="en-US" sz="1800" b="0" i="0" u="none" strike="noStrike" baseline="0" dirty="0">
-              <a:latin typeface="SFRM1000"/>
-            </a:endParaRPr>
+              <a:t>feel free to ask</a:t>
+            </a:r>
           </a:p>
         </p:txBody>
       </p:sp>
@@ -3766,7 +3516,7 @@
     </p:spTree>
     <p:extLst>
       <p:ext uri="{BB962C8B-B14F-4D97-AF65-F5344CB8AC3E}">
-        <p14:creationId xmlns:p14="http://schemas.microsoft.com/office/powerpoint/2010/main" val="3843509921"/>
+        <p14:creationId xmlns:p14="http://schemas.microsoft.com/office/powerpoint/2010/main" val="657350138"/>
       </p:ext>
     </p:extLst>
   </p:cSld>
@@ -3795,7 +3545,7 @@
       </p:grpSpPr>
       <p:sp>
         <p:nvSpPr>
-          <p:cNvPr id="2" name="Slide Image Placeholder 1"/>
+          <p:cNvPr id="2" name="Pladsholder til slidebillede 1"/>
           <p:cNvSpPr>
             <a:spLocks noGrp="1" noRot="1" noChangeAspect="1"/>
           </p:cNvSpPr>
@@ -3807,7 +3557,7 @@
       </p:sp>
       <p:sp>
         <p:nvSpPr>
-          <p:cNvPr id="3" name="Notes Placeholder 2"/>
+          <p:cNvPr id="3" name="Pladsholder til noter 2"/>
           <p:cNvSpPr>
             <a:spLocks noGrp="1"/>
           </p:cNvSpPr>
@@ -3820,22 +3570,335 @@
           <a:bodyPr/>
           <a:lstStyle/>
           <a:p>
-            <a:r>
-              <a:rPr lang="en-US" dirty="0"/>
-              <a:t>Concluding remarks</a:t>
-            </a:r>
-            <a:endParaRPr lang="da-DK" dirty="0"/>
-          </a:p>
-        </p:txBody>
-      </p:sp>
-      <p:sp>
-        <p:nvSpPr>
-          <p:cNvPr id="4" name="Slide Number Placeholder 3"/>
+            <a:pPr marL="285750" indent="-285750">
+              <a:buFont typeface="Arial" panose="020B0604020202020204" pitchFamily="34" charset="0"/>
+              <a:buChar char="•"/>
+            </a:pPr>
+            <a:r>
+              <a:rPr lang="en-GB" i="0" dirty="0"/>
+              <a:t>Explain graph -&gt; </a:t>
+            </a:r>
+          </a:p>
+          <a:p>
+            <a:pPr marL="895243" lvl="1" indent="-285750">
+              <a:buFont typeface="Arial" panose="020B0604020202020204" pitchFamily="34" charset="0"/>
+              <a:buChar char="•"/>
+            </a:pPr>
+            <a:r>
+              <a:rPr lang="en-GB" i="0" dirty="0"/>
+              <a:t>Syria in beginning, </a:t>
+            </a:r>
+          </a:p>
+          <a:p>
+            <a:pPr marL="895243" lvl="1" indent="-285750">
+              <a:buFont typeface="Arial" panose="020B0604020202020204" pitchFamily="34" charset="0"/>
+              <a:buChar char="•"/>
+            </a:pPr>
+            <a:r>
+              <a:rPr lang="en-GB" i="0" dirty="0"/>
+              <a:t>Meddle + Collude in end (US election)</a:t>
+            </a:r>
+          </a:p>
+          <a:p>
+            <a:pPr marL="0" indent="0">
+              <a:buFont typeface="Arial" panose="020B0604020202020204" pitchFamily="34" charset="0"/>
+              <a:buNone/>
+            </a:pPr>
+            <a:endParaRPr lang="en-GB" i="1" dirty="0"/>
+          </a:p>
+          <a:p>
+            <a:pPr marL="285750" marR="0" lvl="0" indent="-285750" algn="l" defTabSz="914400" rtl="0" eaLnBrk="0" fontAlgn="base" latinLnBrk="0" hangingPunct="0">
+              <a:lnSpc>
+                <a:spcPct val="100000"/>
+              </a:lnSpc>
+              <a:spcBef>
+                <a:spcPct val="30000"/>
+              </a:spcBef>
+              <a:spcAft>
+                <a:spcPct val="0"/>
+              </a:spcAft>
+              <a:buClrTx/>
+              <a:buSzTx/>
+              <a:buFont typeface="Arial" panose="020B0604020202020204" pitchFamily="34" charset="0"/>
+              <a:buChar char="•"/>
+              <a:tabLst/>
+              <a:defRPr/>
+            </a:pPr>
+            <a:r>
+              <a:rPr lang="en-US" sz="1800" b="0" i="0" u="none" strike="noStrike" baseline="0" dirty="0">
+                <a:latin typeface="SFRM1000"/>
+              </a:rPr>
+              <a:t>So we see large changes in semantics across time</a:t>
+            </a:r>
+          </a:p>
+          <a:p>
+            <a:pPr marL="285750" marR="0" lvl="0" indent="-285750" algn="l" defTabSz="914400" rtl="0" eaLnBrk="0" fontAlgn="base" latinLnBrk="0" hangingPunct="0">
+              <a:lnSpc>
+                <a:spcPct val="100000"/>
+              </a:lnSpc>
+              <a:spcBef>
+                <a:spcPct val="30000"/>
+              </a:spcBef>
+              <a:spcAft>
+                <a:spcPct val="0"/>
+              </a:spcAft>
+              <a:buClrTx/>
+              <a:buSzTx/>
+              <a:buFont typeface="Arial" panose="020B0604020202020204" pitchFamily="34" charset="0"/>
+              <a:buChar char="•"/>
+              <a:tabLst/>
+              <a:defRPr/>
+            </a:pPr>
+            <a:r>
+              <a:rPr lang="en-US" sz="1800" b="0" i="0" u="none" strike="noStrike" baseline="0" dirty="0">
+                <a:latin typeface="SFRM1000"/>
+              </a:rPr>
+              <a:t>Findings with grain of salt:</a:t>
+            </a:r>
+          </a:p>
+          <a:p>
+            <a:pPr marL="895243" marR="0" lvl="1" indent="-285750" algn="l" defTabSz="914400" rtl="0" eaLnBrk="0" fontAlgn="base" latinLnBrk="0" hangingPunct="0">
+              <a:lnSpc>
+                <a:spcPct val="100000"/>
+              </a:lnSpc>
+              <a:spcBef>
+                <a:spcPct val="30000"/>
+              </a:spcBef>
+              <a:spcAft>
+                <a:spcPct val="0"/>
+              </a:spcAft>
+              <a:buClrTx/>
+              <a:buSzTx/>
+              <a:buFont typeface="Arial" panose="020B0604020202020204" pitchFamily="34" charset="0"/>
+              <a:buChar char="•"/>
+              <a:tabLst/>
+              <a:defRPr/>
+            </a:pPr>
+            <a:r>
+              <a:rPr lang="en-US" sz="1800" b="0" i="0" u="none" strike="noStrike" baseline="0" dirty="0">
+                <a:latin typeface="SFRM1000"/>
+              </a:rPr>
+              <a:t>We handpicked words with most drastic changes in semantics</a:t>
+            </a:r>
+          </a:p>
+          <a:p>
+            <a:pPr marL="609493" marR="0" lvl="1" indent="0" algn="l" defTabSz="914400" rtl="0" eaLnBrk="0" fontAlgn="base" latinLnBrk="0" hangingPunct="0">
+              <a:lnSpc>
+                <a:spcPct val="100000"/>
+              </a:lnSpc>
+              <a:spcBef>
+                <a:spcPct val="30000"/>
+              </a:spcBef>
+              <a:spcAft>
+                <a:spcPct val="0"/>
+              </a:spcAft>
+              <a:buClrTx/>
+              <a:buSzTx/>
+              <a:buFont typeface="Arial" panose="020B0604020202020204" pitchFamily="34" charset="0"/>
+              <a:buNone/>
+              <a:tabLst/>
+              <a:defRPr/>
+            </a:pPr>
+            <a:endParaRPr lang="en-GB" i="1" dirty="0"/>
+          </a:p>
+          <a:p>
+            <a:pPr marL="285750" marR="0" lvl="0" indent="-285750" algn="l" defTabSz="914400" rtl="0" eaLnBrk="0" fontAlgn="base" latinLnBrk="0" hangingPunct="0">
+              <a:lnSpc>
+                <a:spcPct val="100000"/>
+              </a:lnSpc>
+              <a:spcBef>
+                <a:spcPct val="30000"/>
+              </a:spcBef>
+              <a:spcAft>
+                <a:spcPct val="0"/>
+              </a:spcAft>
+              <a:buClrTx/>
+              <a:buSzTx/>
+              <a:buFont typeface="Arial" panose="020B0604020202020204" pitchFamily="34" charset="0"/>
+              <a:buChar char="•"/>
+              <a:tabLst/>
+              <a:defRPr/>
+            </a:pPr>
+            <a:r>
+              <a:rPr lang="en-US" sz="1600" b="0" i="0" u="none" strike="noStrike" baseline="0" dirty="0">
+                <a:latin typeface="+mj-lt"/>
+              </a:rPr>
+              <a:t>Illustrates</a:t>
+            </a:r>
+            <a:r>
+              <a:rPr lang="en-US" sz="1800" b="0" i="0" u="none" strike="noStrike" baseline="0" dirty="0">
+                <a:latin typeface="SFRM1000"/>
+              </a:rPr>
+              <a:t> how non-</a:t>
+            </a:r>
+            <a:r>
+              <a:rPr lang="en-US" sz="1800" b="0" i="0" u="none" strike="noStrike" baseline="0" dirty="0" err="1">
+                <a:latin typeface="SFRM1000"/>
+              </a:rPr>
+              <a:t>staticity</a:t>
+            </a:r>
+            <a:r>
+              <a:rPr lang="en-US" sz="1800" b="0" i="0" u="none" strike="noStrike" baseline="0" dirty="0">
+                <a:latin typeface="SFRM1000"/>
+              </a:rPr>
+              <a:t> interferes with building word-embedding representations that are reliable and generalizable across time periods.</a:t>
+            </a:r>
+          </a:p>
+          <a:p>
+            <a:pPr marL="285750" marR="0" lvl="0" indent="-285750" algn="l" defTabSz="914400" rtl="0" eaLnBrk="0" fontAlgn="base" latinLnBrk="0" hangingPunct="0">
+              <a:lnSpc>
+                <a:spcPct val="100000"/>
+              </a:lnSpc>
+              <a:spcBef>
+                <a:spcPct val="30000"/>
+              </a:spcBef>
+              <a:spcAft>
+                <a:spcPct val="0"/>
+              </a:spcAft>
+              <a:buClrTx/>
+              <a:buSzTx/>
+              <a:buFont typeface="Arial" panose="020B0604020202020204" pitchFamily="34" charset="0"/>
+              <a:buChar char="•"/>
+              <a:tabLst/>
+              <a:defRPr/>
+            </a:pPr>
+            <a:r>
+              <a:rPr lang="en-US" sz="1800" b="0" i="0" u="none" strike="noStrike" baseline="0" dirty="0">
+                <a:latin typeface="SFRM1000"/>
+              </a:rPr>
+              <a:t>This, in turn, also means that building a model for classification on some dataset from a given period, would not necessarily make the model generalizable to future datasets -&gt; If we were to  actually implement the models</a:t>
+            </a:r>
+            <a:endParaRPr lang="en-GB" sz="1800" b="0" i="0" u="none" strike="noStrike" baseline="0" dirty="0">
+              <a:latin typeface="SFRM1000"/>
+            </a:endParaRPr>
+          </a:p>
+          <a:p>
+            <a:pPr marL="895243" lvl="1" indent="-285750">
+              <a:buFont typeface="Arial" panose="020B0604020202020204" pitchFamily="34" charset="0"/>
+              <a:buChar char="•"/>
+            </a:pPr>
+            <a:endParaRPr lang="en-GB" dirty="0"/>
+          </a:p>
+          <a:p>
+            <a:pPr marL="285750" lvl="0" indent="-285750">
+              <a:buFont typeface="Arial" panose="020B0604020202020204" pitchFamily="34" charset="0"/>
+              <a:buChar char="•"/>
+            </a:pPr>
+            <a:r>
+              <a:rPr lang="en-GB" dirty="0"/>
+              <a:t>If we want to practically implement these models, we, therefore, need to:</a:t>
+            </a:r>
+          </a:p>
+          <a:p>
+            <a:pPr marL="895243" lvl="1" indent="-285750">
+              <a:buFont typeface="Arial" panose="020B0604020202020204" pitchFamily="34" charset="0"/>
+              <a:buChar char="•"/>
+            </a:pPr>
+            <a:r>
+              <a:rPr lang="en-GB" dirty="0"/>
+              <a:t>Continually update or retrain models with newest data</a:t>
+            </a:r>
+          </a:p>
+          <a:p>
+            <a:pPr marL="0" lvl="0" indent="0">
+              <a:buFont typeface="Arial" panose="020B0604020202020204" pitchFamily="34" charset="0"/>
+              <a:buNone/>
+            </a:pPr>
+            <a:endParaRPr lang="en-GB" sz="1800" b="0" i="0" u="none" strike="noStrike" baseline="0" dirty="0">
+              <a:latin typeface="SFRM1000"/>
+            </a:endParaRPr>
+          </a:p>
+          <a:p>
+            <a:pPr marL="285750" lvl="0" indent="-285750">
+              <a:buFont typeface="Arial" panose="020B0604020202020204" pitchFamily="34" charset="0"/>
+              <a:buChar char="•"/>
+            </a:pPr>
+            <a:r>
+              <a:rPr lang="en-GB" sz="1800" b="0" i="0" u="none" strike="noStrike" baseline="0" dirty="0">
+                <a:latin typeface="SFRM1000"/>
+              </a:rPr>
+              <a:t>SKIP:</a:t>
+            </a:r>
+            <a:br>
+              <a:rPr lang="en-GB" sz="1800" b="0" i="0" u="none" strike="noStrike" baseline="0" dirty="0">
+                <a:latin typeface="SFRM1000"/>
+              </a:rPr>
+            </a:br>
+            <a:r>
+              <a:rPr lang="en-GB" sz="1800" b="0" i="0" u="none" strike="noStrike" baseline="0" dirty="0">
+                <a:latin typeface="SFRM1000"/>
+              </a:rPr>
+              <a:t>Hypothetically, not a problem</a:t>
+            </a:r>
+          </a:p>
+          <a:p>
+            <a:pPr marL="895243" lvl="1" indent="-285750">
+              <a:buFont typeface="Arial" panose="020B0604020202020204" pitchFamily="34" charset="0"/>
+              <a:buChar char="•"/>
+            </a:pPr>
+            <a:r>
+              <a:rPr lang="en-GB" sz="1800" b="0" i="0" u="none" strike="noStrike" baseline="0" dirty="0">
+                <a:latin typeface="SFRM1000"/>
+              </a:rPr>
+              <a:t>Given large enough dataset spanning enough time</a:t>
+            </a:r>
+          </a:p>
+          <a:p>
+            <a:pPr marL="895243" lvl="1" indent="-285750">
+              <a:buFont typeface="Arial" panose="020B0604020202020204" pitchFamily="34" charset="0"/>
+              <a:buChar char="•"/>
+            </a:pPr>
+            <a:r>
+              <a:rPr lang="en-GB" sz="1800" b="0" i="0" u="none" strike="noStrike" baseline="0" dirty="0">
+                <a:latin typeface="SFRM1000"/>
+              </a:rPr>
+              <a:t>-&gt; General patterns, that are unrelated to time-specific topics of news.</a:t>
+            </a:r>
+          </a:p>
+          <a:p>
+            <a:pPr marL="895243" lvl="1" indent="-285750">
+              <a:buFont typeface="Arial" panose="020B0604020202020204" pitchFamily="34" charset="0"/>
+              <a:buChar char="•"/>
+            </a:pPr>
+            <a:r>
+              <a:rPr lang="en-GB" sz="1800" b="0" i="0" u="none" strike="noStrike" baseline="0" dirty="0">
+                <a:latin typeface="SFRM1000"/>
+              </a:rPr>
+              <a:t>However, not feasible since such datasets don’t exist.</a:t>
+            </a:r>
+          </a:p>
+          <a:p>
+            <a:pPr marL="285750" marR="0" lvl="0" indent="-285750" algn="l" defTabSz="914400" rtl="0" eaLnBrk="0" fontAlgn="base" latinLnBrk="0" hangingPunct="0">
+              <a:lnSpc>
+                <a:spcPct val="100000"/>
+              </a:lnSpc>
+              <a:spcBef>
+                <a:spcPct val="30000"/>
+              </a:spcBef>
+              <a:spcAft>
+                <a:spcPct val="0"/>
+              </a:spcAft>
+              <a:buClrTx/>
+              <a:buSzTx/>
+              <a:buFont typeface="Arial" panose="020B0604020202020204" pitchFamily="34" charset="0"/>
+              <a:buChar char="•"/>
+              <a:tabLst/>
+              <a:defRPr/>
+            </a:pPr>
+            <a:endParaRPr lang="en-US" sz="1800" b="0" i="0" u="none" strike="noStrike" baseline="0" dirty="0">
+              <a:latin typeface="SFRM1000"/>
+            </a:endParaRPr>
+          </a:p>
+        </p:txBody>
+      </p:sp>
+      <p:sp>
+        <p:nvSpPr>
+          <p:cNvPr id="4" name="Pladsholder til slidenummer 3"/>
           <p:cNvSpPr>
             <a:spLocks noGrp="1"/>
           </p:cNvSpPr>
           <p:nvPr>
-            <p:ph type="sldNum" sz="quarter" idx="5"/>
+            <p:ph type="sldNum" sz="quarter" idx="10"/>
           </p:nvPr>
         </p:nvSpPr>
         <p:spPr/>
@@ -3847,7 +3910,7 @@
               <a:defRPr/>
             </a:pPr>
             <a:fld id="{72C160C3-3AB6-49C1-8001-AFDAD271EB5B}" type="slidenum">
-              <a:rPr lang="en-GB" smtClean="0"/>
+              <a:rPr lang="en-GB"/>
               <a:pPr>
                 <a:defRPr/>
               </a:pPr>
@@ -3860,7 +3923,7 @@
     </p:spTree>
     <p:extLst>
       <p:ext uri="{BB962C8B-B14F-4D97-AF65-F5344CB8AC3E}">
-        <p14:creationId xmlns:p14="http://schemas.microsoft.com/office/powerpoint/2010/main" val="385180620"/>
+        <p14:creationId xmlns:p14="http://schemas.microsoft.com/office/powerpoint/2010/main" val="3843509921"/>
       </p:ext>
     </p:extLst>
   </p:cSld>
@@ -3889,7 +3952,7 @@
       </p:grpSpPr>
       <p:sp>
         <p:nvSpPr>
-          <p:cNvPr id="2" name="Pladsholder til slidebillede 1"/>
+          <p:cNvPr id="2" name="Slide Image Placeholder 1"/>
           <p:cNvSpPr>
             <a:spLocks noGrp="1" noRot="1" noChangeAspect="1"/>
           </p:cNvSpPr>
@@ -3901,7 +3964,7 @@
       </p:sp>
       <p:sp>
         <p:nvSpPr>
-          <p:cNvPr id="3" name="Pladsholder til noter 2"/>
+          <p:cNvPr id="3" name="Notes Placeholder 2"/>
           <p:cNvSpPr>
             <a:spLocks noGrp="1"/>
           </p:cNvSpPr>
@@ -3914,153 +3977,22 @@
           <a:bodyPr/>
           <a:lstStyle/>
           <a:p>
-            <a:pPr marL="285750" lvl="0" indent="-285750">
-              <a:buFont typeface="Arial" panose="020B0604020202020204" pitchFamily="34" charset="0"/>
-              <a:buChar char="•"/>
-            </a:pPr>
-            <a:r>
-              <a:rPr lang="en-GB" dirty="0"/>
-              <a:t>1</a:t>
-            </a:r>
-            <a:r>
-              <a:rPr lang="en-GB" baseline="30000" dirty="0"/>
-              <a:t>st</a:t>
-            </a:r>
-            <a:r>
-              <a:rPr lang="en-GB" dirty="0"/>
-              <a:t> analysis: Models generalize poorly.</a:t>
-            </a:r>
-          </a:p>
-          <a:p>
-            <a:pPr marL="895243" lvl="1" indent="-285750">
-              <a:buFont typeface="Arial" panose="020B0604020202020204" pitchFamily="34" charset="0"/>
-              <a:buChar char="•"/>
-            </a:pPr>
-            <a:r>
-              <a:rPr lang="en-GB" dirty="0"/>
-              <a:t>Data from published research</a:t>
-            </a:r>
-          </a:p>
-          <a:p>
-            <a:pPr marL="895243" lvl="1" indent="-285750">
-              <a:buFont typeface="Arial" panose="020B0604020202020204" pitchFamily="34" charset="0"/>
-              <a:buChar char="•"/>
-            </a:pPr>
-            <a:r>
-              <a:rPr lang="en-GB" dirty="0"/>
-              <a:t>-&gt; Suggests problem for not only our models, but also for the field? Bad data quality of dataset 1 Maybe</a:t>
-            </a:r>
-          </a:p>
-          <a:p>
-            <a:pPr marL="1218987" lvl="2" indent="0">
-              <a:buFont typeface="Arial" panose="020B0604020202020204" pitchFamily="34" charset="0"/>
-              <a:buNone/>
-            </a:pPr>
-            <a:endParaRPr lang="en-GB" dirty="0"/>
-          </a:p>
-          <a:p>
-            <a:pPr marL="285750" lvl="0" indent="-285750">
-              <a:buFont typeface="Arial" panose="020B0604020202020204" pitchFamily="34" charset="0"/>
-              <a:buChar char="•"/>
-            </a:pPr>
-            <a:r>
-              <a:rPr lang="en-GB" dirty="0"/>
-              <a:t>2</a:t>
-            </a:r>
-            <a:r>
-              <a:rPr lang="en-GB" baseline="30000" dirty="0"/>
-              <a:t>nd</a:t>
-            </a:r>
-            <a:r>
-              <a:rPr lang="en-GB" dirty="0"/>
-              <a:t> analysis: Illustrated that the task is non-static. Word embeddings change over time.</a:t>
-            </a:r>
-          </a:p>
-          <a:p>
-            <a:pPr marL="895243" lvl="1" indent="-285750">
-              <a:buFont typeface="Arial" panose="020B0604020202020204" pitchFamily="34" charset="0"/>
-              <a:buChar char="•"/>
-            </a:pPr>
-            <a:r>
-              <a:rPr lang="en-GB" dirty="0"/>
-              <a:t>It should be noted that the particular changes that we showcased were handpicked.</a:t>
-            </a:r>
-          </a:p>
-          <a:p>
-            <a:pPr marL="285750" lvl="0" indent="-285750">
-              <a:buFont typeface="Arial" panose="020B0604020202020204" pitchFamily="34" charset="0"/>
-              <a:buChar char="•"/>
-            </a:pPr>
-            <a:endParaRPr lang="en-GB" dirty="0"/>
-          </a:p>
-          <a:p>
-            <a:pPr marL="285750" lvl="0" indent="-285750">
-              <a:buFont typeface="Arial" panose="020B0604020202020204" pitchFamily="34" charset="0"/>
-              <a:buChar char="•"/>
-            </a:pPr>
-            <a:r>
-              <a:rPr lang="en-GB" dirty="0"/>
-              <a:t>Finally, from both analyses it is apparent that data awareness is important. </a:t>
-            </a:r>
-          </a:p>
-          <a:p>
-            <a:pPr marL="895243" lvl="1" indent="-285750">
-              <a:buFont typeface="Arial" panose="020B0604020202020204" pitchFamily="34" charset="0"/>
-              <a:buChar char="•"/>
-            </a:pPr>
-            <a:r>
-              <a:rPr lang="en-GB" dirty="0"/>
-              <a:t>1) Low generalizability issues stems from training on non-representative data</a:t>
-            </a:r>
-          </a:p>
-          <a:p>
-            <a:pPr marL="895243" lvl="1" indent="-285750">
-              <a:buFont typeface="Arial" panose="020B0604020202020204" pitchFamily="34" charset="0"/>
-              <a:buChar char="•"/>
-            </a:pPr>
-            <a:r>
-              <a:rPr lang="en-GB" dirty="0"/>
-              <a:t>2) Be aware of </a:t>
-            </a:r>
-            <a:r>
-              <a:rPr lang="en-GB" dirty="0" err="1"/>
-              <a:t>daterange</a:t>
-            </a:r>
-            <a:r>
-              <a:rPr lang="en-GB" dirty="0"/>
-              <a:t> of data, as the task is non-static</a:t>
-            </a:r>
-          </a:p>
-          <a:p>
-            <a:pPr marL="895243" lvl="1" indent="-285750">
-              <a:buFont typeface="Arial" panose="020B0604020202020204" pitchFamily="34" charset="0"/>
-              <a:buChar char="•"/>
-            </a:pPr>
-            <a:r>
-              <a:rPr lang="en-GB" dirty="0"/>
-              <a:t>2) Be aware of quality -&gt; F1-score of 1 rings alarm bells</a:t>
-            </a:r>
-          </a:p>
-          <a:p>
-            <a:pPr marL="895243" lvl="1" indent="-285750">
-              <a:buFont typeface="Arial" panose="020B0604020202020204" pitchFamily="34" charset="0"/>
-              <a:buChar char="•"/>
-            </a:pPr>
-            <a:r>
-              <a:rPr lang="en-GB" dirty="0"/>
-              <a:t>3) Data is different across datasets -&gt; No clear definition of how to gather Fake News</a:t>
-            </a:r>
-          </a:p>
-        </p:txBody>
-      </p:sp>
-      <p:sp>
-        <p:nvSpPr>
-          <p:cNvPr id="4" name="Pladsholder til slidenummer 3"/>
+            <a:r>
+              <a:rPr lang="en-US" dirty="0"/>
+              <a:t>Concluding remarks</a:t>
+            </a:r>
+            <a:endParaRPr lang="da-DK" dirty="0"/>
+          </a:p>
+        </p:txBody>
+      </p:sp>
+      <p:sp>
+        <p:nvSpPr>
+          <p:cNvPr id="4" name="Slide Number Placeholder 3"/>
           <p:cNvSpPr>
             <a:spLocks noGrp="1"/>
           </p:cNvSpPr>
           <p:nvPr>
-            <p:ph type="sldNum" sz="quarter" idx="10"/>
+            <p:ph type="sldNum" sz="quarter" idx="5"/>
           </p:nvPr>
         </p:nvSpPr>
         <p:spPr/>
@@ -4072,7 +4004,7 @@
               <a:defRPr/>
             </a:pPr>
             <a:fld id="{72C160C3-3AB6-49C1-8001-AFDAD271EB5B}" type="slidenum">
-              <a:rPr lang="en-GB"/>
+              <a:rPr lang="en-GB" smtClean="0"/>
               <a:pPr>
                 <a:defRPr/>
               </a:pPr>
@@ -4085,7 +4017,7 @@
     </p:spTree>
     <p:extLst>
       <p:ext uri="{BB962C8B-B14F-4D97-AF65-F5344CB8AC3E}">
-        <p14:creationId xmlns:p14="http://schemas.microsoft.com/office/powerpoint/2010/main" val="1466852373"/>
+        <p14:creationId xmlns:p14="http://schemas.microsoft.com/office/powerpoint/2010/main" val="385180620"/>
       </p:ext>
     </p:extLst>
   </p:cSld>
@@ -4114,7 +4046,7 @@
       </p:grpSpPr>
       <p:sp>
         <p:nvSpPr>
-          <p:cNvPr id="2" name="Slide Image Placeholder 1"/>
+          <p:cNvPr id="2" name="Pladsholder til slidebillede 1"/>
           <p:cNvSpPr>
             <a:spLocks noGrp="1" noRot="1" noChangeAspect="1"/>
           </p:cNvSpPr>
@@ -4126,7 +4058,7 @@
       </p:sp>
       <p:sp>
         <p:nvSpPr>
-          <p:cNvPr id="3" name="Notes Placeholder 2"/>
+          <p:cNvPr id="3" name="Pladsholder til noter 2"/>
           <p:cNvSpPr>
             <a:spLocks noGrp="1"/>
           </p:cNvSpPr>
@@ -4139,26 +4071,106 @@
           <a:bodyPr/>
           <a:lstStyle/>
           <a:p>
-            <a:pPr marL="285750" indent="-285750">
-              <a:buFont typeface="Arial" panose="020B0604020202020204" pitchFamily="34" charset="0"/>
-              <a:buChar char="•"/>
-            </a:pPr>
-            <a:r>
-              <a:rPr lang="en-US" dirty="0"/>
-              <a:t>Came to realize problem not mentioned in synopsis</a:t>
-            </a:r>
-            <a:endParaRPr lang="da-DK" dirty="0"/>
-          </a:p>
-        </p:txBody>
-      </p:sp>
-      <p:sp>
-        <p:nvSpPr>
-          <p:cNvPr id="4" name="Slide Number Placeholder 3"/>
+            <a:pPr marL="285750" lvl="0" indent="-285750">
+              <a:buFont typeface="Arial" panose="020B0604020202020204" pitchFamily="34" charset="0"/>
+              <a:buChar char="•"/>
+            </a:pPr>
+            <a:r>
+              <a:rPr lang="en-GB" dirty="0"/>
+              <a:t>1</a:t>
+            </a:r>
+            <a:r>
+              <a:rPr lang="en-GB" baseline="30000" dirty="0"/>
+              <a:t>st</a:t>
+            </a:r>
+            <a:r>
+              <a:rPr lang="en-GB" dirty="0"/>
+              <a:t> analysis: Models generalize poorly.</a:t>
+            </a:r>
+          </a:p>
+          <a:p>
+            <a:pPr marL="895243" lvl="1" indent="-285750">
+              <a:buFont typeface="Arial" panose="020B0604020202020204" pitchFamily="34" charset="0"/>
+              <a:buChar char="•"/>
+            </a:pPr>
+            <a:r>
+              <a:rPr lang="en-GB" dirty="0"/>
+              <a:t>In future research we should therefore:</a:t>
+            </a:r>
+          </a:p>
+          <a:p>
+            <a:pPr marL="1504737" lvl="2" indent="-285750">
+              <a:buFont typeface="Arial" panose="020B0604020202020204" pitchFamily="34" charset="0"/>
+              <a:buChar char="•"/>
+            </a:pPr>
+            <a:r>
+              <a:rPr lang="en-GB" dirty="0"/>
+              <a:t>1. Be wary of data we’re using -&gt; E.g. it would be advantageous to build large, representative datasets</a:t>
+            </a:r>
+          </a:p>
+          <a:p>
+            <a:pPr marL="1504737" lvl="2" indent="-285750">
+              <a:buFont typeface="Arial" panose="020B0604020202020204" pitchFamily="34" charset="0"/>
+              <a:buChar char="•"/>
+            </a:pPr>
+            <a:r>
+              <a:rPr lang="en-GB" dirty="0"/>
+              <a:t>2. We should also assess generalizability by cross-testing models, which would be facilitated by Open Science practices</a:t>
+            </a:r>
+          </a:p>
+          <a:p>
+            <a:pPr marL="1218987" lvl="2" indent="0">
+              <a:buFont typeface="Arial" panose="020B0604020202020204" pitchFamily="34" charset="0"/>
+              <a:buNone/>
+            </a:pPr>
+            <a:endParaRPr lang="en-GB" dirty="0"/>
+          </a:p>
+          <a:p>
+            <a:pPr marL="285750" lvl="0" indent="-285750">
+              <a:buFont typeface="Arial" panose="020B0604020202020204" pitchFamily="34" charset="0"/>
+              <a:buChar char="•"/>
+            </a:pPr>
+            <a:r>
+              <a:rPr lang="en-GB" dirty="0"/>
+              <a:t>The 2</a:t>
+            </a:r>
+            <a:r>
+              <a:rPr lang="en-GB" baseline="30000" dirty="0"/>
+              <a:t>nd</a:t>
+            </a:r>
+            <a:r>
+              <a:rPr lang="en-GB" dirty="0"/>
+              <a:t> analysis illustrated that the task is non-static, although the extent of non-</a:t>
+            </a:r>
+            <a:r>
+              <a:rPr lang="en-GB" dirty="0" err="1"/>
+              <a:t>staticity</a:t>
+            </a:r>
+            <a:r>
+              <a:rPr lang="en-GB" dirty="0"/>
+              <a:t> was not established by this analysis. It was more an illustration than a test</a:t>
+            </a:r>
+          </a:p>
+          <a:p>
+            <a:pPr marL="895243" lvl="1" indent="-285750">
+              <a:buFont typeface="Arial" panose="020B0604020202020204" pitchFamily="34" charset="0"/>
+              <a:buChar char="•"/>
+            </a:pPr>
+            <a:r>
+              <a:rPr lang="en-GB" dirty="0"/>
+              <a:t>Advantageous to continuously update models with new data, they are to be applied with success.</a:t>
+            </a:r>
+          </a:p>
+        </p:txBody>
+      </p:sp>
+      <p:sp>
+        <p:nvSpPr>
+          <p:cNvPr id="4" name="Pladsholder til slidenummer 3"/>
           <p:cNvSpPr>
             <a:spLocks noGrp="1"/>
           </p:cNvSpPr>
           <p:nvPr>
-            <p:ph type="sldNum" sz="quarter" idx="5"/>
+            <p:ph type="sldNum" sz="quarter" idx="10"/>
           </p:nvPr>
         </p:nvSpPr>
         <p:spPr/>
@@ -4170,7 +4182,7 @@
               <a:defRPr/>
             </a:pPr>
             <a:fld id="{72C160C3-3AB6-49C1-8001-AFDAD271EB5B}" type="slidenum">
-              <a:rPr lang="en-GB" smtClean="0"/>
+              <a:rPr lang="en-GB"/>
               <a:pPr>
                 <a:defRPr/>
               </a:pPr>
@@ -4183,7 +4195,7 @@
     </p:spTree>
     <p:extLst>
       <p:ext uri="{BB962C8B-B14F-4D97-AF65-F5344CB8AC3E}">
-        <p14:creationId xmlns:p14="http://schemas.microsoft.com/office/powerpoint/2010/main" val="3639815090"/>
+        <p14:creationId xmlns:p14="http://schemas.microsoft.com/office/powerpoint/2010/main" val="1466852373"/>
       </p:ext>
     </p:extLst>
   </p:cSld>
@@ -4242,9 +4254,16 @@
               <a:buChar char="•"/>
             </a:pPr>
             <a:r>
+              <a:rPr lang="en-GB"/>
+              <a:t>Confounds </a:t>
+            </a:r>
+            <a:r>
               <a:rPr lang="en-GB" dirty="0"/>
-              <a:t>3 problematic factors that I only thought of after finishing our project</a:t>
-            </a:r>
+              <a:t>of word embedding analysis:</a:t>
+            </a:r>
+            <a:endParaRPr lang="en-US" sz="1600" b="0" i="0" u="none" strike="noStrike" baseline="0" dirty="0">
+              <a:latin typeface="SFRM1000"/>
+            </a:endParaRPr>
           </a:p>
           <a:p>
             <a:pPr marL="895243" marR="0" lvl="1" indent="-285750" algn="l" defTabSz="914400" rtl="0" eaLnBrk="0" fontAlgn="base" latinLnBrk="0" hangingPunct="0">
@@ -4268,23 +4287,11 @@
               <a:rPr lang="en-US" sz="1600" b="0" i="0" u="none" strike="noStrike" baseline="0" dirty="0">
                 <a:latin typeface="SFRM1000"/>
               </a:rPr>
-              <a:t>1</a:t>
-            </a:r>
-            <a:r>
-              <a:rPr lang="en-US" sz="1600" b="0" i="0" u="none" strike="noStrike" baseline="30000" dirty="0">
-                <a:latin typeface="SFRM1000"/>
-              </a:rPr>
-              <a:t>st</a:t>
-            </a:r>
-            <a:r>
-              <a:rPr lang="en-US" sz="1600" b="0" i="0" u="none" strike="noStrike" baseline="0" dirty="0">
-                <a:latin typeface="SFRM1000"/>
-              </a:rPr>
-              <a:t> </a:t>
-            </a:r>
-          </a:p>
-          <a:p>
-            <a:pPr marL="1504737" marR="0" lvl="2" indent="-285750" algn="l" defTabSz="914400" rtl="0" eaLnBrk="0" fontAlgn="base" latinLnBrk="0" hangingPunct="0">
+              <a:t>Not mentioned in synopsis:</a:t>
+            </a:r>
+          </a:p>
+          <a:p>
+            <a:pPr marL="895243" marR="0" lvl="1" indent="-285750" algn="l" defTabSz="914400" rtl="0" eaLnBrk="0" fontAlgn="base" latinLnBrk="0" hangingPunct="0">
               <a:lnSpc>
                 <a:spcPct val="100000"/>
               </a:lnSpc>
@@ -4329,11 +4336,96 @@
               <a:rPr lang="en-US" sz="1600" b="0" i="0" u="none" strike="noStrike" baseline="0" dirty="0">
                 <a:latin typeface="SFRM1000"/>
               </a:rPr>
-              <a:t>. Just because the data is different.</a:t>
-            </a:r>
-          </a:p>
-          <a:p>
-            <a:pPr marL="1218987" marR="0" lvl="2" indent="0" algn="l" defTabSz="914400" rtl="0" eaLnBrk="0" fontAlgn="base" latinLnBrk="0" hangingPunct="0">
+              <a:t>.</a:t>
+            </a:r>
+            <a:endParaRPr lang="en-GB" dirty="0"/>
+          </a:p>
+          <a:p>
+            <a:pPr marL="285750" lvl="0" indent="-285750">
+              <a:buFont typeface="Arial" panose="020B0604020202020204" pitchFamily="34" charset="0"/>
+              <a:buChar char="•"/>
+            </a:pPr>
+            <a:endParaRPr lang="en-GB" dirty="0"/>
+          </a:p>
+          <a:p>
+            <a:pPr marL="285750" lvl="0" indent="-285750">
+              <a:buFont typeface="Arial" panose="020B0604020202020204" pitchFamily="34" charset="0"/>
+              <a:buChar char="•"/>
+            </a:pPr>
+            <a:r>
+              <a:rPr lang="en-GB" dirty="0"/>
+              <a:t>Why use Macro F1-score?</a:t>
+            </a:r>
+          </a:p>
+          <a:p>
+            <a:pPr marL="895243" lvl="1" indent="-285750">
+              <a:buFont typeface="Arial" panose="020B0604020202020204" pitchFamily="34" charset="0"/>
+              <a:buChar char="•"/>
+            </a:pPr>
+            <a:r>
+              <a:rPr lang="en-GB" dirty="0"/>
+              <a:t>*</a:t>
+            </a:r>
+          </a:p>
+          <a:p>
+            <a:pPr marL="895243" lvl="1" indent="-285750">
+              <a:buFont typeface="Arial" panose="020B0604020202020204" pitchFamily="34" charset="0"/>
+              <a:buChar char="•"/>
+            </a:pPr>
+            <a:r>
+              <a:rPr lang="en-GB" dirty="0"/>
+              <a:t>Should’ve included classification matrix</a:t>
+            </a:r>
+          </a:p>
+          <a:p>
+            <a:pPr marL="0" lvl="0" indent="0">
+              <a:buFont typeface="Arial" panose="020B0604020202020204" pitchFamily="34" charset="0"/>
+              <a:buNone/>
+            </a:pPr>
+            <a:endParaRPr lang="en-GB" dirty="0"/>
+          </a:p>
+          <a:p>
+            <a:pPr marL="285750" lvl="0" indent="-285750">
+              <a:buFont typeface="Arial" panose="020B0604020202020204" pitchFamily="34" charset="0"/>
+              <a:buChar char="•"/>
+            </a:pPr>
+            <a:r>
+              <a:rPr lang="en-GB" dirty="0"/>
+              <a:t>Distance metrics</a:t>
+            </a:r>
+          </a:p>
+          <a:p>
+            <a:pPr marL="895243" lvl="1" indent="-285750">
+              <a:buFont typeface="Arial" panose="020B0604020202020204" pitchFamily="34" charset="0"/>
+              <a:buChar char="•"/>
+            </a:pPr>
+            <a:r>
+              <a:rPr lang="en-GB" dirty="0"/>
+              <a:t>Other distance metrics could have been utilized:</a:t>
+            </a:r>
+          </a:p>
+          <a:p>
+            <a:pPr marL="895243" lvl="1" indent="-285750">
+              <a:buFont typeface="Arial" panose="020B0604020202020204" pitchFamily="34" charset="0"/>
+              <a:buChar char="•"/>
+            </a:pPr>
+            <a:r>
+              <a:rPr lang="en-GB" dirty="0"/>
+              <a:t>Cosine distance</a:t>
+            </a:r>
+          </a:p>
+          <a:p>
+            <a:pPr marL="895243" lvl="1" indent="-285750">
+              <a:buFont typeface="Arial" panose="020B0604020202020204" pitchFamily="34" charset="0"/>
+              <a:buChar char="•"/>
+            </a:pPr>
+            <a:r>
+              <a:rPr lang="en-GB" dirty="0"/>
+              <a:t>Euclidean distance</a:t>
+            </a:r>
+          </a:p>
+          <a:p>
+            <a:pPr marL="895243" marR="0" lvl="1" indent="-285750" algn="l" defTabSz="914400" rtl="0" eaLnBrk="0" fontAlgn="base" latinLnBrk="0" hangingPunct="0">
               <a:lnSpc>
                 <a:spcPct val="100000"/>
               </a:lnSpc>
@@ -4346,6 +4438,1127 @@
               <a:buClrTx/>
               <a:buSzTx/>
               <a:buFont typeface="Arial" panose="020B0604020202020204" pitchFamily="34" charset="0"/>
+              <a:buChar char="•"/>
+              <a:tabLst/>
+              <a:defRPr/>
+            </a:pPr>
+            <a:r>
+              <a:rPr lang="en-GB" dirty="0"/>
+              <a:t>Cosine distance and Euclidean distance are widely different</a:t>
+            </a:r>
+          </a:p>
+          <a:p>
+            <a:pPr marL="1504737" marR="0" lvl="2" indent="-285750" algn="l" defTabSz="914400" rtl="0" eaLnBrk="0" fontAlgn="base" latinLnBrk="0" hangingPunct="0">
+              <a:lnSpc>
+                <a:spcPct val="100000"/>
+              </a:lnSpc>
+              <a:spcBef>
+                <a:spcPct val="30000"/>
+              </a:spcBef>
+              <a:spcAft>
+                <a:spcPct val="0"/>
+              </a:spcAft>
+              <a:buClrTx/>
+              <a:buSzTx/>
+              <a:buFont typeface="Arial" panose="020B0604020202020204" pitchFamily="34" charset="0"/>
+              <a:buChar char="•"/>
+              <a:tabLst/>
+              <a:defRPr/>
+            </a:pPr>
+            <a:r>
+              <a:rPr lang="en-GB" dirty="0"/>
+              <a:t>Use paper and draw (in advance): ??</a:t>
+            </a:r>
+          </a:p>
+          <a:p>
+            <a:pPr marL="1504737" marR="0" lvl="2" indent="-285750" algn="l" defTabSz="914400" rtl="0" eaLnBrk="0" fontAlgn="base" latinLnBrk="0" hangingPunct="0">
+              <a:lnSpc>
+                <a:spcPct val="100000"/>
+              </a:lnSpc>
+              <a:spcBef>
+                <a:spcPct val="30000"/>
+              </a:spcBef>
+              <a:spcAft>
+                <a:spcPct val="0"/>
+              </a:spcAft>
+              <a:buClrTx/>
+              <a:buSzTx/>
+              <a:buFont typeface="Arial" panose="020B0604020202020204" pitchFamily="34" charset="0"/>
+              <a:buChar char="•"/>
+              <a:tabLst/>
+              <a:defRPr/>
+            </a:pPr>
+            <a:r>
+              <a:rPr lang="en-GB" dirty="0"/>
+              <a:t>-0.1,-0.1. vs. 0.1, 0.1</a:t>
+            </a:r>
+          </a:p>
+          <a:p>
+            <a:pPr marL="1504737" marR="0" lvl="2" indent="-285750" algn="l" defTabSz="914400" rtl="0" eaLnBrk="0" fontAlgn="base" latinLnBrk="0" hangingPunct="0">
+              <a:lnSpc>
+                <a:spcPct val="100000"/>
+              </a:lnSpc>
+              <a:spcBef>
+                <a:spcPct val="30000"/>
+              </a:spcBef>
+              <a:spcAft>
+                <a:spcPct val="0"/>
+              </a:spcAft>
+              <a:buClrTx/>
+              <a:buSzTx/>
+              <a:buFont typeface="Arial" panose="020B0604020202020204" pitchFamily="34" charset="0"/>
+              <a:buChar char="•"/>
+              <a:tabLst/>
+              <a:defRPr/>
+            </a:pPr>
+            <a:r>
+              <a:rPr lang="en-GB" dirty="0"/>
+              <a:t>and </a:t>
+            </a:r>
+          </a:p>
+          <a:p>
+            <a:pPr marL="1504737" marR="0" lvl="2" indent="-285750" algn="l" defTabSz="914400" rtl="0" eaLnBrk="0" fontAlgn="base" latinLnBrk="0" hangingPunct="0">
+              <a:lnSpc>
+                <a:spcPct val="100000"/>
+              </a:lnSpc>
+              <a:spcBef>
+                <a:spcPct val="30000"/>
+              </a:spcBef>
+              <a:spcAft>
+                <a:spcPct val="0"/>
+              </a:spcAft>
+              <a:buClrTx/>
+              <a:buSzTx/>
+              <a:buFont typeface="Arial" panose="020B0604020202020204" pitchFamily="34" charset="0"/>
+              <a:buChar char="•"/>
+              <a:tabLst/>
+              <a:defRPr/>
+            </a:pPr>
+            <a:r>
+              <a:rPr lang="en-GB" dirty="0"/>
+              <a:t>1000000000, 1000000000 vs. 1, 1</a:t>
+            </a:r>
+          </a:p>
+          <a:p>
+            <a:pPr marL="895243" marR="0" lvl="1" indent="-285750" algn="l" defTabSz="914400" rtl="0" eaLnBrk="0" fontAlgn="base" latinLnBrk="0" hangingPunct="0">
+              <a:lnSpc>
+                <a:spcPct val="100000"/>
+              </a:lnSpc>
+              <a:spcBef>
+                <a:spcPct val="30000"/>
+              </a:spcBef>
+              <a:spcAft>
+                <a:spcPct val="0"/>
+              </a:spcAft>
+              <a:buClrTx/>
+              <a:buSzTx/>
+              <a:buFont typeface="Arial" panose="020B0604020202020204" pitchFamily="34" charset="0"/>
+              <a:buChar char="•"/>
+              <a:tabLst/>
+              <a:defRPr/>
+            </a:pPr>
+            <a:r>
+              <a:rPr lang="en-GB" dirty="0"/>
+              <a:t>Which metric is best? </a:t>
+            </a:r>
+          </a:p>
+          <a:p>
+            <a:pPr marL="1504737" marR="0" lvl="2" indent="-285750" algn="l" defTabSz="914400" rtl="0" eaLnBrk="0" fontAlgn="base" latinLnBrk="0" hangingPunct="0">
+              <a:lnSpc>
+                <a:spcPct val="100000"/>
+              </a:lnSpc>
+              <a:spcBef>
+                <a:spcPct val="30000"/>
+              </a:spcBef>
+              <a:spcAft>
+                <a:spcPct val="0"/>
+              </a:spcAft>
+              <a:buClrTx/>
+              <a:buSzTx/>
+              <a:buFont typeface="Arial" panose="020B0604020202020204" pitchFamily="34" charset="0"/>
+              <a:buChar char="•"/>
+              <a:tabLst/>
+              <a:defRPr/>
+            </a:pPr>
+            <a:r>
+              <a:rPr lang="en-GB" dirty="0"/>
+              <a:t>Different uses, BUT:</a:t>
+            </a:r>
+          </a:p>
+          <a:p>
+            <a:pPr marL="1504737" marR="0" lvl="2" indent="-285750" algn="l" defTabSz="914400" rtl="0" eaLnBrk="0" fontAlgn="base" latinLnBrk="0" hangingPunct="0">
+              <a:lnSpc>
+                <a:spcPct val="100000"/>
+              </a:lnSpc>
+              <a:spcBef>
+                <a:spcPct val="30000"/>
+              </a:spcBef>
+              <a:spcAft>
+                <a:spcPct val="0"/>
+              </a:spcAft>
+              <a:buClrTx/>
+              <a:buSzTx/>
+              <a:buFont typeface="Arial" panose="020B0604020202020204" pitchFamily="34" charset="0"/>
+              <a:buChar char="•"/>
+              <a:tabLst/>
+              <a:defRPr/>
+            </a:pPr>
+            <a:r>
+              <a:rPr lang="en-GB" dirty="0"/>
+              <a:t>Perhaps Euclidean distance would have been better for this task.</a:t>
+            </a:r>
+          </a:p>
+          <a:p>
+            <a:pPr marL="285750" marR="0" lvl="0" indent="-285750" algn="l" defTabSz="914400" rtl="0" eaLnBrk="0" fontAlgn="base" latinLnBrk="0" hangingPunct="0">
+              <a:lnSpc>
+                <a:spcPct val="100000"/>
+              </a:lnSpc>
+              <a:spcBef>
+                <a:spcPct val="30000"/>
+              </a:spcBef>
+              <a:spcAft>
+                <a:spcPct val="0"/>
+              </a:spcAft>
+              <a:buClrTx/>
+              <a:buSzTx/>
+              <a:buFont typeface="Arial" panose="020B0604020202020204" pitchFamily="34" charset="0"/>
+              <a:buChar char="•"/>
+              <a:tabLst/>
+              <a:defRPr/>
+            </a:pPr>
+            <a:endParaRPr lang="en-GB" dirty="0"/>
+          </a:p>
+          <a:p>
+            <a:pPr marL="285750" marR="0" lvl="0" indent="-285750" algn="l" defTabSz="914400" rtl="0" eaLnBrk="0" fontAlgn="base" latinLnBrk="0" hangingPunct="0">
+              <a:lnSpc>
+                <a:spcPct val="100000"/>
+              </a:lnSpc>
+              <a:spcBef>
+                <a:spcPct val="30000"/>
+              </a:spcBef>
+              <a:spcAft>
+                <a:spcPct val="0"/>
+              </a:spcAft>
+              <a:buClrTx/>
+              <a:buSzTx/>
+              <a:buFont typeface="Arial" panose="020B0604020202020204" pitchFamily="34" charset="0"/>
+              <a:buChar char="•"/>
+              <a:tabLst/>
+              <a:defRPr/>
+            </a:pPr>
+            <a:r>
+              <a:rPr lang="en-GB" dirty="0" err="1"/>
+              <a:t>Preprocessing</a:t>
+            </a:r>
+            <a:endParaRPr lang="en-GB" dirty="0"/>
+          </a:p>
+          <a:p>
+            <a:pPr marL="895243" marR="0" lvl="1" indent="-285750" algn="l" defTabSz="914400" rtl="0" eaLnBrk="0" fontAlgn="base" latinLnBrk="0" hangingPunct="0">
+              <a:lnSpc>
+                <a:spcPct val="100000"/>
+              </a:lnSpc>
+              <a:spcBef>
+                <a:spcPct val="30000"/>
+              </a:spcBef>
+              <a:spcAft>
+                <a:spcPct val="0"/>
+              </a:spcAft>
+              <a:buClrTx/>
+              <a:buSzTx/>
+              <a:buFont typeface="Arial" panose="020B0604020202020204" pitchFamily="34" charset="0"/>
+              <a:buChar char="•"/>
+              <a:tabLst/>
+              <a:defRPr/>
+            </a:pPr>
+            <a:r>
+              <a:rPr lang="en-GB" dirty="0"/>
+              <a:t>Tokenization</a:t>
+            </a:r>
+          </a:p>
+          <a:p>
+            <a:pPr marL="1504737" marR="0" lvl="2" indent="-285750" algn="l" defTabSz="914400" rtl="0" eaLnBrk="0" fontAlgn="base" latinLnBrk="0" hangingPunct="0">
+              <a:lnSpc>
+                <a:spcPct val="100000"/>
+              </a:lnSpc>
+              <a:spcBef>
+                <a:spcPct val="30000"/>
+              </a:spcBef>
+              <a:spcAft>
+                <a:spcPct val="0"/>
+              </a:spcAft>
+              <a:buClrTx/>
+              <a:buSzTx/>
+              <a:buFont typeface="Arial" panose="020B0604020202020204" pitchFamily="34" charset="0"/>
+              <a:buChar char="•"/>
+              <a:tabLst/>
+              <a:defRPr/>
+            </a:pPr>
+            <a:r>
+              <a:rPr lang="en-GB" dirty="0"/>
+              <a:t>By whitespace</a:t>
+            </a:r>
+          </a:p>
+          <a:p>
+            <a:pPr marL="1504737" marR="0" lvl="2" indent="-285750" algn="l" defTabSz="914400" rtl="0" eaLnBrk="0" fontAlgn="base" latinLnBrk="0" hangingPunct="0">
+              <a:lnSpc>
+                <a:spcPct val="100000"/>
+              </a:lnSpc>
+              <a:spcBef>
+                <a:spcPct val="30000"/>
+              </a:spcBef>
+              <a:spcAft>
+                <a:spcPct val="0"/>
+              </a:spcAft>
+              <a:buClrTx/>
+              <a:buSzTx/>
+              <a:buFont typeface="Arial" panose="020B0604020202020204" pitchFamily="34" charset="0"/>
+              <a:buChar char="•"/>
+              <a:tabLst/>
+              <a:defRPr/>
+            </a:pPr>
+            <a:r>
+              <a:rPr lang="en-GB" dirty="0"/>
+              <a:t>How did our method used handle “</a:t>
+            </a:r>
+            <a:r>
+              <a:rPr lang="en-GB" i="1" dirty="0"/>
+              <a:t>it’s</a:t>
+            </a:r>
+            <a:r>
+              <a:rPr lang="en-GB" dirty="0"/>
+              <a:t>”</a:t>
+            </a:r>
+          </a:p>
+          <a:p>
+            <a:pPr marL="2114230" marR="0" lvl="3" indent="-285750" algn="l" defTabSz="914400" rtl="0" eaLnBrk="0" fontAlgn="base" latinLnBrk="0" hangingPunct="0">
+              <a:lnSpc>
+                <a:spcPct val="100000"/>
+              </a:lnSpc>
+              <a:spcBef>
+                <a:spcPct val="30000"/>
+              </a:spcBef>
+              <a:spcAft>
+                <a:spcPct val="0"/>
+              </a:spcAft>
+              <a:buClrTx/>
+              <a:buSzTx/>
+              <a:buFont typeface="Arial" panose="020B0604020202020204" pitchFamily="34" charset="0"/>
+              <a:buChar char="•"/>
+              <a:tabLst/>
+              <a:defRPr/>
+            </a:pPr>
+            <a:r>
+              <a:rPr lang="en-GB" dirty="0"/>
+              <a:t>????</a:t>
+            </a:r>
+          </a:p>
+          <a:p>
+            <a:pPr marL="2114230" marR="0" lvl="3" indent="-285750" algn="l" defTabSz="914400" rtl="0" eaLnBrk="0" fontAlgn="base" latinLnBrk="0" hangingPunct="0">
+              <a:lnSpc>
+                <a:spcPct val="100000"/>
+              </a:lnSpc>
+              <a:spcBef>
+                <a:spcPct val="30000"/>
+              </a:spcBef>
+              <a:spcAft>
+                <a:spcPct val="0"/>
+              </a:spcAft>
+              <a:buClrTx/>
+              <a:buSzTx/>
+              <a:buFont typeface="Arial" panose="020B0604020202020204" pitchFamily="34" charset="0"/>
+              <a:buChar char="•"/>
+              <a:tabLst/>
+              <a:defRPr/>
+            </a:pPr>
+            <a:endParaRPr lang="en-GB" dirty="0"/>
+          </a:p>
+          <a:p>
+            <a:pPr marL="895243" marR="0" lvl="1" indent="-285750" algn="l" defTabSz="914400" rtl="0" eaLnBrk="0" fontAlgn="base" latinLnBrk="0" hangingPunct="0">
+              <a:lnSpc>
+                <a:spcPct val="100000"/>
+              </a:lnSpc>
+              <a:spcBef>
+                <a:spcPct val="30000"/>
+              </a:spcBef>
+              <a:spcAft>
+                <a:spcPct val="0"/>
+              </a:spcAft>
+              <a:buClrTx/>
+              <a:buSzTx/>
+              <a:buFont typeface="Arial" panose="020B0604020202020204" pitchFamily="34" charset="0"/>
+              <a:buChar char="•"/>
+              <a:tabLst/>
+              <a:defRPr/>
+            </a:pPr>
+            <a:r>
+              <a:rPr lang="en-US" sz="1600" dirty="0" err="1">
+                <a:latin typeface="+mj-lt"/>
+              </a:rPr>
+              <a:t>Stopword</a:t>
+            </a:r>
+            <a:r>
+              <a:rPr lang="en-US" sz="1600" dirty="0">
+                <a:latin typeface="+mj-lt"/>
+              </a:rPr>
+              <a:t> removal?</a:t>
+            </a:r>
+          </a:p>
+          <a:p>
+            <a:pPr marL="1504737" marR="0" lvl="2" indent="-285750" algn="l" defTabSz="914400" rtl="0" eaLnBrk="0" fontAlgn="base" latinLnBrk="0" hangingPunct="0">
+              <a:lnSpc>
+                <a:spcPct val="100000"/>
+              </a:lnSpc>
+              <a:spcBef>
+                <a:spcPct val="30000"/>
+              </a:spcBef>
+              <a:spcAft>
+                <a:spcPct val="0"/>
+              </a:spcAft>
+              <a:buClrTx/>
+              <a:buSzTx/>
+              <a:buFont typeface="Arial" panose="020B0604020202020204" pitchFamily="34" charset="0"/>
+              <a:buChar char="•"/>
+              <a:tabLst/>
+              <a:defRPr/>
+            </a:pPr>
+            <a:r>
+              <a:rPr lang="da-DK" sz="1800" dirty="0">
+                <a:effectLst/>
+                <a:latin typeface="Calibri" panose="020F0502020204030204" pitchFamily="34" charset="0"/>
+              </a:rPr>
+              <a:t>Removal of frequent, but information-low words.</a:t>
+            </a:r>
+          </a:p>
+          <a:p>
+            <a:pPr marL="1504737" marR="0" lvl="2" indent="-285750" algn="l" defTabSz="914400" rtl="0" eaLnBrk="0" fontAlgn="base" latinLnBrk="0" hangingPunct="0">
+              <a:lnSpc>
+                <a:spcPct val="100000"/>
+              </a:lnSpc>
+              <a:spcBef>
+                <a:spcPct val="30000"/>
+              </a:spcBef>
+              <a:spcAft>
+                <a:spcPct val="0"/>
+              </a:spcAft>
+              <a:buClrTx/>
+              <a:buSzTx/>
+              <a:buFont typeface="Arial" panose="020B0604020202020204" pitchFamily="34" charset="0"/>
+              <a:buChar char="•"/>
+              <a:tabLst/>
+              <a:defRPr/>
+            </a:pPr>
+            <a:r>
+              <a:rPr lang="da-DK" sz="1800" dirty="0">
+                <a:effectLst/>
+                <a:latin typeface="Calibri" panose="020F0502020204030204" pitchFamily="34" charset="0"/>
+              </a:rPr>
+              <a:t>Reduces noise and lowers computational power needed.</a:t>
+            </a:r>
+          </a:p>
+          <a:p>
+            <a:pPr marL="1504737" marR="0" lvl="2" indent="-285750" algn="l" defTabSz="914400" rtl="0" eaLnBrk="0" fontAlgn="base" latinLnBrk="0" hangingPunct="0">
+              <a:lnSpc>
+                <a:spcPct val="100000"/>
+              </a:lnSpc>
+              <a:spcBef>
+                <a:spcPct val="30000"/>
+              </a:spcBef>
+              <a:spcAft>
+                <a:spcPct val="0"/>
+              </a:spcAft>
+              <a:buClrTx/>
+              <a:buSzTx/>
+              <a:buFont typeface="Arial" panose="020B0604020202020204" pitchFamily="34" charset="0"/>
+              <a:buChar char="•"/>
+              <a:tabLst/>
+              <a:defRPr/>
+            </a:pPr>
+            <a:endParaRPr lang="en-US" sz="1600" dirty="0">
+              <a:latin typeface="+mj-lt"/>
+            </a:endParaRPr>
+          </a:p>
+          <a:p>
+            <a:pPr marL="895243" marR="0" lvl="1" indent="-285750" algn="l" defTabSz="914400" rtl="0" eaLnBrk="0" fontAlgn="base" latinLnBrk="0" hangingPunct="0">
+              <a:lnSpc>
+                <a:spcPct val="100000"/>
+              </a:lnSpc>
+              <a:spcBef>
+                <a:spcPct val="30000"/>
+              </a:spcBef>
+              <a:spcAft>
+                <a:spcPct val="0"/>
+              </a:spcAft>
+              <a:buClrTx/>
+              <a:buSzTx/>
+              <a:buFont typeface="Arial" panose="020B0604020202020204" pitchFamily="34" charset="0"/>
+              <a:buChar char="•"/>
+              <a:tabLst/>
+              <a:defRPr/>
+            </a:pPr>
+            <a:endParaRPr lang="en-US" sz="1600" dirty="0">
+              <a:latin typeface="+mj-lt"/>
+            </a:endParaRPr>
+          </a:p>
+          <a:p>
+            <a:pPr marL="895243" marR="0" lvl="1" indent="-285750" algn="l" defTabSz="914400" rtl="0" eaLnBrk="0" fontAlgn="base" latinLnBrk="0" hangingPunct="0">
+              <a:lnSpc>
+                <a:spcPct val="100000"/>
+              </a:lnSpc>
+              <a:spcBef>
+                <a:spcPct val="30000"/>
+              </a:spcBef>
+              <a:spcAft>
+                <a:spcPct val="0"/>
+              </a:spcAft>
+              <a:buClrTx/>
+              <a:buSzTx/>
+              <a:buFont typeface="Arial" panose="020B0604020202020204" pitchFamily="34" charset="0"/>
+              <a:buChar char="•"/>
+              <a:tabLst/>
+              <a:defRPr/>
+            </a:pPr>
+            <a:r>
+              <a:rPr lang="en-US" sz="1600" dirty="0">
+                <a:latin typeface="+mj-lt"/>
+              </a:rPr>
+              <a:t>Lemmatization?</a:t>
+            </a:r>
+          </a:p>
+          <a:p>
+            <a:pPr marL="1504737" marR="0" lvl="2" indent="-285750" algn="l" defTabSz="914400" rtl="0" eaLnBrk="0" fontAlgn="base" latinLnBrk="0" hangingPunct="0">
+              <a:lnSpc>
+                <a:spcPct val="100000"/>
+              </a:lnSpc>
+              <a:spcBef>
+                <a:spcPct val="30000"/>
+              </a:spcBef>
+              <a:spcAft>
+                <a:spcPct val="0"/>
+              </a:spcAft>
+              <a:buClrTx/>
+              <a:buSzTx/>
+              <a:buFont typeface="Arial" panose="020B0604020202020204" pitchFamily="34" charset="0"/>
+              <a:buChar char="•"/>
+              <a:tabLst/>
+              <a:defRPr/>
+            </a:pPr>
+            <a:r>
+              <a:rPr lang="en-US" sz="1600" dirty="0">
+                <a:latin typeface="+mj-lt"/>
+              </a:rPr>
+              <a:t>Lemmatization -&gt; Grouping together inflected forms of the same word, into the </a:t>
+            </a:r>
+            <a:r>
+              <a:rPr lang="en-US" sz="1600" i="1" dirty="0">
+                <a:latin typeface="+mj-lt"/>
+              </a:rPr>
+              <a:t>lemma</a:t>
+            </a:r>
+          </a:p>
+          <a:p>
+            <a:pPr marL="1504737" marR="0" lvl="2" indent="-285750" algn="l" defTabSz="914400" rtl="0" eaLnBrk="0" fontAlgn="base" latinLnBrk="0" hangingPunct="0">
+              <a:lnSpc>
+                <a:spcPct val="100000"/>
+              </a:lnSpc>
+              <a:spcBef>
+                <a:spcPct val="30000"/>
+              </a:spcBef>
+              <a:spcAft>
+                <a:spcPct val="0"/>
+              </a:spcAft>
+              <a:buClrTx/>
+              <a:buSzTx/>
+              <a:buFont typeface="Arial" panose="020B0604020202020204" pitchFamily="34" charset="0"/>
+              <a:buChar char="•"/>
+              <a:tabLst/>
+              <a:defRPr/>
+            </a:pPr>
+            <a:r>
+              <a:rPr lang="en-US" sz="1600" dirty="0">
+                <a:latin typeface="+mj-lt"/>
+              </a:rPr>
+              <a:t>What is a lemma?</a:t>
+            </a:r>
+          </a:p>
+          <a:p>
+            <a:pPr marL="2114230" marR="0" lvl="3" indent="-285750" algn="l" defTabSz="914400" rtl="0" eaLnBrk="0" fontAlgn="base" latinLnBrk="0" hangingPunct="0">
+              <a:lnSpc>
+                <a:spcPct val="100000"/>
+              </a:lnSpc>
+              <a:spcBef>
+                <a:spcPct val="30000"/>
+              </a:spcBef>
+              <a:spcAft>
+                <a:spcPct val="0"/>
+              </a:spcAft>
+              <a:buClrTx/>
+              <a:buSzTx/>
+              <a:buFont typeface="Arial" panose="020B0604020202020204" pitchFamily="34" charset="0"/>
+              <a:buChar char="•"/>
+              <a:tabLst/>
+              <a:defRPr/>
+            </a:pPr>
+            <a:r>
+              <a:rPr lang="en-US" sz="1600" dirty="0">
+                <a:latin typeface="+mj-lt"/>
+              </a:rPr>
+              <a:t>Semantic nucleus of a word</a:t>
+            </a:r>
+          </a:p>
+          <a:p>
+            <a:pPr marL="2114230" marR="0" lvl="3" indent="-285750" algn="l" defTabSz="914400" rtl="0" eaLnBrk="0" fontAlgn="base" latinLnBrk="0" hangingPunct="0">
+              <a:lnSpc>
+                <a:spcPct val="100000"/>
+              </a:lnSpc>
+              <a:spcBef>
+                <a:spcPct val="30000"/>
+              </a:spcBef>
+              <a:spcAft>
+                <a:spcPct val="0"/>
+              </a:spcAft>
+              <a:buClrTx/>
+              <a:buSzTx/>
+              <a:buFont typeface="Arial" panose="020B0604020202020204" pitchFamily="34" charset="0"/>
+              <a:buChar char="•"/>
+              <a:tabLst/>
+              <a:defRPr/>
+            </a:pPr>
+            <a:r>
+              <a:rPr lang="en-US" sz="1600" dirty="0">
+                <a:latin typeface="+mj-lt"/>
+              </a:rPr>
+              <a:t>Infinitive for verbs</a:t>
+            </a:r>
+          </a:p>
+          <a:p>
+            <a:pPr marL="2114230" marR="0" lvl="3" indent="-285750" algn="l" defTabSz="914400" rtl="0" eaLnBrk="0" fontAlgn="base" latinLnBrk="0" hangingPunct="0">
+              <a:lnSpc>
+                <a:spcPct val="100000"/>
+              </a:lnSpc>
+              <a:spcBef>
+                <a:spcPct val="30000"/>
+              </a:spcBef>
+              <a:spcAft>
+                <a:spcPct val="0"/>
+              </a:spcAft>
+              <a:buClrTx/>
+              <a:buSzTx/>
+              <a:buFont typeface="Arial" panose="020B0604020202020204" pitchFamily="34" charset="0"/>
+              <a:buChar char="•"/>
+              <a:tabLst/>
+              <a:defRPr/>
+            </a:pPr>
+            <a:r>
+              <a:rPr lang="en-US" sz="1600" dirty="0">
+                <a:latin typeface="+mj-lt"/>
+              </a:rPr>
+              <a:t>Singular form for nouns</a:t>
+            </a:r>
+          </a:p>
+          <a:p>
+            <a:pPr marL="1504737" marR="0" lvl="2" indent="-285750" algn="l" defTabSz="914400" rtl="0" eaLnBrk="0" fontAlgn="base" latinLnBrk="0" hangingPunct="0">
+              <a:lnSpc>
+                <a:spcPct val="100000"/>
+              </a:lnSpc>
+              <a:spcBef>
+                <a:spcPct val="30000"/>
+              </a:spcBef>
+              <a:spcAft>
+                <a:spcPct val="0"/>
+              </a:spcAft>
+              <a:buClrTx/>
+              <a:buSzTx/>
+              <a:buFont typeface="Arial" panose="020B0604020202020204" pitchFamily="34" charset="0"/>
+              <a:buChar char="•"/>
+              <a:tabLst/>
+              <a:defRPr/>
+            </a:pPr>
+            <a:r>
+              <a:rPr lang="en-US" sz="1600" dirty="0">
+                <a:latin typeface="+mj-lt"/>
+              </a:rPr>
+              <a:t>How is lemmatization carried out?</a:t>
+            </a:r>
+          </a:p>
+          <a:p>
+            <a:pPr marL="2114230" marR="0" lvl="3" indent="-285750" algn="l" defTabSz="914400" rtl="0" eaLnBrk="0" fontAlgn="base" latinLnBrk="0" hangingPunct="0">
+              <a:lnSpc>
+                <a:spcPct val="100000"/>
+              </a:lnSpc>
+              <a:spcBef>
+                <a:spcPct val="30000"/>
+              </a:spcBef>
+              <a:spcAft>
+                <a:spcPct val="0"/>
+              </a:spcAft>
+              <a:buClrTx/>
+              <a:buSzTx/>
+              <a:buFont typeface="Arial" panose="020B0604020202020204" pitchFamily="34" charset="0"/>
+              <a:buChar char="•"/>
+              <a:tabLst/>
+              <a:defRPr/>
+            </a:pPr>
+            <a:r>
+              <a:rPr lang="en-US" sz="1600" dirty="0">
+                <a:latin typeface="+mj-lt"/>
+              </a:rPr>
+              <a:t>Two methods:</a:t>
+            </a:r>
+          </a:p>
+          <a:p>
+            <a:pPr marL="2723723" marR="0" lvl="4" indent="-285750" algn="l" defTabSz="914400" rtl="0" eaLnBrk="0" fontAlgn="base" latinLnBrk="0" hangingPunct="0">
+              <a:lnSpc>
+                <a:spcPct val="100000"/>
+              </a:lnSpc>
+              <a:spcBef>
+                <a:spcPct val="30000"/>
+              </a:spcBef>
+              <a:spcAft>
+                <a:spcPct val="0"/>
+              </a:spcAft>
+              <a:buClrTx/>
+              <a:buSzTx/>
+              <a:buFont typeface="Arial" panose="020B0604020202020204" pitchFamily="34" charset="0"/>
+              <a:buChar char="•"/>
+              <a:tabLst/>
+              <a:defRPr/>
+            </a:pPr>
+            <a:r>
+              <a:rPr lang="en-US" sz="1600" dirty="0">
+                <a:latin typeface="+mj-lt"/>
+              </a:rPr>
+              <a:t>Look-up table</a:t>
+            </a:r>
+          </a:p>
+          <a:p>
+            <a:pPr marL="2723723" marR="0" lvl="4" indent="-285750" algn="l" defTabSz="914400" rtl="0" eaLnBrk="0" fontAlgn="base" latinLnBrk="0" hangingPunct="0">
+              <a:lnSpc>
+                <a:spcPct val="100000"/>
+              </a:lnSpc>
+              <a:spcBef>
+                <a:spcPct val="30000"/>
+              </a:spcBef>
+              <a:spcAft>
+                <a:spcPct val="0"/>
+              </a:spcAft>
+              <a:buClrTx/>
+              <a:buSzTx/>
+              <a:buFont typeface="Arial" panose="020B0604020202020204" pitchFamily="34" charset="0"/>
+              <a:buChar char="•"/>
+              <a:tabLst/>
+              <a:defRPr/>
+            </a:pPr>
+            <a:r>
+              <a:rPr lang="en-US" sz="1600" dirty="0">
+                <a:latin typeface="+mj-lt"/>
+              </a:rPr>
+              <a:t>Morphology based approach (word internal structure to predict lemma, requires trained model)</a:t>
+            </a:r>
+          </a:p>
+          <a:p>
+            <a:pPr marL="1504737" marR="0" lvl="2" indent="-285750" algn="l" defTabSz="914400" rtl="0" eaLnBrk="0" fontAlgn="base" latinLnBrk="0" hangingPunct="0">
+              <a:lnSpc>
+                <a:spcPct val="100000"/>
+              </a:lnSpc>
+              <a:spcBef>
+                <a:spcPct val="30000"/>
+              </a:spcBef>
+              <a:spcAft>
+                <a:spcPct val="0"/>
+              </a:spcAft>
+              <a:buClrTx/>
+              <a:buSzTx/>
+              <a:buFont typeface="Arial" panose="020B0604020202020204" pitchFamily="34" charset="0"/>
+              <a:buChar char="•"/>
+              <a:tabLst/>
+              <a:defRPr/>
+            </a:pPr>
+            <a:r>
+              <a:rPr lang="en-US" sz="1600" dirty="0">
+                <a:latin typeface="+mj-lt"/>
+              </a:rPr>
+              <a:t>Which lemmatization method did we use?</a:t>
+            </a:r>
+          </a:p>
+          <a:p>
+            <a:pPr marL="2114230" marR="0" lvl="3" indent="-285750" algn="l" defTabSz="914400" rtl="0" eaLnBrk="0" fontAlgn="base" latinLnBrk="0" hangingPunct="0">
+              <a:lnSpc>
+                <a:spcPct val="100000"/>
+              </a:lnSpc>
+              <a:spcBef>
+                <a:spcPct val="30000"/>
+              </a:spcBef>
+              <a:spcAft>
+                <a:spcPct val="0"/>
+              </a:spcAft>
+              <a:buClrTx/>
+              <a:buSzTx/>
+              <a:buFont typeface="Arial" panose="020B0604020202020204" pitchFamily="34" charset="0"/>
+              <a:buChar char="•"/>
+              <a:tabLst/>
+              <a:defRPr/>
+            </a:pPr>
+            <a:r>
+              <a:rPr lang="en-US" sz="1600" dirty="0">
+                <a:latin typeface="+mj-lt"/>
+              </a:rPr>
+              <a:t>?????</a:t>
+            </a:r>
+          </a:p>
+          <a:p>
+            <a:pPr marL="2114230" marR="0" lvl="3" indent="-285750" algn="l" defTabSz="914400" rtl="0" eaLnBrk="0" fontAlgn="base" latinLnBrk="0" hangingPunct="0">
+              <a:lnSpc>
+                <a:spcPct val="100000"/>
+              </a:lnSpc>
+              <a:spcBef>
+                <a:spcPct val="30000"/>
+              </a:spcBef>
+              <a:spcAft>
+                <a:spcPct val="0"/>
+              </a:spcAft>
+              <a:buClrTx/>
+              <a:buSzTx/>
+              <a:buFont typeface="Arial" panose="020B0604020202020204" pitchFamily="34" charset="0"/>
+              <a:buChar char="•"/>
+              <a:tabLst/>
+              <a:defRPr/>
+            </a:pPr>
+            <a:endParaRPr lang="en-US" sz="1600" dirty="0">
+              <a:latin typeface="+mj-lt"/>
+            </a:endParaRPr>
+          </a:p>
+          <a:p>
+            <a:pPr marL="895243" marR="0" lvl="1" indent="-285750" algn="l" defTabSz="914400" rtl="0" eaLnBrk="0" fontAlgn="base" latinLnBrk="0" hangingPunct="0">
+              <a:lnSpc>
+                <a:spcPct val="100000"/>
+              </a:lnSpc>
+              <a:spcBef>
+                <a:spcPct val="30000"/>
+              </a:spcBef>
+              <a:spcAft>
+                <a:spcPct val="0"/>
+              </a:spcAft>
+              <a:buClrTx/>
+              <a:buSzTx/>
+              <a:buFont typeface="Arial" panose="020B0604020202020204" pitchFamily="34" charset="0"/>
+              <a:buChar char="•"/>
+              <a:tabLst/>
+              <a:defRPr/>
+            </a:pPr>
+            <a:r>
+              <a:rPr lang="en-US" sz="1600" dirty="0">
+                <a:latin typeface="+mj-lt"/>
+              </a:rPr>
+              <a:t>What other preprocessing steps could have been utilized?</a:t>
+            </a:r>
+          </a:p>
+          <a:p>
+            <a:pPr marL="1504737" marR="0" lvl="2" indent="-285750" algn="l" defTabSz="914400" rtl="0" eaLnBrk="0" fontAlgn="base" latinLnBrk="0" hangingPunct="0">
+              <a:lnSpc>
+                <a:spcPct val="100000"/>
+              </a:lnSpc>
+              <a:spcBef>
+                <a:spcPct val="30000"/>
+              </a:spcBef>
+              <a:spcAft>
+                <a:spcPct val="0"/>
+              </a:spcAft>
+              <a:buClrTx/>
+              <a:buSzTx/>
+              <a:buFont typeface="Arial" panose="020B0604020202020204" pitchFamily="34" charset="0"/>
+              <a:buChar char="•"/>
+              <a:tabLst/>
+              <a:defRPr/>
+            </a:pPr>
+            <a:r>
+              <a:rPr lang="en-US" sz="1600" dirty="0">
+                <a:latin typeface="+mj-lt"/>
+              </a:rPr>
+              <a:t>Instead of lemmatization, we could have used stemming:</a:t>
+            </a:r>
+          </a:p>
+          <a:p>
+            <a:pPr marL="2114230" marR="0" lvl="3" indent="-285750" algn="l" defTabSz="914400" rtl="0" eaLnBrk="0" fontAlgn="base" latinLnBrk="0" hangingPunct="0">
+              <a:lnSpc>
+                <a:spcPct val="100000"/>
+              </a:lnSpc>
+              <a:spcBef>
+                <a:spcPct val="30000"/>
+              </a:spcBef>
+              <a:spcAft>
+                <a:spcPct val="0"/>
+              </a:spcAft>
+              <a:buClrTx/>
+              <a:buSzTx/>
+              <a:buFont typeface="Arial" panose="020B0604020202020204" pitchFamily="34" charset="0"/>
+              <a:buChar char="•"/>
+              <a:tabLst/>
+              <a:defRPr/>
+            </a:pPr>
+            <a:r>
+              <a:rPr lang="en-US" sz="1600" dirty="0">
+                <a:latin typeface="+mj-lt"/>
+              </a:rPr>
+              <a:t>Similar to lemmatization, but simpler (and not necessarily humanly interpretable):</a:t>
+            </a:r>
+          </a:p>
+          <a:p>
+            <a:pPr marL="2114230" marR="0" lvl="3" indent="-285750" algn="l" defTabSz="914400" rtl="0" eaLnBrk="0" fontAlgn="base" latinLnBrk="0" hangingPunct="0">
+              <a:lnSpc>
+                <a:spcPct val="100000"/>
+              </a:lnSpc>
+              <a:spcBef>
+                <a:spcPct val="30000"/>
+              </a:spcBef>
+              <a:spcAft>
+                <a:spcPct val="0"/>
+              </a:spcAft>
+              <a:buClrTx/>
+              <a:buSzTx/>
+              <a:buFont typeface="Arial" panose="020B0604020202020204" pitchFamily="34" charset="0"/>
+              <a:buChar char="•"/>
+              <a:tabLst/>
+              <a:defRPr/>
+            </a:pPr>
+            <a:r>
+              <a:rPr lang="da-DK" sz="1800" i="1" dirty="0">
+                <a:effectLst/>
+                <a:latin typeface="Calibri" panose="020F0502020204030204" pitchFamily="34" charset="0"/>
+              </a:rPr>
+              <a:t>Argue, argued, argues, arguing, </a:t>
+            </a:r>
+            <a:r>
+              <a:rPr lang="da-DK" sz="1800" dirty="0">
+                <a:effectLst/>
+                <a:latin typeface="Calibri" panose="020F0502020204030204" pitchFamily="34" charset="0"/>
+              </a:rPr>
+              <a:t>and </a:t>
+            </a:r>
+            <a:r>
+              <a:rPr lang="da-DK" sz="1800" i="1" dirty="0">
+                <a:effectLst/>
+                <a:latin typeface="Calibri" panose="020F0502020204030204" pitchFamily="34" charset="0"/>
+              </a:rPr>
+              <a:t>argus </a:t>
+            </a:r>
+            <a:r>
+              <a:rPr lang="da-DK" sz="1800" dirty="0">
+                <a:effectLst/>
+                <a:latin typeface="Calibri" panose="020F0502020204030204" pitchFamily="34" charset="0"/>
+              </a:rPr>
+              <a:t>- &gt; stem = </a:t>
+            </a:r>
+            <a:r>
+              <a:rPr lang="da-DK" sz="1800" b="1" dirty="0">
+                <a:effectLst/>
+                <a:latin typeface="Calibri" panose="020F0502020204030204" pitchFamily="34" charset="0"/>
+              </a:rPr>
+              <a:t>argu</a:t>
+            </a:r>
+            <a:endParaRPr lang="en-GB" dirty="0"/>
+          </a:p>
+          <a:p>
+            <a:pPr marL="895243" marR="0" lvl="1" indent="-285750" algn="l" defTabSz="914400" rtl="0" eaLnBrk="0" fontAlgn="base" latinLnBrk="0" hangingPunct="0">
+              <a:lnSpc>
+                <a:spcPct val="100000"/>
+              </a:lnSpc>
+              <a:spcBef>
+                <a:spcPct val="30000"/>
+              </a:spcBef>
+              <a:spcAft>
+                <a:spcPct val="0"/>
+              </a:spcAft>
+              <a:buClrTx/>
+              <a:buSzTx/>
+              <a:buFont typeface="Arial" panose="020B0604020202020204" pitchFamily="34" charset="0"/>
+              <a:buChar char="•"/>
+              <a:tabLst/>
+              <a:defRPr/>
+            </a:pPr>
+            <a:endParaRPr lang="en-GB" dirty="0"/>
+          </a:p>
+          <a:p>
+            <a:pPr marL="285750" marR="0" lvl="0" indent="-285750" algn="l" defTabSz="914400" rtl="0" eaLnBrk="0" fontAlgn="base" latinLnBrk="0" hangingPunct="0">
+              <a:lnSpc>
+                <a:spcPct val="100000"/>
+              </a:lnSpc>
+              <a:spcBef>
+                <a:spcPct val="30000"/>
+              </a:spcBef>
+              <a:spcAft>
+                <a:spcPct val="0"/>
+              </a:spcAft>
+              <a:buClrTx/>
+              <a:buSzTx/>
+              <a:buFont typeface="Arial" panose="020B0604020202020204" pitchFamily="34" charset="0"/>
+              <a:buChar char="•"/>
+              <a:tabLst/>
+              <a:defRPr/>
+            </a:pPr>
+            <a:r>
+              <a:rPr lang="en-GB" dirty="0" err="1"/>
+              <a:t>fastText</a:t>
+            </a:r>
+            <a:endParaRPr lang="en-GB" dirty="0"/>
+          </a:p>
+          <a:p>
+            <a:pPr marL="895243" marR="0" lvl="1" indent="-285750" algn="l" defTabSz="914400" rtl="0" eaLnBrk="0" fontAlgn="base" latinLnBrk="0" hangingPunct="0">
+              <a:lnSpc>
+                <a:spcPct val="100000"/>
+              </a:lnSpc>
+              <a:spcBef>
+                <a:spcPct val="30000"/>
+              </a:spcBef>
+              <a:spcAft>
+                <a:spcPct val="0"/>
+              </a:spcAft>
+              <a:buClrTx/>
+              <a:buSzTx/>
+              <a:buFont typeface="Arial" panose="020B0604020202020204" pitchFamily="34" charset="0"/>
+              <a:buChar char="•"/>
+              <a:tabLst/>
+              <a:defRPr/>
+            </a:pPr>
+            <a:r>
+              <a:rPr lang="en-GB" dirty="0" err="1"/>
+              <a:t>fastText</a:t>
+            </a:r>
+            <a:r>
+              <a:rPr lang="en-GB" dirty="0"/>
+              <a:t> is an improvement of word2vec, that includes sub-word information. </a:t>
+            </a:r>
+          </a:p>
+          <a:p>
+            <a:pPr marL="895243" marR="0" lvl="1" indent="-285750" algn="l" defTabSz="914400" rtl="0" eaLnBrk="0" fontAlgn="base" latinLnBrk="0" hangingPunct="0">
+              <a:lnSpc>
+                <a:spcPct val="100000"/>
+              </a:lnSpc>
+              <a:spcBef>
+                <a:spcPct val="30000"/>
+              </a:spcBef>
+              <a:spcAft>
+                <a:spcPct val="0"/>
+              </a:spcAft>
+              <a:buClrTx/>
+              <a:buSzTx/>
+              <a:buFont typeface="Arial" panose="020B0604020202020204" pitchFamily="34" charset="0"/>
+              <a:buChar char="•"/>
+              <a:tabLst/>
+              <a:defRPr/>
+            </a:pPr>
+            <a:r>
+              <a:rPr lang="en-GB" dirty="0"/>
+              <a:t>Looks up </a:t>
+            </a:r>
+            <a:r>
+              <a:rPr lang="en-GB" dirty="0" err="1"/>
+              <a:t>subword</a:t>
+            </a:r>
+            <a:r>
+              <a:rPr lang="en-GB" dirty="0"/>
+              <a:t> embeddings, averages, and then this is embedding of the word</a:t>
+            </a:r>
+          </a:p>
+          <a:p>
+            <a:pPr marL="895243" marR="0" lvl="1" indent="-285750" algn="l" defTabSz="914400" rtl="0" eaLnBrk="0" fontAlgn="base" latinLnBrk="0" hangingPunct="0">
+              <a:lnSpc>
+                <a:spcPct val="100000"/>
+              </a:lnSpc>
+              <a:spcBef>
+                <a:spcPct val="30000"/>
+              </a:spcBef>
+              <a:spcAft>
+                <a:spcPct val="0"/>
+              </a:spcAft>
+              <a:buClrTx/>
+              <a:buSzTx/>
+              <a:buFont typeface="Arial" panose="020B0604020202020204" pitchFamily="34" charset="0"/>
+              <a:buChar char="•"/>
+              <a:tabLst/>
+              <a:defRPr/>
+            </a:pPr>
+            <a:endParaRPr lang="en-GB" dirty="0"/>
+          </a:p>
+          <a:p>
+            <a:pPr marL="285750" marR="0" lvl="0" indent="-285750" algn="l" defTabSz="914400" rtl="0" eaLnBrk="0" fontAlgn="base" latinLnBrk="0" hangingPunct="0">
+              <a:lnSpc>
+                <a:spcPct val="100000"/>
+              </a:lnSpc>
+              <a:spcBef>
+                <a:spcPct val="30000"/>
+              </a:spcBef>
+              <a:spcAft>
+                <a:spcPct val="0"/>
+              </a:spcAft>
+              <a:buClrTx/>
+              <a:buSzTx/>
+              <a:buFont typeface="Arial" panose="020B0604020202020204" pitchFamily="34" charset="0"/>
+              <a:buChar char="•"/>
+              <a:tabLst/>
+              <a:defRPr/>
+            </a:pPr>
+            <a:endParaRPr lang="en-GB" dirty="0"/>
+          </a:p>
+          <a:p>
+            <a:pPr marL="285750" marR="0" lvl="0" indent="-285750" algn="l" defTabSz="914400" rtl="0" eaLnBrk="0" fontAlgn="base" latinLnBrk="0" hangingPunct="0">
+              <a:lnSpc>
+                <a:spcPct val="100000"/>
+              </a:lnSpc>
+              <a:spcBef>
+                <a:spcPct val="30000"/>
+              </a:spcBef>
+              <a:spcAft>
+                <a:spcPct val="0"/>
+              </a:spcAft>
+              <a:buClrTx/>
+              <a:buSzTx/>
+              <a:buFont typeface="Arial" panose="020B0604020202020204" pitchFamily="34" charset="0"/>
+              <a:buChar char="•"/>
+              <a:tabLst/>
+              <a:defRPr/>
+            </a:pPr>
+            <a:r>
+              <a:rPr lang="en-GB" dirty="0"/>
+              <a:t>BERT base uncased</a:t>
+            </a:r>
+          </a:p>
+          <a:p>
+            <a:pPr marL="895243" marR="0" lvl="1" indent="-285750" algn="l" defTabSz="914400" rtl="0" eaLnBrk="0" fontAlgn="base" latinLnBrk="0" hangingPunct="0">
+              <a:lnSpc>
+                <a:spcPct val="100000"/>
+              </a:lnSpc>
+              <a:spcBef>
+                <a:spcPct val="30000"/>
+              </a:spcBef>
+              <a:spcAft>
+                <a:spcPct val="0"/>
+              </a:spcAft>
+              <a:buClrTx/>
+              <a:buSzTx/>
+              <a:buFont typeface="Arial" panose="020B0604020202020204" pitchFamily="34" charset="0"/>
+              <a:buChar char="•"/>
+              <a:tabLst/>
+              <a:defRPr/>
+            </a:pPr>
+            <a:r>
+              <a:rPr lang="en-GB" dirty="0"/>
+              <a:t>BERT large, higher scores, but at high computational cost</a:t>
+            </a:r>
+          </a:p>
+          <a:p>
+            <a:pPr marL="0" marR="0" lvl="0" indent="0" algn="l" defTabSz="914400" rtl="0" eaLnBrk="0" fontAlgn="base" latinLnBrk="0" hangingPunct="0">
+              <a:lnSpc>
+                <a:spcPct val="100000"/>
+              </a:lnSpc>
+              <a:spcBef>
+                <a:spcPct val="30000"/>
+              </a:spcBef>
+              <a:spcAft>
+                <a:spcPct val="0"/>
+              </a:spcAft>
+              <a:buClrTx/>
+              <a:buSzTx/>
+              <a:buFont typeface="Arial" panose="020B0604020202020204" pitchFamily="34" charset="0"/>
               <a:buNone/>
               <a:tabLst/>
               <a:defRPr/>
@@ -4353,29 +5566,123 @@
             <a:endParaRPr lang="en-GB" dirty="0"/>
           </a:p>
           <a:p>
-            <a:pPr marL="895243" lvl="1" indent="-285750">
-              <a:buFont typeface="Arial" panose="020B0604020202020204" pitchFamily="34" charset="0"/>
-              <a:buChar char="•"/>
+            <a:pPr marL="285750" marR="0" lvl="0" indent="-285750" algn="l" defTabSz="914400" rtl="0" eaLnBrk="0" fontAlgn="base" latinLnBrk="0" hangingPunct="0">
+              <a:lnSpc>
+                <a:spcPct val="100000"/>
+              </a:lnSpc>
+              <a:spcBef>
+                <a:spcPct val="30000"/>
+              </a:spcBef>
+              <a:spcAft>
+                <a:spcPct val="0"/>
+              </a:spcAft>
+              <a:buClrTx/>
+              <a:buSzTx/>
+              <a:buFont typeface="Arial" panose="020B0604020202020204" pitchFamily="34" charset="0"/>
+              <a:buChar char="•"/>
+              <a:tabLst/>
+              <a:defRPr/>
             </a:pPr>
             <a:r>
               <a:rPr lang="en-GB" dirty="0"/>
-              <a:t>2</a:t>
-            </a:r>
-            <a:r>
-              <a:rPr lang="en-GB" baseline="30000" dirty="0"/>
-              <a:t>nd</a:t>
-            </a:r>
+              <a:t>Datasets?</a:t>
+            </a:r>
+          </a:p>
+          <a:p>
+            <a:pPr marL="895243" marR="0" lvl="1" indent="-285750" algn="l" defTabSz="914400" rtl="0" eaLnBrk="0" fontAlgn="base" latinLnBrk="0" hangingPunct="0">
+              <a:lnSpc>
+                <a:spcPct val="100000"/>
+              </a:lnSpc>
+              <a:spcBef>
+                <a:spcPct val="30000"/>
+              </a:spcBef>
+              <a:spcAft>
+                <a:spcPct val="0"/>
+              </a:spcAft>
+              <a:buClrTx/>
+              <a:buSzTx/>
+              <a:buFont typeface="Arial" panose="020B0604020202020204" pitchFamily="34" charset="0"/>
+              <a:buChar char="•"/>
+              <a:tabLst/>
+              <a:defRPr/>
+            </a:pPr>
             <a:r>
               <a:rPr lang="en-GB" dirty="0"/>
-              <a:t> problem relates to using cosine distance</a:t>
-            </a:r>
-          </a:p>
-          <a:p>
-            <a:pPr marL="895243" lvl="1" indent="-285750">
-              <a:buFont typeface="Arial" panose="020B0604020202020204" pitchFamily="34" charset="0"/>
-              <a:buChar char="•"/>
-            </a:pPr>
-            <a:endParaRPr lang="en-GB" dirty="0"/>
+              <a:t>Size impact:</a:t>
+            </a:r>
+          </a:p>
+          <a:p>
+            <a:pPr marL="1504737" marR="0" lvl="2" indent="-285750" algn="l" defTabSz="914400" rtl="0" eaLnBrk="0" fontAlgn="base" latinLnBrk="0" hangingPunct="0">
+              <a:lnSpc>
+                <a:spcPct val="100000"/>
+              </a:lnSpc>
+              <a:spcBef>
+                <a:spcPct val="30000"/>
+              </a:spcBef>
+              <a:spcAft>
+                <a:spcPct val="0"/>
+              </a:spcAft>
+              <a:buClrTx/>
+              <a:buSzTx/>
+              <a:buFont typeface="Arial" panose="020B0604020202020204" pitchFamily="34" charset="0"/>
+              <a:buChar char="•"/>
+              <a:tabLst/>
+              <a:defRPr/>
+            </a:pPr>
+            <a:r>
+              <a:rPr lang="en-GB" dirty="0"/>
+              <a:t>Small dataset -&gt; Worse learning, poor evaluation metrics (few samples, more inaccurate)</a:t>
+            </a:r>
+          </a:p>
+          <a:p>
+            <a:pPr marL="895243" marR="0" lvl="1" indent="-285750" algn="l" defTabSz="914400" rtl="0" eaLnBrk="0" fontAlgn="base" latinLnBrk="0" hangingPunct="0">
+              <a:lnSpc>
+                <a:spcPct val="100000"/>
+              </a:lnSpc>
+              <a:spcBef>
+                <a:spcPct val="30000"/>
+              </a:spcBef>
+              <a:spcAft>
+                <a:spcPct val="0"/>
+              </a:spcAft>
+              <a:buClrTx/>
+              <a:buSzTx/>
+              <a:buFont typeface="Arial" panose="020B0604020202020204" pitchFamily="34" charset="0"/>
+              <a:buChar char="•"/>
+              <a:tabLst/>
+              <a:defRPr/>
+            </a:pPr>
+            <a:r>
+              <a:rPr lang="en-GB" dirty="0" err="1"/>
+              <a:t>Quaility</a:t>
+            </a:r>
+            <a:r>
+              <a:rPr lang="en-GB" dirty="0"/>
+              <a:t> impact:</a:t>
+            </a:r>
+          </a:p>
+          <a:p>
+            <a:pPr marL="1504737" marR="0" lvl="2" indent="-285750" algn="l" defTabSz="914400" rtl="0" eaLnBrk="0" fontAlgn="base" latinLnBrk="0" hangingPunct="0">
+              <a:lnSpc>
+                <a:spcPct val="100000"/>
+              </a:lnSpc>
+              <a:spcBef>
+                <a:spcPct val="30000"/>
+              </a:spcBef>
+              <a:spcAft>
+                <a:spcPct val="0"/>
+              </a:spcAft>
+              <a:buClrTx/>
+              <a:buSzTx/>
+              <a:buFont typeface="Arial" panose="020B0604020202020204" pitchFamily="34" charset="0"/>
+              <a:buChar char="•"/>
+              <a:tabLst/>
+              <a:defRPr/>
+            </a:pPr>
+            <a:r>
+              <a:rPr lang="en-GB" dirty="0"/>
+              <a:t>Poor generalizability for poor quality</a:t>
+            </a:r>
           </a:p>
         </p:txBody>
       </p:sp>
@@ -4411,7 +5718,7 @@
     </p:spTree>
     <p:extLst>
       <p:ext uri="{BB962C8B-B14F-4D97-AF65-F5344CB8AC3E}">
-        <p14:creationId xmlns:p14="http://schemas.microsoft.com/office/powerpoint/2010/main" val="874402448"/>
+        <p14:creationId xmlns:p14="http://schemas.microsoft.com/office/powerpoint/2010/main" val="3881350969"/>
       </p:ext>
     </p:extLst>
   </p:cSld>
@@ -4440,7 +5747,7 @@
       </p:grpSpPr>
       <p:sp>
         <p:nvSpPr>
-          <p:cNvPr id="2" name="Pladsholder til slidebillede 1"/>
+          <p:cNvPr id="2" name="Slide Image Placeholder 1"/>
           <p:cNvSpPr>
             <a:spLocks noGrp="1" noRot="1" noChangeAspect="1"/>
           </p:cNvSpPr>
@@ -4452,7 +5759,7 @@
       </p:sp>
       <p:sp>
         <p:nvSpPr>
-          <p:cNvPr id="3" name="Pladsholder til noter 2"/>
+          <p:cNvPr id="3" name="Notes Placeholder 2"/>
           <p:cNvSpPr>
             <a:spLocks noGrp="1"/>
           </p:cNvSpPr>
@@ -4465,45 +5772,26 @@
           <a:bodyPr/>
           <a:lstStyle/>
           <a:p>
-            <a:pPr marL="285750" lvl="0" indent="-285750">
-              <a:buFont typeface="Arial" panose="020B0604020202020204" pitchFamily="34" charset="0"/>
-              <a:buChar char="•"/>
-            </a:pPr>
-            <a:r>
-              <a:rPr lang="en-GB" dirty="0"/>
-              <a:t>We based our analysis on the fact that distances in embedding space represent semantic similarity</a:t>
-            </a:r>
-          </a:p>
-          <a:p>
-            <a:pPr marL="895243" lvl="1" indent="-285750">
-              <a:buFont typeface="Arial" panose="020B0604020202020204" pitchFamily="34" charset="0"/>
-              <a:buChar char="•"/>
-            </a:pPr>
-            <a:r>
-              <a:rPr lang="en-GB" dirty="0"/>
-              <a:t>*Explain*</a:t>
-            </a:r>
-          </a:p>
-          <a:p>
-            <a:pPr marL="1504737" lvl="2" indent="-285750">
-              <a:buFont typeface="Arial" panose="020B0604020202020204" pitchFamily="34" charset="0"/>
-              <a:buChar char="•"/>
-            </a:pPr>
-            <a:r>
-              <a:rPr lang="en-GB" dirty="0"/>
-              <a:t>-&gt; Russia is semantically similar to Syria, and dissimilar to Couch</a:t>
-            </a:r>
-          </a:p>
-        </p:txBody>
-      </p:sp>
-      <p:sp>
-        <p:nvSpPr>
-          <p:cNvPr id="4" name="Pladsholder til slidenummer 3"/>
+            <a:pPr marL="285750" indent="-285750">
+              <a:buFont typeface="Arial" panose="020B0604020202020204" pitchFamily="34" charset="0"/>
+              <a:buChar char="•"/>
+            </a:pPr>
+            <a:r>
+              <a:rPr lang="en-US" dirty="0"/>
+              <a:t>Came to realize problem not mentioned in synopsis</a:t>
+            </a:r>
+            <a:endParaRPr lang="da-DK" dirty="0"/>
+          </a:p>
+        </p:txBody>
+      </p:sp>
+      <p:sp>
+        <p:nvSpPr>
+          <p:cNvPr id="4" name="Slide Number Placeholder 3"/>
           <p:cNvSpPr>
             <a:spLocks noGrp="1"/>
           </p:cNvSpPr>
           <p:nvPr>
-            <p:ph type="sldNum" sz="quarter" idx="10"/>
+            <p:ph type="sldNum" sz="quarter" idx="5"/>
           </p:nvPr>
         </p:nvSpPr>
         <p:spPr/>
@@ -4515,7 +5803,7 @@
               <a:defRPr/>
             </a:pPr>
             <a:fld id="{72C160C3-3AB6-49C1-8001-AFDAD271EB5B}" type="slidenum">
-              <a:rPr lang="en-GB"/>
+              <a:rPr lang="en-GB" smtClean="0"/>
               <a:pPr>
                 <a:defRPr/>
               </a:pPr>
@@ -4528,7 +5816,7 @@
     </p:spTree>
     <p:extLst>
       <p:ext uri="{BB962C8B-B14F-4D97-AF65-F5344CB8AC3E}">
-        <p14:creationId xmlns:p14="http://schemas.microsoft.com/office/powerpoint/2010/main" val="3775573758"/>
+        <p14:creationId xmlns:p14="http://schemas.microsoft.com/office/powerpoint/2010/main" val="3639815090"/>
       </p:ext>
     </p:extLst>
   </p:cSld>
@@ -4588,8 +5876,114 @@
             </a:pPr>
             <a:r>
               <a:rPr lang="en-GB" dirty="0"/>
-              <a:t>We could also have seen something like this (Right Plot):</a:t>
-            </a:r>
+              <a:t>3 problematic factors that I only thought of after finishing our project</a:t>
+            </a:r>
+          </a:p>
+          <a:p>
+            <a:pPr marL="895243" marR="0" lvl="1" indent="-285750" algn="l" defTabSz="914400" rtl="0" eaLnBrk="0" fontAlgn="base" latinLnBrk="0" hangingPunct="0">
+              <a:lnSpc>
+                <a:spcPct val="100000"/>
+              </a:lnSpc>
+              <a:spcBef>
+                <a:spcPct val="30000"/>
+              </a:spcBef>
+              <a:spcAft>
+                <a:spcPct val="0"/>
+              </a:spcAft>
+              <a:buClrTx/>
+              <a:buSzTx/>
+              <a:buFont typeface="Arial" panose="020B0604020202020204" pitchFamily="34" charset="0"/>
+              <a:buChar char="•"/>
+              <a:tabLst/>
+              <a:defRPr/>
+            </a:pPr>
+            <a:r>
+              <a:rPr lang="en-US" sz="1600" b="0" i="0" u="none" strike="noStrike" baseline="0" dirty="0">
+                <a:latin typeface="SFRM1000"/>
+              </a:rPr>
+              <a:t>1</a:t>
+            </a:r>
+            <a:r>
+              <a:rPr lang="en-US" sz="1600" b="0" i="0" u="none" strike="noStrike" baseline="30000" dirty="0">
+                <a:latin typeface="SFRM1000"/>
+              </a:rPr>
+              <a:t>st</a:t>
+            </a:r>
+            <a:r>
+              <a:rPr lang="en-US" sz="1600" b="0" i="0" u="none" strike="noStrike" baseline="0" dirty="0">
+                <a:latin typeface="SFRM1000"/>
+              </a:rPr>
+              <a:t> </a:t>
+            </a:r>
+          </a:p>
+          <a:p>
+            <a:pPr marL="1504737" marR="0" lvl="2" indent="-285750" algn="l" defTabSz="914400" rtl="0" eaLnBrk="0" fontAlgn="base" latinLnBrk="0" hangingPunct="0">
+              <a:lnSpc>
+                <a:spcPct val="100000"/>
+              </a:lnSpc>
+              <a:spcBef>
+                <a:spcPct val="30000"/>
+              </a:spcBef>
+              <a:spcAft>
+                <a:spcPct val="0"/>
+              </a:spcAft>
+              <a:buClrTx/>
+              <a:buSzTx/>
+              <a:buFont typeface="Arial" panose="020B0604020202020204" pitchFamily="34" charset="0"/>
+              <a:buChar char="•"/>
+              <a:tabLst/>
+              <a:defRPr/>
+            </a:pPr>
+            <a:r>
+              <a:rPr lang="en-US" sz="1600" b="0" i="0" u="none" strike="noStrike" baseline="0" dirty="0">
+                <a:latin typeface="SFRM1000"/>
+              </a:rPr>
+              <a:t>Even if we had sampled Fake News and real news randomly from within the same period 5 times. And then had trained 5 models on these 5 datasets, then we would likely ALSO have seen semantic shifts as well as changes in nearest </a:t>
+            </a:r>
+            <a:r>
+              <a:rPr lang="en-US" sz="1600" b="0" i="0" u="none" strike="noStrike" baseline="0" dirty="0" err="1">
+                <a:latin typeface="SFRM1000"/>
+              </a:rPr>
+              <a:t>neighbours</a:t>
+            </a:r>
+            <a:r>
+              <a:rPr lang="en-US" sz="1600" b="0" i="0" u="none" strike="noStrike" baseline="0" dirty="0">
+                <a:latin typeface="SFRM1000"/>
+              </a:rPr>
+              <a:t> for the word </a:t>
+            </a:r>
+            <a:r>
+              <a:rPr lang="en-US" sz="1600" b="0" i="1" u="none" strike="noStrike" baseline="0" dirty="0">
+                <a:latin typeface="SFRM1000"/>
+              </a:rPr>
+              <a:t>Russia</a:t>
+            </a:r>
+            <a:r>
+              <a:rPr lang="en-US" sz="1600" b="0" i="0" u="none" strike="noStrike" baseline="0" dirty="0">
+                <a:latin typeface="SFRM1000"/>
+              </a:rPr>
+              <a:t>. Just because the data is different.</a:t>
+            </a:r>
+          </a:p>
+          <a:p>
+            <a:pPr marL="1218987" marR="0" lvl="2" indent="0" algn="l" defTabSz="914400" rtl="0" eaLnBrk="0" fontAlgn="base" latinLnBrk="0" hangingPunct="0">
+              <a:lnSpc>
+                <a:spcPct val="100000"/>
+              </a:lnSpc>
+              <a:spcBef>
+                <a:spcPct val="30000"/>
+              </a:spcBef>
+              <a:spcAft>
+                <a:spcPct val="0"/>
+              </a:spcAft>
+              <a:buClrTx/>
+              <a:buSzTx/>
+              <a:buFont typeface="Arial" panose="020B0604020202020204" pitchFamily="34" charset="0"/>
+              <a:buNone/>
+              <a:tabLst/>
+              <a:defRPr/>
+            </a:pPr>
+            <a:endParaRPr lang="en-GB" dirty="0"/>
           </a:p>
           <a:p>
             <a:pPr marL="895243" lvl="1" indent="-285750">
@@ -4598,62 +5992,23 @@
             </a:pPr>
             <a:r>
               <a:rPr lang="en-GB" dirty="0"/>
-              <a:t>Here, the Euclidean distances between words is identical between time first and last time period.</a:t>
-            </a:r>
-          </a:p>
-          <a:p>
-            <a:pPr marL="285750" lvl="0" indent="-285750">
+              <a:t>2</a:t>
+            </a:r>
+            <a:r>
+              <a:rPr lang="en-GB" baseline="30000" dirty="0"/>
+              <a:t>nd</a:t>
+            </a:r>
+            <a:r>
+              <a:rPr lang="en-GB" dirty="0"/>
+              <a:t> problem relates to using cosine distance</a:t>
+            </a:r>
+          </a:p>
+          <a:p>
+            <a:pPr marL="895243" lvl="1" indent="-285750">
               <a:buFont typeface="Arial" panose="020B0604020202020204" pitchFamily="34" charset="0"/>
               <a:buChar char="•"/>
             </a:pPr>
             <a:endParaRPr lang="en-GB" dirty="0"/>
-          </a:p>
-          <a:p>
-            <a:pPr marL="285750" lvl="0" indent="-285750">
-              <a:buFont typeface="Arial" panose="020B0604020202020204" pitchFamily="34" charset="0"/>
-              <a:buChar char="•"/>
-            </a:pPr>
-            <a:r>
-              <a:rPr lang="en-GB" dirty="0"/>
-              <a:t>But the Cosine Distances are widely different</a:t>
-            </a:r>
-          </a:p>
-          <a:p>
-            <a:pPr marL="895243" lvl="1" indent="-285750">
-              <a:buFont typeface="Arial" panose="020B0604020202020204" pitchFamily="34" charset="0"/>
-              <a:buChar char="•"/>
-            </a:pPr>
-            <a:r>
-              <a:rPr lang="en-GB" dirty="0"/>
-              <a:t>*Explain*</a:t>
-            </a:r>
-          </a:p>
-          <a:p>
-            <a:pPr marL="895243" lvl="1" indent="-285750">
-              <a:buFont typeface="Arial" panose="020B0604020202020204" pitchFamily="34" charset="0"/>
-              <a:buChar char="•"/>
-            </a:pPr>
-            <a:r>
-              <a:rPr lang="en-GB" dirty="0"/>
-              <a:t>This has implications on both which words we found to most dissimilar, but also to which words are the nearest neighbours.</a:t>
-            </a:r>
-          </a:p>
-          <a:p>
-            <a:pPr marL="895243" lvl="1" indent="-285750">
-              <a:buFont typeface="Arial" panose="020B0604020202020204" pitchFamily="34" charset="0"/>
-              <a:buChar char="•"/>
-            </a:pPr>
-            <a:endParaRPr lang="en-GB" dirty="0"/>
-          </a:p>
-          <a:p>
-            <a:pPr marL="285750" lvl="0" indent="-285750">
-              <a:buFont typeface="Arial" panose="020B0604020202020204" pitchFamily="34" charset="0"/>
-              <a:buChar char="•"/>
-            </a:pPr>
-            <a:r>
-              <a:rPr lang="en-GB" dirty="0"/>
-              <a:t>We would perhaps be more interested in Euclidean distances, and not Cosine distances. </a:t>
-            </a:r>
           </a:p>
         </p:txBody>
       </p:sp>
@@ -4689,7 +6044,7 @@
     </p:spTree>
     <p:extLst>
       <p:ext uri="{BB962C8B-B14F-4D97-AF65-F5344CB8AC3E}">
-        <p14:creationId xmlns:p14="http://schemas.microsoft.com/office/powerpoint/2010/main" val="1063698113"/>
+        <p14:creationId xmlns:p14="http://schemas.microsoft.com/office/powerpoint/2010/main" val="874402448"/>
       </p:ext>
     </p:extLst>
   </p:cSld>
@@ -4749,7 +6104,27 @@
             </a:pPr>
             <a:r>
               <a:rPr lang="en-GB" dirty="0"/>
-              <a:t>Another problematic factor for our analysis relates to comparing vector representations of words, across different word embedding spaces:</a:t>
+              <a:t>We based our analysis on the fact that distances in embedding space represent semantic similarity</a:t>
+            </a:r>
+          </a:p>
+          <a:p>
+            <a:pPr marL="895243" lvl="1" indent="-285750">
+              <a:buFont typeface="Arial" panose="020B0604020202020204" pitchFamily="34" charset="0"/>
+              <a:buChar char="•"/>
+            </a:pPr>
+            <a:r>
+              <a:rPr lang="en-GB" dirty="0"/>
+              <a:t>*Explain*</a:t>
+            </a:r>
+          </a:p>
+          <a:p>
+            <a:pPr marL="1504737" lvl="2" indent="-285750">
+              <a:buFont typeface="Arial" panose="020B0604020202020204" pitchFamily="34" charset="0"/>
+              <a:buChar char="•"/>
+            </a:pPr>
+            <a:r>
+              <a:rPr lang="en-GB" dirty="0"/>
+              <a:t>-&gt; Russia is semantically similar to Syria, and dissimilar to Couch</a:t>
             </a:r>
           </a:p>
         </p:txBody>
@@ -4786,7 +6161,7 @@
     </p:spTree>
     <p:extLst>
       <p:ext uri="{BB962C8B-B14F-4D97-AF65-F5344CB8AC3E}">
-        <p14:creationId xmlns:p14="http://schemas.microsoft.com/office/powerpoint/2010/main" val="3956077610"/>
+        <p14:creationId xmlns:p14="http://schemas.microsoft.com/office/powerpoint/2010/main" val="3775573758"/>
       </p:ext>
     </p:extLst>
   </p:cSld>
@@ -4940,7 +6315,7 @@
             </a:pPr>
             <a:r>
               <a:rPr lang="en-GB" dirty="0"/>
-              <a:t>What we did (example only 1 word, only 2 dimensions for simplicity):</a:t>
+              <a:t>We could also have seen something like this (Right Plot):</a:t>
             </a:r>
           </a:p>
           <a:p>
@@ -4950,7 +6325,24 @@
             </a:pPr>
             <a:r>
               <a:rPr lang="en-GB" dirty="0"/>
-              <a:t>Computed cosine distance -&gt; as distances in word embedding space relates to semantics</a:t>
+              <a:t>Here, the Euclidean distances between words is identical between time first and last time period.</a:t>
+            </a:r>
+          </a:p>
+          <a:p>
+            <a:pPr marL="285750" lvl="0" indent="-285750">
+              <a:buFont typeface="Arial" panose="020B0604020202020204" pitchFamily="34" charset="0"/>
+              <a:buChar char="•"/>
+            </a:pPr>
+            <a:endParaRPr lang="en-GB" dirty="0"/>
+          </a:p>
+          <a:p>
+            <a:pPr marL="285750" lvl="0" indent="-285750">
+              <a:buFont typeface="Arial" panose="020B0604020202020204" pitchFamily="34" charset="0"/>
+              <a:buChar char="•"/>
+            </a:pPr>
+            <a:r>
+              <a:rPr lang="en-GB" dirty="0"/>
+              <a:t>But the Cosine Distances are widely different</a:t>
             </a:r>
           </a:p>
           <a:p>
@@ -4960,7 +6352,7 @@
             </a:pPr>
             <a:r>
               <a:rPr lang="en-GB" dirty="0"/>
-              <a:t>BUT:</a:t>
+              <a:t>*Explain*</a:t>
             </a:r>
           </a:p>
           <a:p>
@@ -4970,7 +6362,7 @@
             </a:pPr>
             <a:r>
               <a:rPr lang="en-GB" dirty="0"/>
-              <a:t>They are not found in the same embedding space, which means distances between embeddings spaces cannot necessarily be interpreted as semantic distances.</a:t>
+              <a:t>This has implications on both which words we found to most dissimilar, but also to which words are the nearest neighbours.</a:t>
             </a:r>
           </a:p>
           <a:p>
@@ -4978,24 +6370,17 @@
               <a:buFont typeface="Arial" panose="020B0604020202020204" pitchFamily="34" charset="0"/>
               <a:buChar char="•"/>
             </a:pPr>
+            <a:endParaRPr lang="en-GB" dirty="0"/>
+          </a:p>
+          <a:p>
+            <a:pPr marL="285750" lvl="0" indent="-285750">
+              <a:buFont typeface="Arial" panose="020B0604020202020204" pitchFamily="34" charset="0"/>
+              <a:buChar char="•"/>
+            </a:pPr>
             <a:r>
               <a:rPr lang="en-GB" dirty="0"/>
-              <a:t>We could have the following example:</a:t>
-            </a:r>
-          </a:p>
-          <a:p>
-            <a:pPr marL="895243" lvl="1" indent="-285750">
-              <a:buFont typeface="Arial" panose="020B0604020202020204" pitchFamily="34" charset="0"/>
-              <a:buChar char="•"/>
-            </a:pPr>
-            <a:endParaRPr lang="en-GB" dirty="0"/>
-          </a:p>
-          <a:p>
-            <a:pPr marL="895243" lvl="1" indent="-285750">
-              <a:buFont typeface="Arial" panose="020B0604020202020204" pitchFamily="34" charset="0"/>
-              <a:buChar char="•"/>
-            </a:pPr>
-            <a:endParaRPr lang="en-GB" dirty="0"/>
+              <a:t>We would perhaps be more interested in Euclidean distances, and not Cosine distances. </a:t>
+            </a:r>
           </a:p>
         </p:txBody>
       </p:sp>
@@ -5031,7 +6416,7 @@
     </p:spTree>
     <p:extLst>
       <p:ext uri="{BB962C8B-B14F-4D97-AF65-F5344CB8AC3E}">
-        <p14:creationId xmlns:p14="http://schemas.microsoft.com/office/powerpoint/2010/main" val="1467646072"/>
+        <p14:creationId xmlns:p14="http://schemas.microsoft.com/office/powerpoint/2010/main" val="1063698113"/>
       </p:ext>
     </p:extLst>
   </p:cSld>
@@ -5091,35 +6476,8 @@
             </a:pPr>
             <a:r>
               <a:rPr lang="en-GB" dirty="0"/>
-              <a:t>Here, our analysis would have perceived to have changed A LOT!</a:t>
-            </a:r>
-          </a:p>
-          <a:p>
-            <a:pPr marL="285750" lvl="0" indent="-285750">
-              <a:buFont typeface="Arial" panose="020B0604020202020204" pitchFamily="34" charset="0"/>
-              <a:buChar char="•"/>
-            </a:pPr>
-            <a:r>
-              <a:rPr lang="en-GB" dirty="0"/>
-              <a:t>But, the relative distances between Russia and other words remain the same.</a:t>
-            </a:r>
-          </a:p>
-          <a:p>
-            <a:pPr marL="895243" lvl="1" indent="-285750">
-              <a:buFont typeface="Arial" panose="020B0604020202020204" pitchFamily="34" charset="0"/>
-              <a:buChar char="•"/>
-            </a:pPr>
-            <a:r>
-              <a:rPr lang="en-GB" dirty="0"/>
-              <a:t>Meaning -&gt; Russia would not have changed, semantically, but would appear to, in our analysis.</a:t>
-            </a:r>
-          </a:p>
-          <a:p>
-            <a:pPr marL="895243" lvl="1" indent="-285750">
-              <a:buFont typeface="Arial" panose="020B0604020202020204" pitchFamily="34" charset="0"/>
-              <a:buChar char="•"/>
-            </a:pPr>
-            <a:endParaRPr lang="en-GB" dirty="0"/>
+              <a:t>Another problematic factor for our analysis relates to comparing vector representations of words, across different word embedding spaces:</a:t>
+            </a:r>
           </a:p>
         </p:txBody>
       </p:sp>
@@ -5155,7 +6513,7 @@
     </p:spTree>
     <p:extLst>
       <p:ext uri="{BB962C8B-B14F-4D97-AF65-F5344CB8AC3E}">
-        <p14:creationId xmlns:p14="http://schemas.microsoft.com/office/powerpoint/2010/main" val="2679530826"/>
+        <p14:creationId xmlns:p14="http://schemas.microsoft.com/office/powerpoint/2010/main" val="3956077610"/>
       </p:ext>
     </p:extLst>
   </p:cSld>
@@ -5209,1783 +6567,68 @@
           <a:bodyPr/>
           <a:lstStyle/>
           <a:p>
-            <a:pPr marL="457200" indent="-457200">
-              <a:lnSpc>
-                <a:spcPct val="150000"/>
-              </a:lnSpc>
-              <a:buFont typeface="Arial" panose="020B0604020202020204" pitchFamily="34" charset="0"/>
-              <a:buChar char="•"/>
-            </a:pPr>
-            <a:r>
-              <a:rPr lang="en-US" sz="1600" b="1" dirty="0" err="1">
-                <a:latin typeface="AU Passata Light" panose="020B0604020202020204" charset="0"/>
-              </a:rPr>
-              <a:t>Forstå</a:t>
-            </a:r>
-            <a:r>
-              <a:rPr lang="en-US" sz="1600" b="1" dirty="0">
-                <a:latin typeface="AU Passata Light" panose="020B0604020202020204" charset="0"/>
-              </a:rPr>
-              <a:t> </a:t>
-            </a:r>
-            <a:r>
-              <a:rPr lang="en-US" sz="1600" b="1" dirty="0" err="1">
-                <a:latin typeface="AU Passata Light" panose="020B0604020202020204" charset="0"/>
-              </a:rPr>
-              <a:t>og</a:t>
-            </a:r>
-            <a:r>
-              <a:rPr lang="en-US" sz="1600" b="1" dirty="0">
-                <a:latin typeface="AU Passata Light" panose="020B0604020202020204" charset="0"/>
-              </a:rPr>
-              <a:t> </a:t>
-            </a:r>
-            <a:r>
-              <a:rPr lang="en-US" sz="1600" b="1" dirty="0" err="1">
-                <a:latin typeface="AU Passata Light" panose="020B0604020202020204" charset="0"/>
-              </a:rPr>
-              <a:t>lav</a:t>
-            </a:r>
-            <a:r>
-              <a:rPr lang="en-US" sz="1600" b="1" dirty="0">
-                <a:latin typeface="AU Passata Light" panose="020B0604020202020204" charset="0"/>
-              </a:rPr>
-              <a:t> slides </a:t>
-            </a:r>
-            <a:r>
-              <a:rPr lang="en-US" sz="1600" b="1" dirty="0" err="1">
-                <a:latin typeface="AU Passata Light" panose="020B0604020202020204" charset="0"/>
-              </a:rPr>
-              <a:t>på</a:t>
-            </a:r>
-            <a:r>
-              <a:rPr lang="en-US" sz="1600" b="1" dirty="0">
-                <a:latin typeface="AU Passata Light" panose="020B0604020202020204" charset="0"/>
-              </a:rPr>
-              <a:t>:</a:t>
-            </a:r>
-          </a:p>
-          <a:p>
-            <a:pPr marL="1066693" lvl="1" indent="-457200">
-              <a:lnSpc>
-                <a:spcPct val="150000"/>
-              </a:lnSpc>
-              <a:buFont typeface="Arial" panose="020B0604020202020204" pitchFamily="34" charset="0"/>
-              <a:buChar char="•"/>
-            </a:pPr>
-            <a:r>
-              <a:rPr lang="da-DK" b="0" i="0" dirty="0">
-                <a:solidFill>
-                  <a:srgbClr val="FFFFFF"/>
-                </a:solidFill>
-                <a:effectLst/>
-                <a:latin typeface="Segoe UI Historic" panose="020B0502040204020203" pitchFamily="34" charset="0"/>
-              </a:rPr>
-              <a:t>Læs op på: fastText og word embeddings, og fokusér/inkludér på dét til det ekstra (if time).</a:t>
-            </a:r>
-            <a:endParaRPr lang="en-US" sz="1600" b="1" dirty="0">
-              <a:latin typeface="AU Passata Light" panose="020B0604020202020204" charset="0"/>
-            </a:endParaRPr>
-          </a:p>
-          <a:p>
-            <a:pPr marL="457200" indent="-457200">
-              <a:lnSpc>
-                <a:spcPct val="150000"/>
-              </a:lnSpc>
-              <a:buFont typeface="Arial" panose="020B0604020202020204" pitchFamily="34" charset="0"/>
-              <a:buChar char="•"/>
-            </a:pPr>
-            <a:r>
-              <a:rPr lang="en-US" sz="1600" b="1" dirty="0">
-                <a:latin typeface="AU Passata Light" panose="020B0604020202020204" charset="0"/>
-              </a:rPr>
-              <a:t>Hyperparameters, Analysis 1 (</a:t>
-            </a:r>
-            <a:r>
-              <a:rPr lang="en-US" sz="1600" b="1" dirty="0" err="1">
-                <a:latin typeface="AU Passata Light" panose="020B0604020202020204" charset="0"/>
-              </a:rPr>
-              <a:t>eller</a:t>
-            </a:r>
-            <a:r>
-              <a:rPr lang="en-US" sz="1600" b="1" dirty="0">
-                <a:latin typeface="AU Passata Light" panose="020B0604020202020204" charset="0"/>
-              </a:rPr>
-              <a:t> bare </a:t>
-            </a:r>
-            <a:r>
-              <a:rPr lang="en-US" sz="1600" b="1" dirty="0" err="1">
-                <a:latin typeface="AU Passata Light" panose="020B0604020202020204" charset="0"/>
-              </a:rPr>
-              <a:t>generelt</a:t>
-            </a:r>
-            <a:r>
-              <a:rPr lang="en-US" sz="1600" b="1" dirty="0">
-                <a:latin typeface="AU Passata Light" panose="020B0604020202020204" charset="0"/>
-              </a:rPr>
-              <a:t> </a:t>
-            </a:r>
-            <a:r>
-              <a:rPr lang="en-US" sz="1600" b="1" dirty="0" err="1">
-                <a:latin typeface="AU Passata Light" panose="020B0604020202020204" charset="0"/>
-              </a:rPr>
-              <a:t>hvordan</a:t>
-            </a:r>
-            <a:r>
-              <a:rPr lang="en-US" sz="1600" b="1" dirty="0">
-                <a:latin typeface="AU Passata Light" panose="020B0604020202020204" charset="0"/>
-              </a:rPr>
-              <a:t> det </a:t>
-            </a:r>
-            <a:r>
-              <a:rPr lang="en-US" sz="1600" b="1" dirty="0" err="1">
-                <a:latin typeface="AU Passata Light" panose="020B0604020202020204" charset="0"/>
-              </a:rPr>
-              <a:t>fungerer</a:t>
-            </a:r>
-            <a:r>
-              <a:rPr lang="en-US" sz="1600" b="1" dirty="0">
-                <a:latin typeface="AU Passata Light" panose="020B0604020202020204" charset="0"/>
-              </a:rPr>
-              <a:t> I store </a:t>
-            </a:r>
-            <a:r>
-              <a:rPr lang="en-US" sz="1600" b="1" dirty="0" err="1">
-                <a:latin typeface="AU Passata Light" panose="020B0604020202020204" charset="0"/>
-              </a:rPr>
-              <a:t>træk</a:t>
-            </a:r>
-            <a:r>
-              <a:rPr lang="en-US" sz="1600" b="1" dirty="0">
-                <a:latin typeface="AU Passata Light" panose="020B0604020202020204" charset="0"/>
-              </a:rPr>
-              <a:t>)</a:t>
-            </a:r>
-          </a:p>
-          <a:p>
-            <a:pPr marL="457200" indent="-457200">
-              <a:lnSpc>
-                <a:spcPct val="150000"/>
-              </a:lnSpc>
-              <a:buFont typeface="Arial" panose="020B0604020202020204" pitchFamily="34" charset="0"/>
-              <a:buChar char="•"/>
-            </a:pPr>
-            <a:r>
-              <a:rPr lang="en-US" sz="1600" b="1" dirty="0" err="1">
-                <a:latin typeface="AU Passata Light" panose="020B0604020202020204" charset="0"/>
-              </a:rPr>
-              <a:t>Lav</a:t>
-            </a:r>
-            <a:r>
-              <a:rPr lang="en-US" sz="1600" b="1" dirty="0">
-                <a:latin typeface="AU Passata Light" panose="020B0604020202020204" charset="0"/>
-              </a:rPr>
-              <a:t> </a:t>
-            </a:r>
-            <a:r>
-              <a:rPr lang="en-US" sz="1600" b="1" dirty="0" err="1">
-                <a:latin typeface="AU Passata Light" panose="020B0604020202020204" charset="0"/>
-              </a:rPr>
-              <a:t>ekstra</a:t>
-            </a:r>
-            <a:r>
-              <a:rPr lang="en-US" sz="1600" b="1" dirty="0">
-                <a:latin typeface="AU Passata Light" panose="020B0604020202020204" charset="0"/>
-              </a:rPr>
-              <a:t> slides </a:t>
-            </a:r>
-            <a:r>
-              <a:rPr lang="en-US" sz="1600" b="1" dirty="0" err="1">
-                <a:latin typeface="AU Passata Light" panose="020B0604020202020204" charset="0"/>
-              </a:rPr>
-              <a:t>på</a:t>
-            </a:r>
-            <a:r>
-              <a:rPr lang="en-US" sz="1600" b="1" dirty="0">
-                <a:latin typeface="AU Passata Light" panose="020B0604020202020204" charset="0"/>
-              </a:rPr>
-              <a:t> word embeddings (</a:t>
-            </a:r>
-            <a:r>
-              <a:rPr lang="en-US" sz="1600" b="1" dirty="0" err="1">
-                <a:latin typeface="AU Passata Light" panose="020B0604020202020204" charset="0"/>
-              </a:rPr>
-              <a:t>eller</a:t>
-            </a:r>
-            <a:r>
-              <a:rPr lang="en-US" sz="1600" b="1" dirty="0">
-                <a:latin typeface="AU Passata Light" panose="020B0604020202020204" charset="0"/>
-              </a:rPr>
-              <a:t> </a:t>
-            </a:r>
-            <a:r>
-              <a:rPr lang="en-US" sz="1600" b="1" dirty="0" err="1">
-                <a:latin typeface="AU Passata Light" panose="020B0604020202020204" charset="0"/>
-              </a:rPr>
-              <a:t>andet</a:t>
-            </a:r>
-            <a:r>
-              <a:rPr lang="en-US" sz="1600" b="1" dirty="0">
-                <a:latin typeface="AU Passata Light" panose="020B0604020202020204" charset="0"/>
-              </a:rPr>
-              <a:t>(!)) – </a:t>
-            </a:r>
-            <a:r>
-              <a:rPr lang="en-US" sz="1600" b="1" dirty="0" err="1">
-                <a:latin typeface="AU Passata Light" panose="020B0604020202020204" charset="0"/>
-              </a:rPr>
-              <a:t>læs</a:t>
-            </a:r>
-            <a:r>
-              <a:rPr lang="en-US" sz="1600" b="1" dirty="0">
-                <a:latin typeface="AU Passata Light" panose="020B0604020202020204" charset="0"/>
-              </a:rPr>
-              <a:t> </a:t>
-            </a:r>
-            <a:r>
-              <a:rPr lang="en-US" sz="1600" b="1" dirty="0" err="1">
-                <a:latin typeface="AU Passata Light" panose="020B0604020202020204" charset="0"/>
-              </a:rPr>
-              <a:t>godt</a:t>
-            </a:r>
-            <a:r>
-              <a:rPr lang="en-US" sz="1600" b="1" dirty="0">
-                <a:latin typeface="AU Passata Light" panose="020B0604020202020204" charset="0"/>
-              </a:rPr>
-              <a:t> op </a:t>
-            </a:r>
-            <a:r>
-              <a:rPr lang="en-US" sz="1600" b="1" dirty="0" err="1">
-                <a:latin typeface="AU Passata Light" panose="020B0604020202020204" charset="0"/>
-              </a:rPr>
-              <a:t>på</a:t>
-            </a:r>
-            <a:r>
-              <a:rPr lang="en-US" sz="1600" b="1" dirty="0">
-                <a:latin typeface="AU Passata Light" panose="020B0604020202020204" charset="0"/>
-              </a:rPr>
-              <a:t> det</a:t>
-            </a:r>
-          </a:p>
-          <a:p>
-            <a:pPr marL="457200" indent="-457200">
-              <a:lnSpc>
-                <a:spcPct val="150000"/>
-              </a:lnSpc>
-              <a:buFont typeface="Arial" panose="020B0604020202020204" pitchFamily="34" charset="0"/>
-              <a:buChar char="•"/>
-            </a:pPr>
-            <a:r>
-              <a:rPr lang="en-US" sz="1600" b="1" dirty="0" err="1">
-                <a:latin typeface="AU Passata Light" panose="020B0604020202020204" charset="0"/>
-              </a:rPr>
-              <a:t>Skriv</a:t>
-            </a:r>
-            <a:r>
-              <a:rPr lang="en-US" sz="1600" b="1" dirty="0">
-                <a:latin typeface="AU Passata Light" panose="020B0604020202020204" charset="0"/>
-              </a:rPr>
-              <a:t> </a:t>
-            </a:r>
-            <a:r>
-              <a:rPr lang="en-US" sz="1600" b="1" dirty="0" err="1">
-                <a:latin typeface="AU Passata Light" panose="020B0604020202020204" charset="0"/>
-              </a:rPr>
-              <a:t>flere</a:t>
-            </a:r>
-            <a:r>
-              <a:rPr lang="en-US" sz="1600" b="1" dirty="0">
-                <a:latin typeface="AU Passata Light" panose="020B0604020202020204" charset="0"/>
-              </a:rPr>
-              <a:t> ting </a:t>
-            </a:r>
-            <a:r>
-              <a:rPr lang="en-US" sz="1600" b="1" dirty="0" err="1">
-                <a:latin typeface="AU Passata Light" panose="020B0604020202020204" charset="0"/>
-              </a:rPr>
-              <a:t>på</a:t>
-            </a:r>
-            <a:r>
-              <a:rPr lang="en-US" sz="1600" b="1" dirty="0">
-                <a:latin typeface="AU Passata Light" panose="020B0604020202020204" charset="0"/>
-              </a:rPr>
-              <a:t>, </a:t>
-            </a:r>
-            <a:r>
-              <a:rPr lang="en-US" sz="1600" b="1" dirty="0" err="1">
-                <a:latin typeface="AU Passata Light" panose="020B0604020202020204" charset="0"/>
-              </a:rPr>
-              <a:t>indtil</a:t>
-            </a:r>
-            <a:r>
-              <a:rPr lang="en-US" sz="1600" b="1" dirty="0">
-                <a:latin typeface="AU Passata Light" panose="020B0604020202020204" charset="0"/>
-              </a:rPr>
-              <a:t> </a:t>
-            </a:r>
-            <a:r>
-              <a:rPr lang="en-US" sz="1600" b="1" dirty="0" err="1">
-                <a:latin typeface="AU Passata Light" panose="020B0604020202020204" charset="0"/>
-              </a:rPr>
-              <a:t>præsentationen</a:t>
-            </a:r>
-            <a:r>
-              <a:rPr lang="en-US" sz="1600" b="1" dirty="0">
-                <a:latin typeface="AU Passata Light" panose="020B0604020202020204" charset="0"/>
-              </a:rPr>
-              <a:t> er ca. 11-12 </a:t>
-            </a:r>
-            <a:r>
-              <a:rPr lang="en-US" sz="1600" b="1" dirty="0" err="1">
-                <a:latin typeface="AU Passata Light" panose="020B0604020202020204" charset="0"/>
-              </a:rPr>
-              <a:t>minutter</a:t>
-            </a:r>
-            <a:r>
-              <a:rPr lang="en-US" sz="1600" b="1" dirty="0">
-                <a:latin typeface="AU Passata Light" panose="020B0604020202020204" charset="0"/>
-              </a:rPr>
-              <a:t>.</a:t>
-            </a:r>
-          </a:p>
-          <a:p>
-            <a:pPr marL="609493" lvl="1" indent="0">
-              <a:buFont typeface="Arial" panose="020B0604020202020204" pitchFamily="34" charset="0"/>
-              <a:buNone/>
+            <a:pPr marL="285750" lvl="0" indent="-285750">
+              <a:buFont typeface="Arial" panose="020B0604020202020204" pitchFamily="34" charset="0"/>
+              <a:buChar char="•"/>
+            </a:pPr>
+            <a:r>
+              <a:rPr lang="en-GB" dirty="0"/>
+              <a:t>What we did (example only 1 word, only 2 dimensions for simplicity):</a:t>
+            </a:r>
+          </a:p>
+          <a:p>
+            <a:pPr marL="895243" lvl="1" indent="-285750">
+              <a:buFont typeface="Arial" panose="020B0604020202020204" pitchFamily="34" charset="0"/>
+              <a:buChar char="•"/>
+            </a:pPr>
+            <a:r>
+              <a:rPr lang="en-GB" dirty="0"/>
+              <a:t>Computed cosine distance -&gt; as distances in word embedding space relates to semantics</a:t>
+            </a:r>
+          </a:p>
+          <a:p>
+            <a:pPr marL="895243" lvl="1" indent="-285750">
+              <a:buFont typeface="Arial" panose="020B0604020202020204" pitchFamily="34" charset="0"/>
+              <a:buChar char="•"/>
+            </a:pPr>
+            <a:r>
+              <a:rPr lang="en-GB" dirty="0"/>
+              <a:t>BUT:</a:t>
+            </a:r>
+          </a:p>
+          <a:p>
+            <a:pPr marL="895243" lvl="1" indent="-285750">
+              <a:buFont typeface="Arial" panose="020B0604020202020204" pitchFamily="34" charset="0"/>
+              <a:buChar char="•"/>
+            </a:pPr>
+            <a:r>
+              <a:rPr lang="en-GB" dirty="0"/>
+              <a:t>They are not found in the same embedding space, which means distances between embeddings spaces cannot necessarily be interpreted as semantic distances.</a:t>
+            </a:r>
+          </a:p>
+          <a:p>
+            <a:pPr marL="895243" lvl="1" indent="-285750">
+              <a:buFont typeface="Arial" panose="020B0604020202020204" pitchFamily="34" charset="0"/>
+              <a:buChar char="•"/>
+            </a:pPr>
+            <a:r>
+              <a:rPr lang="en-GB" dirty="0"/>
+              <a:t>We could have the following example:</a:t>
+            </a:r>
+          </a:p>
+          <a:p>
+            <a:pPr marL="895243" lvl="1" indent="-285750">
+              <a:buFont typeface="Arial" panose="020B0604020202020204" pitchFamily="34" charset="0"/>
+              <a:buChar char="•"/>
             </a:pPr>
             <a:endParaRPr lang="en-GB" dirty="0"/>
           </a:p>
           <a:p>
-            <a:pPr marL="285750" lvl="0" indent="-285750">
-              <a:buFont typeface="Arial" panose="020B0604020202020204" pitchFamily="34" charset="0"/>
-              <a:buChar char="•"/>
-            </a:pPr>
-            <a:r>
-              <a:rPr lang="en-GB" dirty="0"/>
-              <a:t>Confounds of word embedding analysis:</a:t>
-            </a:r>
-            <a:endParaRPr lang="en-US" sz="1600" b="0" i="0" u="none" strike="noStrike" baseline="0" dirty="0">
-              <a:latin typeface="SFRM1000"/>
-            </a:endParaRPr>
-          </a:p>
-          <a:p>
-            <a:pPr marL="895243" marR="0" lvl="1" indent="-285750" algn="l" defTabSz="914400" rtl="0" eaLnBrk="0" fontAlgn="base" latinLnBrk="0" hangingPunct="0">
-              <a:lnSpc>
-                <a:spcPct val="100000"/>
-              </a:lnSpc>
-              <a:spcBef>
-                <a:spcPct val="30000"/>
-              </a:spcBef>
-              <a:spcAft>
-                <a:spcPct val="0"/>
-              </a:spcAft>
-              <a:buClrTx/>
-              <a:buSzTx/>
-              <a:buFont typeface="Arial" panose="020B0604020202020204" pitchFamily="34" charset="0"/>
-              <a:buChar char="•"/>
-              <a:tabLst/>
-              <a:defRPr/>
-            </a:pPr>
-            <a:r>
-              <a:rPr lang="en-US" sz="1600" b="0" i="0" u="none" strike="noStrike" baseline="0" dirty="0">
-                <a:latin typeface="SFRM1000"/>
-              </a:rPr>
-              <a:t>Not mentioned in synopsis:</a:t>
-            </a:r>
-          </a:p>
-          <a:p>
-            <a:pPr marL="895243" marR="0" lvl="1" indent="-285750" algn="l" defTabSz="914400" rtl="0" eaLnBrk="0" fontAlgn="base" latinLnBrk="0" hangingPunct="0">
-              <a:lnSpc>
-                <a:spcPct val="100000"/>
-              </a:lnSpc>
-              <a:spcBef>
-                <a:spcPct val="30000"/>
-              </a:spcBef>
-              <a:spcAft>
-                <a:spcPct val="0"/>
-              </a:spcAft>
-              <a:buClrTx/>
-              <a:buSzTx/>
-              <a:buFont typeface="Arial" panose="020B0604020202020204" pitchFamily="34" charset="0"/>
-              <a:buChar char="•"/>
-              <a:tabLst/>
-              <a:defRPr/>
-            </a:pPr>
-            <a:r>
-              <a:rPr lang="en-US" sz="1600" b="0" i="0" u="none" strike="noStrike" baseline="0" dirty="0">
-                <a:latin typeface="SFRM1000"/>
-              </a:rPr>
-              <a:t>Even if we had sampled Fake News and real news randomly from within the same period 5 times. And then had trained 5 models on these 5 datasets, then we would likely ALSO have seen semantic shifts as well as changes in nearest </a:t>
-            </a:r>
-            <a:r>
-              <a:rPr lang="en-US" sz="1600" b="0" i="0" u="none" strike="noStrike" baseline="0" dirty="0" err="1">
-                <a:latin typeface="SFRM1000"/>
-              </a:rPr>
-              <a:t>neighbours</a:t>
-            </a:r>
-            <a:r>
-              <a:rPr lang="en-US" sz="1600" b="0" i="0" u="none" strike="noStrike" baseline="0" dirty="0">
-                <a:latin typeface="SFRM1000"/>
-              </a:rPr>
-              <a:t> for the word </a:t>
-            </a:r>
-            <a:r>
-              <a:rPr lang="en-US" sz="1600" b="0" i="1" u="none" strike="noStrike" baseline="0" dirty="0">
-                <a:latin typeface="SFRM1000"/>
-              </a:rPr>
-              <a:t>Russia</a:t>
-            </a:r>
-            <a:r>
-              <a:rPr lang="en-US" sz="1600" b="0" i="0" u="none" strike="noStrike" baseline="0" dirty="0">
-                <a:latin typeface="SFRM1000"/>
-              </a:rPr>
-              <a:t>.</a:t>
-            </a:r>
+            <a:pPr marL="895243" lvl="1" indent="-285750">
+              <a:buFont typeface="Arial" panose="020B0604020202020204" pitchFamily="34" charset="0"/>
+              <a:buChar char="•"/>
+            </a:pPr>
             <a:endParaRPr lang="en-GB" dirty="0"/>
-          </a:p>
-          <a:p>
-            <a:pPr marL="285750" lvl="0" indent="-285750">
-              <a:buFont typeface="Arial" panose="020B0604020202020204" pitchFamily="34" charset="0"/>
-              <a:buChar char="•"/>
-            </a:pPr>
-            <a:endParaRPr lang="en-GB" dirty="0"/>
-          </a:p>
-          <a:p>
-            <a:pPr marL="285750" lvl="0" indent="-285750">
-              <a:buFont typeface="Arial" panose="020B0604020202020204" pitchFamily="34" charset="0"/>
-              <a:buChar char="•"/>
-            </a:pPr>
-            <a:r>
-              <a:rPr lang="en-GB" dirty="0"/>
-              <a:t>Why use Macro F1-score?</a:t>
-            </a:r>
-          </a:p>
-          <a:p>
-            <a:pPr marL="895243" lvl="1" indent="-285750">
-              <a:buFont typeface="Arial" panose="020B0604020202020204" pitchFamily="34" charset="0"/>
-              <a:buChar char="•"/>
-            </a:pPr>
-            <a:r>
-              <a:rPr lang="en-GB" dirty="0"/>
-              <a:t>*</a:t>
-            </a:r>
-          </a:p>
-          <a:p>
-            <a:pPr marL="895243" lvl="1" indent="-285750">
-              <a:buFont typeface="Arial" panose="020B0604020202020204" pitchFamily="34" charset="0"/>
-              <a:buChar char="•"/>
-            </a:pPr>
-            <a:r>
-              <a:rPr lang="en-GB" dirty="0"/>
-              <a:t>Should’ve included classification matrix</a:t>
-            </a:r>
-          </a:p>
-          <a:p>
-            <a:pPr marL="0" lvl="0" indent="0">
-              <a:buFont typeface="Arial" panose="020B0604020202020204" pitchFamily="34" charset="0"/>
-              <a:buNone/>
-            </a:pPr>
-            <a:endParaRPr lang="en-GB" dirty="0"/>
-          </a:p>
-          <a:p>
-            <a:pPr marL="285750" lvl="0" indent="-285750">
-              <a:buFont typeface="Arial" panose="020B0604020202020204" pitchFamily="34" charset="0"/>
-              <a:buChar char="•"/>
-            </a:pPr>
-            <a:r>
-              <a:rPr lang="en-GB" dirty="0"/>
-              <a:t>Distance metrics</a:t>
-            </a:r>
-          </a:p>
-          <a:p>
-            <a:pPr marL="895243" lvl="1" indent="-285750">
-              <a:buFont typeface="Arial" panose="020B0604020202020204" pitchFamily="34" charset="0"/>
-              <a:buChar char="•"/>
-            </a:pPr>
-            <a:r>
-              <a:rPr lang="en-GB" dirty="0"/>
-              <a:t>Other distance metrics could have been utilized:</a:t>
-            </a:r>
-          </a:p>
-          <a:p>
-            <a:pPr marL="895243" lvl="1" indent="-285750">
-              <a:buFont typeface="Arial" panose="020B0604020202020204" pitchFamily="34" charset="0"/>
-              <a:buChar char="•"/>
-            </a:pPr>
-            <a:r>
-              <a:rPr lang="en-GB" dirty="0"/>
-              <a:t>Cosine distance</a:t>
-            </a:r>
-          </a:p>
-          <a:p>
-            <a:pPr marL="895243" lvl="1" indent="-285750">
-              <a:buFont typeface="Arial" panose="020B0604020202020204" pitchFamily="34" charset="0"/>
-              <a:buChar char="•"/>
-            </a:pPr>
-            <a:r>
-              <a:rPr lang="en-GB" dirty="0"/>
-              <a:t>Euclidean distance</a:t>
-            </a:r>
-          </a:p>
-          <a:p>
-            <a:pPr marL="895243" marR="0" lvl="1" indent="-285750" algn="l" defTabSz="914400" rtl="0" eaLnBrk="0" fontAlgn="base" latinLnBrk="0" hangingPunct="0">
-              <a:lnSpc>
-                <a:spcPct val="100000"/>
-              </a:lnSpc>
-              <a:spcBef>
-                <a:spcPct val="30000"/>
-              </a:spcBef>
-              <a:spcAft>
-                <a:spcPct val="0"/>
-              </a:spcAft>
-              <a:buClrTx/>
-              <a:buSzTx/>
-              <a:buFont typeface="Arial" panose="020B0604020202020204" pitchFamily="34" charset="0"/>
-              <a:buChar char="•"/>
-              <a:tabLst/>
-              <a:defRPr/>
-            </a:pPr>
-            <a:r>
-              <a:rPr lang="en-GB" dirty="0"/>
-              <a:t>Cosine distance and Euclidean distance are widely different</a:t>
-            </a:r>
-          </a:p>
-          <a:p>
-            <a:pPr marL="1504737" marR="0" lvl="2" indent="-285750" algn="l" defTabSz="914400" rtl="0" eaLnBrk="0" fontAlgn="base" latinLnBrk="0" hangingPunct="0">
-              <a:lnSpc>
-                <a:spcPct val="100000"/>
-              </a:lnSpc>
-              <a:spcBef>
-                <a:spcPct val="30000"/>
-              </a:spcBef>
-              <a:spcAft>
-                <a:spcPct val="0"/>
-              </a:spcAft>
-              <a:buClrTx/>
-              <a:buSzTx/>
-              <a:buFont typeface="Arial" panose="020B0604020202020204" pitchFamily="34" charset="0"/>
-              <a:buChar char="•"/>
-              <a:tabLst/>
-              <a:defRPr/>
-            </a:pPr>
-            <a:r>
-              <a:rPr lang="en-GB" dirty="0"/>
-              <a:t>Use paper and draw (in advance): ??</a:t>
-            </a:r>
-          </a:p>
-          <a:p>
-            <a:pPr marL="1504737" marR="0" lvl="2" indent="-285750" algn="l" defTabSz="914400" rtl="0" eaLnBrk="0" fontAlgn="base" latinLnBrk="0" hangingPunct="0">
-              <a:lnSpc>
-                <a:spcPct val="100000"/>
-              </a:lnSpc>
-              <a:spcBef>
-                <a:spcPct val="30000"/>
-              </a:spcBef>
-              <a:spcAft>
-                <a:spcPct val="0"/>
-              </a:spcAft>
-              <a:buClrTx/>
-              <a:buSzTx/>
-              <a:buFont typeface="Arial" panose="020B0604020202020204" pitchFamily="34" charset="0"/>
-              <a:buChar char="•"/>
-              <a:tabLst/>
-              <a:defRPr/>
-            </a:pPr>
-            <a:r>
-              <a:rPr lang="en-GB" dirty="0"/>
-              <a:t>-0.1,-0.1. vs. 0.1, 0.1</a:t>
-            </a:r>
-          </a:p>
-          <a:p>
-            <a:pPr marL="1504737" marR="0" lvl="2" indent="-285750" algn="l" defTabSz="914400" rtl="0" eaLnBrk="0" fontAlgn="base" latinLnBrk="0" hangingPunct="0">
-              <a:lnSpc>
-                <a:spcPct val="100000"/>
-              </a:lnSpc>
-              <a:spcBef>
-                <a:spcPct val="30000"/>
-              </a:spcBef>
-              <a:spcAft>
-                <a:spcPct val="0"/>
-              </a:spcAft>
-              <a:buClrTx/>
-              <a:buSzTx/>
-              <a:buFont typeface="Arial" panose="020B0604020202020204" pitchFamily="34" charset="0"/>
-              <a:buChar char="•"/>
-              <a:tabLst/>
-              <a:defRPr/>
-            </a:pPr>
-            <a:r>
-              <a:rPr lang="en-GB" dirty="0"/>
-              <a:t>and </a:t>
-            </a:r>
-          </a:p>
-          <a:p>
-            <a:pPr marL="1504737" marR="0" lvl="2" indent="-285750" algn="l" defTabSz="914400" rtl="0" eaLnBrk="0" fontAlgn="base" latinLnBrk="0" hangingPunct="0">
-              <a:lnSpc>
-                <a:spcPct val="100000"/>
-              </a:lnSpc>
-              <a:spcBef>
-                <a:spcPct val="30000"/>
-              </a:spcBef>
-              <a:spcAft>
-                <a:spcPct val="0"/>
-              </a:spcAft>
-              <a:buClrTx/>
-              <a:buSzTx/>
-              <a:buFont typeface="Arial" panose="020B0604020202020204" pitchFamily="34" charset="0"/>
-              <a:buChar char="•"/>
-              <a:tabLst/>
-              <a:defRPr/>
-            </a:pPr>
-            <a:r>
-              <a:rPr lang="en-GB" dirty="0"/>
-              <a:t>1000000000, 1000000000 vs. 1, 1</a:t>
-            </a:r>
-          </a:p>
-          <a:p>
-            <a:pPr marL="895243" marR="0" lvl="1" indent="-285750" algn="l" defTabSz="914400" rtl="0" eaLnBrk="0" fontAlgn="base" latinLnBrk="0" hangingPunct="0">
-              <a:lnSpc>
-                <a:spcPct val="100000"/>
-              </a:lnSpc>
-              <a:spcBef>
-                <a:spcPct val="30000"/>
-              </a:spcBef>
-              <a:spcAft>
-                <a:spcPct val="0"/>
-              </a:spcAft>
-              <a:buClrTx/>
-              <a:buSzTx/>
-              <a:buFont typeface="Arial" panose="020B0604020202020204" pitchFamily="34" charset="0"/>
-              <a:buChar char="•"/>
-              <a:tabLst/>
-              <a:defRPr/>
-            </a:pPr>
-            <a:r>
-              <a:rPr lang="en-GB" dirty="0"/>
-              <a:t>Which metric is best? </a:t>
-            </a:r>
-          </a:p>
-          <a:p>
-            <a:pPr marL="1504737" marR="0" lvl="2" indent="-285750" algn="l" defTabSz="914400" rtl="0" eaLnBrk="0" fontAlgn="base" latinLnBrk="0" hangingPunct="0">
-              <a:lnSpc>
-                <a:spcPct val="100000"/>
-              </a:lnSpc>
-              <a:spcBef>
-                <a:spcPct val="30000"/>
-              </a:spcBef>
-              <a:spcAft>
-                <a:spcPct val="0"/>
-              </a:spcAft>
-              <a:buClrTx/>
-              <a:buSzTx/>
-              <a:buFont typeface="Arial" panose="020B0604020202020204" pitchFamily="34" charset="0"/>
-              <a:buChar char="•"/>
-              <a:tabLst/>
-              <a:defRPr/>
-            </a:pPr>
-            <a:r>
-              <a:rPr lang="en-GB" dirty="0"/>
-              <a:t>Different uses, BUT:</a:t>
-            </a:r>
-          </a:p>
-          <a:p>
-            <a:pPr marL="1504737" marR="0" lvl="2" indent="-285750" algn="l" defTabSz="914400" rtl="0" eaLnBrk="0" fontAlgn="base" latinLnBrk="0" hangingPunct="0">
-              <a:lnSpc>
-                <a:spcPct val="100000"/>
-              </a:lnSpc>
-              <a:spcBef>
-                <a:spcPct val="30000"/>
-              </a:spcBef>
-              <a:spcAft>
-                <a:spcPct val="0"/>
-              </a:spcAft>
-              <a:buClrTx/>
-              <a:buSzTx/>
-              <a:buFont typeface="Arial" panose="020B0604020202020204" pitchFamily="34" charset="0"/>
-              <a:buChar char="•"/>
-              <a:tabLst/>
-              <a:defRPr/>
-            </a:pPr>
-            <a:r>
-              <a:rPr lang="en-GB" dirty="0"/>
-              <a:t>Perhaps Euclidean distance would have been better for this task.</a:t>
-            </a:r>
-          </a:p>
-          <a:p>
-            <a:pPr marL="285750" marR="0" lvl="0" indent="-285750" algn="l" defTabSz="914400" rtl="0" eaLnBrk="0" fontAlgn="base" latinLnBrk="0" hangingPunct="0">
-              <a:lnSpc>
-                <a:spcPct val="100000"/>
-              </a:lnSpc>
-              <a:spcBef>
-                <a:spcPct val="30000"/>
-              </a:spcBef>
-              <a:spcAft>
-                <a:spcPct val="0"/>
-              </a:spcAft>
-              <a:buClrTx/>
-              <a:buSzTx/>
-              <a:buFont typeface="Arial" panose="020B0604020202020204" pitchFamily="34" charset="0"/>
-              <a:buChar char="•"/>
-              <a:tabLst/>
-              <a:defRPr/>
-            </a:pPr>
-            <a:endParaRPr lang="en-GB" dirty="0"/>
-          </a:p>
-          <a:p>
-            <a:pPr marL="285750" marR="0" lvl="0" indent="-285750" algn="l" defTabSz="914400" rtl="0" eaLnBrk="0" fontAlgn="base" latinLnBrk="0" hangingPunct="0">
-              <a:lnSpc>
-                <a:spcPct val="100000"/>
-              </a:lnSpc>
-              <a:spcBef>
-                <a:spcPct val="30000"/>
-              </a:spcBef>
-              <a:spcAft>
-                <a:spcPct val="0"/>
-              </a:spcAft>
-              <a:buClrTx/>
-              <a:buSzTx/>
-              <a:buFont typeface="Arial" panose="020B0604020202020204" pitchFamily="34" charset="0"/>
-              <a:buChar char="•"/>
-              <a:tabLst/>
-              <a:defRPr/>
-            </a:pPr>
-            <a:r>
-              <a:rPr lang="en-GB" dirty="0" err="1"/>
-              <a:t>Preprocessing</a:t>
-            </a:r>
-            <a:endParaRPr lang="en-GB" dirty="0"/>
-          </a:p>
-          <a:p>
-            <a:pPr marL="895243" marR="0" lvl="1" indent="-285750" algn="l" defTabSz="914400" rtl="0" eaLnBrk="0" fontAlgn="base" latinLnBrk="0" hangingPunct="0">
-              <a:lnSpc>
-                <a:spcPct val="100000"/>
-              </a:lnSpc>
-              <a:spcBef>
-                <a:spcPct val="30000"/>
-              </a:spcBef>
-              <a:spcAft>
-                <a:spcPct val="0"/>
-              </a:spcAft>
-              <a:buClrTx/>
-              <a:buSzTx/>
-              <a:buFont typeface="Arial" panose="020B0604020202020204" pitchFamily="34" charset="0"/>
-              <a:buChar char="•"/>
-              <a:tabLst/>
-              <a:defRPr/>
-            </a:pPr>
-            <a:r>
-              <a:rPr lang="en-GB" dirty="0"/>
-              <a:t>Tokenization</a:t>
-            </a:r>
-          </a:p>
-          <a:p>
-            <a:pPr marL="1504737" marR="0" lvl="2" indent="-285750" algn="l" defTabSz="914400" rtl="0" eaLnBrk="0" fontAlgn="base" latinLnBrk="0" hangingPunct="0">
-              <a:lnSpc>
-                <a:spcPct val="100000"/>
-              </a:lnSpc>
-              <a:spcBef>
-                <a:spcPct val="30000"/>
-              </a:spcBef>
-              <a:spcAft>
-                <a:spcPct val="0"/>
-              </a:spcAft>
-              <a:buClrTx/>
-              <a:buSzTx/>
-              <a:buFont typeface="Arial" panose="020B0604020202020204" pitchFamily="34" charset="0"/>
-              <a:buChar char="•"/>
-              <a:tabLst/>
-              <a:defRPr/>
-            </a:pPr>
-            <a:r>
-              <a:rPr lang="en-GB" dirty="0"/>
-              <a:t>By whitespace</a:t>
-            </a:r>
-          </a:p>
-          <a:p>
-            <a:pPr marL="1504737" marR="0" lvl="2" indent="-285750" algn="l" defTabSz="914400" rtl="0" eaLnBrk="0" fontAlgn="base" latinLnBrk="0" hangingPunct="0">
-              <a:lnSpc>
-                <a:spcPct val="100000"/>
-              </a:lnSpc>
-              <a:spcBef>
-                <a:spcPct val="30000"/>
-              </a:spcBef>
-              <a:spcAft>
-                <a:spcPct val="0"/>
-              </a:spcAft>
-              <a:buClrTx/>
-              <a:buSzTx/>
-              <a:buFont typeface="Arial" panose="020B0604020202020204" pitchFamily="34" charset="0"/>
-              <a:buChar char="•"/>
-              <a:tabLst/>
-              <a:defRPr/>
-            </a:pPr>
-            <a:r>
-              <a:rPr lang="en-GB" dirty="0"/>
-              <a:t>How did our method used handle “</a:t>
-            </a:r>
-            <a:r>
-              <a:rPr lang="en-GB" i="1" dirty="0"/>
-              <a:t>it’s</a:t>
-            </a:r>
-            <a:r>
-              <a:rPr lang="en-GB" dirty="0"/>
-              <a:t>”</a:t>
-            </a:r>
-          </a:p>
-          <a:p>
-            <a:pPr marL="2114230" marR="0" lvl="3" indent="-285750" algn="l" defTabSz="914400" rtl="0" eaLnBrk="0" fontAlgn="base" latinLnBrk="0" hangingPunct="0">
-              <a:lnSpc>
-                <a:spcPct val="100000"/>
-              </a:lnSpc>
-              <a:spcBef>
-                <a:spcPct val="30000"/>
-              </a:spcBef>
-              <a:spcAft>
-                <a:spcPct val="0"/>
-              </a:spcAft>
-              <a:buClrTx/>
-              <a:buSzTx/>
-              <a:buFont typeface="Arial" panose="020B0604020202020204" pitchFamily="34" charset="0"/>
-              <a:buChar char="•"/>
-              <a:tabLst/>
-              <a:defRPr/>
-            </a:pPr>
-            <a:r>
-              <a:rPr lang="en-GB" dirty="0"/>
-              <a:t>????</a:t>
-            </a:r>
-          </a:p>
-          <a:p>
-            <a:pPr marL="2114230" marR="0" lvl="3" indent="-285750" algn="l" defTabSz="914400" rtl="0" eaLnBrk="0" fontAlgn="base" latinLnBrk="0" hangingPunct="0">
-              <a:lnSpc>
-                <a:spcPct val="100000"/>
-              </a:lnSpc>
-              <a:spcBef>
-                <a:spcPct val="30000"/>
-              </a:spcBef>
-              <a:spcAft>
-                <a:spcPct val="0"/>
-              </a:spcAft>
-              <a:buClrTx/>
-              <a:buSzTx/>
-              <a:buFont typeface="Arial" panose="020B0604020202020204" pitchFamily="34" charset="0"/>
-              <a:buChar char="•"/>
-              <a:tabLst/>
-              <a:defRPr/>
-            </a:pPr>
-            <a:endParaRPr lang="en-GB" dirty="0"/>
-          </a:p>
-          <a:p>
-            <a:pPr marL="895243" marR="0" lvl="1" indent="-285750" algn="l" defTabSz="914400" rtl="0" eaLnBrk="0" fontAlgn="base" latinLnBrk="0" hangingPunct="0">
-              <a:lnSpc>
-                <a:spcPct val="100000"/>
-              </a:lnSpc>
-              <a:spcBef>
-                <a:spcPct val="30000"/>
-              </a:spcBef>
-              <a:spcAft>
-                <a:spcPct val="0"/>
-              </a:spcAft>
-              <a:buClrTx/>
-              <a:buSzTx/>
-              <a:buFont typeface="Arial" panose="020B0604020202020204" pitchFamily="34" charset="0"/>
-              <a:buChar char="•"/>
-              <a:tabLst/>
-              <a:defRPr/>
-            </a:pPr>
-            <a:r>
-              <a:rPr lang="en-US" sz="1600" dirty="0" err="1">
-                <a:latin typeface="+mj-lt"/>
-              </a:rPr>
-              <a:t>Stopword</a:t>
-            </a:r>
-            <a:r>
-              <a:rPr lang="en-US" sz="1600" dirty="0">
-                <a:latin typeface="+mj-lt"/>
-              </a:rPr>
-              <a:t> removal?</a:t>
-            </a:r>
-          </a:p>
-          <a:p>
-            <a:pPr marL="1504737" marR="0" lvl="2" indent="-285750" algn="l" defTabSz="914400" rtl="0" eaLnBrk="0" fontAlgn="base" latinLnBrk="0" hangingPunct="0">
-              <a:lnSpc>
-                <a:spcPct val="100000"/>
-              </a:lnSpc>
-              <a:spcBef>
-                <a:spcPct val="30000"/>
-              </a:spcBef>
-              <a:spcAft>
-                <a:spcPct val="0"/>
-              </a:spcAft>
-              <a:buClrTx/>
-              <a:buSzTx/>
-              <a:buFont typeface="Arial" panose="020B0604020202020204" pitchFamily="34" charset="0"/>
-              <a:buChar char="•"/>
-              <a:tabLst/>
-              <a:defRPr/>
-            </a:pPr>
-            <a:r>
-              <a:rPr lang="da-DK" sz="1800" dirty="0">
-                <a:effectLst/>
-                <a:latin typeface="Calibri" panose="020F0502020204030204" pitchFamily="34" charset="0"/>
-              </a:rPr>
-              <a:t>Removal of frequent, but information-low words.</a:t>
-            </a:r>
-          </a:p>
-          <a:p>
-            <a:pPr marL="1504737" marR="0" lvl="2" indent="-285750" algn="l" defTabSz="914400" rtl="0" eaLnBrk="0" fontAlgn="base" latinLnBrk="0" hangingPunct="0">
-              <a:lnSpc>
-                <a:spcPct val="100000"/>
-              </a:lnSpc>
-              <a:spcBef>
-                <a:spcPct val="30000"/>
-              </a:spcBef>
-              <a:spcAft>
-                <a:spcPct val="0"/>
-              </a:spcAft>
-              <a:buClrTx/>
-              <a:buSzTx/>
-              <a:buFont typeface="Arial" panose="020B0604020202020204" pitchFamily="34" charset="0"/>
-              <a:buChar char="•"/>
-              <a:tabLst/>
-              <a:defRPr/>
-            </a:pPr>
-            <a:r>
-              <a:rPr lang="da-DK" sz="1800" dirty="0">
-                <a:effectLst/>
-                <a:latin typeface="Calibri" panose="020F0502020204030204" pitchFamily="34" charset="0"/>
-              </a:rPr>
-              <a:t>Reduces noise and lowers computational power needed.</a:t>
-            </a:r>
-          </a:p>
-          <a:p>
-            <a:pPr marL="1504737" marR="0" lvl="2" indent="-285750" algn="l" defTabSz="914400" rtl="0" eaLnBrk="0" fontAlgn="base" latinLnBrk="0" hangingPunct="0">
-              <a:lnSpc>
-                <a:spcPct val="100000"/>
-              </a:lnSpc>
-              <a:spcBef>
-                <a:spcPct val="30000"/>
-              </a:spcBef>
-              <a:spcAft>
-                <a:spcPct val="0"/>
-              </a:spcAft>
-              <a:buClrTx/>
-              <a:buSzTx/>
-              <a:buFont typeface="Arial" panose="020B0604020202020204" pitchFamily="34" charset="0"/>
-              <a:buChar char="•"/>
-              <a:tabLst/>
-              <a:defRPr/>
-            </a:pPr>
-            <a:endParaRPr lang="en-US" sz="1600" dirty="0">
-              <a:latin typeface="+mj-lt"/>
-            </a:endParaRPr>
-          </a:p>
-          <a:p>
-            <a:pPr marL="895243" marR="0" lvl="1" indent="-285750" algn="l" defTabSz="914400" rtl="0" eaLnBrk="0" fontAlgn="base" latinLnBrk="0" hangingPunct="0">
-              <a:lnSpc>
-                <a:spcPct val="100000"/>
-              </a:lnSpc>
-              <a:spcBef>
-                <a:spcPct val="30000"/>
-              </a:spcBef>
-              <a:spcAft>
-                <a:spcPct val="0"/>
-              </a:spcAft>
-              <a:buClrTx/>
-              <a:buSzTx/>
-              <a:buFont typeface="Arial" panose="020B0604020202020204" pitchFamily="34" charset="0"/>
-              <a:buChar char="•"/>
-              <a:tabLst/>
-              <a:defRPr/>
-            </a:pPr>
-            <a:endParaRPr lang="en-US" sz="1600" dirty="0">
-              <a:latin typeface="+mj-lt"/>
-            </a:endParaRPr>
-          </a:p>
-          <a:p>
-            <a:pPr marL="895243" marR="0" lvl="1" indent="-285750" algn="l" defTabSz="914400" rtl="0" eaLnBrk="0" fontAlgn="base" latinLnBrk="0" hangingPunct="0">
-              <a:lnSpc>
-                <a:spcPct val="100000"/>
-              </a:lnSpc>
-              <a:spcBef>
-                <a:spcPct val="30000"/>
-              </a:spcBef>
-              <a:spcAft>
-                <a:spcPct val="0"/>
-              </a:spcAft>
-              <a:buClrTx/>
-              <a:buSzTx/>
-              <a:buFont typeface="Arial" panose="020B0604020202020204" pitchFamily="34" charset="0"/>
-              <a:buChar char="•"/>
-              <a:tabLst/>
-              <a:defRPr/>
-            </a:pPr>
-            <a:r>
-              <a:rPr lang="en-US" sz="1600" dirty="0">
-                <a:latin typeface="+mj-lt"/>
-              </a:rPr>
-              <a:t>Lemmatization?</a:t>
-            </a:r>
-          </a:p>
-          <a:p>
-            <a:pPr marL="1504737" marR="0" lvl="2" indent="-285750" algn="l" defTabSz="914400" rtl="0" eaLnBrk="0" fontAlgn="base" latinLnBrk="0" hangingPunct="0">
-              <a:lnSpc>
-                <a:spcPct val="100000"/>
-              </a:lnSpc>
-              <a:spcBef>
-                <a:spcPct val="30000"/>
-              </a:spcBef>
-              <a:spcAft>
-                <a:spcPct val="0"/>
-              </a:spcAft>
-              <a:buClrTx/>
-              <a:buSzTx/>
-              <a:buFont typeface="Arial" panose="020B0604020202020204" pitchFamily="34" charset="0"/>
-              <a:buChar char="•"/>
-              <a:tabLst/>
-              <a:defRPr/>
-            </a:pPr>
-            <a:r>
-              <a:rPr lang="en-US" sz="1600" dirty="0">
-                <a:latin typeface="+mj-lt"/>
-              </a:rPr>
-              <a:t>Lemmatization -&gt; Grouping together inflected forms of the same word, into the </a:t>
-            </a:r>
-            <a:r>
-              <a:rPr lang="en-US" sz="1600" i="1" dirty="0">
-                <a:latin typeface="+mj-lt"/>
-              </a:rPr>
-              <a:t>lemma</a:t>
-            </a:r>
-          </a:p>
-          <a:p>
-            <a:pPr marL="1504737" marR="0" lvl="2" indent="-285750" algn="l" defTabSz="914400" rtl="0" eaLnBrk="0" fontAlgn="base" latinLnBrk="0" hangingPunct="0">
-              <a:lnSpc>
-                <a:spcPct val="100000"/>
-              </a:lnSpc>
-              <a:spcBef>
-                <a:spcPct val="30000"/>
-              </a:spcBef>
-              <a:spcAft>
-                <a:spcPct val="0"/>
-              </a:spcAft>
-              <a:buClrTx/>
-              <a:buSzTx/>
-              <a:buFont typeface="Arial" panose="020B0604020202020204" pitchFamily="34" charset="0"/>
-              <a:buChar char="•"/>
-              <a:tabLst/>
-              <a:defRPr/>
-            </a:pPr>
-            <a:r>
-              <a:rPr lang="en-US" sz="1600" dirty="0">
-                <a:latin typeface="+mj-lt"/>
-              </a:rPr>
-              <a:t>What is a lemma?</a:t>
-            </a:r>
-          </a:p>
-          <a:p>
-            <a:pPr marL="2114230" marR="0" lvl="3" indent="-285750" algn="l" defTabSz="914400" rtl="0" eaLnBrk="0" fontAlgn="base" latinLnBrk="0" hangingPunct="0">
-              <a:lnSpc>
-                <a:spcPct val="100000"/>
-              </a:lnSpc>
-              <a:spcBef>
-                <a:spcPct val="30000"/>
-              </a:spcBef>
-              <a:spcAft>
-                <a:spcPct val="0"/>
-              </a:spcAft>
-              <a:buClrTx/>
-              <a:buSzTx/>
-              <a:buFont typeface="Arial" panose="020B0604020202020204" pitchFamily="34" charset="0"/>
-              <a:buChar char="•"/>
-              <a:tabLst/>
-              <a:defRPr/>
-            </a:pPr>
-            <a:r>
-              <a:rPr lang="en-US" sz="1600" dirty="0">
-                <a:latin typeface="+mj-lt"/>
-              </a:rPr>
-              <a:t>Semantic nucleus of a word</a:t>
-            </a:r>
-          </a:p>
-          <a:p>
-            <a:pPr marL="2114230" marR="0" lvl="3" indent="-285750" algn="l" defTabSz="914400" rtl="0" eaLnBrk="0" fontAlgn="base" latinLnBrk="0" hangingPunct="0">
-              <a:lnSpc>
-                <a:spcPct val="100000"/>
-              </a:lnSpc>
-              <a:spcBef>
-                <a:spcPct val="30000"/>
-              </a:spcBef>
-              <a:spcAft>
-                <a:spcPct val="0"/>
-              </a:spcAft>
-              <a:buClrTx/>
-              <a:buSzTx/>
-              <a:buFont typeface="Arial" panose="020B0604020202020204" pitchFamily="34" charset="0"/>
-              <a:buChar char="•"/>
-              <a:tabLst/>
-              <a:defRPr/>
-            </a:pPr>
-            <a:r>
-              <a:rPr lang="en-US" sz="1600" dirty="0">
-                <a:latin typeface="+mj-lt"/>
-              </a:rPr>
-              <a:t>Infinitive for verbs</a:t>
-            </a:r>
-          </a:p>
-          <a:p>
-            <a:pPr marL="2114230" marR="0" lvl="3" indent="-285750" algn="l" defTabSz="914400" rtl="0" eaLnBrk="0" fontAlgn="base" latinLnBrk="0" hangingPunct="0">
-              <a:lnSpc>
-                <a:spcPct val="100000"/>
-              </a:lnSpc>
-              <a:spcBef>
-                <a:spcPct val="30000"/>
-              </a:spcBef>
-              <a:spcAft>
-                <a:spcPct val="0"/>
-              </a:spcAft>
-              <a:buClrTx/>
-              <a:buSzTx/>
-              <a:buFont typeface="Arial" panose="020B0604020202020204" pitchFamily="34" charset="0"/>
-              <a:buChar char="•"/>
-              <a:tabLst/>
-              <a:defRPr/>
-            </a:pPr>
-            <a:r>
-              <a:rPr lang="en-US" sz="1600" dirty="0">
-                <a:latin typeface="+mj-lt"/>
-              </a:rPr>
-              <a:t>Singular form for nouns</a:t>
-            </a:r>
-          </a:p>
-          <a:p>
-            <a:pPr marL="1504737" marR="0" lvl="2" indent="-285750" algn="l" defTabSz="914400" rtl="0" eaLnBrk="0" fontAlgn="base" latinLnBrk="0" hangingPunct="0">
-              <a:lnSpc>
-                <a:spcPct val="100000"/>
-              </a:lnSpc>
-              <a:spcBef>
-                <a:spcPct val="30000"/>
-              </a:spcBef>
-              <a:spcAft>
-                <a:spcPct val="0"/>
-              </a:spcAft>
-              <a:buClrTx/>
-              <a:buSzTx/>
-              <a:buFont typeface="Arial" panose="020B0604020202020204" pitchFamily="34" charset="0"/>
-              <a:buChar char="•"/>
-              <a:tabLst/>
-              <a:defRPr/>
-            </a:pPr>
-            <a:r>
-              <a:rPr lang="en-US" sz="1600" dirty="0">
-                <a:latin typeface="+mj-lt"/>
-              </a:rPr>
-              <a:t>How is lemmatization carried out?</a:t>
-            </a:r>
-          </a:p>
-          <a:p>
-            <a:pPr marL="2114230" marR="0" lvl="3" indent="-285750" algn="l" defTabSz="914400" rtl="0" eaLnBrk="0" fontAlgn="base" latinLnBrk="0" hangingPunct="0">
-              <a:lnSpc>
-                <a:spcPct val="100000"/>
-              </a:lnSpc>
-              <a:spcBef>
-                <a:spcPct val="30000"/>
-              </a:spcBef>
-              <a:spcAft>
-                <a:spcPct val="0"/>
-              </a:spcAft>
-              <a:buClrTx/>
-              <a:buSzTx/>
-              <a:buFont typeface="Arial" panose="020B0604020202020204" pitchFamily="34" charset="0"/>
-              <a:buChar char="•"/>
-              <a:tabLst/>
-              <a:defRPr/>
-            </a:pPr>
-            <a:r>
-              <a:rPr lang="en-US" sz="1600" dirty="0">
-                <a:latin typeface="+mj-lt"/>
-              </a:rPr>
-              <a:t>Two methods:</a:t>
-            </a:r>
-          </a:p>
-          <a:p>
-            <a:pPr marL="2723723" marR="0" lvl="4" indent="-285750" algn="l" defTabSz="914400" rtl="0" eaLnBrk="0" fontAlgn="base" latinLnBrk="0" hangingPunct="0">
-              <a:lnSpc>
-                <a:spcPct val="100000"/>
-              </a:lnSpc>
-              <a:spcBef>
-                <a:spcPct val="30000"/>
-              </a:spcBef>
-              <a:spcAft>
-                <a:spcPct val="0"/>
-              </a:spcAft>
-              <a:buClrTx/>
-              <a:buSzTx/>
-              <a:buFont typeface="Arial" panose="020B0604020202020204" pitchFamily="34" charset="0"/>
-              <a:buChar char="•"/>
-              <a:tabLst/>
-              <a:defRPr/>
-            </a:pPr>
-            <a:r>
-              <a:rPr lang="en-US" sz="1600" dirty="0">
-                <a:latin typeface="+mj-lt"/>
-              </a:rPr>
-              <a:t>Look-up table</a:t>
-            </a:r>
-          </a:p>
-          <a:p>
-            <a:pPr marL="2723723" marR="0" lvl="4" indent="-285750" algn="l" defTabSz="914400" rtl="0" eaLnBrk="0" fontAlgn="base" latinLnBrk="0" hangingPunct="0">
-              <a:lnSpc>
-                <a:spcPct val="100000"/>
-              </a:lnSpc>
-              <a:spcBef>
-                <a:spcPct val="30000"/>
-              </a:spcBef>
-              <a:spcAft>
-                <a:spcPct val="0"/>
-              </a:spcAft>
-              <a:buClrTx/>
-              <a:buSzTx/>
-              <a:buFont typeface="Arial" panose="020B0604020202020204" pitchFamily="34" charset="0"/>
-              <a:buChar char="•"/>
-              <a:tabLst/>
-              <a:defRPr/>
-            </a:pPr>
-            <a:r>
-              <a:rPr lang="en-US" sz="1600" dirty="0">
-                <a:latin typeface="+mj-lt"/>
-              </a:rPr>
-              <a:t>Morphology based approach (word internal structure to predict lemma, requires trained model)</a:t>
-            </a:r>
-          </a:p>
-          <a:p>
-            <a:pPr marL="1504737" marR="0" lvl="2" indent="-285750" algn="l" defTabSz="914400" rtl="0" eaLnBrk="0" fontAlgn="base" latinLnBrk="0" hangingPunct="0">
-              <a:lnSpc>
-                <a:spcPct val="100000"/>
-              </a:lnSpc>
-              <a:spcBef>
-                <a:spcPct val="30000"/>
-              </a:spcBef>
-              <a:spcAft>
-                <a:spcPct val="0"/>
-              </a:spcAft>
-              <a:buClrTx/>
-              <a:buSzTx/>
-              <a:buFont typeface="Arial" panose="020B0604020202020204" pitchFamily="34" charset="0"/>
-              <a:buChar char="•"/>
-              <a:tabLst/>
-              <a:defRPr/>
-            </a:pPr>
-            <a:r>
-              <a:rPr lang="en-US" sz="1600" dirty="0">
-                <a:latin typeface="+mj-lt"/>
-              </a:rPr>
-              <a:t>Which lemmatization method did we use?</a:t>
-            </a:r>
-          </a:p>
-          <a:p>
-            <a:pPr marL="2114230" marR="0" lvl="3" indent="-285750" algn="l" defTabSz="914400" rtl="0" eaLnBrk="0" fontAlgn="base" latinLnBrk="0" hangingPunct="0">
-              <a:lnSpc>
-                <a:spcPct val="100000"/>
-              </a:lnSpc>
-              <a:spcBef>
-                <a:spcPct val="30000"/>
-              </a:spcBef>
-              <a:spcAft>
-                <a:spcPct val="0"/>
-              </a:spcAft>
-              <a:buClrTx/>
-              <a:buSzTx/>
-              <a:buFont typeface="Arial" panose="020B0604020202020204" pitchFamily="34" charset="0"/>
-              <a:buChar char="•"/>
-              <a:tabLst/>
-              <a:defRPr/>
-            </a:pPr>
-            <a:r>
-              <a:rPr lang="en-US" sz="1600" dirty="0">
-                <a:latin typeface="+mj-lt"/>
-              </a:rPr>
-              <a:t>?????</a:t>
-            </a:r>
-          </a:p>
-          <a:p>
-            <a:pPr marL="2114230" marR="0" lvl="3" indent="-285750" algn="l" defTabSz="914400" rtl="0" eaLnBrk="0" fontAlgn="base" latinLnBrk="0" hangingPunct="0">
-              <a:lnSpc>
-                <a:spcPct val="100000"/>
-              </a:lnSpc>
-              <a:spcBef>
-                <a:spcPct val="30000"/>
-              </a:spcBef>
-              <a:spcAft>
-                <a:spcPct val="0"/>
-              </a:spcAft>
-              <a:buClrTx/>
-              <a:buSzTx/>
-              <a:buFont typeface="Arial" panose="020B0604020202020204" pitchFamily="34" charset="0"/>
-              <a:buChar char="•"/>
-              <a:tabLst/>
-              <a:defRPr/>
-            </a:pPr>
-            <a:endParaRPr lang="en-US" sz="1600" dirty="0">
-              <a:latin typeface="+mj-lt"/>
-            </a:endParaRPr>
-          </a:p>
-          <a:p>
-            <a:pPr marL="895243" marR="0" lvl="1" indent="-285750" algn="l" defTabSz="914400" rtl="0" eaLnBrk="0" fontAlgn="base" latinLnBrk="0" hangingPunct="0">
-              <a:lnSpc>
-                <a:spcPct val="100000"/>
-              </a:lnSpc>
-              <a:spcBef>
-                <a:spcPct val="30000"/>
-              </a:spcBef>
-              <a:spcAft>
-                <a:spcPct val="0"/>
-              </a:spcAft>
-              <a:buClrTx/>
-              <a:buSzTx/>
-              <a:buFont typeface="Arial" panose="020B0604020202020204" pitchFamily="34" charset="0"/>
-              <a:buChar char="•"/>
-              <a:tabLst/>
-              <a:defRPr/>
-            </a:pPr>
-            <a:r>
-              <a:rPr lang="en-US" sz="1600" dirty="0">
-                <a:latin typeface="+mj-lt"/>
-              </a:rPr>
-              <a:t>What other preprocessing steps could have been utilized?</a:t>
-            </a:r>
-          </a:p>
-          <a:p>
-            <a:pPr marL="1504737" marR="0" lvl="2" indent="-285750" algn="l" defTabSz="914400" rtl="0" eaLnBrk="0" fontAlgn="base" latinLnBrk="0" hangingPunct="0">
-              <a:lnSpc>
-                <a:spcPct val="100000"/>
-              </a:lnSpc>
-              <a:spcBef>
-                <a:spcPct val="30000"/>
-              </a:spcBef>
-              <a:spcAft>
-                <a:spcPct val="0"/>
-              </a:spcAft>
-              <a:buClrTx/>
-              <a:buSzTx/>
-              <a:buFont typeface="Arial" panose="020B0604020202020204" pitchFamily="34" charset="0"/>
-              <a:buChar char="•"/>
-              <a:tabLst/>
-              <a:defRPr/>
-            </a:pPr>
-            <a:r>
-              <a:rPr lang="en-US" sz="1600" dirty="0">
-                <a:latin typeface="+mj-lt"/>
-              </a:rPr>
-              <a:t>Instead of lemmatization, we could have used stemming:</a:t>
-            </a:r>
-          </a:p>
-          <a:p>
-            <a:pPr marL="2114230" marR="0" lvl="3" indent="-285750" algn="l" defTabSz="914400" rtl="0" eaLnBrk="0" fontAlgn="base" latinLnBrk="0" hangingPunct="0">
-              <a:lnSpc>
-                <a:spcPct val="100000"/>
-              </a:lnSpc>
-              <a:spcBef>
-                <a:spcPct val="30000"/>
-              </a:spcBef>
-              <a:spcAft>
-                <a:spcPct val="0"/>
-              </a:spcAft>
-              <a:buClrTx/>
-              <a:buSzTx/>
-              <a:buFont typeface="Arial" panose="020B0604020202020204" pitchFamily="34" charset="0"/>
-              <a:buChar char="•"/>
-              <a:tabLst/>
-              <a:defRPr/>
-            </a:pPr>
-            <a:r>
-              <a:rPr lang="en-US" sz="1600" dirty="0">
-                <a:latin typeface="+mj-lt"/>
-              </a:rPr>
-              <a:t>Similar to lemmatization, but simpler (and not necessarily humanly interpretable):</a:t>
-            </a:r>
-          </a:p>
-          <a:p>
-            <a:pPr marL="2114230" marR="0" lvl="3" indent="-285750" algn="l" defTabSz="914400" rtl="0" eaLnBrk="0" fontAlgn="base" latinLnBrk="0" hangingPunct="0">
-              <a:lnSpc>
-                <a:spcPct val="100000"/>
-              </a:lnSpc>
-              <a:spcBef>
-                <a:spcPct val="30000"/>
-              </a:spcBef>
-              <a:spcAft>
-                <a:spcPct val="0"/>
-              </a:spcAft>
-              <a:buClrTx/>
-              <a:buSzTx/>
-              <a:buFont typeface="Arial" panose="020B0604020202020204" pitchFamily="34" charset="0"/>
-              <a:buChar char="•"/>
-              <a:tabLst/>
-              <a:defRPr/>
-            </a:pPr>
-            <a:r>
-              <a:rPr lang="da-DK" sz="1800" i="1" dirty="0">
-                <a:effectLst/>
-                <a:latin typeface="Calibri" panose="020F0502020204030204" pitchFamily="34" charset="0"/>
-              </a:rPr>
-              <a:t>Argue, argued, argues, arguing, </a:t>
-            </a:r>
-            <a:r>
-              <a:rPr lang="da-DK" sz="1800" dirty="0">
-                <a:effectLst/>
-                <a:latin typeface="Calibri" panose="020F0502020204030204" pitchFamily="34" charset="0"/>
-              </a:rPr>
-              <a:t>and </a:t>
-            </a:r>
-            <a:r>
-              <a:rPr lang="da-DK" sz="1800" i="1" dirty="0">
-                <a:effectLst/>
-                <a:latin typeface="Calibri" panose="020F0502020204030204" pitchFamily="34" charset="0"/>
-              </a:rPr>
-              <a:t>argus </a:t>
-            </a:r>
-            <a:r>
-              <a:rPr lang="da-DK" sz="1800" dirty="0">
-                <a:effectLst/>
-                <a:latin typeface="Calibri" panose="020F0502020204030204" pitchFamily="34" charset="0"/>
-              </a:rPr>
-              <a:t>- &gt; stem = </a:t>
-            </a:r>
-            <a:r>
-              <a:rPr lang="da-DK" sz="1800" b="1" dirty="0">
-                <a:effectLst/>
-                <a:latin typeface="Calibri" panose="020F0502020204030204" pitchFamily="34" charset="0"/>
-              </a:rPr>
-              <a:t>argu</a:t>
-            </a:r>
-            <a:endParaRPr lang="en-GB" dirty="0"/>
-          </a:p>
-          <a:p>
-            <a:pPr marL="895243" marR="0" lvl="1" indent="-285750" algn="l" defTabSz="914400" rtl="0" eaLnBrk="0" fontAlgn="base" latinLnBrk="0" hangingPunct="0">
-              <a:lnSpc>
-                <a:spcPct val="100000"/>
-              </a:lnSpc>
-              <a:spcBef>
-                <a:spcPct val="30000"/>
-              </a:spcBef>
-              <a:spcAft>
-                <a:spcPct val="0"/>
-              </a:spcAft>
-              <a:buClrTx/>
-              <a:buSzTx/>
-              <a:buFont typeface="Arial" panose="020B0604020202020204" pitchFamily="34" charset="0"/>
-              <a:buChar char="•"/>
-              <a:tabLst/>
-              <a:defRPr/>
-            </a:pPr>
-            <a:endParaRPr lang="en-GB" dirty="0"/>
-          </a:p>
-          <a:p>
-            <a:pPr marL="285750" marR="0" lvl="0" indent="-285750" algn="l" defTabSz="914400" rtl="0" eaLnBrk="0" fontAlgn="base" latinLnBrk="0" hangingPunct="0">
-              <a:lnSpc>
-                <a:spcPct val="100000"/>
-              </a:lnSpc>
-              <a:spcBef>
-                <a:spcPct val="30000"/>
-              </a:spcBef>
-              <a:spcAft>
-                <a:spcPct val="0"/>
-              </a:spcAft>
-              <a:buClrTx/>
-              <a:buSzTx/>
-              <a:buFont typeface="Arial" panose="020B0604020202020204" pitchFamily="34" charset="0"/>
-              <a:buChar char="•"/>
-              <a:tabLst/>
-              <a:defRPr/>
-            </a:pPr>
-            <a:r>
-              <a:rPr lang="en-GB" dirty="0" err="1"/>
-              <a:t>fastText</a:t>
-            </a:r>
-            <a:endParaRPr lang="en-GB" dirty="0"/>
-          </a:p>
-          <a:p>
-            <a:pPr marL="895243" marR="0" lvl="1" indent="-285750" algn="l" defTabSz="914400" rtl="0" eaLnBrk="0" fontAlgn="base" latinLnBrk="0" hangingPunct="0">
-              <a:lnSpc>
-                <a:spcPct val="100000"/>
-              </a:lnSpc>
-              <a:spcBef>
-                <a:spcPct val="30000"/>
-              </a:spcBef>
-              <a:spcAft>
-                <a:spcPct val="0"/>
-              </a:spcAft>
-              <a:buClrTx/>
-              <a:buSzTx/>
-              <a:buFont typeface="Arial" panose="020B0604020202020204" pitchFamily="34" charset="0"/>
-              <a:buChar char="•"/>
-              <a:tabLst/>
-              <a:defRPr/>
-            </a:pPr>
-            <a:r>
-              <a:rPr lang="en-GB" dirty="0" err="1"/>
-              <a:t>fastText</a:t>
-            </a:r>
-            <a:r>
-              <a:rPr lang="en-GB" dirty="0"/>
-              <a:t> is an improvement of word2vec, that includes sub-word information. </a:t>
-            </a:r>
-          </a:p>
-          <a:p>
-            <a:pPr marL="895243" marR="0" lvl="1" indent="-285750" algn="l" defTabSz="914400" rtl="0" eaLnBrk="0" fontAlgn="base" latinLnBrk="0" hangingPunct="0">
-              <a:lnSpc>
-                <a:spcPct val="100000"/>
-              </a:lnSpc>
-              <a:spcBef>
-                <a:spcPct val="30000"/>
-              </a:spcBef>
-              <a:spcAft>
-                <a:spcPct val="0"/>
-              </a:spcAft>
-              <a:buClrTx/>
-              <a:buSzTx/>
-              <a:buFont typeface="Arial" panose="020B0604020202020204" pitchFamily="34" charset="0"/>
-              <a:buChar char="•"/>
-              <a:tabLst/>
-              <a:defRPr/>
-            </a:pPr>
-            <a:r>
-              <a:rPr lang="en-GB" dirty="0"/>
-              <a:t>Looks up </a:t>
-            </a:r>
-            <a:r>
-              <a:rPr lang="en-GB" dirty="0" err="1"/>
-              <a:t>subword</a:t>
-            </a:r>
-            <a:r>
-              <a:rPr lang="en-GB" dirty="0"/>
-              <a:t> embeddings, averages, and then this is embedding of the word</a:t>
-            </a:r>
-          </a:p>
-          <a:p>
-            <a:pPr marL="895243" marR="0" lvl="1" indent="-285750" algn="l" defTabSz="914400" rtl="0" eaLnBrk="0" fontAlgn="base" latinLnBrk="0" hangingPunct="0">
-              <a:lnSpc>
-                <a:spcPct val="100000"/>
-              </a:lnSpc>
-              <a:spcBef>
-                <a:spcPct val="30000"/>
-              </a:spcBef>
-              <a:spcAft>
-                <a:spcPct val="0"/>
-              </a:spcAft>
-              <a:buClrTx/>
-              <a:buSzTx/>
-              <a:buFont typeface="Arial" panose="020B0604020202020204" pitchFamily="34" charset="0"/>
-              <a:buChar char="•"/>
-              <a:tabLst/>
-              <a:defRPr/>
-            </a:pPr>
-            <a:endParaRPr lang="en-GB" dirty="0"/>
-          </a:p>
-          <a:p>
-            <a:pPr marL="285750" marR="0" lvl="0" indent="-285750" algn="l" defTabSz="914400" rtl="0" eaLnBrk="0" fontAlgn="base" latinLnBrk="0" hangingPunct="0">
-              <a:lnSpc>
-                <a:spcPct val="100000"/>
-              </a:lnSpc>
-              <a:spcBef>
-                <a:spcPct val="30000"/>
-              </a:spcBef>
-              <a:spcAft>
-                <a:spcPct val="0"/>
-              </a:spcAft>
-              <a:buClrTx/>
-              <a:buSzTx/>
-              <a:buFont typeface="Arial" panose="020B0604020202020204" pitchFamily="34" charset="0"/>
-              <a:buChar char="•"/>
-              <a:tabLst/>
-              <a:defRPr/>
-            </a:pPr>
-            <a:endParaRPr lang="en-GB" dirty="0"/>
-          </a:p>
-          <a:p>
-            <a:pPr marL="285750" marR="0" lvl="0" indent="-285750" algn="l" defTabSz="914400" rtl="0" eaLnBrk="0" fontAlgn="base" latinLnBrk="0" hangingPunct="0">
-              <a:lnSpc>
-                <a:spcPct val="100000"/>
-              </a:lnSpc>
-              <a:spcBef>
-                <a:spcPct val="30000"/>
-              </a:spcBef>
-              <a:spcAft>
-                <a:spcPct val="0"/>
-              </a:spcAft>
-              <a:buClrTx/>
-              <a:buSzTx/>
-              <a:buFont typeface="Arial" panose="020B0604020202020204" pitchFamily="34" charset="0"/>
-              <a:buChar char="•"/>
-              <a:tabLst/>
-              <a:defRPr/>
-            </a:pPr>
-            <a:r>
-              <a:rPr lang="en-GB" dirty="0"/>
-              <a:t>BERT base uncased</a:t>
-            </a:r>
-          </a:p>
-          <a:p>
-            <a:pPr marL="895243" marR="0" lvl="1" indent="-285750" algn="l" defTabSz="914400" rtl="0" eaLnBrk="0" fontAlgn="base" latinLnBrk="0" hangingPunct="0">
-              <a:lnSpc>
-                <a:spcPct val="100000"/>
-              </a:lnSpc>
-              <a:spcBef>
-                <a:spcPct val="30000"/>
-              </a:spcBef>
-              <a:spcAft>
-                <a:spcPct val="0"/>
-              </a:spcAft>
-              <a:buClrTx/>
-              <a:buSzTx/>
-              <a:buFont typeface="Arial" panose="020B0604020202020204" pitchFamily="34" charset="0"/>
-              <a:buChar char="•"/>
-              <a:tabLst/>
-              <a:defRPr/>
-            </a:pPr>
-            <a:r>
-              <a:rPr lang="en-GB" dirty="0"/>
-              <a:t>BERT large, higher scores, but at high computational cost</a:t>
-            </a:r>
-          </a:p>
-          <a:p>
-            <a:pPr marL="0" marR="0" lvl="0" indent="0" algn="l" defTabSz="914400" rtl="0" eaLnBrk="0" fontAlgn="base" latinLnBrk="0" hangingPunct="0">
-              <a:lnSpc>
-                <a:spcPct val="100000"/>
-              </a:lnSpc>
-              <a:spcBef>
-                <a:spcPct val="30000"/>
-              </a:spcBef>
-              <a:spcAft>
-                <a:spcPct val="0"/>
-              </a:spcAft>
-              <a:buClrTx/>
-              <a:buSzTx/>
-              <a:buFont typeface="Arial" panose="020B0604020202020204" pitchFamily="34" charset="0"/>
-              <a:buNone/>
-              <a:tabLst/>
-              <a:defRPr/>
-            </a:pPr>
-            <a:endParaRPr lang="en-GB" dirty="0"/>
-          </a:p>
-          <a:p>
-            <a:pPr marL="285750" marR="0" lvl="0" indent="-285750" algn="l" defTabSz="914400" rtl="0" eaLnBrk="0" fontAlgn="base" latinLnBrk="0" hangingPunct="0">
-              <a:lnSpc>
-                <a:spcPct val="100000"/>
-              </a:lnSpc>
-              <a:spcBef>
-                <a:spcPct val="30000"/>
-              </a:spcBef>
-              <a:spcAft>
-                <a:spcPct val="0"/>
-              </a:spcAft>
-              <a:buClrTx/>
-              <a:buSzTx/>
-              <a:buFont typeface="Arial" panose="020B0604020202020204" pitchFamily="34" charset="0"/>
-              <a:buChar char="•"/>
-              <a:tabLst/>
-              <a:defRPr/>
-            </a:pPr>
-            <a:r>
-              <a:rPr lang="en-GB" dirty="0"/>
-              <a:t>Datasets?</a:t>
-            </a:r>
-          </a:p>
-          <a:p>
-            <a:pPr marL="895243" marR="0" lvl="1" indent="-285750" algn="l" defTabSz="914400" rtl="0" eaLnBrk="0" fontAlgn="base" latinLnBrk="0" hangingPunct="0">
-              <a:lnSpc>
-                <a:spcPct val="100000"/>
-              </a:lnSpc>
-              <a:spcBef>
-                <a:spcPct val="30000"/>
-              </a:spcBef>
-              <a:spcAft>
-                <a:spcPct val="0"/>
-              </a:spcAft>
-              <a:buClrTx/>
-              <a:buSzTx/>
-              <a:buFont typeface="Arial" panose="020B0604020202020204" pitchFamily="34" charset="0"/>
-              <a:buChar char="•"/>
-              <a:tabLst/>
-              <a:defRPr/>
-            </a:pPr>
-            <a:r>
-              <a:rPr lang="en-GB" dirty="0"/>
-              <a:t>Size impact:</a:t>
-            </a:r>
-          </a:p>
-          <a:p>
-            <a:pPr marL="1504737" marR="0" lvl="2" indent="-285750" algn="l" defTabSz="914400" rtl="0" eaLnBrk="0" fontAlgn="base" latinLnBrk="0" hangingPunct="0">
-              <a:lnSpc>
-                <a:spcPct val="100000"/>
-              </a:lnSpc>
-              <a:spcBef>
-                <a:spcPct val="30000"/>
-              </a:spcBef>
-              <a:spcAft>
-                <a:spcPct val="0"/>
-              </a:spcAft>
-              <a:buClrTx/>
-              <a:buSzTx/>
-              <a:buFont typeface="Arial" panose="020B0604020202020204" pitchFamily="34" charset="0"/>
-              <a:buChar char="•"/>
-              <a:tabLst/>
-              <a:defRPr/>
-            </a:pPr>
-            <a:r>
-              <a:rPr lang="en-GB" dirty="0"/>
-              <a:t>Small dataset -&gt; Worse learning, poor evaluation metrics (few samples, more inaccurate)</a:t>
-            </a:r>
-          </a:p>
-          <a:p>
-            <a:pPr marL="895243" marR="0" lvl="1" indent="-285750" algn="l" defTabSz="914400" rtl="0" eaLnBrk="0" fontAlgn="base" latinLnBrk="0" hangingPunct="0">
-              <a:lnSpc>
-                <a:spcPct val="100000"/>
-              </a:lnSpc>
-              <a:spcBef>
-                <a:spcPct val="30000"/>
-              </a:spcBef>
-              <a:spcAft>
-                <a:spcPct val="0"/>
-              </a:spcAft>
-              <a:buClrTx/>
-              <a:buSzTx/>
-              <a:buFont typeface="Arial" panose="020B0604020202020204" pitchFamily="34" charset="0"/>
-              <a:buChar char="•"/>
-              <a:tabLst/>
-              <a:defRPr/>
-            </a:pPr>
-            <a:r>
-              <a:rPr lang="en-GB" dirty="0" err="1"/>
-              <a:t>Quaility</a:t>
-            </a:r>
-            <a:r>
-              <a:rPr lang="en-GB" dirty="0"/>
-              <a:t> impact:</a:t>
-            </a:r>
-          </a:p>
-          <a:p>
-            <a:pPr marL="1504737" marR="0" lvl="2" indent="-285750" algn="l" defTabSz="914400" rtl="0" eaLnBrk="0" fontAlgn="base" latinLnBrk="0" hangingPunct="0">
-              <a:lnSpc>
-                <a:spcPct val="100000"/>
-              </a:lnSpc>
-              <a:spcBef>
-                <a:spcPct val="30000"/>
-              </a:spcBef>
-              <a:spcAft>
-                <a:spcPct val="0"/>
-              </a:spcAft>
-              <a:buClrTx/>
-              <a:buSzTx/>
-              <a:buFont typeface="Arial" panose="020B0604020202020204" pitchFamily="34" charset="0"/>
-              <a:buChar char="•"/>
-              <a:tabLst/>
-              <a:defRPr/>
-            </a:pPr>
-            <a:r>
-              <a:rPr lang="en-GB" dirty="0"/>
-              <a:t>Poor generalizability for poor quality</a:t>
-            </a:r>
           </a:p>
         </p:txBody>
       </p:sp>
@@ -7021,7 +6664,131 @@
     </p:spTree>
     <p:extLst>
       <p:ext uri="{BB962C8B-B14F-4D97-AF65-F5344CB8AC3E}">
-        <p14:creationId xmlns:p14="http://schemas.microsoft.com/office/powerpoint/2010/main" val="313124258"/>
+        <p14:creationId xmlns:p14="http://schemas.microsoft.com/office/powerpoint/2010/main" val="1467646072"/>
+      </p:ext>
+    </p:extLst>
+  </p:cSld>
+  <p:clrMapOvr>
+    <a:masterClrMapping/>
+  </p:clrMapOvr>
+</p:notes>
+</file>
+
+<file path=ppt/notesSlides/notesSlide33.xml><?xml version="1.0" encoding="utf-8"?>
+<p:notes xmlns:a="http://schemas.openxmlformats.org/drawingml/2006/main" xmlns:r="http://schemas.openxmlformats.org/officeDocument/2006/relationships" xmlns:p="http://schemas.openxmlformats.org/presentationml/2006/main">
+  <p:cSld>
+    <p:spTree>
+      <p:nvGrpSpPr>
+        <p:cNvPr id="1" name=""/>
+        <p:cNvGrpSpPr/>
+        <p:nvPr/>
+      </p:nvGrpSpPr>
+      <p:grpSpPr>
+        <a:xfrm>
+          <a:off x="0" y="0"/>
+          <a:ext cx="0" cy="0"/>
+          <a:chOff x="0" y="0"/>
+          <a:chExt cx="0" cy="0"/>
+        </a:xfrm>
+      </p:grpSpPr>
+      <p:sp>
+        <p:nvSpPr>
+          <p:cNvPr id="2" name="Pladsholder til slidebillede 1"/>
+          <p:cNvSpPr>
+            <a:spLocks noGrp="1" noRot="1" noChangeAspect="1"/>
+          </p:cNvSpPr>
+          <p:nvPr>
+            <p:ph type="sldImg"/>
+          </p:nvPr>
+        </p:nvSpPr>
+        <p:spPr/>
+      </p:sp>
+      <p:sp>
+        <p:nvSpPr>
+          <p:cNvPr id="3" name="Pladsholder til noter 2"/>
+          <p:cNvSpPr>
+            <a:spLocks noGrp="1"/>
+          </p:cNvSpPr>
+          <p:nvPr>
+            <p:ph type="body" idx="1"/>
+          </p:nvPr>
+        </p:nvSpPr>
+        <p:spPr/>
+        <p:txBody>
+          <a:bodyPr/>
+          <a:lstStyle/>
+          <a:p>
+            <a:pPr marL="285750" lvl="0" indent="-285750">
+              <a:buFont typeface="Arial" panose="020B0604020202020204" pitchFamily="34" charset="0"/>
+              <a:buChar char="•"/>
+            </a:pPr>
+            <a:r>
+              <a:rPr lang="en-GB" dirty="0"/>
+              <a:t>Here, our analysis would have perceived to have changed A LOT!</a:t>
+            </a:r>
+          </a:p>
+          <a:p>
+            <a:pPr marL="285750" lvl="0" indent="-285750">
+              <a:buFont typeface="Arial" panose="020B0604020202020204" pitchFamily="34" charset="0"/>
+              <a:buChar char="•"/>
+            </a:pPr>
+            <a:r>
+              <a:rPr lang="en-GB" dirty="0"/>
+              <a:t>But, the relative distances between Russia and other words remain the same.</a:t>
+            </a:r>
+          </a:p>
+          <a:p>
+            <a:pPr marL="895243" lvl="1" indent="-285750">
+              <a:buFont typeface="Arial" panose="020B0604020202020204" pitchFamily="34" charset="0"/>
+              <a:buChar char="•"/>
+            </a:pPr>
+            <a:r>
+              <a:rPr lang="en-GB" dirty="0"/>
+              <a:t>Meaning -&gt; Russia would not have changed, semantically, but would appear to, in our analysis.</a:t>
+            </a:r>
+          </a:p>
+          <a:p>
+            <a:pPr marL="895243" lvl="1" indent="-285750">
+              <a:buFont typeface="Arial" panose="020B0604020202020204" pitchFamily="34" charset="0"/>
+              <a:buChar char="•"/>
+            </a:pPr>
+            <a:endParaRPr lang="en-GB" dirty="0"/>
+          </a:p>
+        </p:txBody>
+      </p:sp>
+      <p:sp>
+        <p:nvSpPr>
+          <p:cNvPr id="4" name="Pladsholder til slidenummer 3"/>
+          <p:cNvSpPr>
+            <a:spLocks noGrp="1"/>
+          </p:cNvSpPr>
+          <p:nvPr>
+            <p:ph type="sldNum" sz="quarter" idx="10"/>
+          </p:nvPr>
+        </p:nvSpPr>
+        <p:spPr/>
+        <p:txBody>
+          <a:bodyPr/>
+          <a:lstStyle/>
+          <a:p>
+            <a:pPr>
+              <a:defRPr/>
+            </a:pPr>
+            <a:fld id="{72C160C3-3AB6-49C1-8001-AFDAD271EB5B}" type="slidenum">
+              <a:rPr lang="en-GB"/>
+              <a:pPr>
+                <a:defRPr/>
+              </a:pPr>
+              <a:t>33</a:t>
+            </a:fld>
+            <a:endParaRPr lang="en-GB" dirty="0"/>
+          </a:p>
+        </p:txBody>
+      </p:sp>
+    </p:spTree>
+    <p:extLst>
+      <p:ext uri="{BB962C8B-B14F-4D97-AF65-F5344CB8AC3E}">
+        <p14:creationId xmlns:p14="http://schemas.microsoft.com/office/powerpoint/2010/main" val="2679530826"/>
       </p:ext>
     </p:extLst>
   </p:cSld>
@@ -7075,22 +6842,9 @@
           <a:bodyPr/>
           <a:lstStyle/>
           <a:p>
-            <a:pPr marL="285750" marR="0" lvl="0" indent="-285750" algn="l" defTabSz="914400" rtl="0" eaLnBrk="0" fontAlgn="base" latinLnBrk="0" hangingPunct="0">
-              <a:lnSpc>
-                <a:spcPct val="100000"/>
-              </a:lnSpc>
-              <a:spcBef>
-                <a:spcPct val="30000"/>
-              </a:spcBef>
-              <a:spcAft>
-                <a:spcPct val="0"/>
-              </a:spcAft>
-              <a:buClrTx/>
-              <a:buSzTx/>
-              <a:buFont typeface="Arial" panose="020B0604020202020204" pitchFamily="34" charset="0"/>
-              <a:buChar char="•"/>
-              <a:tabLst/>
-              <a:defRPr/>
+            <a:pPr marL="285750" indent="-285750">
+              <a:buFont typeface="Arial" panose="020B0604020202020204" pitchFamily="34" charset="0"/>
+              <a:buChar char="•"/>
             </a:pPr>
             <a:r>
               <a:rPr lang="en-US" sz="1800" dirty="0">
@@ -7099,26 +6853,13 @@
                 <a:ea typeface="Arial" panose="020B0604020202020204" pitchFamily="34" charset="0"/>
                 <a:cs typeface="Arial" panose="020B0604020202020204" pitchFamily="34" charset="0"/>
               </a:rPr>
-              <a:t>Common definition of Fake News:</a:t>
-            </a:r>
-          </a:p>
-          <a:p>
-            <a:pPr marL="895243" marR="0" lvl="1" indent="-285750" algn="l" defTabSz="914400" rtl="0" eaLnBrk="0" fontAlgn="base" latinLnBrk="0" hangingPunct="0">
-              <a:lnSpc>
-                <a:spcPct val="100000"/>
-              </a:lnSpc>
-              <a:spcBef>
-                <a:spcPct val="30000"/>
-              </a:spcBef>
-              <a:spcAft>
-                <a:spcPct val="0"/>
-              </a:spcAft>
-              <a:buClrTx/>
-              <a:buSzTx/>
-              <a:buFont typeface="Arial" panose="020B0604020202020204" pitchFamily="34" charset="0"/>
-              <a:buChar char="•"/>
-              <a:tabLst/>
-              <a:defRPr/>
+              <a:t>Fake News are misleading by definition</a:t>
+            </a:r>
+          </a:p>
+          <a:p>
+            <a:pPr marL="895243" lvl="1" indent="-285750">
+              <a:buFont typeface="Arial" panose="020B0604020202020204" pitchFamily="34" charset="0"/>
+              <a:buChar char="•"/>
             </a:pPr>
             <a:r>
               <a:rPr lang="en-US" sz="1800" dirty="0">
@@ -7127,62 +6868,8 @@
                 <a:ea typeface="Arial" panose="020B0604020202020204" pitchFamily="34" charset="0"/>
                 <a:cs typeface="Arial" panose="020B0604020202020204" pitchFamily="34" charset="0"/>
               </a:rPr>
-              <a:t>False or misleading information presented as news</a:t>
-            </a:r>
-          </a:p>
-          <a:p>
-            <a:pPr marL="0" indent="0">
-              <a:buFont typeface="Arial" panose="020B0604020202020204" pitchFamily="34" charset="0"/>
-              <a:buNone/>
-            </a:pPr>
-            <a:endParaRPr lang="en-US" sz="1800" dirty="0">
-              <a:effectLst/>
-              <a:latin typeface="Times New Roman" panose="02020603050405020304" pitchFamily="18" charset="0"/>
-              <a:ea typeface="Arial" panose="020B0604020202020204" pitchFamily="34" charset="0"/>
-              <a:cs typeface="Arial" panose="020B0604020202020204" pitchFamily="34" charset="0"/>
-            </a:endParaRPr>
-          </a:p>
-          <a:p>
-            <a:pPr marL="285750" indent="-285750">
-              <a:buFont typeface="Arial" panose="020B0604020202020204" pitchFamily="34" charset="0"/>
-              <a:buChar char="•"/>
-            </a:pPr>
-            <a:r>
-              <a:rPr lang="en-US" sz="1800" dirty="0">
-                <a:effectLst/>
-                <a:latin typeface="Times New Roman" panose="02020603050405020304" pitchFamily="18" charset="0"/>
-                <a:ea typeface="Arial" panose="020B0604020202020204" pitchFamily="34" charset="0"/>
-                <a:cs typeface="Arial" panose="020B0604020202020204" pitchFamily="34" charset="0"/>
-              </a:rPr>
-              <a:t>Obviously, Fake News has a negative impact</a:t>
-            </a:r>
-          </a:p>
-          <a:p>
-            <a:pPr marL="895243" lvl="1" indent="-285750">
-              <a:buFont typeface="Arial" panose="020B0604020202020204" pitchFamily="34" charset="0"/>
-              <a:buChar char="•"/>
-            </a:pPr>
-            <a:r>
-              <a:rPr lang="en-US" sz="1800" dirty="0">
-                <a:effectLst/>
-                <a:latin typeface="Times New Roman" panose="02020603050405020304" pitchFamily="18" charset="0"/>
-                <a:ea typeface="Arial" panose="020B0604020202020204" pitchFamily="34" charset="0"/>
-                <a:cs typeface="Arial" panose="020B0604020202020204" pitchFamily="34" charset="0"/>
-              </a:rPr>
-              <a:t>Influences public opinion and thus foreign and domestic policies around the world -&gt; most notably Covid-19 vaccinations and US elections</a:t>
-            </a:r>
-          </a:p>
-          <a:p>
-            <a:pPr marL="895243" lvl="1" indent="-285750">
-              <a:buFont typeface="Arial" panose="020B0604020202020204" pitchFamily="34" charset="0"/>
-              <a:buChar char="•"/>
-            </a:pPr>
-            <a:endParaRPr lang="en-US" sz="1800" dirty="0">
-              <a:effectLst/>
-              <a:latin typeface="Times New Roman" panose="02020603050405020304" pitchFamily="18" charset="0"/>
-              <a:ea typeface="Arial" panose="020B0604020202020204" pitchFamily="34" charset="0"/>
-              <a:cs typeface="Arial" panose="020B0604020202020204" pitchFamily="34" charset="0"/>
-            </a:endParaRPr>
+              <a:t>Influences public opinion and thus shape foreign and domestic policies around the world in a negative way</a:t>
+            </a:r>
           </a:p>
         </p:txBody>
       </p:sp>
@@ -7295,13 +6982,53 @@
                 <a:latin typeface="Times New Roman" panose="02020603050405020304" pitchFamily="18" charset="0"/>
                 <a:cs typeface="Arial" panose="020B0604020202020204" pitchFamily="34" charset="0"/>
               </a:rPr>
-              <a:t>Unfeasible to try and manually detect Fake News in the stream of news that takes place across platforms</a:t>
-            </a:r>
-          </a:p>
-          <a:p>
-            <a:pPr marL="285750" indent="-285750">
-              <a:buFont typeface="Arial" panose="020B0604020202020204" pitchFamily="34" charset="0"/>
-              <a:buChar char="•"/>
+              <a:t>Important to try and filter away Fake News, or detect them so we may – sort of – counteract them</a:t>
+            </a:r>
+          </a:p>
+          <a:p>
+            <a:pPr marL="285750" marR="0" lvl="0" indent="-285750" algn="l" defTabSz="914400" rtl="0" eaLnBrk="0" fontAlgn="base" latinLnBrk="0" hangingPunct="0">
+              <a:lnSpc>
+                <a:spcPct val="100000"/>
+              </a:lnSpc>
+              <a:spcBef>
+                <a:spcPct val="30000"/>
+              </a:spcBef>
+              <a:spcAft>
+                <a:spcPct val="0"/>
+              </a:spcAft>
+              <a:buClrTx/>
+              <a:buSzTx/>
+              <a:buFont typeface="Arial" panose="020B0604020202020204" pitchFamily="34" charset="0"/>
+              <a:buChar char="•"/>
+              <a:tabLst/>
+              <a:defRPr/>
+            </a:pPr>
+            <a:r>
+              <a:rPr lang="en-US" sz="1800" dirty="0">
+                <a:effectLst/>
+                <a:latin typeface="Times New Roman" panose="02020603050405020304" pitchFamily="18" charset="0"/>
+                <a:cs typeface="Arial" panose="020B0604020202020204" pitchFamily="34" charset="0"/>
+              </a:rPr>
+              <a:t>Unfeasible to do manually</a:t>
+            </a:r>
+          </a:p>
+          <a:p>
+            <a:pPr marL="285750" marR="0" lvl="0" indent="-285750" algn="l" defTabSz="914400" rtl="0" eaLnBrk="0" fontAlgn="base" latinLnBrk="0" hangingPunct="0">
+              <a:lnSpc>
+                <a:spcPct val="100000"/>
+              </a:lnSpc>
+              <a:spcBef>
+                <a:spcPct val="30000"/>
+              </a:spcBef>
+              <a:spcAft>
+                <a:spcPct val="0"/>
+              </a:spcAft>
+              <a:buClrTx/>
+              <a:buSzTx/>
+              <a:buFont typeface="Arial" panose="020B0604020202020204" pitchFamily="34" charset="0"/>
+              <a:buChar char="•"/>
+              <a:tabLst/>
+              <a:defRPr/>
             </a:pPr>
             <a:endParaRPr lang="en-US" sz="1800" dirty="0">
               <a:effectLst/>
@@ -7320,7 +7047,21 @@
                 <a:latin typeface="Times New Roman" panose="02020603050405020304" pitchFamily="18" charset="0"/>
                 <a:cs typeface="Arial" panose="020B0604020202020204" pitchFamily="34" charset="0"/>
               </a:rPr>
-              <a:t>Automatic approach is preferred -&gt; Previous ML studies high </a:t>
+              <a:t>Previous ML approaches have seemingly succeeded in the task</a:t>
+            </a:r>
+          </a:p>
+          <a:p>
+            <a:pPr marL="895243" lvl="1" indent="-285750">
+              <a:buFont typeface="Arial" panose="020B0604020202020204" pitchFamily="34" charset="0"/>
+              <a:buChar char="•"/>
+            </a:pPr>
+            <a:r>
+              <a:rPr lang="en-US" sz="1800" dirty="0">
+                <a:effectLst/>
+                <a:latin typeface="Times New Roman" panose="02020603050405020304" pitchFamily="18" charset="0"/>
+                <a:cs typeface="Arial" panose="020B0604020202020204" pitchFamily="34" charset="0"/>
+              </a:rPr>
+              <a:t>Studies report high </a:t>
             </a:r>
             <a:r>
               <a:rPr lang="en-US" sz="1800" dirty="0" err="1">
@@ -7378,7 +7119,7 @@
                 <a:latin typeface="Times New Roman" panose="02020603050405020304" pitchFamily="18" charset="0"/>
                 <a:cs typeface="Arial" panose="020B0604020202020204" pitchFamily="34" charset="0"/>
               </a:rPr>
-              <a:t>Just using relatively simple model with TF-IDF’s as features</a:t>
+              <a:t>Just using a relatively simple model with TF-IDF’s as features</a:t>
             </a:r>
           </a:p>
           <a:p>
@@ -7591,7 +7332,7 @@
                 <a:latin typeface="Times New Roman" panose="02020603050405020304" pitchFamily="18" charset="0"/>
                 <a:cs typeface="Arial" panose="020B0604020202020204" pitchFamily="34" charset="0"/>
               </a:rPr>
-              <a:t>Across datasets / sources</a:t>
+              <a:t>Across sources -&gt; Model trained on articles from one set of news sources -&gt; Not generalize to datasets with articles from other sources.</a:t>
             </a:r>
           </a:p>
           <a:p>
@@ -7618,11 +7359,11 @@
                 <a:latin typeface="Times New Roman" panose="02020603050405020304" pitchFamily="18" charset="0"/>
                 <a:cs typeface="Arial" panose="020B0604020202020204" pitchFamily="34" charset="0"/>
               </a:rPr>
-              <a:t>Across time</a:t>
-            </a:r>
-          </a:p>
-          <a:p>
-            <a:pPr marL="1504737" marR="0" lvl="2" indent="-285750" algn="l" defTabSz="914400" rtl="0" eaLnBrk="0" fontAlgn="base" latinLnBrk="0" hangingPunct="0">
+              <a:t>Also across time -&gt; We suspect model trained on present and current articles -&gt; not generalize to articles in the future, given that the topics they concern changes.</a:t>
+            </a:r>
+          </a:p>
+          <a:p>
+            <a:pPr marL="2114230" marR="0" lvl="3" indent="-285750" algn="l" defTabSz="914400" rtl="0" eaLnBrk="0" fontAlgn="base" latinLnBrk="0" hangingPunct="0">
               <a:lnSpc>
                 <a:spcPct val="100000"/>
               </a:lnSpc>
@@ -7639,15 +7380,6 @@
               <a:tabLst/>
               <a:defRPr/>
             </a:pPr>
-            <a:r>
-              <a:rPr lang="en-US" sz="1800" dirty="0">
-                <a:effectLst/>
-                <a:latin typeface="Times New Roman" panose="02020603050405020304" pitchFamily="18" charset="0"/>
-                <a:ea typeface="Arial" panose="020B0604020202020204" pitchFamily="34" charset="0"/>
-                <a:cs typeface="Arial" panose="020B0604020202020204" pitchFamily="34" charset="0"/>
-              </a:rPr>
-              <a:t>Other fields have these problems -&gt; publishing paper with Riccardo</a:t>
-            </a:r>
             <a:endParaRPr lang="en-GB" dirty="0"/>
           </a:p>
         </p:txBody>
@@ -7970,7 +7702,7 @@
                 <a:latin typeface="Times New Roman" panose="02020603050405020304" pitchFamily="18" charset="0"/>
                 <a:cs typeface="Arial" panose="020B0604020202020204" pitchFamily="34" charset="0"/>
               </a:rPr>
-              <a:t>Train 2 models on two different datasets and cross-test</a:t>
+              <a:t>By: Train 2 models on two different datasets and cross-test</a:t>
             </a:r>
           </a:p>
           <a:p>
@@ -16823,7 +16555,7 @@
               <a:buChar char="•"/>
             </a:pPr>
             <a:r>
-              <a:rPr lang="en-US" sz="2400" dirty="0">
+              <a:rPr lang="en-US" sz="2400" b="1" dirty="0">
                 <a:latin typeface="+mj-lt"/>
               </a:rPr>
               <a:t>Two datasets:</a:t>
@@ -16952,7 +16684,7 @@
               <a:buChar char="•"/>
             </a:pPr>
             <a:r>
-              <a:rPr lang="en-US" sz="2400" dirty="0">
+              <a:rPr lang="en-US" sz="2400" b="1" dirty="0">
                 <a:latin typeface="+mj-lt"/>
               </a:rPr>
               <a:t>Two datasets:</a:t>
@@ -17009,7 +16741,7 @@
               <a:buChar char="•"/>
             </a:pPr>
             <a:r>
-              <a:rPr lang="en-US" sz="2400" dirty="0">
+              <a:rPr lang="en-US" sz="2400" b="1" dirty="0">
                 <a:latin typeface="+mj-lt"/>
               </a:rPr>
               <a:t>Preprocessing:</a:t>
@@ -17184,10 +16916,10 @@
       </p:sp>
       <p:sp>
         <p:nvSpPr>
-          <p:cNvPr id="6" name="TextBox 5">
+          <p:cNvPr id="5" name="TextBox 4">
             <a:extLst>
               <a:ext uri="{FF2B5EF4-FFF2-40B4-BE49-F238E27FC236}">
-                <a16:creationId xmlns:a16="http://schemas.microsoft.com/office/drawing/2014/main" id="{35F8CC3B-9AAD-497C-B42E-B65638CEC252}"/>
+                <a16:creationId xmlns:a16="http://schemas.microsoft.com/office/drawing/2014/main" id="{930E823A-B2D0-4CC6-AAFE-337B57D5B02D}"/>
               </a:ext>
             </a:extLst>
           </p:cNvPr>
@@ -17197,7 +16929,7 @@
         <p:spPr>
           <a:xfrm>
             <a:off x="1053353" y="1678392"/>
-            <a:ext cx="10081120" cy="484172"/>
+            <a:ext cx="10081120" cy="493725"/>
           </a:xfrm>
           <a:prstGeom prst="rect">
             <a:avLst/>
@@ -17218,20 +16950,20 @@
               <a:buChar char="•"/>
             </a:pPr>
             <a:r>
-              <a:rPr lang="en-US" sz="2400" dirty="0">
+              <a:rPr lang="en-US" sz="2400" b="1" dirty="0">
                 <a:latin typeface="+mj-lt"/>
               </a:rPr>
-              <a:t>BERT Base Uncased -</a:t>
+              <a:t>BERT Base Uncased –</a:t>
             </a:r>
           </a:p>
         </p:txBody>
       </p:sp>
       <p:pic>
         <p:nvPicPr>
-          <p:cNvPr id="3" name="Picture 2">
+          <p:cNvPr id="7" name="Picture 6">
             <a:extLst>
               <a:ext uri="{FF2B5EF4-FFF2-40B4-BE49-F238E27FC236}">
-                <a16:creationId xmlns:a16="http://schemas.microsoft.com/office/drawing/2014/main" id="{52834256-6C9D-435D-9D9D-900D2B3CDDB3}"/>
+                <a16:creationId xmlns:a16="http://schemas.microsoft.com/office/drawing/2014/main" id="{68695052-10F9-43AC-93CE-3FE4B4DBB977}"/>
               </a:ext>
             </a:extLst>
           </p:cNvPr>
@@ -17326,7 +17058,7 @@
         <p:spPr>
           <a:xfrm>
             <a:off x="1053353" y="1678392"/>
-            <a:ext cx="10081120" cy="484172"/>
+            <a:ext cx="10081120" cy="493725"/>
           </a:xfrm>
           <a:prstGeom prst="rect">
             <a:avLst/>
@@ -17347,7 +17079,7 @@
               <a:buChar char="•"/>
             </a:pPr>
             <a:r>
-              <a:rPr lang="en-US" sz="2400" dirty="0">
+              <a:rPr lang="en-US" sz="2400" b="1" dirty="0">
                 <a:latin typeface="+mj-lt"/>
               </a:rPr>
               <a:t>BERT Base Uncased –</a:t>
@@ -17540,10 +17272,10 @@
       </p:sp>
       <p:sp>
         <p:nvSpPr>
-          <p:cNvPr id="6" name="TextBox 5">
+          <p:cNvPr id="10" name="TextBox 9">
             <a:extLst>
               <a:ext uri="{FF2B5EF4-FFF2-40B4-BE49-F238E27FC236}">
-                <a16:creationId xmlns:a16="http://schemas.microsoft.com/office/drawing/2014/main" id="{9CA124BD-9C4A-4A01-BBAB-C79A9EF3A518}"/>
+                <a16:creationId xmlns:a16="http://schemas.microsoft.com/office/drawing/2014/main" id="{584D3C4B-53B5-4825-9959-BF61C51DF6AD}"/>
               </a:ext>
             </a:extLst>
           </p:cNvPr>
@@ -17552,8 +17284,8 @@
         </p:nvSpPr>
         <p:spPr>
           <a:xfrm>
-            <a:off x="621804" y="1268760"/>
-            <a:ext cx="10081120" cy="484172"/>
+            <a:off x="617429" y="1268760"/>
+            <a:ext cx="11093607" cy="1107996"/>
           </a:xfrm>
           <a:prstGeom prst="rect">
             <a:avLst/>
@@ -17568,7 +17300,22 @@
           <a:p>
             <a:pPr marL="457200" indent="-457200">
               <a:lnSpc>
-                <a:spcPct val="150000"/>
+                <a:spcPct val="200000"/>
+              </a:lnSpc>
+              <a:buFont typeface="+mj-lt"/>
+              <a:buAutoNum type="arabicPeriod"/>
+            </a:pPr>
+            <a:r>
+              <a:rPr lang="en-US" sz="2400" b="1" dirty="0">
+                <a:latin typeface="+mj-lt"/>
+              </a:rPr>
+              <a:t>Split dataset 1 into five periods</a:t>
+            </a:r>
+          </a:p>
+          <a:p>
+            <a:pPr marL="1066693" lvl="1" indent="-457200">
+              <a:lnSpc>
+                <a:spcPct val="100000"/>
               </a:lnSpc>
               <a:buFont typeface="Arial" panose="020B0604020202020204" pitchFamily="34" charset="0"/>
               <a:buChar char="•"/>
@@ -17577,7 +17324,7 @@
               <a:rPr lang="en-US" sz="2400" dirty="0">
                 <a:latin typeface="+mj-lt"/>
               </a:rPr>
-              <a:t>Dataset 1 (large) -&gt; Split into 5 periods</a:t>
+              <a:t>Equal number of days within each period</a:t>
             </a:r>
           </a:p>
         </p:txBody>
@@ -17639,10 +17386,10 @@
       </p:sp>
       <p:sp>
         <p:nvSpPr>
-          <p:cNvPr id="6" name="TextBox 5">
+          <p:cNvPr id="7" name="TextBox 6">
             <a:extLst>
               <a:ext uri="{FF2B5EF4-FFF2-40B4-BE49-F238E27FC236}">
-                <a16:creationId xmlns:a16="http://schemas.microsoft.com/office/drawing/2014/main" id="{9CA124BD-9C4A-4A01-BBAB-C79A9EF3A518}"/>
+                <a16:creationId xmlns:a16="http://schemas.microsoft.com/office/drawing/2014/main" id="{89BE77E8-509A-4271-9E14-A261C2832349}"/>
               </a:ext>
             </a:extLst>
           </p:cNvPr>
@@ -17651,8 +17398,8 @@
         </p:nvSpPr>
         <p:spPr>
           <a:xfrm>
-            <a:off x="621804" y="1268760"/>
-            <a:ext cx="10081120" cy="1592167"/>
+            <a:off x="617429" y="1268760"/>
+            <a:ext cx="11093607" cy="1740220"/>
           </a:xfrm>
           <a:prstGeom prst="rect">
             <a:avLst/>
@@ -17667,7 +17414,22 @@
           <a:p>
             <a:pPr marL="457200" indent="-457200">
               <a:lnSpc>
-                <a:spcPct val="150000"/>
+                <a:spcPct val="200000"/>
+              </a:lnSpc>
+              <a:buFont typeface="+mj-lt"/>
+              <a:buAutoNum type="arabicPeriod"/>
+            </a:pPr>
+            <a:r>
+              <a:rPr lang="en-US" sz="2400" b="1" dirty="0">
+                <a:latin typeface="+mj-lt"/>
+              </a:rPr>
+              <a:t>Split dataset 1 into five periods</a:t>
+            </a:r>
+          </a:p>
+          <a:p>
+            <a:pPr marL="1066693" lvl="1" indent="-457200">
+              <a:lnSpc>
+                <a:spcPct val="100000"/>
               </a:lnSpc>
               <a:buFont typeface="Arial" panose="020B0604020202020204" pitchFamily="34" charset="0"/>
               <a:buChar char="•"/>
@@ -17676,55 +17438,43 @@
               <a:rPr lang="en-US" sz="2400" dirty="0">
                 <a:latin typeface="+mj-lt"/>
               </a:rPr>
-              <a:t>Dataset 1 (large) -&gt; Split into 5 periods</a:t>
+              <a:t>Equal number of days within each period</a:t>
             </a:r>
           </a:p>
           <a:p>
             <a:pPr marL="457200" indent="-457200">
               <a:lnSpc>
-                <a:spcPct val="150000"/>
-              </a:lnSpc>
-              <a:buFont typeface="Arial" panose="020B0604020202020204" pitchFamily="34" charset="0"/>
-              <a:buChar char="•"/>
-            </a:pPr>
-            <a:endParaRPr lang="en-US" sz="2400" dirty="0">
-              <a:latin typeface="+mj-lt"/>
-            </a:endParaRPr>
-          </a:p>
-          <a:p>
-            <a:pPr marL="457200" indent="-457200">
-              <a:lnSpc>
-                <a:spcPct val="150000"/>
-              </a:lnSpc>
-              <a:buFont typeface="Arial" panose="020B0604020202020204" pitchFamily="34" charset="0"/>
-              <a:buChar char="•"/>
-            </a:pPr>
-            <a:r>
-              <a:rPr lang="en-US" sz="2400" dirty="0">
+                <a:spcPct val="200000"/>
+              </a:lnSpc>
+              <a:buFont typeface="+mj-lt"/>
+              <a:buAutoNum type="arabicPeriod"/>
+            </a:pPr>
+            <a:r>
+              <a:rPr lang="en-US" sz="2400" b="1" dirty="0">
                 <a:latin typeface="+mj-lt"/>
               </a:rPr>
               <a:t>Trained </a:t>
             </a:r>
             <a:r>
-              <a:rPr lang="en-US" sz="2400" dirty="0" err="1">
+              <a:rPr lang="en-US" sz="2400" b="1" dirty="0" err="1">
                 <a:latin typeface="+mj-lt"/>
               </a:rPr>
               <a:t>fastText</a:t>
             </a:r>
             <a:r>
-              <a:rPr lang="en-US" sz="2400" dirty="0">
+              <a:rPr lang="en-US" sz="2400" b="1" dirty="0">
                 <a:latin typeface="+mj-lt"/>
               </a:rPr>
               <a:t> </a:t>
             </a:r>
             <a:r>
-              <a:rPr lang="en-US" sz="2400" dirty="0" err="1">
+              <a:rPr lang="en-US" sz="2400" b="1" dirty="0" err="1">
                 <a:latin typeface="+mj-lt"/>
               </a:rPr>
               <a:t>skipgram</a:t>
             </a:r>
             <a:r>
-              <a:rPr lang="en-US" sz="2400" dirty="0">
+              <a:rPr lang="en-US" sz="2400" b="1" dirty="0">
                 <a:latin typeface="+mj-lt"/>
               </a:rPr>
               <a:t> model on each period</a:t>
@@ -17789,10 +17539,10 @@
       </p:sp>
       <p:sp>
         <p:nvSpPr>
-          <p:cNvPr id="6" name="TextBox 5">
+          <p:cNvPr id="5" name="TextBox 4">
             <a:extLst>
               <a:ext uri="{FF2B5EF4-FFF2-40B4-BE49-F238E27FC236}">
-                <a16:creationId xmlns:a16="http://schemas.microsoft.com/office/drawing/2014/main" id="{9CA124BD-9C4A-4A01-BBAB-C79A9EF3A518}"/>
+                <a16:creationId xmlns:a16="http://schemas.microsoft.com/office/drawing/2014/main" id="{1026A118-08AC-4CAA-84CA-AC7750DA271F}"/>
               </a:ext>
             </a:extLst>
           </p:cNvPr>
@@ -17801,8 +17551,8 @@
         </p:nvSpPr>
         <p:spPr>
           <a:xfrm>
-            <a:off x="621804" y="1268760"/>
-            <a:ext cx="10081120" cy="2146165"/>
+            <a:off x="617429" y="1268760"/>
+            <a:ext cx="11093607" cy="2215991"/>
           </a:xfrm>
           <a:prstGeom prst="rect">
             <a:avLst/>
@@ -17817,7 +17567,22 @@
           <a:p>
             <a:pPr marL="457200" indent="-457200">
               <a:lnSpc>
-                <a:spcPct val="150000"/>
+                <a:spcPct val="200000"/>
+              </a:lnSpc>
+              <a:buFont typeface="+mj-lt"/>
+              <a:buAutoNum type="arabicPeriod"/>
+            </a:pPr>
+            <a:r>
+              <a:rPr lang="en-US" sz="2400" b="1" dirty="0">
+                <a:latin typeface="+mj-lt"/>
+              </a:rPr>
+              <a:t>Split dataset 1 into five periods</a:t>
+            </a:r>
+          </a:p>
+          <a:p>
+            <a:pPr marL="1066693" lvl="1" indent="-457200">
+              <a:lnSpc>
+                <a:spcPct val="100000"/>
               </a:lnSpc>
               <a:buFont typeface="Arial" panose="020B0604020202020204" pitchFamily="34" charset="0"/>
               <a:buChar char="•"/>
@@ -17826,55 +17591,43 @@
               <a:rPr lang="en-US" sz="2400" dirty="0">
                 <a:latin typeface="+mj-lt"/>
               </a:rPr>
-              <a:t>Dataset 1 (large) -&gt; Split into 5 periods</a:t>
+              <a:t>Equal number of days within each period</a:t>
             </a:r>
           </a:p>
           <a:p>
             <a:pPr marL="457200" indent="-457200">
               <a:lnSpc>
-                <a:spcPct val="150000"/>
-              </a:lnSpc>
-              <a:buFont typeface="Arial" panose="020B0604020202020204" pitchFamily="34" charset="0"/>
-              <a:buChar char="•"/>
-            </a:pPr>
-            <a:endParaRPr lang="en-US" sz="2400" dirty="0">
-              <a:latin typeface="+mj-lt"/>
-            </a:endParaRPr>
-          </a:p>
-          <a:p>
-            <a:pPr marL="457200" indent="-457200">
-              <a:lnSpc>
-                <a:spcPct val="150000"/>
-              </a:lnSpc>
-              <a:buFont typeface="Arial" panose="020B0604020202020204" pitchFamily="34" charset="0"/>
-              <a:buChar char="•"/>
-            </a:pPr>
-            <a:r>
-              <a:rPr lang="en-US" sz="2400" dirty="0">
+                <a:spcPct val="200000"/>
+              </a:lnSpc>
+              <a:buFont typeface="+mj-lt"/>
+              <a:buAutoNum type="arabicPeriod"/>
+            </a:pPr>
+            <a:r>
+              <a:rPr lang="en-US" sz="2400" b="1" dirty="0">
                 <a:latin typeface="+mj-lt"/>
               </a:rPr>
               <a:t>Trained </a:t>
             </a:r>
             <a:r>
-              <a:rPr lang="en-US" sz="2400" dirty="0" err="1">
+              <a:rPr lang="en-US" sz="2400" b="1" dirty="0" err="1">
                 <a:latin typeface="+mj-lt"/>
               </a:rPr>
               <a:t>fastText</a:t>
             </a:r>
             <a:r>
-              <a:rPr lang="en-US" sz="2400" dirty="0">
+              <a:rPr lang="en-US" sz="2400" b="1" dirty="0">
                 <a:latin typeface="+mj-lt"/>
               </a:rPr>
               <a:t> </a:t>
             </a:r>
             <a:r>
-              <a:rPr lang="en-US" sz="2400" dirty="0" err="1">
+              <a:rPr lang="en-US" sz="2400" b="1" dirty="0" err="1">
                 <a:latin typeface="+mj-lt"/>
               </a:rPr>
               <a:t>skipgram</a:t>
             </a:r>
             <a:r>
-              <a:rPr lang="en-US" sz="2400" dirty="0">
+              <a:rPr lang="en-US" sz="2400" b="1" dirty="0">
                 <a:latin typeface="+mj-lt"/>
               </a:rPr>
               <a:t> model on each period</a:t>
@@ -17883,7 +17636,7 @@
           <a:p>
             <a:pPr marL="1066693" lvl="1" indent="-457200">
               <a:lnSpc>
-                <a:spcPct val="150000"/>
+                <a:spcPct val="100000"/>
               </a:lnSpc>
               <a:buFont typeface="Arial" panose="020B0604020202020204" pitchFamily="34" charset="0"/>
               <a:buChar char="•"/>
@@ -17967,7 +17720,7 @@
         <p:spPr>
           <a:xfrm>
             <a:off x="1485900" y="2132856"/>
-            <a:ext cx="5040560" cy="3642985"/>
+            <a:ext cx="5040560" cy="3181320"/>
           </a:xfrm>
           <a:prstGeom prst="rect">
             <a:avLst/>
@@ -18061,26 +17814,6 @@
                 <a:latin typeface="AU Passata Light" panose="020B0604020202020204" charset="0"/>
               </a:rPr>
               <a:t>Conclusion</a:t>
-            </a:r>
-          </a:p>
-          <a:p>
-            <a:pPr marL="457200" indent="-457200">
-              <a:lnSpc>
-                <a:spcPct val="150000"/>
-              </a:lnSpc>
-              <a:buFont typeface="Arial" panose="020B0604020202020204" pitchFamily="34" charset="0"/>
-              <a:buChar char="•"/>
-            </a:pPr>
-            <a:r>
-              <a:rPr lang="en-US" sz="2000" b="1" i="1" dirty="0">
-                <a:solidFill>
-                  <a:schemeClr val="bg1">
-                    <a:lumMod val="65000"/>
-                  </a:schemeClr>
-                </a:solidFill>
-                <a:latin typeface="AU Passata Light" panose="020B0604020202020204" charset="0"/>
-              </a:rPr>
-              <a:t>(Expanding on word embeddings)</a:t>
             </a:r>
           </a:p>
           <a:p>
@@ -18179,8 +17912,8 @@
         </p:nvSpPr>
         <p:spPr>
           <a:xfrm>
-            <a:off x="621804" y="1268760"/>
-            <a:ext cx="10081120" cy="3254161"/>
+            <a:off x="617429" y="1268760"/>
+            <a:ext cx="11093607" cy="3323987"/>
           </a:xfrm>
           <a:prstGeom prst="rect">
             <a:avLst/>
@@ -18195,7 +17928,22 @@
           <a:p>
             <a:pPr marL="457200" indent="-457200">
               <a:lnSpc>
-                <a:spcPct val="150000"/>
+                <a:spcPct val="200000"/>
+              </a:lnSpc>
+              <a:buFont typeface="+mj-lt"/>
+              <a:buAutoNum type="arabicPeriod"/>
+            </a:pPr>
+            <a:r>
+              <a:rPr lang="en-US" sz="2400" b="1" dirty="0">
+                <a:latin typeface="+mj-lt"/>
+              </a:rPr>
+              <a:t>Split dataset 1 into five periods</a:t>
+            </a:r>
+          </a:p>
+          <a:p>
+            <a:pPr marL="1066693" lvl="1" indent="-457200">
+              <a:lnSpc>
+                <a:spcPct val="100000"/>
               </a:lnSpc>
               <a:buFont typeface="Arial" panose="020B0604020202020204" pitchFamily="34" charset="0"/>
               <a:buChar char="•"/>
@@ -18204,55 +17952,43 @@
               <a:rPr lang="en-US" sz="2400" dirty="0">
                 <a:latin typeface="+mj-lt"/>
               </a:rPr>
-              <a:t>Dataset 1 (large) -&gt; Split into 5 periods</a:t>
+              <a:t>Equal number of days within each period</a:t>
             </a:r>
           </a:p>
           <a:p>
             <a:pPr marL="457200" indent="-457200">
               <a:lnSpc>
-                <a:spcPct val="150000"/>
-              </a:lnSpc>
-              <a:buFont typeface="Arial" panose="020B0604020202020204" pitchFamily="34" charset="0"/>
-              <a:buChar char="•"/>
-            </a:pPr>
-            <a:endParaRPr lang="en-US" sz="2400" dirty="0">
-              <a:latin typeface="+mj-lt"/>
-            </a:endParaRPr>
-          </a:p>
-          <a:p>
-            <a:pPr marL="457200" indent="-457200">
-              <a:lnSpc>
-                <a:spcPct val="150000"/>
-              </a:lnSpc>
-              <a:buFont typeface="Arial" panose="020B0604020202020204" pitchFamily="34" charset="0"/>
-              <a:buChar char="•"/>
-            </a:pPr>
-            <a:r>
-              <a:rPr lang="en-US" sz="2400" dirty="0">
+                <a:spcPct val="200000"/>
+              </a:lnSpc>
+              <a:buFont typeface="+mj-lt"/>
+              <a:buAutoNum type="arabicPeriod"/>
+            </a:pPr>
+            <a:r>
+              <a:rPr lang="en-US" sz="2400" b="1" dirty="0">
                 <a:latin typeface="+mj-lt"/>
               </a:rPr>
               <a:t>Trained </a:t>
             </a:r>
             <a:r>
-              <a:rPr lang="en-US" sz="2400" dirty="0" err="1">
+              <a:rPr lang="en-US" sz="2400" b="1" dirty="0" err="1">
                 <a:latin typeface="+mj-lt"/>
               </a:rPr>
               <a:t>fastText</a:t>
             </a:r>
             <a:r>
-              <a:rPr lang="en-US" sz="2400" dirty="0">
+              <a:rPr lang="en-US" sz="2400" b="1" dirty="0">
                 <a:latin typeface="+mj-lt"/>
               </a:rPr>
               <a:t> </a:t>
             </a:r>
             <a:r>
-              <a:rPr lang="en-US" sz="2400" dirty="0" err="1">
+              <a:rPr lang="en-US" sz="2400" b="1" dirty="0" err="1">
                 <a:latin typeface="+mj-lt"/>
               </a:rPr>
               <a:t>skipgram</a:t>
             </a:r>
             <a:r>
-              <a:rPr lang="en-US" sz="2400" dirty="0">
+              <a:rPr lang="en-US" sz="2400" b="1" dirty="0">
                 <a:latin typeface="+mj-lt"/>
               </a:rPr>
               <a:t> model on each period</a:t>
@@ -18261,7 +17997,7 @@
           <a:p>
             <a:pPr marL="1066693" lvl="1" indent="-457200">
               <a:lnSpc>
-                <a:spcPct val="150000"/>
+                <a:spcPct val="100000"/>
               </a:lnSpc>
               <a:buFont typeface="Arial" panose="020B0604020202020204" pitchFamily="34" charset="0"/>
               <a:buChar char="•"/>
@@ -18274,30 +18010,31 @@
             </a:r>
           </a:p>
           <a:p>
-            <a:pPr marL="1066693" lvl="1" indent="-457200">
-              <a:lnSpc>
-                <a:spcPct val="150000"/>
-              </a:lnSpc>
-              <a:buFont typeface="Arial" panose="020B0604020202020204" pitchFamily="34" charset="0"/>
-              <a:buChar char="•"/>
-            </a:pPr>
-            <a:endParaRPr lang="en-US" sz="2400" dirty="0">
-              <a:latin typeface="+mj-lt"/>
-            </a:endParaRPr>
-          </a:p>
-          <a:p>
             <a:pPr marL="457200" indent="-457200">
               <a:lnSpc>
-                <a:spcPct val="150000"/>
-              </a:lnSpc>
-              <a:buFont typeface="Arial" panose="020B0604020202020204" pitchFamily="34" charset="0"/>
-              <a:buChar char="•"/>
-            </a:pPr>
-            <a:r>
-              <a:rPr lang="en-US" sz="2400" dirty="0">
+                <a:spcPct val="200000"/>
+              </a:lnSpc>
+              <a:buFont typeface="+mj-lt"/>
+              <a:buAutoNum type="arabicPeriod"/>
+            </a:pPr>
+            <a:r>
+              <a:rPr lang="en-US" sz="2400" b="1" dirty="0">
                 <a:latin typeface="+mj-lt"/>
               </a:rPr>
               <a:t>Found nouns with largest semantic shift</a:t>
+            </a:r>
+          </a:p>
+          <a:p>
+            <a:pPr marL="1066693" lvl="1" indent="-457200">
+              <a:lnSpc>
+                <a:spcPct val="100000"/>
+              </a:lnSpc>
+              <a:buFont typeface="Arial" panose="020B0604020202020204" pitchFamily="34" charset="0"/>
+              <a:buChar char="•"/>
+            </a:pPr>
+            <a:r>
+              <a:rPr lang="en-GB" sz="2400" dirty="0"/>
+              <a:t>Semantic distance defined as cosine distance in word embedding space</a:t>
             </a:r>
           </a:p>
         </p:txBody>
@@ -18319,6 +18056,230 @@
 </file>
 
 <file path=ppt/slides/slide21.xml><?xml version="1.0" encoding="utf-8"?>
+<p:sld xmlns:a="http://schemas.openxmlformats.org/drawingml/2006/main" xmlns:r="http://schemas.openxmlformats.org/officeDocument/2006/relationships" xmlns:p="http://schemas.openxmlformats.org/presentationml/2006/main">
+  <p:cSld>
+    <p:spTree>
+      <p:nvGrpSpPr>
+        <p:cNvPr id="1" name=""/>
+        <p:cNvGrpSpPr/>
+        <p:nvPr/>
+      </p:nvGrpSpPr>
+      <p:grpSpPr>
+        <a:xfrm>
+          <a:off x="0" y="0"/>
+          <a:ext cx="0" cy="0"/>
+          <a:chOff x="0" y="0"/>
+          <a:chExt cx="0" cy="0"/>
+        </a:xfrm>
+      </p:grpSpPr>
+      <p:sp>
+        <p:nvSpPr>
+          <p:cNvPr id="4" name="Title 3"/>
+          <p:cNvSpPr>
+            <a:spLocks noGrp="1"/>
+          </p:cNvSpPr>
+          <p:nvPr>
+            <p:ph type="title"/>
+          </p:nvPr>
+        </p:nvSpPr>
+        <p:spPr/>
+        <p:txBody>
+          <a:bodyPr/>
+          <a:lstStyle/>
+          <a:p>
+            <a:r>
+              <a:rPr lang="en-GB" dirty="0"/>
+              <a:t>part 2: Dynamic Word Embeddings</a:t>
+            </a:r>
+          </a:p>
+        </p:txBody>
+      </p:sp>
+      <p:sp>
+        <p:nvSpPr>
+          <p:cNvPr id="6" name="TextBox 5">
+            <a:extLst>
+              <a:ext uri="{FF2B5EF4-FFF2-40B4-BE49-F238E27FC236}">
+                <a16:creationId xmlns:a16="http://schemas.microsoft.com/office/drawing/2014/main" id="{9CA124BD-9C4A-4A01-BBAB-C79A9EF3A518}"/>
+              </a:ext>
+            </a:extLst>
+          </p:cNvPr>
+          <p:cNvSpPr txBox="1"/>
+          <p:nvPr/>
+        </p:nvSpPr>
+        <p:spPr>
+          <a:xfrm>
+            <a:off x="617429" y="1268760"/>
+            <a:ext cx="11093607" cy="4431983"/>
+          </a:xfrm>
+          <a:prstGeom prst="rect">
+            <a:avLst/>
+          </a:prstGeom>
+          <a:noFill/>
+        </p:spPr>
+        <p:txBody>
+          <a:bodyPr wrap="square" lIns="0" tIns="0" rIns="0" bIns="0" numCol="1" rtlCol="0">
+            <a:spAutoFit/>
+          </a:bodyPr>
+          <a:lstStyle/>
+          <a:p>
+            <a:pPr marL="457200" indent="-457200">
+              <a:lnSpc>
+                <a:spcPct val="200000"/>
+              </a:lnSpc>
+              <a:buFont typeface="+mj-lt"/>
+              <a:buAutoNum type="arabicPeriod"/>
+            </a:pPr>
+            <a:r>
+              <a:rPr lang="en-US" sz="2400" b="1" dirty="0">
+                <a:latin typeface="+mj-lt"/>
+              </a:rPr>
+              <a:t>Split dataset 1 into five periods</a:t>
+            </a:r>
+          </a:p>
+          <a:p>
+            <a:pPr marL="1066693" lvl="1" indent="-457200">
+              <a:lnSpc>
+                <a:spcPct val="100000"/>
+              </a:lnSpc>
+              <a:buFont typeface="Arial" panose="020B0604020202020204" pitchFamily="34" charset="0"/>
+              <a:buChar char="•"/>
+            </a:pPr>
+            <a:r>
+              <a:rPr lang="en-US" sz="2400" dirty="0">
+                <a:latin typeface="+mj-lt"/>
+              </a:rPr>
+              <a:t>Equal number of days within each period</a:t>
+            </a:r>
+          </a:p>
+          <a:p>
+            <a:pPr marL="457200" indent="-457200">
+              <a:lnSpc>
+                <a:spcPct val="200000"/>
+              </a:lnSpc>
+              <a:buFont typeface="+mj-lt"/>
+              <a:buAutoNum type="arabicPeriod"/>
+            </a:pPr>
+            <a:r>
+              <a:rPr lang="en-US" sz="2400" b="1" dirty="0">
+                <a:latin typeface="+mj-lt"/>
+              </a:rPr>
+              <a:t>Trained </a:t>
+            </a:r>
+            <a:r>
+              <a:rPr lang="en-US" sz="2400" b="1" dirty="0" err="1">
+                <a:latin typeface="+mj-lt"/>
+              </a:rPr>
+              <a:t>fastText</a:t>
+            </a:r>
+            <a:r>
+              <a:rPr lang="en-US" sz="2400" b="1" dirty="0">
+                <a:latin typeface="+mj-lt"/>
+              </a:rPr>
+              <a:t> </a:t>
+            </a:r>
+            <a:r>
+              <a:rPr lang="en-US" sz="2400" b="1" dirty="0" err="1">
+                <a:latin typeface="+mj-lt"/>
+              </a:rPr>
+              <a:t>skipgram</a:t>
+            </a:r>
+            <a:r>
+              <a:rPr lang="en-US" sz="2400" b="1" dirty="0">
+                <a:latin typeface="+mj-lt"/>
+              </a:rPr>
+              <a:t> model on each period</a:t>
+            </a:r>
+          </a:p>
+          <a:p>
+            <a:pPr marL="1066693" lvl="1" indent="-457200">
+              <a:lnSpc>
+                <a:spcPct val="100000"/>
+              </a:lnSpc>
+              <a:buFont typeface="Arial" panose="020B0604020202020204" pitchFamily="34" charset="0"/>
+              <a:buChar char="•"/>
+            </a:pPr>
+            <a:r>
+              <a:rPr lang="en-US" sz="2400" dirty="0">
+                <a:latin typeface="+mj-lt"/>
+              </a:rPr>
+              <a:t>Word embedding for each word, for each period</a:t>
+            </a:r>
+          </a:p>
+          <a:p>
+            <a:pPr marL="457200" indent="-457200">
+              <a:lnSpc>
+                <a:spcPct val="200000"/>
+              </a:lnSpc>
+              <a:buFont typeface="+mj-lt"/>
+              <a:buAutoNum type="arabicPeriod"/>
+            </a:pPr>
+            <a:r>
+              <a:rPr lang="en-US" sz="2400" b="1" dirty="0">
+                <a:latin typeface="+mj-lt"/>
+              </a:rPr>
+              <a:t>Found nouns with largest semantic shift</a:t>
+            </a:r>
+          </a:p>
+          <a:p>
+            <a:pPr marL="1066693" lvl="1" indent="-457200">
+              <a:lnSpc>
+                <a:spcPct val="100000"/>
+              </a:lnSpc>
+              <a:buFont typeface="Arial" panose="020B0604020202020204" pitchFamily="34" charset="0"/>
+              <a:buChar char="•"/>
+            </a:pPr>
+            <a:r>
+              <a:rPr lang="en-GB" sz="2400" dirty="0"/>
+              <a:t>Semantic distance defined as cosine distance in word embedding space</a:t>
+            </a:r>
+          </a:p>
+          <a:p>
+            <a:pPr marL="457200" indent="-457200">
+              <a:lnSpc>
+                <a:spcPct val="200000"/>
+              </a:lnSpc>
+              <a:buFont typeface="+mj-lt"/>
+              <a:buAutoNum type="arabicPeriod"/>
+            </a:pPr>
+            <a:r>
+              <a:rPr lang="en-GB" sz="2400" b="1" dirty="0"/>
+              <a:t>Investigated changes in 10 nearest neighbours</a:t>
+            </a:r>
+          </a:p>
+          <a:p>
+            <a:pPr marL="1066693" lvl="1" indent="-457200">
+              <a:lnSpc>
+                <a:spcPct val="100000"/>
+              </a:lnSpc>
+              <a:buFont typeface="Arial" panose="020B0604020202020204" pitchFamily="34" charset="0"/>
+              <a:buChar char="•"/>
+            </a:pPr>
+            <a:r>
+              <a:rPr lang="en-US" sz="2400" dirty="0">
+                <a:latin typeface="+mj-lt"/>
+              </a:rPr>
+              <a:t>Across time, using cosine distance</a:t>
+            </a:r>
+          </a:p>
+        </p:txBody>
+      </p:sp>
+    </p:spTree>
+    <p:custDataLst>
+      <p:tags r:id="rId1"/>
+    </p:custDataLst>
+    <p:extLst>
+      <p:ext uri="{BB962C8B-B14F-4D97-AF65-F5344CB8AC3E}">
+        <p14:creationId xmlns:p14="http://schemas.microsoft.com/office/powerpoint/2010/main" val="2298499996"/>
+      </p:ext>
+    </p:extLst>
+  </p:cSld>
+  <p:clrMapOvr>
+    <a:masterClrMapping/>
+  </p:clrMapOvr>
+</p:sld>
+</file>
+
+<file path=ppt/slides/slide22.xml><?xml version="1.0" encoding="utf-8"?>
 <p:sld xmlns:a="http://schemas.openxmlformats.org/drawingml/2006/main" xmlns:r="http://schemas.openxmlformats.org/officeDocument/2006/relationships" xmlns:p="http://schemas.openxmlformats.org/presentationml/2006/main">
   <p:cSld>
     <p:spTree>
@@ -18403,281 +18364,6 @@
 </p:sld>
 </file>
 
-<file path=ppt/slides/slide22.xml><?xml version="1.0" encoding="utf-8"?>
-<p:sld xmlns:a="http://schemas.openxmlformats.org/drawingml/2006/main" xmlns:r="http://schemas.openxmlformats.org/officeDocument/2006/relationships" xmlns:p="http://schemas.openxmlformats.org/presentationml/2006/main">
-  <p:cSld>
-    <p:spTree>
-      <p:nvGrpSpPr>
-        <p:cNvPr id="1" name=""/>
-        <p:cNvGrpSpPr/>
-        <p:nvPr/>
-      </p:nvGrpSpPr>
-      <p:grpSpPr>
-        <a:xfrm>
-          <a:off x="0" y="0"/>
-          <a:ext cx="0" cy="0"/>
-          <a:chOff x="0" y="0"/>
-          <a:chExt cx="0" cy="0"/>
-        </a:xfrm>
-      </p:grpSpPr>
-      <p:sp>
-        <p:nvSpPr>
-          <p:cNvPr id="4" name="Title 3"/>
-          <p:cNvSpPr>
-            <a:spLocks noGrp="1"/>
-          </p:cNvSpPr>
-          <p:nvPr>
-            <p:ph type="title"/>
-          </p:nvPr>
-        </p:nvSpPr>
-        <p:spPr/>
-        <p:txBody>
-          <a:bodyPr/>
-          <a:lstStyle/>
-          <a:p>
-            <a:r>
-              <a:rPr lang="en-GB" dirty="0"/>
-              <a:t>part 2: Dynamic Word Embeddings</a:t>
-            </a:r>
-          </a:p>
-        </p:txBody>
-      </p:sp>
-      <p:pic>
-        <p:nvPicPr>
-          <p:cNvPr id="7" name="Picture 6" descr="Diagram&#10;&#10;Description automatically generated">
-            <a:extLst>
-              <a:ext uri="{FF2B5EF4-FFF2-40B4-BE49-F238E27FC236}">
-                <a16:creationId xmlns:a16="http://schemas.microsoft.com/office/drawing/2014/main" id="{46CB2B63-A2C6-43B5-9B03-7840C9D9644C}"/>
-              </a:ext>
-            </a:extLst>
-          </p:cNvPr>
-          <p:cNvPicPr>
-            <a:picLocks noChangeAspect="1"/>
-          </p:cNvPicPr>
-          <p:nvPr/>
-        </p:nvPicPr>
-        <p:blipFill>
-          <a:blip r:embed="rId4">
-            <a:extLst>
-              <a:ext uri="{28A0092B-C50C-407E-A947-70E740481C1C}">
-                <a14:useLocalDpi xmlns:a14="http://schemas.microsoft.com/office/drawing/2010/main" val="0"/>
-              </a:ext>
-            </a:extLst>
-          </a:blip>
-          <a:stretch>
-            <a:fillRect/>
-          </a:stretch>
-        </p:blipFill>
-        <p:spPr>
-          <a:xfrm>
-            <a:off x="6070035" y="1659332"/>
-            <a:ext cx="6004117" cy="4346643"/>
-          </a:xfrm>
-          <a:prstGeom prst="rect">
-            <a:avLst/>
-          </a:prstGeom>
-        </p:spPr>
-      </p:pic>
-      <p:pic>
-        <p:nvPicPr>
-          <p:cNvPr id="9" name="Picture 8" descr="Diagram&#10;&#10;Description automatically generated">
-            <a:extLst>
-              <a:ext uri="{FF2B5EF4-FFF2-40B4-BE49-F238E27FC236}">
-                <a16:creationId xmlns:a16="http://schemas.microsoft.com/office/drawing/2014/main" id="{DEEDD602-7550-441C-B0CB-081230749EEE}"/>
-              </a:ext>
-            </a:extLst>
-          </p:cNvPr>
-          <p:cNvPicPr>
-            <a:picLocks noChangeAspect="1"/>
-          </p:cNvPicPr>
-          <p:nvPr/>
-        </p:nvPicPr>
-        <p:blipFill>
-          <a:blip r:embed="rId5">
-            <a:extLst>
-              <a:ext uri="{28A0092B-C50C-407E-A947-70E740481C1C}">
-                <a14:useLocalDpi xmlns:a14="http://schemas.microsoft.com/office/drawing/2010/main" val="0"/>
-              </a:ext>
-            </a:extLst>
-          </a:blip>
-          <a:stretch>
-            <a:fillRect/>
-          </a:stretch>
-        </p:blipFill>
-        <p:spPr>
-          <a:xfrm>
-            <a:off x="-6772" y="771377"/>
-            <a:ext cx="5917046" cy="5454906"/>
-          </a:xfrm>
-          <a:prstGeom prst="rect">
-            <a:avLst/>
-          </a:prstGeom>
-        </p:spPr>
-      </p:pic>
-      <p:cxnSp>
-        <p:nvCxnSpPr>
-          <p:cNvPr id="11" name="Straight Connector 10">
-            <a:extLst>
-              <a:ext uri="{FF2B5EF4-FFF2-40B4-BE49-F238E27FC236}">
-                <a16:creationId xmlns:a16="http://schemas.microsoft.com/office/drawing/2014/main" id="{296C5C55-A684-486D-8C7A-60FF3B8A936A}"/>
-              </a:ext>
-            </a:extLst>
-          </p:cNvPr>
-          <p:cNvCxnSpPr>
-            <a:cxnSpLocks/>
-          </p:cNvCxnSpPr>
-          <p:nvPr/>
-        </p:nvCxnSpPr>
-        <p:spPr bwMode="auto">
-          <a:xfrm>
-            <a:off x="2926060" y="5781629"/>
-            <a:ext cx="500" cy="432048"/>
-          </a:xfrm>
-          <a:prstGeom prst="line">
-            <a:avLst/>
-          </a:prstGeom>
-          <a:solidFill>
-            <a:schemeClr val="accent2"/>
-          </a:solidFill>
-          <a:ln w="1778" cap="flat" cmpd="sng" algn="ctr">
-            <a:solidFill>
-              <a:schemeClr val="accent2"/>
-            </a:solidFill>
-            <a:prstDash val="solid"/>
-            <a:round/>
-            <a:headEnd type="none" w="med" len="med"/>
-            <a:tailEnd type="none" w="med" len="med"/>
-          </a:ln>
-          <a:effectLst/>
-        </p:spPr>
-      </p:cxnSp>
-      <p:cxnSp>
-        <p:nvCxnSpPr>
-          <p:cNvPr id="14" name="Straight Connector 13">
-            <a:extLst>
-              <a:ext uri="{FF2B5EF4-FFF2-40B4-BE49-F238E27FC236}">
-                <a16:creationId xmlns:a16="http://schemas.microsoft.com/office/drawing/2014/main" id="{61C24AD0-3927-4EAD-901F-21CB7B9D0E85}"/>
-              </a:ext>
-            </a:extLst>
-          </p:cNvPr>
-          <p:cNvCxnSpPr>
-            <a:cxnSpLocks/>
-          </p:cNvCxnSpPr>
-          <p:nvPr/>
-        </p:nvCxnSpPr>
-        <p:spPr bwMode="auto">
-          <a:xfrm>
-            <a:off x="2928938" y="6215063"/>
-            <a:ext cx="3141097" cy="11220"/>
-          </a:xfrm>
-          <a:prstGeom prst="line">
-            <a:avLst/>
-          </a:prstGeom>
-          <a:solidFill>
-            <a:schemeClr val="accent2"/>
-          </a:solidFill>
-          <a:ln w="1778" cap="flat" cmpd="sng" algn="ctr">
-            <a:solidFill>
-              <a:schemeClr val="accent2"/>
-            </a:solidFill>
-            <a:prstDash val="solid"/>
-            <a:round/>
-            <a:headEnd type="none" w="med" len="med"/>
-            <a:tailEnd type="none" w="med" len="med"/>
-          </a:ln>
-          <a:effectLst/>
-        </p:spPr>
-      </p:cxnSp>
-      <p:cxnSp>
-        <p:nvCxnSpPr>
-          <p:cNvPr id="18" name="Straight Connector 17">
-            <a:extLst>
-              <a:ext uri="{FF2B5EF4-FFF2-40B4-BE49-F238E27FC236}">
-                <a16:creationId xmlns:a16="http://schemas.microsoft.com/office/drawing/2014/main" id="{85B7BF05-509C-4DF3-A65B-8D893256E454}"/>
-              </a:ext>
-            </a:extLst>
-          </p:cNvPr>
-          <p:cNvCxnSpPr>
-            <a:cxnSpLocks/>
-          </p:cNvCxnSpPr>
-          <p:nvPr/>
-        </p:nvCxnSpPr>
-        <p:spPr bwMode="auto">
-          <a:xfrm flipV="1">
-            <a:off x="6070034" y="1973605"/>
-            <a:ext cx="1" cy="4252678"/>
-          </a:xfrm>
-          <a:prstGeom prst="line">
-            <a:avLst/>
-          </a:prstGeom>
-          <a:solidFill>
-            <a:schemeClr val="accent2"/>
-          </a:solidFill>
-          <a:ln w="1778" cap="flat" cmpd="sng" algn="ctr">
-            <a:solidFill>
-              <a:schemeClr val="accent2"/>
-            </a:solidFill>
-            <a:prstDash val="solid"/>
-            <a:round/>
-            <a:headEnd type="none" w="med" len="med"/>
-            <a:tailEnd type="none" w="med" len="med"/>
-          </a:ln>
-          <a:effectLst/>
-        </p:spPr>
-      </p:cxnSp>
-      <p:cxnSp>
-        <p:nvCxnSpPr>
-          <p:cNvPr id="20" name="Straight Connector 19">
-            <a:extLst>
-              <a:ext uri="{FF2B5EF4-FFF2-40B4-BE49-F238E27FC236}">
-                <a16:creationId xmlns:a16="http://schemas.microsoft.com/office/drawing/2014/main" id="{A5229A53-A1E4-470F-B471-344E4CC9F3EC}"/>
-              </a:ext>
-            </a:extLst>
-          </p:cNvPr>
-          <p:cNvCxnSpPr>
-            <a:cxnSpLocks/>
-          </p:cNvCxnSpPr>
-          <p:nvPr/>
-        </p:nvCxnSpPr>
-        <p:spPr bwMode="auto">
-          <a:xfrm>
-            <a:off x="6070035" y="1973605"/>
-            <a:ext cx="2996202" cy="0"/>
-          </a:xfrm>
-          <a:prstGeom prst="line">
-            <a:avLst/>
-          </a:prstGeom>
-          <a:solidFill>
-            <a:schemeClr val="accent2"/>
-          </a:solidFill>
-          <a:ln w="1778" cap="flat" cmpd="sng" algn="ctr">
-            <a:solidFill>
-              <a:schemeClr val="accent2"/>
-            </a:solidFill>
-            <a:prstDash val="solid"/>
-            <a:round/>
-            <a:headEnd type="none" w="med" len="med"/>
-            <a:tailEnd type="none" w="med" len="med"/>
-          </a:ln>
-          <a:effectLst/>
-        </p:spPr>
-      </p:cxnSp>
-    </p:spTree>
-    <p:custDataLst>
-      <p:tags r:id="rId1"/>
-    </p:custDataLst>
-    <p:extLst>
-      <p:ext uri="{BB962C8B-B14F-4D97-AF65-F5344CB8AC3E}">
-        <p14:creationId xmlns:p14="http://schemas.microsoft.com/office/powerpoint/2010/main" val="1878897305"/>
-      </p:ext>
-    </p:extLst>
-  </p:cSld>
-  <p:clrMapOvr>
-    <a:masterClrMapping/>
-  </p:clrMapOvr>
-</p:sld>
-</file>
-
 <file path=ppt/slides/slide23.xml><?xml version="1.0" encoding="utf-8"?>
 <p:sld xmlns:a="http://schemas.openxmlformats.org/drawingml/2006/main" xmlns:r="http://schemas.openxmlformats.org/officeDocument/2006/relationships" xmlns:p="http://schemas.openxmlformats.org/presentationml/2006/main">
   <p:cSld>
@@ -18697,39 +18383,68 @@
       </p:grpSpPr>
       <p:sp>
         <p:nvSpPr>
-          <p:cNvPr id="2" name="Titel 1"/>
+          <p:cNvPr id="4" name="Title 3"/>
           <p:cNvSpPr>
             <a:spLocks noGrp="1"/>
           </p:cNvSpPr>
           <p:nvPr>
-            <p:ph type="ctrTitle"/>
+            <p:ph type="title"/>
           </p:nvPr>
         </p:nvSpPr>
         <p:spPr>
           <a:xfrm>
-            <a:off x="985838" y="2897841"/>
-            <a:ext cx="10220325" cy="830997"/>
+            <a:off x="315913" y="260648"/>
+            <a:ext cx="11556000" cy="752101"/>
           </a:xfrm>
         </p:spPr>
         <p:txBody>
           <a:bodyPr/>
           <a:lstStyle/>
           <a:p>
-            <a:pPr algn="ctr"/>
             <a:r>
               <a:rPr lang="en-GB" dirty="0"/>
-              <a:t>Conclusion</a:t>
-            </a:r>
-          </a:p>
-        </p:txBody>
-      </p:sp>
+              <a:t>part 2:</a:t>
+            </a:r>
+          </a:p>
+        </p:txBody>
+      </p:sp>
+      <p:pic>
+        <p:nvPicPr>
+          <p:cNvPr id="3" name="Picture 2">
+            <a:extLst>
+              <a:ext uri="{FF2B5EF4-FFF2-40B4-BE49-F238E27FC236}">
+                <a16:creationId xmlns:a16="http://schemas.microsoft.com/office/drawing/2014/main" id="{0EF8259D-18A3-4F50-BD08-97E53AD5C66C}"/>
+              </a:ext>
+            </a:extLst>
+          </p:cNvPr>
+          <p:cNvPicPr>
+            <a:picLocks noChangeAspect="1"/>
+          </p:cNvPicPr>
+          <p:nvPr/>
+        </p:nvPicPr>
+        <p:blipFill>
+          <a:blip r:embed="rId4"/>
+          <a:stretch>
+            <a:fillRect/>
+          </a:stretch>
+        </p:blipFill>
+        <p:spPr>
+          <a:xfrm>
+            <a:off x="3412089" y="30808"/>
+            <a:ext cx="5363647" cy="6827192"/>
+          </a:xfrm>
+          <a:prstGeom prst="rect">
+            <a:avLst/>
+          </a:prstGeom>
+        </p:spPr>
+      </p:pic>
     </p:spTree>
     <p:custDataLst>
       <p:tags r:id="rId1"/>
     </p:custDataLst>
     <p:extLst>
       <p:ext uri="{BB962C8B-B14F-4D97-AF65-F5344CB8AC3E}">
-        <p14:creationId xmlns:p14="http://schemas.microsoft.com/office/powerpoint/2010/main" val="937369765"/>
+        <p14:creationId xmlns:p14="http://schemas.microsoft.com/office/powerpoint/2010/main" val="1878897305"/>
       </p:ext>
     </p:extLst>
   </p:cSld>
@@ -18758,111 +18473,28 @@
       </p:grpSpPr>
       <p:sp>
         <p:nvSpPr>
-          <p:cNvPr id="4" name="Title 3"/>
+          <p:cNvPr id="2" name="Titel 1"/>
           <p:cNvSpPr>
             <a:spLocks noGrp="1"/>
           </p:cNvSpPr>
           <p:nvPr>
-            <p:ph type="title"/>
-          </p:nvPr>
-        </p:nvSpPr>
-        <p:spPr/>
+            <p:ph type="ctrTitle"/>
+          </p:nvPr>
+        </p:nvSpPr>
+        <p:spPr>
+          <a:xfrm>
+            <a:off x="985838" y="2897841"/>
+            <a:ext cx="10220325" cy="830997"/>
+          </a:xfrm>
+        </p:spPr>
         <p:txBody>
           <a:bodyPr/>
           <a:lstStyle/>
           <a:p>
+            <a:pPr algn="ctr"/>
             <a:r>
               <a:rPr lang="en-GB" dirty="0"/>
               <a:t>Conclusion</a:t>
-            </a:r>
-          </a:p>
-        </p:txBody>
-      </p:sp>
-      <p:sp>
-        <p:nvSpPr>
-          <p:cNvPr id="6" name="TextBox 5">
-            <a:extLst>
-              <a:ext uri="{FF2B5EF4-FFF2-40B4-BE49-F238E27FC236}">
-                <a16:creationId xmlns:a16="http://schemas.microsoft.com/office/drawing/2014/main" id="{9A9E3E45-519B-4C76-AECD-95DFCFB7708A}"/>
-              </a:ext>
-            </a:extLst>
-          </p:cNvPr>
-          <p:cNvSpPr txBox="1"/>
-          <p:nvPr/>
-        </p:nvSpPr>
-        <p:spPr>
-          <a:xfrm>
-            <a:off x="981844" y="1700808"/>
-            <a:ext cx="5472608" cy="2700163"/>
-          </a:xfrm>
-          <a:prstGeom prst="rect">
-            <a:avLst/>
-          </a:prstGeom>
-          <a:noFill/>
-        </p:spPr>
-        <p:txBody>
-          <a:bodyPr wrap="square" lIns="0" tIns="0" rIns="0" bIns="0" numCol="1" rtlCol="0">
-            <a:spAutoFit/>
-          </a:bodyPr>
-          <a:lstStyle/>
-          <a:p>
-            <a:pPr marL="457200" indent="-457200">
-              <a:lnSpc>
-                <a:spcPct val="150000"/>
-              </a:lnSpc>
-              <a:buFont typeface="Arial" panose="020B0604020202020204" pitchFamily="34" charset="0"/>
-              <a:buChar char="•"/>
-            </a:pPr>
-            <a:r>
-              <a:rPr lang="en-US" sz="2400" b="1" dirty="0">
-                <a:latin typeface="+mj-lt"/>
-              </a:rPr>
-              <a:t>Our study suggests:</a:t>
-            </a:r>
-          </a:p>
-          <a:p>
-            <a:pPr marL="1066693" lvl="1" indent="-457200">
-              <a:lnSpc>
-                <a:spcPct val="150000"/>
-              </a:lnSpc>
-              <a:buFont typeface="Arial" panose="020B0604020202020204" pitchFamily="34" charset="0"/>
-              <a:buChar char="•"/>
-            </a:pPr>
-            <a:r>
-              <a:rPr lang="en-US" sz="2400" dirty="0">
-                <a:latin typeface="+mj-lt"/>
-              </a:rPr>
-              <a:t>Low generalizability of models in the field</a:t>
-            </a:r>
-          </a:p>
-          <a:p>
-            <a:pPr marL="1066693" lvl="1" indent="-457200">
-              <a:lnSpc>
-                <a:spcPct val="150000"/>
-              </a:lnSpc>
-              <a:buFont typeface="Arial" panose="020B0604020202020204" pitchFamily="34" charset="0"/>
-              <a:buChar char="•"/>
-            </a:pPr>
-            <a:r>
-              <a:rPr lang="en-US" sz="2400" dirty="0">
-                <a:latin typeface="+mj-lt"/>
-              </a:rPr>
-              <a:t>The task is non-static</a:t>
-            </a:r>
-          </a:p>
-          <a:p>
-            <a:pPr marL="1066693" lvl="1" indent="-457200">
-              <a:lnSpc>
-                <a:spcPct val="150000"/>
-              </a:lnSpc>
-              <a:buFont typeface="Arial" panose="020B0604020202020204" pitchFamily="34" charset="0"/>
-              <a:buChar char="•"/>
-            </a:pPr>
-            <a:r>
-              <a:rPr lang="en-US" sz="2400" dirty="0">
-                <a:latin typeface="+mj-lt"/>
-              </a:rPr>
-              <a:t>Data is important</a:t>
             </a:r>
           </a:p>
         </p:txBody>
@@ -18873,7 +18505,7 @@
     </p:custDataLst>
     <p:extLst>
       <p:ext uri="{BB962C8B-B14F-4D97-AF65-F5344CB8AC3E}">
-        <p14:creationId xmlns:p14="http://schemas.microsoft.com/office/powerpoint/2010/main" val="12440860"/>
+        <p14:creationId xmlns:p14="http://schemas.microsoft.com/office/powerpoint/2010/main" val="937369765"/>
       </p:ext>
     </p:extLst>
   </p:cSld>
@@ -18902,28 +18534,94 @@
       </p:grpSpPr>
       <p:sp>
         <p:nvSpPr>
-          <p:cNvPr id="2" name="Titel 1"/>
+          <p:cNvPr id="4" name="Title 3"/>
           <p:cNvSpPr>
             <a:spLocks noGrp="1"/>
           </p:cNvSpPr>
           <p:nvPr>
-            <p:ph type="ctrTitle"/>
-          </p:nvPr>
+            <p:ph type="title"/>
+          </p:nvPr>
+        </p:nvSpPr>
+        <p:spPr/>
+        <p:txBody>
+          <a:bodyPr/>
+          <a:lstStyle/>
+          <a:p>
+            <a:r>
+              <a:rPr lang="en-GB" dirty="0"/>
+              <a:t>Conclusion</a:t>
+            </a:r>
+          </a:p>
+        </p:txBody>
+      </p:sp>
+      <p:sp>
+        <p:nvSpPr>
+          <p:cNvPr id="6" name="TextBox 5">
+            <a:extLst>
+              <a:ext uri="{FF2B5EF4-FFF2-40B4-BE49-F238E27FC236}">
+                <a16:creationId xmlns:a16="http://schemas.microsoft.com/office/drawing/2014/main" id="{9A9E3E45-519B-4C76-AECD-95DFCFB7708A}"/>
+              </a:ext>
+            </a:extLst>
+          </p:cNvPr>
+          <p:cNvSpPr txBox="1"/>
+          <p:nvPr/>
         </p:nvSpPr>
         <p:spPr>
           <a:xfrm>
-            <a:off x="985838" y="2482343"/>
-            <a:ext cx="10220325" cy="1661993"/>
+            <a:off x="2349247" y="1809883"/>
+            <a:ext cx="7489331" cy="2099998"/>
           </a:xfrm>
+          <a:prstGeom prst="rect">
+            <a:avLst/>
+          </a:prstGeom>
+          <a:noFill/>
         </p:spPr>
         <p:txBody>
-          <a:bodyPr/>
-          <a:lstStyle/>
-          <a:p>
-            <a:pPr algn="ctr"/>
-            <a:r>
-              <a:rPr lang="en-GB" dirty="0"/>
-              <a:t>Expanding on word embeddings</a:t>
+          <a:bodyPr wrap="square" lIns="0" tIns="0" rIns="0" bIns="0" numCol="1" rtlCol="0">
+            <a:spAutoFit/>
+          </a:bodyPr>
+          <a:lstStyle/>
+          <a:p>
+            <a:pPr algn="ctr">
+              <a:lnSpc>
+                <a:spcPct val="200000"/>
+              </a:lnSpc>
+            </a:pPr>
+            <a:r>
+              <a:rPr lang="en-US" sz="2400" b="1" dirty="0">
+                <a:latin typeface="+mj-lt"/>
+              </a:rPr>
+              <a:t>Our findings suggest:</a:t>
+            </a:r>
+          </a:p>
+          <a:p>
+            <a:pPr marL="457200" indent="-457200" algn="ctr">
+              <a:lnSpc>
+                <a:spcPct val="200000"/>
+              </a:lnSpc>
+              <a:buFont typeface="+mj-lt"/>
+              <a:buAutoNum type="arabicPeriod"/>
+            </a:pPr>
+            <a:r>
+              <a:rPr lang="en-US" sz="2400" dirty="0">
+                <a:latin typeface="+mj-lt"/>
+              </a:rPr>
+              <a:t>Low generalizability of models in the field</a:t>
+            </a:r>
+          </a:p>
+          <a:p>
+            <a:pPr marL="457200" indent="-457200" algn="ctr">
+              <a:lnSpc>
+                <a:spcPct val="200000"/>
+              </a:lnSpc>
+              <a:buFont typeface="+mj-lt"/>
+              <a:buAutoNum type="arabicPeriod"/>
+            </a:pPr>
+            <a:r>
+              <a:rPr lang="en-US" sz="2400" dirty="0">
+                <a:latin typeface="+mj-lt"/>
+              </a:rPr>
+              <a:t>The task is non-static</a:t>
             </a:r>
           </a:p>
         </p:txBody>
@@ -18934,7 +18632,7 @@
     </p:custDataLst>
     <p:extLst>
       <p:ext uri="{BB962C8B-B14F-4D97-AF65-F5344CB8AC3E}">
-        <p14:creationId xmlns:p14="http://schemas.microsoft.com/office/powerpoint/2010/main" val="2920574271"/>
+        <p14:creationId xmlns:p14="http://schemas.microsoft.com/office/powerpoint/2010/main" val="12440860"/>
       </p:ext>
     </p:extLst>
   </p:cSld>
@@ -18961,6 +18659,100 @@
           <a:chExt cx="0" cy="0"/>
         </a:xfrm>
       </p:grpSpPr>
+    </p:spTree>
+    <p:custDataLst>
+      <p:tags r:id="rId1"/>
+    </p:custDataLst>
+    <p:extLst>
+      <p:ext uri="{BB962C8B-B14F-4D97-AF65-F5344CB8AC3E}">
+        <p14:creationId xmlns:p14="http://schemas.microsoft.com/office/powerpoint/2010/main" val="2694465023"/>
+      </p:ext>
+    </p:extLst>
+  </p:cSld>
+  <p:clrMapOvr>
+    <a:masterClrMapping/>
+  </p:clrMapOvr>
+</p:sld>
+</file>
+
+<file path=ppt/slides/slide27.xml><?xml version="1.0" encoding="utf-8"?>
+<p:sld xmlns:a="http://schemas.openxmlformats.org/drawingml/2006/main" xmlns:r="http://schemas.openxmlformats.org/officeDocument/2006/relationships" xmlns:p="http://schemas.openxmlformats.org/presentationml/2006/main">
+  <p:cSld>
+    <p:spTree>
+      <p:nvGrpSpPr>
+        <p:cNvPr id="1" name=""/>
+        <p:cNvGrpSpPr/>
+        <p:nvPr/>
+      </p:nvGrpSpPr>
+      <p:grpSpPr>
+        <a:xfrm>
+          <a:off x="0" y="0"/>
+          <a:ext cx="0" cy="0"/>
+          <a:chOff x="0" y="0"/>
+          <a:chExt cx="0" cy="0"/>
+        </a:xfrm>
+      </p:grpSpPr>
+      <p:sp>
+        <p:nvSpPr>
+          <p:cNvPr id="2" name="Titel 1"/>
+          <p:cNvSpPr>
+            <a:spLocks noGrp="1"/>
+          </p:cNvSpPr>
+          <p:nvPr>
+            <p:ph type="ctrTitle"/>
+          </p:nvPr>
+        </p:nvSpPr>
+        <p:spPr>
+          <a:xfrm>
+            <a:off x="985838" y="2482343"/>
+            <a:ext cx="10220325" cy="1661993"/>
+          </a:xfrm>
+        </p:spPr>
+        <p:txBody>
+          <a:bodyPr/>
+          <a:lstStyle/>
+          <a:p>
+            <a:pPr algn="ctr"/>
+            <a:r>
+              <a:rPr lang="en-GB" dirty="0"/>
+              <a:t>Expanding on word embeddings</a:t>
+            </a:r>
+          </a:p>
+        </p:txBody>
+      </p:sp>
+    </p:spTree>
+    <p:custDataLst>
+      <p:tags r:id="rId1"/>
+    </p:custDataLst>
+    <p:extLst>
+      <p:ext uri="{BB962C8B-B14F-4D97-AF65-F5344CB8AC3E}">
+        <p14:creationId xmlns:p14="http://schemas.microsoft.com/office/powerpoint/2010/main" val="2920574271"/>
+      </p:ext>
+    </p:extLst>
+  </p:cSld>
+  <p:clrMapOvr>
+    <a:masterClrMapping/>
+  </p:clrMapOvr>
+</p:sld>
+</file>
+
+<file path=ppt/slides/slide28.xml><?xml version="1.0" encoding="utf-8"?>
+<p:sld xmlns:a="http://schemas.openxmlformats.org/drawingml/2006/main" xmlns:r="http://schemas.openxmlformats.org/officeDocument/2006/relationships" xmlns:p="http://schemas.openxmlformats.org/presentationml/2006/main">
+  <p:cSld>
+    <p:spTree>
+      <p:nvGrpSpPr>
+        <p:cNvPr id="1" name=""/>
+        <p:cNvGrpSpPr/>
+        <p:nvPr/>
+      </p:nvGrpSpPr>
+      <p:grpSpPr>
+        <a:xfrm>
+          <a:off x="0" y="0"/>
+          <a:ext cx="0" cy="0"/>
+          <a:chOff x="0" y="0"/>
+          <a:chExt cx="0" cy="0"/>
+        </a:xfrm>
+      </p:grpSpPr>
       <p:sp>
         <p:nvSpPr>
           <p:cNvPr id="4" name="Title 3"/>
@@ -19043,7 +18835,7 @@
 </p:sld>
 </file>
 
-<file path=ppt/slides/slide27.xml><?xml version="1.0" encoding="utf-8"?>
+<file path=ppt/slides/slide29.xml><?xml version="1.0" encoding="utf-8"?>
 <p:sld xmlns:a="http://schemas.openxmlformats.org/drawingml/2006/main" xmlns:r="http://schemas.openxmlformats.org/officeDocument/2006/relationships" xmlns:p="http://schemas.openxmlformats.org/presentationml/2006/main">
   <p:cSld>
     <p:spTree>
@@ -19182,7 +18974,68 @@
 </p:sld>
 </file>
 
-<file path=ppt/slides/slide28.xml><?xml version="1.0" encoding="utf-8"?>
+<file path=ppt/slides/slide3.xml><?xml version="1.0" encoding="utf-8"?>
+<p:sld xmlns:a="http://schemas.openxmlformats.org/drawingml/2006/main" xmlns:r="http://schemas.openxmlformats.org/officeDocument/2006/relationships" xmlns:p="http://schemas.openxmlformats.org/presentationml/2006/main">
+  <p:cSld>
+    <p:spTree>
+      <p:nvGrpSpPr>
+        <p:cNvPr id="1" name=""/>
+        <p:cNvGrpSpPr/>
+        <p:nvPr/>
+      </p:nvGrpSpPr>
+      <p:grpSpPr>
+        <a:xfrm>
+          <a:off x="0" y="0"/>
+          <a:ext cx="0" cy="0"/>
+          <a:chOff x="0" y="0"/>
+          <a:chExt cx="0" cy="0"/>
+        </a:xfrm>
+      </p:grpSpPr>
+      <p:sp>
+        <p:nvSpPr>
+          <p:cNvPr id="2" name="Titel 1"/>
+          <p:cNvSpPr>
+            <a:spLocks noGrp="1"/>
+          </p:cNvSpPr>
+          <p:nvPr>
+            <p:ph type="ctrTitle"/>
+          </p:nvPr>
+        </p:nvSpPr>
+        <p:spPr>
+          <a:xfrm>
+            <a:off x="985838" y="2897841"/>
+            <a:ext cx="10220325" cy="830997"/>
+          </a:xfrm>
+        </p:spPr>
+        <p:txBody>
+          <a:bodyPr/>
+          <a:lstStyle/>
+          <a:p>
+            <a:pPr algn="ctr"/>
+            <a:r>
+              <a:rPr lang="en-GB" dirty="0"/>
+              <a:t>Relevance of project</a:t>
+            </a:r>
+          </a:p>
+        </p:txBody>
+      </p:sp>
+    </p:spTree>
+    <p:custDataLst>
+      <p:tags r:id="rId1"/>
+    </p:custDataLst>
+    <p:extLst>
+      <p:ext uri="{BB962C8B-B14F-4D97-AF65-F5344CB8AC3E}">
+        <p14:creationId xmlns:p14="http://schemas.microsoft.com/office/powerpoint/2010/main" val="4041979366"/>
+      </p:ext>
+    </p:extLst>
+  </p:cSld>
+  <p:clrMapOvr>
+    <a:masterClrMapping/>
+  </p:clrMapOvr>
+</p:sld>
+</file>
+
+<file path=ppt/slides/slide30.xml><?xml version="1.0" encoding="utf-8"?>
 <p:sld xmlns:a="http://schemas.openxmlformats.org/drawingml/2006/main" xmlns:r="http://schemas.openxmlformats.org/officeDocument/2006/relationships" xmlns:p="http://schemas.openxmlformats.org/presentationml/2006/main">
   <p:cSld>
     <p:spTree>
@@ -19361,7 +19214,7 @@
 </p:sld>
 </file>
 
-<file path=ppt/slides/slide29.xml><?xml version="1.0" encoding="utf-8"?>
+<file path=ppt/slides/slide31.xml><?xml version="1.0" encoding="utf-8"?>
 <p:sld xmlns:a="http://schemas.openxmlformats.org/drawingml/2006/main" xmlns:r="http://schemas.openxmlformats.org/officeDocument/2006/relationships" xmlns:p="http://schemas.openxmlformats.org/presentationml/2006/main">
   <p:cSld>
     <p:spTree>
@@ -19460,68 +19313,7 @@
 </p:sld>
 </file>
 
-<file path=ppt/slides/slide3.xml><?xml version="1.0" encoding="utf-8"?>
-<p:sld xmlns:a="http://schemas.openxmlformats.org/drawingml/2006/main" xmlns:r="http://schemas.openxmlformats.org/officeDocument/2006/relationships" xmlns:p="http://schemas.openxmlformats.org/presentationml/2006/main">
-  <p:cSld>
-    <p:spTree>
-      <p:nvGrpSpPr>
-        <p:cNvPr id="1" name=""/>
-        <p:cNvGrpSpPr/>
-        <p:nvPr/>
-      </p:nvGrpSpPr>
-      <p:grpSpPr>
-        <a:xfrm>
-          <a:off x="0" y="0"/>
-          <a:ext cx="0" cy="0"/>
-          <a:chOff x="0" y="0"/>
-          <a:chExt cx="0" cy="0"/>
-        </a:xfrm>
-      </p:grpSpPr>
-      <p:sp>
-        <p:nvSpPr>
-          <p:cNvPr id="2" name="Titel 1"/>
-          <p:cNvSpPr>
-            <a:spLocks noGrp="1"/>
-          </p:cNvSpPr>
-          <p:nvPr>
-            <p:ph type="ctrTitle"/>
-          </p:nvPr>
-        </p:nvSpPr>
-        <p:spPr>
-          <a:xfrm>
-            <a:off x="985838" y="2897841"/>
-            <a:ext cx="10220325" cy="830997"/>
-          </a:xfrm>
-        </p:spPr>
-        <p:txBody>
-          <a:bodyPr/>
-          <a:lstStyle/>
-          <a:p>
-            <a:pPr algn="ctr"/>
-            <a:r>
-              <a:rPr lang="en-GB" dirty="0"/>
-              <a:t>Relevance of project</a:t>
-            </a:r>
-          </a:p>
-        </p:txBody>
-      </p:sp>
-    </p:spTree>
-    <p:custDataLst>
-      <p:tags r:id="rId1"/>
-    </p:custDataLst>
-    <p:extLst>
-      <p:ext uri="{BB962C8B-B14F-4D97-AF65-F5344CB8AC3E}">
-        <p14:creationId xmlns:p14="http://schemas.microsoft.com/office/powerpoint/2010/main" val="4041979366"/>
-      </p:ext>
-    </p:extLst>
-  </p:cSld>
-  <p:clrMapOvr>
-    <a:masterClrMapping/>
-  </p:clrMapOvr>
-</p:sld>
-</file>
-
-<file path=ppt/slides/slide30.xml><?xml version="1.0" encoding="utf-8"?>
+<file path=ppt/slides/slide32.xml><?xml version="1.0" encoding="utf-8"?>
 <p:sld xmlns:a="http://schemas.openxmlformats.org/drawingml/2006/main" xmlns:r="http://schemas.openxmlformats.org/officeDocument/2006/relationships" xmlns:p="http://schemas.openxmlformats.org/presentationml/2006/main">
   <p:cSld>
     <p:spTree>
@@ -19702,7 +19494,7 @@
 </p:sld>
 </file>
 
-<file path=ppt/slides/slide31.xml><?xml version="1.0" encoding="utf-8"?>
+<file path=ppt/slides/slide33.xml><?xml version="1.0" encoding="utf-8"?>
 <p:sld xmlns:a="http://schemas.openxmlformats.org/drawingml/2006/main" xmlns:r="http://schemas.openxmlformats.org/officeDocument/2006/relationships" xmlns:p="http://schemas.openxmlformats.org/presentationml/2006/main">
   <p:cSld>
     <p:spTree>
@@ -19965,39 +19757,6 @@
 </p:sld>
 </file>
 
-<file path=ppt/slides/slide32.xml><?xml version="1.0" encoding="utf-8"?>
-<p:sld xmlns:a="http://schemas.openxmlformats.org/drawingml/2006/main" xmlns:r="http://schemas.openxmlformats.org/officeDocument/2006/relationships" xmlns:p="http://schemas.openxmlformats.org/presentationml/2006/main">
-  <p:cSld>
-    <p:spTree>
-      <p:nvGrpSpPr>
-        <p:cNvPr id="1" name=""/>
-        <p:cNvGrpSpPr/>
-        <p:nvPr/>
-      </p:nvGrpSpPr>
-      <p:grpSpPr>
-        <a:xfrm>
-          <a:off x="0" y="0"/>
-          <a:ext cx="0" cy="0"/>
-          <a:chOff x="0" y="0"/>
-          <a:chExt cx="0" cy="0"/>
-        </a:xfrm>
-      </p:grpSpPr>
-    </p:spTree>
-    <p:custDataLst>
-      <p:tags r:id="rId1"/>
-    </p:custDataLst>
-    <p:extLst>
-      <p:ext uri="{BB962C8B-B14F-4D97-AF65-F5344CB8AC3E}">
-        <p14:creationId xmlns:p14="http://schemas.microsoft.com/office/powerpoint/2010/main" val="2139698179"/>
-      </p:ext>
-    </p:extLst>
-  </p:cSld>
-  <p:clrMapOvr>
-    <a:masterClrMapping/>
-  </p:clrMapOvr>
-</p:sld>
-</file>
-
 <file path=ppt/slides/slide4.xml><?xml version="1.0" encoding="utf-8"?>
 <p:sld xmlns:a="http://schemas.openxmlformats.org/drawingml/2006/main" xmlns:r="http://schemas.openxmlformats.org/officeDocument/2006/relationships" xmlns:p="http://schemas.openxmlformats.org/presentationml/2006/main">
   <p:cSld>
@@ -20052,7 +19811,7 @@
         <p:spPr>
           <a:xfrm>
             <a:off x="981844" y="1268760"/>
-            <a:ext cx="10081120" cy="491673"/>
+            <a:ext cx="10081120" cy="630173"/>
           </a:xfrm>
           <a:prstGeom prst="rect">
             <a:avLst/>
@@ -20067,7 +19826,7 @@
           <a:p>
             <a:pPr marL="457200" indent="-457200">
               <a:lnSpc>
-                <a:spcPct val="150000"/>
+                <a:spcPct val="200000"/>
               </a:lnSpc>
               <a:buFont typeface="Arial" panose="020B0604020202020204" pitchFamily="34" charset="0"/>
               <a:buChar char="•"/>
@@ -20154,7 +19913,7 @@
         <p:spPr>
           <a:xfrm>
             <a:off x="981844" y="1268760"/>
-            <a:ext cx="10081120" cy="2032223"/>
+            <a:ext cx="10081120" cy="1951432"/>
           </a:xfrm>
           <a:prstGeom prst="rect">
             <a:avLst/>
@@ -20169,7 +19928,7 @@
           <a:p>
             <a:pPr marL="457200" indent="-457200">
               <a:lnSpc>
-                <a:spcPct val="150000"/>
+                <a:spcPct val="200000"/>
               </a:lnSpc>
               <a:buFont typeface="Arial" panose="020B0604020202020204" pitchFamily="34" charset="0"/>
               <a:buChar char="•"/>
@@ -20180,26 +19939,11 @@
               </a:rPr>
               <a:t>Fake News misleads</a:t>
             </a:r>
-            <a:endParaRPr lang="en-US" sz="1800" dirty="0">
-              <a:latin typeface="AU Passata Light" panose="020B0604020202020204" charset="0"/>
-            </a:endParaRPr>
           </a:p>
           <a:p>
             <a:pPr marL="457200" indent="-457200">
               <a:lnSpc>
-                <a:spcPct val="150000"/>
-              </a:lnSpc>
-              <a:buFont typeface="Arial" panose="020B0604020202020204" pitchFamily="34" charset="0"/>
-              <a:buChar char="•"/>
-            </a:pPr>
-            <a:endParaRPr lang="en-US" sz="2400" dirty="0">
-              <a:latin typeface="+mj-lt"/>
-            </a:endParaRPr>
-          </a:p>
-          <a:p>
-            <a:pPr marL="457200" indent="-457200">
-              <a:lnSpc>
-                <a:spcPct val="150000"/>
+                <a:spcPct val="200000"/>
               </a:lnSpc>
               <a:buFont typeface="Arial" panose="020B0604020202020204" pitchFamily="34" charset="0"/>
               <a:buChar char="•"/>
@@ -20214,7 +19958,7 @@
           <a:p>
             <a:pPr>
               <a:lnSpc>
-                <a:spcPct val="150000"/>
+                <a:spcPct val="200000"/>
               </a:lnSpc>
             </a:pPr>
             <a:endParaRPr lang="en-US" sz="1800" dirty="0">
@@ -20294,7 +20038,7 @@
         <p:spPr>
           <a:xfrm>
             <a:off x="981844" y="1268760"/>
-            <a:ext cx="10081120" cy="3815660"/>
+            <a:ext cx="10081120" cy="2954655"/>
           </a:xfrm>
           <a:prstGeom prst="rect">
             <a:avLst/>
@@ -20309,7 +20053,7 @@
           <a:p>
             <a:pPr marL="457200" indent="-457200">
               <a:lnSpc>
-                <a:spcPct val="150000"/>
+                <a:spcPct val="200000"/>
               </a:lnSpc>
               <a:buFont typeface="Arial" panose="020B0604020202020204" pitchFamily="34" charset="0"/>
               <a:buChar char="•"/>
@@ -20320,24 +20064,11 @@
               </a:rPr>
               <a:t>Fake News misleads</a:t>
             </a:r>
-            <a:endParaRPr lang="en-US" sz="1800" dirty="0">
-              <a:latin typeface="AU Passata Light" panose="020B0604020202020204" charset="0"/>
-            </a:endParaRPr>
-          </a:p>
-          <a:p>
-            <a:pPr>
-              <a:lnSpc>
-                <a:spcPct val="150000"/>
-              </a:lnSpc>
-            </a:pPr>
-            <a:endParaRPr lang="en-US" sz="2400" dirty="0">
-              <a:latin typeface="+mj-lt"/>
-            </a:endParaRPr>
           </a:p>
           <a:p>
             <a:pPr marL="457200" indent="-457200">
               <a:lnSpc>
-                <a:spcPct val="150000"/>
+                <a:spcPct val="200000"/>
               </a:lnSpc>
               <a:buFont typeface="Arial" panose="020B0604020202020204" pitchFamily="34" charset="0"/>
               <a:buChar char="•"/>
@@ -20352,19 +20083,7 @@
           <a:p>
             <a:pPr marL="457200" indent="-457200">
               <a:lnSpc>
-                <a:spcPct val="150000"/>
-              </a:lnSpc>
-              <a:buFont typeface="Arial" panose="020B0604020202020204" pitchFamily="34" charset="0"/>
-              <a:buChar char="•"/>
-            </a:pPr>
-            <a:endParaRPr lang="en-US" sz="2400" dirty="0">
-              <a:latin typeface="+mj-lt"/>
-            </a:endParaRPr>
-          </a:p>
-          <a:p>
-            <a:pPr marL="457200" indent="-457200">
-              <a:lnSpc>
-                <a:spcPct val="150000"/>
+                <a:spcPct val="200000"/>
               </a:lnSpc>
               <a:buFont typeface="Arial" panose="020B0604020202020204" pitchFamily="34" charset="0"/>
               <a:buChar char="•"/>
@@ -20373,13 +20092,13 @@
               <a:rPr lang="en-US" sz="2400" dirty="0">
                 <a:latin typeface="+mj-lt"/>
               </a:rPr>
-              <a:t>BUT! Generalizability?</a:t>
+              <a:t>BUT… Generalizability?</a:t>
             </a:r>
           </a:p>
           <a:p>
             <a:pPr marL="1066693" lvl="1" indent="-457200">
               <a:lnSpc>
-                <a:spcPct val="150000"/>
+                <a:spcPct val="100000"/>
               </a:lnSpc>
               <a:buFont typeface="Arial" panose="020B0604020202020204" pitchFamily="34" charset="0"/>
               <a:buChar char="•"/>
@@ -20388,13 +20107,13 @@
               <a:rPr lang="en-US" sz="2400" dirty="0">
                 <a:latin typeface="+mj-lt"/>
               </a:rPr>
-              <a:t>Across datasets</a:t>
+              <a:t>Across sources</a:t>
             </a:r>
           </a:p>
           <a:p>
             <a:pPr marL="1066693" lvl="1" indent="-457200">
               <a:lnSpc>
-                <a:spcPct val="150000"/>
+                <a:spcPct val="100000"/>
               </a:lnSpc>
               <a:buFont typeface="Arial" panose="020B0604020202020204" pitchFamily="34" charset="0"/>
               <a:buChar char="•"/>
@@ -20463,60 +20182,6 @@
               <a:rPr lang="en-GB" dirty="0"/>
               <a:t>Relevance of project</a:t>
             </a:r>
-          </a:p>
-        </p:txBody>
-      </p:sp>
-      <p:sp>
-        <p:nvSpPr>
-          <p:cNvPr id="6" name="TextBox 5">
-            <a:extLst>
-              <a:ext uri="{FF2B5EF4-FFF2-40B4-BE49-F238E27FC236}">
-                <a16:creationId xmlns:a16="http://schemas.microsoft.com/office/drawing/2014/main" id="{D8273499-1CC5-476F-99E5-7F382CA1733A}"/>
-              </a:ext>
-            </a:extLst>
-          </p:cNvPr>
-          <p:cNvSpPr txBox="1"/>
-          <p:nvPr/>
-        </p:nvSpPr>
-        <p:spPr>
-          <a:xfrm>
-            <a:off x="981844" y="1268760"/>
-            <a:ext cx="10081120" cy="924227"/>
-          </a:xfrm>
-          <a:prstGeom prst="rect">
-            <a:avLst/>
-          </a:prstGeom>
-          <a:noFill/>
-        </p:spPr>
-        <p:txBody>
-          <a:bodyPr wrap="square" lIns="0" tIns="0" rIns="0" bIns="0" numCol="1" rtlCol="0">
-            <a:spAutoFit/>
-          </a:bodyPr>
-          <a:lstStyle/>
-          <a:p>
-            <a:pPr marL="457200" indent="-457200">
-              <a:lnSpc>
-                <a:spcPct val="150000"/>
-              </a:lnSpc>
-              <a:buFont typeface="Arial" panose="020B0604020202020204" pitchFamily="34" charset="0"/>
-              <a:buChar char="•"/>
-            </a:pPr>
-            <a:r>
-              <a:rPr lang="en-US" sz="2400" dirty="0">
-                <a:latin typeface="+mj-lt"/>
-              </a:rPr>
-              <a:t>We wanted to investigate:</a:t>
-            </a:r>
-          </a:p>
-          <a:p>
-            <a:pPr>
-              <a:lnSpc>
-                <a:spcPct val="150000"/>
-              </a:lnSpc>
-            </a:pPr>
-            <a:endParaRPr lang="en-US" sz="1800" dirty="0">
-              <a:latin typeface="AU Passata Light" panose="020B0604020202020204" charset="0"/>
-            </a:endParaRPr>
           </a:p>
         </p:txBody>
       </p:sp>
@@ -20709,8 +20374,8 @@
         </p:nvSpPr>
         <p:spPr>
           <a:xfrm>
-            <a:off x="981844" y="1268760"/>
-            <a:ext cx="10081120" cy="1893724"/>
+            <a:off x="1053353" y="2104472"/>
+            <a:ext cx="10081120" cy="924227"/>
           </a:xfrm>
           <a:prstGeom prst="rect">
             <a:avLst/>
@@ -20723,32 +20388,7 @@
           </a:bodyPr>
           <a:lstStyle/>
           <a:p>
-            <a:pPr marL="457200" indent="-457200">
-              <a:lnSpc>
-                <a:spcPct val="150000"/>
-              </a:lnSpc>
-              <a:buFont typeface="Arial" panose="020B0604020202020204" pitchFamily="34" charset="0"/>
-              <a:buChar char="•"/>
-            </a:pPr>
-            <a:r>
-              <a:rPr lang="en-US" sz="2400" dirty="0">
-                <a:latin typeface="+mj-lt"/>
-              </a:rPr>
-              <a:t>We wanted to investigate:</a:t>
-            </a:r>
-          </a:p>
-          <a:p>
-            <a:pPr>
-              <a:lnSpc>
-                <a:spcPct val="150000"/>
-              </a:lnSpc>
-            </a:pPr>
-            <a:endParaRPr lang="en-US" sz="1800" dirty="0">
-              <a:latin typeface="AU Passata Light" panose="020B0604020202020204" charset="0"/>
-            </a:endParaRPr>
-          </a:p>
-          <a:p>
-            <a:pPr marL="1066693" lvl="1" indent="-457200">
+            <a:pPr marL="457200" indent="-457200" algn="ctr">
               <a:lnSpc>
                 <a:spcPct val="150000"/>
               </a:lnSpc>
@@ -20763,7 +20403,7 @@
             </a:r>
           </a:p>
           <a:p>
-            <a:pPr>
+            <a:pPr algn="ctr">
               <a:lnSpc>
                 <a:spcPct val="150000"/>
               </a:lnSpc>
@@ -20831,10 +20471,10 @@
       </p:sp>
       <p:sp>
         <p:nvSpPr>
-          <p:cNvPr id="6" name="TextBox 5">
+          <p:cNvPr id="5" name="TextBox 4">
             <a:extLst>
               <a:ext uri="{FF2B5EF4-FFF2-40B4-BE49-F238E27FC236}">
-                <a16:creationId xmlns:a16="http://schemas.microsoft.com/office/drawing/2014/main" id="{D8273499-1CC5-476F-99E5-7F382CA1733A}"/>
+                <a16:creationId xmlns:a16="http://schemas.microsoft.com/office/drawing/2014/main" id="{F17F2F0B-6A4C-4387-87D0-53BC3BCDC6B7}"/>
               </a:ext>
             </a:extLst>
           </p:cNvPr>
@@ -20843,8 +20483,8 @@
         </p:nvSpPr>
         <p:spPr>
           <a:xfrm>
-            <a:off x="981844" y="1268760"/>
-            <a:ext cx="10081120" cy="3001719"/>
+            <a:off x="1053353" y="2104472"/>
+            <a:ext cx="10081120" cy="2032223"/>
           </a:xfrm>
           <a:prstGeom prst="rect">
             <a:avLst/>
@@ -20857,32 +20497,7 @@
           </a:bodyPr>
           <a:lstStyle/>
           <a:p>
-            <a:pPr marL="457200" indent="-457200">
-              <a:lnSpc>
-                <a:spcPct val="150000"/>
-              </a:lnSpc>
-              <a:buFont typeface="Arial" panose="020B0604020202020204" pitchFamily="34" charset="0"/>
-              <a:buChar char="•"/>
-            </a:pPr>
-            <a:r>
-              <a:rPr lang="en-US" sz="2400" dirty="0">
-                <a:latin typeface="+mj-lt"/>
-              </a:rPr>
-              <a:t>We wanted to investigate:</a:t>
-            </a:r>
-          </a:p>
-          <a:p>
-            <a:pPr>
-              <a:lnSpc>
-                <a:spcPct val="150000"/>
-              </a:lnSpc>
-            </a:pPr>
-            <a:endParaRPr lang="en-US" sz="1800" dirty="0">
-              <a:latin typeface="AU Passata Light" panose="020B0604020202020204" charset="0"/>
-            </a:endParaRPr>
-          </a:p>
-          <a:p>
-            <a:pPr marL="1066693" lvl="1" indent="-457200">
+            <a:pPr marL="457200" indent="-457200" algn="ctr">
               <a:lnSpc>
                 <a:spcPct val="150000"/>
               </a:lnSpc>
@@ -20897,7 +20512,7 @@
             </a:r>
           </a:p>
           <a:p>
-            <a:pPr marL="1066693" lvl="1" indent="-457200">
+            <a:pPr marL="457200" indent="-457200" algn="ctr">
               <a:lnSpc>
                 <a:spcPct val="150000"/>
               </a:lnSpc>
@@ -20909,7 +20524,7 @@
             </a:endParaRPr>
           </a:p>
           <a:p>
-            <a:pPr marL="1066693" lvl="1" indent="-457200">
+            <a:pPr marL="457200" indent="-457200" algn="ctr">
               <a:lnSpc>
                 <a:spcPct val="150000"/>
               </a:lnSpc>
@@ -20936,7 +20551,7 @@
             </a:r>
           </a:p>
           <a:p>
-            <a:pPr>
+            <a:pPr algn="ctr">
               <a:lnSpc>
                 <a:spcPct val="150000"/>
               </a:lnSpc>
@@ -21055,31 +20670,31 @@
 
 <file path=ppt/tags/tag23.xml><?xml version="1.0" encoding="utf-8"?>
 <p:tagLst xmlns:a="http://schemas.openxmlformats.org/drawingml/2006/main" xmlns:r="http://schemas.openxmlformats.org/officeDocument/2006/relationships" xmlns:p="http://schemas.openxmlformats.org/presentationml/2006/main">
-  <p:tag name="TEMPLAFYSLIDEID" val="636235437374745988"/>
+  <p:tag name="TEMPLAFYSLIDEID" val="636235437375089291"/>
 </p:tagLst>
 </file>
 
 <file path=ppt/tags/tag24.xml><?xml version="1.0" encoding="utf-8"?>
 <p:tagLst xmlns:a="http://schemas.openxmlformats.org/drawingml/2006/main" xmlns:r="http://schemas.openxmlformats.org/officeDocument/2006/relationships" xmlns:p="http://schemas.openxmlformats.org/presentationml/2006/main">
-  <p:tag name="TEMPLAFYSLIDEID" val="636235437375089291"/>
+  <p:tag name="TEMPLAFYSLIDEID" val="636235437374745988"/>
 </p:tagLst>
 </file>
 
 <file path=ppt/tags/tag25.xml><?xml version="1.0" encoding="utf-8"?>
 <p:tagLst xmlns:a="http://schemas.openxmlformats.org/drawingml/2006/main" xmlns:r="http://schemas.openxmlformats.org/officeDocument/2006/relationships" xmlns:p="http://schemas.openxmlformats.org/presentationml/2006/main">
-  <p:tag name="TEMPLAFYSLIDEID" val="636235437374745988"/>
+  <p:tag name="TEMPLAFYSLIDEID" val="636235437375089291"/>
 </p:tagLst>
 </file>
 
 <file path=ppt/tags/tag26.xml><?xml version="1.0" encoding="utf-8"?>
 <p:tagLst xmlns:a="http://schemas.openxmlformats.org/drawingml/2006/main" xmlns:r="http://schemas.openxmlformats.org/officeDocument/2006/relationships" xmlns:p="http://schemas.openxmlformats.org/presentationml/2006/main">
-  <p:tag name="TEMPLAFYSLIDEID" val="636235437375089291"/>
+  <p:tag name="TEMPLAFYSLIDEID" val="636235437375566864"/>
 </p:tagLst>
 </file>
 
 <file path=ppt/tags/tag27.xml><?xml version="1.0" encoding="utf-8"?>
 <p:tagLst xmlns:a="http://schemas.openxmlformats.org/drawingml/2006/main" xmlns:r="http://schemas.openxmlformats.org/officeDocument/2006/relationships" xmlns:p="http://schemas.openxmlformats.org/presentationml/2006/main">
-  <p:tag name="TEMPLAFYSLIDEID" val="636235437375089291"/>
+  <p:tag name="TEMPLAFYSLIDEID" val="636235437374745988"/>
 </p:tagLst>
 </file>
 
@@ -21115,7 +20730,13 @@
 
 <file path=ppt/tags/tag32.xml><?xml version="1.0" encoding="utf-8"?>
 <p:tagLst xmlns:a="http://schemas.openxmlformats.org/drawingml/2006/main" xmlns:r="http://schemas.openxmlformats.org/officeDocument/2006/relationships" xmlns:p="http://schemas.openxmlformats.org/presentationml/2006/main">
-  <p:tag name="TEMPLAFYSLIDEID" val="636235437375566864"/>
+  <p:tag name="TEMPLAFYSLIDEID" val="636235437375089291"/>
+</p:tagLst>
+</file>
+
+<file path=ppt/tags/tag33.xml><?xml version="1.0" encoding="utf-8"?>
+<p:tagLst xmlns:a="http://schemas.openxmlformats.org/drawingml/2006/main" xmlns:r="http://schemas.openxmlformats.org/officeDocument/2006/relationships" xmlns:p="http://schemas.openxmlformats.org/presentationml/2006/main">
+  <p:tag name="TEMPLAFYSLIDEID" val="636235437375089291"/>
 </p:tagLst>
 </file>
 

--- a/Oral presentation/NLP.pptx
+++ b/Oral presentation/NLP.pptx
@@ -37,13 +37,13 @@
     <p:sldId id="272" r:id="rId25"/>
     <p:sldId id="273" r:id="rId26"/>
     <p:sldId id="260" r:id="rId27"/>
-    <p:sldId id="309" r:id="rId28"/>
-    <p:sldId id="316" r:id="rId29"/>
-    <p:sldId id="318" r:id="rId30"/>
-    <p:sldId id="317" r:id="rId31"/>
-    <p:sldId id="310" r:id="rId32"/>
-    <p:sldId id="314" r:id="rId33"/>
-    <p:sldId id="315" r:id="rId34"/>
+    <p:sldId id="321" r:id="rId28"/>
+    <p:sldId id="318" r:id="rId29"/>
+    <p:sldId id="317" r:id="rId30"/>
+    <p:sldId id="310" r:id="rId31"/>
+    <p:sldId id="314" r:id="rId32"/>
+    <p:sldId id="315" r:id="rId33"/>
+    <p:sldId id="320" r:id="rId34"/>
   </p:sldIdLst>
   <p:sldSz cx="12188825" cy="6858000"/>
   <p:notesSz cx="6797675" cy="9926638"/>
@@ -78,8 +78,12 @@
       <p:boldItalic r:id="rId50"/>
     </p:embeddedFont>
     <p:embeddedFont>
+      <p:font typeface="Segoe UI Historic" panose="020B0502040204020203" pitchFamily="34" charset="0"/>
+      <p:regular r:id="rId51"/>
+    </p:embeddedFont>
+    <p:embeddedFont>
       <p:font typeface="Wingdings 3" panose="05040102010807070707" pitchFamily="18" charset="2"/>
-      <p:regular r:id="rId51"/>
+      <p:regular r:id="rId52"/>
     </p:embeddedFont>
   </p:embeddedFontLst>
   <p:defaultTextStyle>
@@ -2209,7 +2213,7 @@
             </a:pPr>
             <a:r>
               <a:rPr lang="en-GB" dirty="0"/>
-              <a:t>Performance related to data:</a:t>
+              <a:t>Unrealistic performance related to data used:</a:t>
             </a:r>
           </a:p>
           <a:p>
@@ -2265,7 +2269,7 @@
             </a:pPr>
             <a:r>
               <a:rPr lang="en-GB" dirty="0"/>
-              <a:t>Dataset poor quality, possible we missed something similar to the “REUTERS” in our cleaning</a:t>
+              <a:t>Poor quality data -&gt; possible we missed something similar to the “REUTERS” in our cleaning, or other unrelated systematic patterns</a:t>
             </a:r>
           </a:p>
           <a:p>
@@ -2413,7 +2417,7 @@
             </a:pPr>
             <a:r>
               <a:rPr lang="en-GB" dirty="0"/>
-              <a:t>2) If generalizability problems, then could be accommodated by focusing on data and having data awareness</a:t>
+              <a:t>2) If generalizability problems, then could be accommodated by focusing on data awareness</a:t>
             </a:r>
           </a:p>
           <a:p>
@@ -2554,9 +2558,9 @@
             </a:r>
           </a:p>
           <a:p>
-            <a:pPr marL="895243" lvl="1" indent="-285750">
-              <a:buFont typeface="Arial" panose="020B0604020202020204" pitchFamily="34" charset="0"/>
-              <a:buChar char="•"/>
+            <a:pPr marL="609493" lvl="1" indent="0">
+              <a:buFont typeface="Arial" panose="020B0604020202020204" pitchFamily="34" charset="0"/>
+              <a:buNone/>
             </a:pPr>
             <a:endParaRPr lang="en-US" dirty="0"/>
           </a:p>
@@ -2844,7 +2848,70 @@
             </a:r>
             <a:r>
               <a:rPr lang="en-GB" dirty="0"/>
-              <a:t> model on each period</a:t>
+              <a:t> model on each period.</a:t>
+            </a:r>
+          </a:p>
+          <a:p>
+            <a:pPr marL="895243" lvl="1" indent="-285750">
+              <a:buFont typeface="Arial" panose="020B0604020202020204" pitchFamily="34" charset="0"/>
+              <a:buChar char="•"/>
+            </a:pPr>
+            <a:endParaRPr lang="en-GB" dirty="0"/>
+          </a:p>
+          <a:p>
+            <a:pPr marL="895243" lvl="1" indent="-285750">
+              <a:buFont typeface="Arial" panose="020B0604020202020204" pitchFamily="34" charset="0"/>
+              <a:buChar char="•"/>
+            </a:pPr>
+            <a:r>
+              <a:rPr lang="en-GB" dirty="0" err="1"/>
+              <a:t>fastText</a:t>
+            </a:r>
+            <a:r>
+              <a:rPr lang="en-GB" dirty="0"/>
+              <a:t> is a word embedding module that utilizes </a:t>
+            </a:r>
+            <a:r>
+              <a:rPr lang="en-GB" dirty="0" err="1"/>
+              <a:t>skipgram</a:t>
+            </a:r>
+            <a:r>
+              <a:rPr lang="en-GB" dirty="0"/>
+              <a:t> with negative sampling.</a:t>
+            </a:r>
+          </a:p>
+          <a:p>
+            <a:pPr marL="895243" lvl="1" indent="-285750">
+              <a:buFont typeface="Arial" panose="020B0604020202020204" pitchFamily="34" charset="0"/>
+              <a:buChar char="•"/>
+            </a:pPr>
+            <a:endParaRPr lang="en-GB" dirty="0"/>
+          </a:p>
+          <a:p>
+            <a:pPr marL="895243" lvl="1" indent="-285750">
+              <a:buFont typeface="Arial" panose="020B0604020202020204" pitchFamily="34" charset="0"/>
+              <a:buChar char="•"/>
+            </a:pPr>
+            <a:r>
+              <a:rPr lang="en-GB" dirty="0"/>
+              <a:t>So it’s actually a static word embedding model, but we’ve called it dynamic because the way our approach takes time into account</a:t>
+            </a:r>
+          </a:p>
+          <a:p>
+            <a:pPr marL="895243" lvl="1" indent="-285750">
+              <a:buFont typeface="Arial" panose="020B0604020202020204" pitchFamily="34" charset="0"/>
+              <a:buChar char="•"/>
+            </a:pPr>
+            <a:endParaRPr lang="en-GB" dirty="0"/>
+          </a:p>
+          <a:p>
+            <a:pPr marL="895243" lvl="1" indent="-285750">
+              <a:buFont typeface="Arial" panose="020B0604020202020204" pitchFamily="34" charset="0"/>
+              <a:buChar char="•"/>
+            </a:pPr>
+            <a:r>
+              <a:rPr lang="en-GB" dirty="0"/>
+              <a:t>I’ll gladly explain how it works in detail - and also our choices for hyperparameters, if you want to hear more about that</a:t>
             </a:r>
           </a:p>
         </p:txBody>
@@ -4254,16 +4321,496 @@
               <a:buChar char="•"/>
             </a:pPr>
             <a:r>
-              <a:rPr lang="en-GB"/>
-              <a:t>Confounds </a:t>
-            </a:r>
-            <a:r>
-              <a:rPr lang="en-GB" dirty="0"/>
-              <a:t>of word embedding analysis:</a:t>
-            </a:r>
-            <a:endParaRPr lang="en-US" sz="1600" b="0" i="0" u="none" strike="noStrike" baseline="0" dirty="0">
-              <a:latin typeface="SFRM1000"/>
+              <a:rPr lang="en-US" b="0" i="0" dirty="0" err="1">
+                <a:solidFill>
+                  <a:srgbClr val="FFFFFF"/>
+                </a:solidFill>
+                <a:effectLst/>
+                <a:latin typeface="Segoe UI Historic" panose="020B0502040204020203" pitchFamily="34" charset="0"/>
+              </a:rPr>
+              <a:t>Ændringer</a:t>
+            </a:r>
+            <a:r>
+              <a:rPr lang="en-US" b="0" i="0" dirty="0">
+                <a:solidFill>
+                  <a:srgbClr val="FFFFFF"/>
+                </a:solidFill>
+                <a:effectLst/>
+                <a:latin typeface="Segoe UI Historic" panose="020B0502040204020203" pitchFamily="34" charset="0"/>
+              </a:rPr>
+              <a:t> der mangler:</a:t>
+            </a:r>
+          </a:p>
+          <a:p>
+            <a:pPr marL="895243" lvl="1" indent="-285750">
+              <a:buFont typeface="Arial" panose="020B0604020202020204" pitchFamily="34" charset="0"/>
+              <a:buChar char="•"/>
+            </a:pPr>
+            <a:r>
+              <a:rPr lang="en-US" b="0" i="0" dirty="0">
+                <a:solidFill>
+                  <a:srgbClr val="FFFFFF"/>
+                </a:solidFill>
+                <a:effectLst/>
+                <a:latin typeface="Segoe UI Historic" panose="020B0502040204020203" pitchFamily="34" charset="0"/>
+              </a:rPr>
+              <a:t>Cut </a:t>
+            </a:r>
+            <a:r>
+              <a:rPr lang="en-US" b="0" i="0" dirty="0" err="1">
+                <a:solidFill>
+                  <a:srgbClr val="FFFFFF"/>
+                </a:solidFill>
+                <a:effectLst/>
+                <a:latin typeface="Segoe UI Historic" panose="020B0502040204020203" pitchFamily="34" charset="0"/>
+              </a:rPr>
+              <a:t>en</a:t>
+            </a:r>
+            <a:r>
+              <a:rPr lang="en-US" b="0" i="0" dirty="0">
+                <a:solidFill>
+                  <a:srgbClr val="FFFFFF"/>
+                </a:solidFill>
+                <a:effectLst/>
+                <a:latin typeface="Segoe UI Historic" panose="020B0502040204020203" pitchFamily="34" charset="0"/>
+              </a:rPr>
+              <a:t> </a:t>
+            </a:r>
+            <a:r>
+              <a:rPr lang="en-US" b="0" i="0" dirty="0" err="1">
+                <a:solidFill>
+                  <a:srgbClr val="FFFFFF"/>
+                </a:solidFill>
+                <a:effectLst/>
+                <a:latin typeface="Segoe UI Historic" panose="020B0502040204020203" pitchFamily="34" charset="0"/>
+              </a:rPr>
+              <a:t>lille</a:t>
+            </a:r>
+            <a:r>
+              <a:rPr lang="en-US" b="0" i="0" dirty="0">
+                <a:solidFill>
+                  <a:srgbClr val="FFFFFF"/>
+                </a:solidFill>
+                <a:effectLst/>
+                <a:latin typeface="Segoe UI Historic" panose="020B0502040204020203" pitchFamily="34" charset="0"/>
+              </a:rPr>
+              <a:t> </a:t>
+            </a:r>
+            <a:r>
+              <a:rPr lang="en-US" b="0" i="0" dirty="0" err="1">
+                <a:solidFill>
+                  <a:srgbClr val="FFFFFF"/>
+                </a:solidFill>
+                <a:effectLst/>
+                <a:latin typeface="Segoe UI Historic" panose="020B0502040204020203" pitchFamily="34" charset="0"/>
+              </a:rPr>
+              <a:t>smule</a:t>
+            </a:r>
+            <a:r>
+              <a:rPr lang="en-US" b="0" i="0" dirty="0">
+                <a:solidFill>
+                  <a:srgbClr val="FFFFFF"/>
+                </a:solidFill>
+                <a:effectLst/>
+                <a:latin typeface="Segoe UI Historic" panose="020B0502040204020203" pitchFamily="34" charset="0"/>
+              </a:rPr>
+              <a:t> </a:t>
+            </a:r>
+            <a:r>
+              <a:rPr lang="en-US" b="0" i="0" dirty="0" err="1">
+                <a:solidFill>
+                  <a:srgbClr val="FFFFFF"/>
+                </a:solidFill>
+                <a:effectLst/>
+                <a:latin typeface="Segoe UI Historic" panose="020B0502040204020203" pitchFamily="34" charset="0"/>
+              </a:rPr>
+              <a:t>ned</a:t>
+            </a:r>
+            <a:r>
+              <a:rPr lang="en-US" b="0" i="0" dirty="0">
+                <a:solidFill>
+                  <a:srgbClr val="FFFFFF"/>
+                </a:solidFill>
+                <a:effectLst/>
+                <a:latin typeface="Segoe UI Historic" panose="020B0502040204020203" pitchFamily="34" charset="0"/>
+              </a:rPr>
+              <a:t>? </a:t>
+            </a:r>
+            <a:r>
+              <a:rPr lang="en-US" b="0" i="0" dirty="0" err="1">
+                <a:solidFill>
+                  <a:srgbClr val="FFFFFF"/>
+                </a:solidFill>
+                <a:effectLst/>
+                <a:latin typeface="Segoe UI Historic" panose="020B0502040204020203" pitchFamily="34" charset="0"/>
+              </a:rPr>
+              <a:t>Hvis</a:t>
+            </a:r>
+            <a:r>
+              <a:rPr lang="en-US" b="0" i="0" dirty="0">
+                <a:solidFill>
+                  <a:srgbClr val="FFFFFF"/>
+                </a:solidFill>
+                <a:effectLst/>
+                <a:latin typeface="Segoe UI Historic" panose="020B0502040204020203" pitchFamily="34" charset="0"/>
+              </a:rPr>
+              <a:t> </a:t>
+            </a:r>
+            <a:r>
+              <a:rPr lang="en-US" b="0" i="0" dirty="0" err="1">
+                <a:solidFill>
+                  <a:srgbClr val="FFFFFF"/>
+                </a:solidFill>
+                <a:effectLst/>
+                <a:latin typeface="Segoe UI Historic" panose="020B0502040204020203" pitchFamily="34" charset="0"/>
+              </a:rPr>
+              <a:t>jeg</a:t>
+            </a:r>
+            <a:r>
+              <a:rPr lang="en-US" b="0" i="0" dirty="0">
+                <a:solidFill>
+                  <a:srgbClr val="FFFFFF"/>
+                </a:solidFill>
+                <a:effectLst/>
+                <a:latin typeface="Segoe UI Historic" panose="020B0502040204020203" pitchFamily="34" charset="0"/>
+              </a:rPr>
+              <a:t> </a:t>
+            </a:r>
+            <a:r>
+              <a:rPr lang="en-US" b="0" i="0" dirty="0" err="1">
+                <a:solidFill>
+                  <a:srgbClr val="FFFFFF"/>
+                </a:solidFill>
+                <a:effectLst/>
+                <a:latin typeface="Segoe UI Historic" panose="020B0502040204020203" pitchFamily="34" charset="0"/>
+              </a:rPr>
+              <a:t>kan</a:t>
+            </a:r>
+            <a:r>
+              <a:rPr lang="en-US" b="0" i="0" dirty="0">
+                <a:solidFill>
+                  <a:srgbClr val="FFFFFF"/>
+                </a:solidFill>
+                <a:effectLst/>
+                <a:latin typeface="Segoe UI Historic" panose="020B0502040204020203" pitchFamily="34" charset="0"/>
+              </a:rPr>
+              <a:t>?</a:t>
+            </a:r>
+          </a:p>
+          <a:p>
+            <a:pPr marL="895243" lvl="1" indent="-285750">
+              <a:buFont typeface="Arial" panose="020B0604020202020204" pitchFamily="34" charset="0"/>
+              <a:buChar char="•"/>
+            </a:pPr>
+            <a:r>
+              <a:rPr lang="en-US" b="0" i="0" dirty="0">
+                <a:solidFill>
+                  <a:srgbClr val="FFFFFF"/>
+                </a:solidFill>
+                <a:effectLst/>
+                <a:latin typeface="Segoe UI Historic" panose="020B0502040204020203" pitchFamily="34" charset="0"/>
+              </a:rPr>
+              <a:t>Concluding remarks for </a:t>
+            </a:r>
+            <a:r>
+              <a:rPr lang="en-US" b="0" i="0" dirty="0" err="1">
+                <a:solidFill>
+                  <a:srgbClr val="FFFFFF"/>
+                </a:solidFill>
+                <a:effectLst/>
+                <a:latin typeface="Segoe UI Historic" panose="020B0502040204020203" pitchFamily="34" charset="0"/>
+              </a:rPr>
+              <a:t>hver</a:t>
+            </a:r>
+            <a:r>
+              <a:rPr lang="en-US" b="0" i="0" dirty="0">
+                <a:solidFill>
+                  <a:srgbClr val="FFFFFF"/>
+                </a:solidFill>
+                <a:effectLst/>
+                <a:latin typeface="Segoe UI Historic" panose="020B0502040204020203" pitchFamily="34" charset="0"/>
+              </a:rPr>
+              <a:t> </a:t>
+            </a:r>
+            <a:r>
+              <a:rPr lang="en-US" b="0" i="0" dirty="0" err="1">
+                <a:solidFill>
+                  <a:srgbClr val="FFFFFF"/>
+                </a:solidFill>
+                <a:effectLst/>
+                <a:latin typeface="Segoe UI Historic" panose="020B0502040204020203" pitchFamily="34" charset="0"/>
+              </a:rPr>
+              <a:t>analyse</a:t>
+            </a:r>
+            <a:r>
+              <a:rPr lang="en-US" b="0" i="0" dirty="0">
+                <a:solidFill>
+                  <a:srgbClr val="FFFFFF"/>
+                </a:solidFill>
+                <a:effectLst/>
+                <a:latin typeface="Segoe UI Historic" panose="020B0502040204020203" pitchFamily="34" charset="0"/>
+              </a:rPr>
+              <a:t>.</a:t>
+            </a:r>
+          </a:p>
+          <a:p>
+            <a:pPr marL="895243" lvl="1" indent="-285750">
+              <a:buFont typeface="Arial" panose="020B0604020202020204" pitchFamily="34" charset="0"/>
+              <a:buChar char="•"/>
+            </a:pPr>
+            <a:r>
+              <a:rPr lang="en-US" b="0" i="0" dirty="0">
+                <a:solidFill>
+                  <a:srgbClr val="FFFFFF"/>
+                </a:solidFill>
+                <a:effectLst/>
+                <a:latin typeface="Segoe UI Historic" panose="020B0502040204020203" pitchFamily="34" charset="0"/>
+              </a:rPr>
+              <a:t>Mangler </a:t>
+            </a:r>
+            <a:r>
+              <a:rPr lang="en-US" b="0" i="0" dirty="0" err="1">
+                <a:solidFill>
+                  <a:srgbClr val="FFFFFF"/>
+                </a:solidFill>
+                <a:effectLst/>
+                <a:latin typeface="Segoe UI Historic" panose="020B0502040204020203" pitchFamily="34" charset="0"/>
+              </a:rPr>
+              <a:t>linje</a:t>
+            </a:r>
+            <a:r>
+              <a:rPr lang="en-US" b="0" i="0" dirty="0">
+                <a:solidFill>
+                  <a:srgbClr val="FFFFFF"/>
+                </a:solidFill>
+                <a:effectLst/>
+                <a:latin typeface="Segoe UI Historic" panose="020B0502040204020203" pitchFamily="34" charset="0"/>
+              </a:rPr>
+              <a:t> I </a:t>
+            </a:r>
+            <a:r>
+              <a:rPr lang="en-US" b="0" i="0" dirty="0" err="1">
+                <a:solidFill>
+                  <a:srgbClr val="FFFFFF"/>
+                </a:solidFill>
+                <a:effectLst/>
+                <a:latin typeface="Segoe UI Historic" panose="020B0502040204020203" pitchFamily="34" charset="0"/>
+              </a:rPr>
+              <a:t>midten</a:t>
+            </a:r>
+            <a:r>
+              <a:rPr lang="en-US" b="0" i="0" dirty="0">
+                <a:solidFill>
+                  <a:srgbClr val="FFFFFF"/>
+                </a:solidFill>
+                <a:effectLst/>
+                <a:latin typeface="Segoe UI Historic" panose="020B0502040204020203" pitchFamily="34" charset="0"/>
+              </a:rPr>
+              <a:t> </a:t>
+            </a:r>
+            <a:r>
+              <a:rPr lang="en-US" b="0" i="0" dirty="0" err="1">
+                <a:solidFill>
+                  <a:srgbClr val="FFFFFF"/>
+                </a:solidFill>
+                <a:effectLst/>
+                <a:latin typeface="Segoe UI Historic" panose="020B0502040204020203" pitchFamily="34" charset="0"/>
+              </a:rPr>
+              <a:t>på</a:t>
+            </a:r>
+            <a:r>
+              <a:rPr lang="en-US" b="0" i="0" dirty="0">
+                <a:solidFill>
+                  <a:srgbClr val="FFFFFF"/>
+                </a:solidFill>
+                <a:effectLst/>
+                <a:latin typeface="Segoe UI Historic" panose="020B0502040204020203" pitchFamily="34" charset="0"/>
+              </a:rPr>
+              <a:t> plot</a:t>
+            </a:r>
+          </a:p>
+          <a:p>
+            <a:pPr marL="895243" lvl="1" indent="-285750">
+              <a:buFont typeface="Arial" panose="020B0604020202020204" pitchFamily="34" charset="0"/>
+              <a:buChar char="•"/>
+            </a:pPr>
+            <a:r>
+              <a:rPr lang="en-US" b="0" i="0" dirty="0" err="1">
+                <a:solidFill>
+                  <a:srgbClr val="FFFFFF"/>
+                </a:solidFill>
+                <a:effectLst/>
+                <a:latin typeface="Segoe UI Historic" panose="020B0502040204020203" pitchFamily="34" charset="0"/>
+              </a:rPr>
+              <a:t>Læs</a:t>
+            </a:r>
+            <a:r>
+              <a:rPr lang="en-US" b="0" i="0" dirty="0">
+                <a:solidFill>
+                  <a:srgbClr val="FFFFFF"/>
+                </a:solidFill>
+                <a:effectLst/>
+                <a:latin typeface="Segoe UI Historic" panose="020B0502040204020203" pitchFamily="34" charset="0"/>
+              </a:rPr>
+              <a:t> op </a:t>
+            </a:r>
+            <a:r>
+              <a:rPr lang="en-US" b="0" i="0" dirty="0" err="1">
+                <a:solidFill>
+                  <a:srgbClr val="FFFFFF"/>
+                </a:solidFill>
+                <a:effectLst/>
+                <a:latin typeface="Segoe UI Historic" panose="020B0502040204020203" pitchFamily="34" charset="0"/>
+              </a:rPr>
+              <a:t>på</a:t>
+            </a:r>
+            <a:r>
+              <a:rPr lang="en-US" b="0" i="0" dirty="0">
+                <a:solidFill>
+                  <a:srgbClr val="FFFFFF"/>
+                </a:solidFill>
+                <a:effectLst/>
+                <a:latin typeface="Segoe UI Historic" panose="020B0502040204020203" pitchFamily="34" charset="0"/>
+              </a:rPr>
+              <a:t> BERT</a:t>
+            </a:r>
+          </a:p>
+          <a:p>
+            <a:pPr marL="895243" lvl="1" indent="-285750">
+              <a:buFont typeface="Arial" panose="020B0604020202020204" pitchFamily="34" charset="0"/>
+              <a:buChar char="•"/>
+            </a:pPr>
+            <a:r>
+              <a:rPr lang="en-US" b="0" i="0" dirty="0" err="1">
+                <a:solidFill>
+                  <a:srgbClr val="FFFFFF"/>
+                </a:solidFill>
+                <a:effectLst/>
+                <a:latin typeface="Segoe UI Historic" panose="020B0502040204020203" pitchFamily="34" charset="0"/>
+              </a:rPr>
+              <a:t>Læs</a:t>
+            </a:r>
+            <a:r>
+              <a:rPr lang="en-US" b="0" i="0" dirty="0">
+                <a:solidFill>
+                  <a:srgbClr val="FFFFFF"/>
+                </a:solidFill>
+                <a:effectLst/>
+                <a:latin typeface="Segoe UI Historic" panose="020B0502040204020203" pitchFamily="34" charset="0"/>
+              </a:rPr>
+              <a:t> op </a:t>
+            </a:r>
+            <a:r>
+              <a:rPr lang="en-US" b="0" i="0" dirty="0" err="1">
+                <a:solidFill>
+                  <a:srgbClr val="FFFFFF"/>
+                </a:solidFill>
+                <a:effectLst/>
+                <a:latin typeface="Segoe UI Historic" panose="020B0502040204020203" pitchFamily="34" charset="0"/>
+              </a:rPr>
+              <a:t>på</a:t>
+            </a:r>
+            <a:r>
+              <a:rPr lang="en-US" b="0" i="0" dirty="0">
+                <a:solidFill>
+                  <a:srgbClr val="FFFFFF"/>
+                </a:solidFill>
+                <a:effectLst/>
+                <a:latin typeface="Segoe UI Historic" panose="020B0502040204020203" pitchFamily="34" charset="0"/>
+              </a:rPr>
+              <a:t> Macro F1-score</a:t>
+            </a:r>
+          </a:p>
+          <a:p>
+            <a:pPr marL="285750" lvl="0" indent="-285750">
+              <a:buFont typeface="Arial" panose="020B0604020202020204" pitchFamily="34" charset="0"/>
+              <a:buChar char="•"/>
+            </a:pPr>
+            <a:endParaRPr lang="en-US" b="0" i="0" dirty="0">
+              <a:solidFill>
+                <a:srgbClr val="FFFFFF"/>
+              </a:solidFill>
+              <a:effectLst/>
+              <a:latin typeface="Segoe UI Historic" panose="020B0502040204020203" pitchFamily="34" charset="0"/>
             </a:endParaRPr>
+          </a:p>
+          <a:p>
+            <a:pPr marL="285750" lvl="0" indent="-285750">
+              <a:buFont typeface="Arial" panose="020B0604020202020204" pitchFamily="34" charset="0"/>
+              <a:buChar char="•"/>
+            </a:pPr>
+            <a:r>
+              <a:rPr lang="en-US" b="0" i="0" dirty="0">
+                <a:solidFill>
+                  <a:srgbClr val="FFFFFF"/>
+                </a:solidFill>
+                <a:effectLst/>
+                <a:latin typeface="Segoe UI Historic" panose="020B0502040204020203" pitchFamily="34" charset="0"/>
+              </a:rPr>
+              <a:t>Anything I’d like to add?</a:t>
+            </a:r>
+          </a:p>
+          <a:p>
+            <a:pPr marL="895243" lvl="1" indent="-285750">
+              <a:buFont typeface="Arial" panose="020B0604020202020204" pitchFamily="34" charset="0"/>
+              <a:buChar char="•"/>
+            </a:pPr>
+            <a:r>
+              <a:rPr lang="en-US" b="0" i="0" dirty="0" err="1">
+                <a:solidFill>
+                  <a:srgbClr val="FFFFFF"/>
+                </a:solidFill>
+                <a:effectLst/>
+                <a:latin typeface="Segoe UI Historic" panose="020B0502040204020203" pitchFamily="34" charset="0"/>
+              </a:rPr>
+              <a:t>fastText</a:t>
+            </a:r>
+            <a:r>
+              <a:rPr lang="en-US" b="0" i="0">
+                <a:solidFill>
+                  <a:srgbClr val="FFFFFF"/>
+                </a:solidFill>
+                <a:effectLst/>
+                <a:latin typeface="Segoe UI Historic" panose="020B0502040204020203" pitchFamily="34" charset="0"/>
+              </a:rPr>
+              <a:t>(!)</a:t>
+            </a:r>
+            <a:endParaRPr lang="en-US" b="0" i="0" dirty="0">
+              <a:solidFill>
+                <a:srgbClr val="FFFFFF"/>
+              </a:solidFill>
+              <a:effectLst/>
+              <a:latin typeface="Segoe UI Historic" panose="020B0502040204020203" pitchFamily="34" charset="0"/>
+            </a:endParaRPr>
+          </a:p>
+          <a:p>
+            <a:pPr marL="285750" lvl="0" indent="-285750">
+              <a:buFont typeface="Arial" panose="020B0604020202020204" pitchFamily="34" charset="0"/>
+              <a:buChar char="•"/>
+            </a:pPr>
+            <a:endParaRPr lang="en-US" b="0" i="0" dirty="0">
+              <a:solidFill>
+                <a:srgbClr val="FFFFFF"/>
+              </a:solidFill>
+              <a:effectLst/>
+              <a:latin typeface="Segoe UI Historic" panose="020B0502040204020203" pitchFamily="34" charset="0"/>
+            </a:endParaRPr>
+          </a:p>
+          <a:p>
+            <a:pPr marL="285750" lvl="0" indent="-285750">
+              <a:buFont typeface="Arial" panose="020B0604020202020204" pitchFamily="34" charset="0"/>
+              <a:buChar char="•"/>
+            </a:pPr>
+            <a:r>
+              <a:rPr lang="en-US" b="0" i="0" dirty="0">
+                <a:solidFill>
+                  <a:srgbClr val="FFFFFF"/>
+                </a:solidFill>
+                <a:effectLst/>
+                <a:latin typeface="Segoe UI Historic" panose="020B0502040204020203" pitchFamily="34" charset="0"/>
+              </a:rPr>
+              <a:t>Preprocessing</a:t>
+            </a:r>
           </a:p>
           <a:p>
             <a:pPr marL="895243" marR="0" lvl="1" indent="-285750" algn="l" defTabSz="914400" rtl="0" eaLnBrk="0" fontAlgn="base" latinLnBrk="0" hangingPunct="0">
@@ -4284,14 +4831,12 @@
               <a:defRPr/>
             </a:pPr>
             <a:r>
-              <a:rPr lang="en-US" sz="1600" b="0" i="0" u="none" strike="noStrike" baseline="0" dirty="0">
-                <a:latin typeface="SFRM1000"/>
-              </a:rPr>
-              <a:t>Not mentioned in synopsis:</a:t>
-            </a:r>
-          </a:p>
-          <a:p>
-            <a:pPr marL="895243" marR="0" lvl="1" indent="-285750" algn="l" defTabSz="914400" rtl="0" eaLnBrk="0" fontAlgn="base" latinLnBrk="0" hangingPunct="0">
+              <a:rPr lang="en-GB" dirty="0"/>
+              <a:t>Tokenization</a:t>
+            </a:r>
+          </a:p>
+          <a:p>
+            <a:pPr marL="1504737" marR="0" lvl="2" indent="-285750" algn="l" defTabSz="914400" rtl="0" eaLnBrk="0" fontAlgn="base" latinLnBrk="0" hangingPunct="0">
               <a:lnSpc>
                 <a:spcPct val="100000"/>
               </a:lnSpc>
@@ -4309,123 +4854,12 @@
               <a:defRPr/>
             </a:pPr>
             <a:r>
-              <a:rPr lang="en-US" sz="1600" b="0" i="0" u="none" strike="noStrike" baseline="0" dirty="0">
-                <a:latin typeface="SFRM1000"/>
-              </a:rPr>
-              <a:t>Even if we had sampled Fake News and real news randomly from within the same period 5 times. And then had trained 5 models on these 5 datasets, then we would likely ALSO have seen semantic shifts as well as changes in nearest </a:t>
-            </a:r>
-            <a:r>
-              <a:rPr lang="en-US" sz="1600" b="0" i="0" u="none" strike="noStrike" baseline="0" dirty="0" err="1">
-                <a:latin typeface="SFRM1000"/>
-              </a:rPr>
-              <a:t>neighbours</a:t>
-            </a:r>
-            <a:r>
-              <a:rPr lang="en-US" sz="1600" b="0" i="0" u="none" strike="noStrike" baseline="0" dirty="0">
-                <a:latin typeface="SFRM1000"/>
-              </a:rPr>
-              <a:t> for the word </a:t>
-            </a:r>
-            <a:r>
-              <a:rPr lang="en-US" sz="1600" b="0" i="1" u="none" strike="noStrike" baseline="0" dirty="0">
-                <a:latin typeface="SFRM1000"/>
-              </a:rPr>
-              <a:t>Russia</a:t>
-            </a:r>
-            <a:r>
-              <a:rPr lang="en-US" sz="1600" b="0" i="0" u="none" strike="noStrike" baseline="0" dirty="0">
-                <a:latin typeface="SFRM1000"/>
-              </a:rPr>
-              <a:t>.</a:t>
-            </a:r>
-            <a:endParaRPr lang="en-GB" dirty="0"/>
-          </a:p>
-          <a:p>
-            <a:pPr marL="285750" lvl="0" indent="-285750">
-              <a:buFont typeface="Arial" panose="020B0604020202020204" pitchFamily="34" charset="0"/>
-              <a:buChar char="•"/>
-            </a:pPr>
-            <a:endParaRPr lang="en-GB" dirty="0"/>
-          </a:p>
-          <a:p>
-            <a:pPr marL="285750" lvl="0" indent="-285750">
-              <a:buFont typeface="Arial" panose="020B0604020202020204" pitchFamily="34" charset="0"/>
-              <a:buChar char="•"/>
-            </a:pPr>
-            <a:r>
               <a:rPr lang="en-GB" dirty="0"/>
-              <a:t>Why use Macro F1-score?</a:t>
-            </a:r>
-          </a:p>
-          <a:p>
-            <a:pPr marL="895243" lvl="1" indent="-285750">
-              <a:buFont typeface="Arial" panose="020B0604020202020204" pitchFamily="34" charset="0"/>
-              <a:buChar char="•"/>
-            </a:pPr>
-            <a:r>
-              <a:rPr lang="en-GB" dirty="0"/>
-              <a:t>*</a:t>
-            </a:r>
-          </a:p>
-          <a:p>
-            <a:pPr marL="895243" lvl="1" indent="-285750">
-              <a:buFont typeface="Arial" panose="020B0604020202020204" pitchFamily="34" charset="0"/>
-              <a:buChar char="•"/>
-            </a:pPr>
-            <a:r>
-              <a:rPr lang="en-GB" dirty="0"/>
-              <a:t>Should’ve included classification matrix</a:t>
-            </a:r>
-          </a:p>
-          <a:p>
-            <a:pPr marL="0" lvl="0" indent="0">
-              <a:buFont typeface="Arial" panose="020B0604020202020204" pitchFamily="34" charset="0"/>
-              <a:buNone/>
-            </a:pPr>
-            <a:endParaRPr lang="en-GB" dirty="0"/>
-          </a:p>
-          <a:p>
-            <a:pPr marL="285750" lvl="0" indent="-285750">
-              <a:buFont typeface="Arial" panose="020B0604020202020204" pitchFamily="34" charset="0"/>
-              <a:buChar char="•"/>
-            </a:pPr>
-            <a:r>
-              <a:rPr lang="en-GB" dirty="0"/>
-              <a:t>Distance metrics</a:t>
-            </a:r>
-          </a:p>
-          <a:p>
-            <a:pPr marL="895243" lvl="1" indent="-285750">
-              <a:buFont typeface="Arial" panose="020B0604020202020204" pitchFamily="34" charset="0"/>
-              <a:buChar char="•"/>
-            </a:pPr>
-            <a:r>
-              <a:rPr lang="en-GB" dirty="0"/>
-              <a:t>Other distance metrics could have been utilized:</a:t>
-            </a:r>
-          </a:p>
-          <a:p>
-            <a:pPr marL="895243" lvl="1" indent="-285750">
-              <a:buFont typeface="Arial" panose="020B0604020202020204" pitchFamily="34" charset="0"/>
-              <a:buChar char="•"/>
-            </a:pPr>
-            <a:r>
-              <a:rPr lang="en-GB" dirty="0"/>
-              <a:t>Cosine distance</a:t>
-            </a:r>
-          </a:p>
-          <a:p>
-            <a:pPr marL="895243" lvl="1" indent="-285750">
-              <a:buFont typeface="Arial" panose="020B0604020202020204" pitchFamily="34" charset="0"/>
-              <a:buChar char="•"/>
-            </a:pPr>
-            <a:r>
-              <a:rPr lang="en-GB" dirty="0"/>
-              <a:t>Euclidean distance</a:t>
-            </a:r>
-          </a:p>
-          <a:p>
-            <a:pPr marL="895243" marR="0" lvl="1" indent="-285750" algn="l" defTabSz="914400" rtl="0" eaLnBrk="0" fontAlgn="base" latinLnBrk="0" hangingPunct="0">
+              <a:t>By whitespace</a:t>
+            </a:r>
+          </a:p>
+          <a:p>
+            <a:pPr marL="1504737" marR="0" lvl="2" indent="-285750" algn="l" defTabSz="914400" rtl="0" eaLnBrk="0" fontAlgn="base" latinLnBrk="0" hangingPunct="0">
               <a:lnSpc>
                 <a:spcPct val="100000"/>
               </a:lnSpc>
@@ -4444,11 +4878,19 @@
             </a:pPr>
             <a:r>
               <a:rPr lang="en-GB" dirty="0"/>
-              <a:t>Cosine distance and Euclidean distance are widely different</a:t>
-            </a:r>
-          </a:p>
-          <a:p>
-            <a:pPr marL="1504737" marR="0" lvl="2" indent="-285750" algn="l" defTabSz="914400" rtl="0" eaLnBrk="0" fontAlgn="base" latinLnBrk="0" hangingPunct="0">
+              <a:t>How did our method used handle “</a:t>
+            </a:r>
+            <a:r>
+              <a:rPr lang="en-GB" i="1" dirty="0"/>
+              <a:t>it’s</a:t>
+            </a:r>
+            <a:r>
+              <a:rPr lang="en-GB" dirty="0"/>
+              <a:t>”</a:t>
+            </a:r>
+          </a:p>
+          <a:p>
+            <a:pPr marL="2114230" marR="0" lvl="3" indent="-285750" algn="l" defTabSz="914400" rtl="0" eaLnBrk="0" fontAlgn="base" latinLnBrk="0" hangingPunct="0">
               <a:lnSpc>
                 <a:spcPct val="100000"/>
               </a:lnSpc>
@@ -4467,11 +4909,11 @@
             </a:pPr>
             <a:r>
               <a:rPr lang="en-GB" dirty="0"/>
-              <a:t>Use paper and draw (in advance): ??</a:t>
-            </a:r>
-          </a:p>
-          <a:p>
-            <a:pPr marL="1504737" marR="0" lvl="2" indent="-285750" algn="l" defTabSz="914400" rtl="0" eaLnBrk="0" fontAlgn="base" latinLnBrk="0" hangingPunct="0">
+              <a:t>????</a:t>
+            </a:r>
+          </a:p>
+          <a:p>
+            <a:pPr marL="2114230" marR="0" lvl="3" indent="-285750" algn="l" defTabSz="914400" rtl="0" eaLnBrk="0" fontAlgn="base" latinLnBrk="0" hangingPunct="0">
               <a:lnSpc>
                 <a:spcPct val="100000"/>
               </a:lnSpc>
@@ -4488,13 +4930,10 @@
               <a:tabLst/>
               <a:defRPr/>
             </a:pPr>
-            <a:r>
-              <a:rPr lang="en-GB" dirty="0"/>
-              <a:t>-0.1,-0.1. vs. 0.1, 0.1</a:t>
-            </a:r>
-          </a:p>
-          <a:p>
-            <a:pPr marL="1504737" marR="0" lvl="2" indent="-285750" algn="l" defTabSz="914400" rtl="0" eaLnBrk="0" fontAlgn="base" latinLnBrk="0" hangingPunct="0">
+            <a:endParaRPr lang="en-GB" dirty="0"/>
+          </a:p>
+          <a:p>
+            <a:pPr marL="895243" marR="0" lvl="1" indent="-285750" algn="l" defTabSz="914400" rtl="0" eaLnBrk="0" fontAlgn="base" latinLnBrk="0" hangingPunct="0">
               <a:lnSpc>
                 <a:spcPct val="100000"/>
               </a:lnSpc>
@@ -4512,8 +4951,16 @@
               <a:defRPr/>
             </a:pPr>
             <a:r>
-              <a:rPr lang="en-GB" dirty="0"/>
-              <a:t>and </a:t>
+              <a:rPr lang="en-US" sz="1600" dirty="0" err="1">
+                <a:latin typeface="+mj-lt"/>
+              </a:rPr>
+              <a:t>Stopword</a:t>
+            </a:r>
+            <a:r>
+              <a:rPr lang="en-US" sz="1600" dirty="0">
+                <a:latin typeface="+mj-lt"/>
+              </a:rPr>
+              <a:t> removal?</a:t>
             </a:r>
           </a:p>
           <a:p>
@@ -4535,12 +4982,15 @@
               <a:defRPr/>
             </a:pPr>
             <a:r>
-              <a:rPr lang="en-GB" dirty="0"/>
-              <a:t>1000000000, 1000000000 vs. 1, 1</a:t>
-            </a:r>
-          </a:p>
-          <a:p>
-            <a:pPr marL="895243" marR="0" lvl="1" indent="-285750" algn="l" defTabSz="914400" rtl="0" eaLnBrk="0" fontAlgn="base" latinLnBrk="0" hangingPunct="0">
+              <a:rPr lang="da-DK" sz="1800" dirty="0">
+                <a:effectLst/>
+                <a:latin typeface="Calibri" panose="020F0502020204030204" pitchFamily="34" charset="0"/>
+              </a:rPr>
+              <a:t>Removal of frequent, but information-low words.</a:t>
+            </a:r>
+          </a:p>
+          <a:p>
+            <a:pPr marL="1504737" marR="0" lvl="2" indent="-285750" algn="l" defTabSz="914400" rtl="0" eaLnBrk="0" fontAlgn="base" latinLnBrk="0" hangingPunct="0">
               <a:lnSpc>
                 <a:spcPct val="100000"/>
               </a:lnSpc>
@@ -4558,8 +5008,11 @@
               <a:defRPr/>
             </a:pPr>
             <a:r>
-              <a:rPr lang="en-GB" dirty="0"/>
-              <a:t>Which metric is best? </a:t>
+              <a:rPr lang="da-DK" sz="1800" dirty="0">
+                <a:effectLst/>
+                <a:latin typeface="Calibri" panose="020F0502020204030204" pitchFamily="34" charset="0"/>
+              </a:rPr>
+              <a:t>Reduces noise and lowers computational power needed.</a:t>
             </a:r>
           </a:p>
           <a:p>
@@ -4580,13 +5033,12 @@
               <a:tabLst/>
               <a:defRPr/>
             </a:pPr>
-            <a:r>
-              <a:rPr lang="en-GB" dirty="0"/>
-              <a:t>Different uses, BUT:</a:t>
-            </a:r>
-          </a:p>
-          <a:p>
-            <a:pPr marL="1504737" marR="0" lvl="2" indent="-285750" algn="l" defTabSz="914400" rtl="0" eaLnBrk="0" fontAlgn="base" latinLnBrk="0" hangingPunct="0">
+            <a:endParaRPr lang="en-US" sz="1600" dirty="0">
+              <a:latin typeface="+mj-lt"/>
+            </a:endParaRPr>
+          </a:p>
+          <a:p>
+            <a:pPr marL="895243" marR="0" lvl="1" indent="-285750" algn="l" defTabSz="914400" rtl="0" eaLnBrk="0" fontAlgn="base" latinLnBrk="0" hangingPunct="0">
               <a:lnSpc>
                 <a:spcPct val="100000"/>
               </a:lnSpc>
@@ -4603,13 +5055,12 @@
               <a:tabLst/>
               <a:defRPr/>
             </a:pPr>
-            <a:r>
-              <a:rPr lang="en-GB" dirty="0"/>
-              <a:t>Perhaps Euclidean distance would have been better for this task.</a:t>
-            </a:r>
-          </a:p>
-          <a:p>
-            <a:pPr marL="285750" marR="0" lvl="0" indent="-285750" algn="l" defTabSz="914400" rtl="0" eaLnBrk="0" fontAlgn="base" latinLnBrk="0" hangingPunct="0">
+            <a:endParaRPr lang="en-US" sz="1600" dirty="0">
+              <a:latin typeface="+mj-lt"/>
+            </a:endParaRPr>
+          </a:p>
+          <a:p>
+            <a:pPr marL="895243" marR="0" lvl="1" indent="-285750" algn="l" defTabSz="914400" rtl="0" eaLnBrk="0" fontAlgn="base" latinLnBrk="0" hangingPunct="0">
               <a:lnSpc>
                 <a:spcPct val="100000"/>
               </a:lnSpc>
@@ -4626,10 +5077,15 @@
               <a:tabLst/>
               <a:defRPr/>
             </a:pPr>
-            <a:endParaRPr lang="en-GB" dirty="0"/>
-          </a:p>
-          <a:p>
-            <a:pPr marL="285750" marR="0" lvl="0" indent="-285750" algn="l" defTabSz="914400" rtl="0" eaLnBrk="0" fontAlgn="base" latinLnBrk="0" hangingPunct="0">
+            <a:r>
+              <a:rPr lang="en-US" sz="1600" dirty="0">
+                <a:latin typeface="+mj-lt"/>
+              </a:rPr>
+              <a:t>Lemmatization?</a:t>
+            </a:r>
+          </a:p>
+          <a:p>
+            <a:pPr marL="1504737" marR="0" lvl="2" indent="-285750" algn="l" defTabSz="914400" rtl="0" eaLnBrk="0" fontAlgn="base" latinLnBrk="0" hangingPunct="0">
               <a:lnSpc>
                 <a:spcPct val="100000"/>
               </a:lnSpc>
@@ -4647,13 +5103,20 @@
               <a:defRPr/>
             </a:pPr>
             <a:r>
-              <a:rPr lang="en-GB" dirty="0" err="1"/>
-              <a:t>Preprocessing</a:t>
-            </a:r>
-            <a:endParaRPr lang="en-GB" dirty="0"/>
-          </a:p>
-          <a:p>
-            <a:pPr marL="895243" marR="0" lvl="1" indent="-285750" algn="l" defTabSz="914400" rtl="0" eaLnBrk="0" fontAlgn="base" latinLnBrk="0" hangingPunct="0">
+              <a:rPr lang="en-US" sz="1600" dirty="0">
+                <a:latin typeface="+mj-lt"/>
+              </a:rPr>
+              <a:t>Lemmatization -&gt; Grouping together inflected forms of the same word, into the </a:t>
+            </a:r>
+            <a:r>
+              <a:rPr lang="en-US" sz="1600" i="1" dirty="0">
+                <a:latin typeface="+mj-lt"/>
+              </a:rPr>
+              <a:t>lemma</a:t>
+            </a:r>
+          </a:p>
+          <a:p>
+            <a:pPr marL="1504737" marR="0" lvl="2" indent="-285750" algn="l" defTabSz="914400" rtl="0" eaLnBrk="0" fontAlgn="base" latinLnBrk="0" hangingPunct="0">
               <a:lnSpc>
                 <a:spcPct val="100000"/>
               </a:lnSpc>
@@ -4671,12 +5134,14 @@
               <a:defRPr/>
             </a:pPr>
             <a:r>
-              <a:rPr lang="en-GB" dirty="0"/>
-              <a:t>Tokenization</a:t>
-            </a:r>
-          </a:p>
-          <a:p>
-            <a:pPr marL="1504737" marR="0" lvl="2" indent="-285750" algn="l" defTabSz="914400" rtl="0" eaLnBrk="0" fontAlgn="base" latinLnBrk="0" hangingPunct="0">
+              <a:rPr lang="en-US" sz="1600" dirty="0">
+                <a:latin typeface="+mj-lt"/>
+              </a:rPr>
+              <a:t>What is a lemma?</a:t>
+            </a:r>
+          </a:p>
+          <a:p>
+            <a:pPr marL="2114230" marR="0" lvl="3" indent="-285750" algn="l" defTabSz="914400" rtl="0" eaLnBrk="0" fontAlgn="base" latinLnBrk="0" hangingPunct="0">
               <a:lnSpc>
                 <a:spcPct val="100000"/>
               </a:lnSpc>
@@ -4694,12 +5159,14 @@
               <a:defRPr/>
             </a:pPr>
             <a:r>
-              <a:rPr lang="en-GB" dirty="0"/>
-              <a:t>By whitespace</a:t>
-            </a:r>
-          </a:p>
-          <a:p>
-            <a:pPr marL="1504737" marR="0" lvl="2" indent="-285750" algn="l" defTabSz="914400" rtl="0" eaLnBrk="0" fontAlgn="base" latinLnBrk="0" hangingPunct="0">
+              <a:rPr lang="en-US" sz="1600" dirty="0">
+                <a:latin typeface="+mj-lt"/>
+              </a:rPr>
+              <a:t>Semantic nucleus of a word</a:t>
+            </a:r>
+          </a:p>
+          <a:p>
+            <a:pPr marL="2114230" marR="0" lvl="3" indent="-285750" algn="l" defTabSz="914400" rtl="0" eaLnBrk="0" fontAlgn="base" latinLnBrk="0" hangingPunct="0">
               <a:lnSpc>
                 <a:spcPct val="100000"/>
               </a:lnSpc>
@@ -4717,16 +5184,10 @@
               <a:defRPr/>
             </a:pPr>
             <a:r>
-              <a:rPr lang="en-GB" dirty="0"/>
-              <a:t>How did our method used handle “</a:t>
-            </a:r>
-            <a:r>
-              <a:rPr lang="en-GB" i="1" dirty="0"/>
-              <a:t>it’s</a:t>
-            </a:r>
-            <a:r>
-              <a:rPr lang="en-GB" dirty="0"/>
-              <a:t>”</a:t>
+              <a:rPr lang="en-US" sz="1600" dirty="0">
+                <a:latin typeface="+mj-lt"/>
+              </a:rPr>
+              <a:t>Infinitive for verbs</a:t>
             </a:r>
           </a:p>
           <a:p>
@@ -4748,12 +5209,14 @@
               <a:defRPr/>
             </a:pPr>
             <a:r>
-              <a:rPr lang="en-GB" dirty="0"/>
-              <a:t>????</a:t>
-            </a:r>
-          </a:p>
-          <a:p>
-            <a:pPr marL="2114230" marR="0" lvl="3" indent="-285750" algn="l" defTabSz="914400" rtl="0" eaLnBrk="0" fontAlgn="base" latinLnBrk="0" hangingPunct="0">
+              <a:rPr lang="en-US" sz="1600" dirty="0">
+                <a:latin typeface="+mj-lt"/>
+              </a:rPr>
+              <a:t>Singular form for nouns</a:t>
+            </a:r>
+          </a:p>
+          <a:p>
+            <a:pPr marL="1504737" marR="0" lvl="2" indent="-285750" algn="l" defTabSz="914400" rtl="0" eaLnBrk="0" fontAlgn="base" latinLnBrk="0" hangingPunct="0">
               <a:lnSpc>
                 <a:spcPct val="100000"/>
               </a:lnSpc>
@@ -4770,10 +5233,15 @@
               <a:tabLst/>
               <a:defRPr/>
             </a:pPr>
-            <a:endParaRPr lang="en-GB" dirty="0"/>
-          </a:p>
-          <a:p>
-            <a:pPr marL="895243" marR="0" lvl="1" indent="-285750" algn="l" defTabSz="914400" rtl="0" eaLnBrk="0" fontAlgn="base" latinLnBrk="0" hangingPunct="0">
+            <a:r>
+              <a:rPr lang="en-US" sz="1600" dirty="0">
+                <a:latin typeface="+mj-lt"/>
+              </a:rPr>
+              <a:t>How is lemmatization carried out?</a:t>
+            </a:r>
+          </a:p>
+          <a:p>
+            <a:pPr marL="2114230" marR="0" lvl="3" indent="-285750" algn="l" defTabSz="914400" rtl="0" eaLnBrk="0" fontAlgn="base" latinLnBrk="0" hangingPunct="0">
               <a:lnSpc>
                 <a:spcPct val="100000"/>
               </a:lnSpc>
@@ -4791,20 +5259,14 @@
               <a:defRPr/>
             </a:pPr>
             <a:r>
-              <a:rPr lang="en-US" sz="1600" dirty="0" err="1">
-                <a:latin typeface="+mj-lt"/>
-              </a:rPr>
-              <a:t>Stopword</a:t>
-            </a:r>
-            <a:r>
               <a:rPr lang="en-US" sz="1600" dirty="0">
                 <a:latin typeface="+mj-lt"/>
               </a:rPr>
-              <a:t> removal?</a:t>
-            </a:r>
-          </a:p>
-          <a:p>
-            <a:pPr marL="1504737" marR="0" lvl="2" indent="-285750" algn="l" defTabSz="914400" rtl="0" eaLnBrk="0" fontAlgn="base" latinLnBrk="0" hangingPunct="0">
+              <a:t>Two methods:</a:t>
+            </a:r>
+          </a:p>
+          <a:p>
+            <a:pPr marL="2723723" marR="0" lvl="4" indent="-285750" algn="l" defTabSz="914400" rtl="0" eaLnBrk="0" fontAlgn="base" latinLnBrk="0" hangingPunct="0">
               <a:lnSpc>
                 <a:spcPct val="100000"/>
               </a:lnSpc>
@@ -4822,15 +5284,14 @@
               <a:defRPr/>
             </a:pPr>
             <a:r>
-              <a:rPr lang="da-DK" sz="1800" dirty="0">
-                <a:effectLst/>
-                <a:latin typeface="Calibri" panose="020F0502020204030204" pitchFamily="34" charset="0"/>
-              </a:rPr>
-              <a:t>Removal of frequent, but information-low words.</a:t>
-            </a:r>
-          </a:p>
-          <a:p>
-            <a:pPr marL="1504737" marR="0" lvl="2" indent="-285750" algn="l" defTabSz="914400" rtl="0" eaLnBrk="0" fontAlgn="base" latinLnBrk="0" hangingPunct="0">
+              <a:rPr lang="en-US" sz="1600" dirty="0">
+                <a:latin typeface="+mj-lt"/>
+              </a:rPr>
+              <a:t>Look-up table</a:t>
+            </a:r>
+          </a:p>
+          <a:p>
+            <a:pPr marL="2723723" marR="0" lvl="4" indent="-285750" algn="l" defTabSz="914400" rtl="0" eaLnBrk="0" fontAlgn="base" latinLnBrk="0" hangingPunct="0">
               <a:lnSpc>
                 <a:spcPct val="100000"/>
               </a:lnSpc>
@@ -4848,11 +5309,10 @@
               <a:defRPr/>
             </a:pPr>
             <a:r>
-              <a:rPr lang="da-DK" sz="1800" dirty="0">
-                <a:effectLst/>
-                <a:latin typeface="Calibri" panose="020F0502020204030204" pitchFamily="34" charset="0"/>
-              </a:rPr>
-              <a:t>Reduces noise and lowers computational power needed.</a:t>
+              <a:rPr lang="en-US" sz="1600" dirty="0">
+                <a:latin typeface="+mj-lt"/>
+              </a:rPr>
+              <a:t>Morphology based approach (word internal structure to predict lemma, requires trained model)</a:t>
             </a:r>
           </a:p>
           <a:p>
@@ -4873,12 +5333,15 @@
               <a:tabLst/>
               <a:defRPr/>
             </a:pPr>
-            <a:endParaRPr lang="en-US" sz="1600" dirty="0">
-              <a:latin typeface="+mj-lt"/>
-            </a:endParaRPr>
-          </a:p>
-          <a:p>
-            <a:pPr marL="895243" marR="0" lvl="1" indent="-285750" algn="l" defTabSz="914400" rtl="0" eaLnBrk="0" fontAlgn="base" latinLnBrk="0" hangingPunct="0">
+            <a:r>
+              <a:rPr lang="en-US" sz="1600" dirty="0">
+                <a:latin typeface="+mj-lt"/>
+              </a:rPr>
+              <a:t>Which lemmatization method did we use?</a:t>
+            </a:r>
+          </a:p>
+          <a:p>
+            <a:pPr marL="2114230" marR="0" lvl="3" indent="-285750" algn="l" defTabSz="914400" rtl="0" eaLnBrk="0" fontAlgn="base" latinLnBrk="0" hangingPunct="0">
               <a:lnSpc>
                 <a:spcPct val="100000"/>
               </a:lnSpc>
@@ -4895,12 +5358,15 @@
               <a:tabLst/>
               <a:defRPr/>
             </a:pPr>
-            <a:endParaRPr lang="en-US" sz="1600" dirty="0">
-              <a:latin typeface="+mj-lt"/>
-            </a:endParaRPr>
-          </a:p>
-          <a:p>
-            <a:pPr marL="895243" marR="0" lvl="1" indent="-285750" algn="l" defTabSz="914400" rtl="0" eaLnBrk="0" fontAlgn="base" latinLnBrk="0" hangingPunct="0">
+            <a:r>
+              <a:rPr lang="en-US" sz="1600" dirty="0">
+                <a:latin typeface="+mj-lt"/>
+              </a:rPr>
+              <a:t>?????</a:t>
+            </a:r>
+          </a:p>
+          <a:p>
+            <a:pPr marL="2114230" marR="0" lvl="3" indent="-285750" algn="l" defTabSz="914400" rtl="0" eaLnBrk="0" fontAlgn="base" latinLnBrk="0" hangingPunct="0">
               <a:lnSpc>
                 <a:spcPct val="100000"/>
               </a:lnSpc>
@@ -4917,15 +5383,12 @@
               <a:tabLst/>
               <a:defRPr/>
             </a:pPr>
-            <a:r>
-              <a:rPr lang="en-US" sz="1600" dirty="0">
-                <a:latin typeface="+mj-lt"/>
-              </a:rPr>
-              <a:t>Lemmatization?</a:t>
-            </a:r>
-          </a:p>
-          <a:p>
-            <a:pPr marL="1504737" marR="0" lvl="2" indent="-285750" algn="l" defTabSz="914400" rtl="0" eaLnBrk="0" fontAlgn="base" latinLnBrk="0" hangingPunct="0">
+            <a:endParaRPr lang="en-US" sz="1600" dirty="0">
+              <a:latin typeface="+mj-lt"/>
+            </a:endParaRPr>
+          </a:p>
+          <a:p>
+            <a:pPr marL="895243" marR="0" lvl="1" indent="-285750" algn="l" defTabSz="914400" rtl="0" eaLnBrk="0" fontAlgn="base" latinLnBrk="0" hangingPunct="0">
               <a:lnSpc>
                 <a:spcPct val="100000"/>
               </a:lnSpc>
@@ -4946,13 +5409,7 @@
               <a:rPr lang="en-US" sz="1600" dirty="0">
                 <a:latin typeface="+mj-lt"/>
               </a:rPr>
-              <a:t>Lemmatization -&gt; Grouping together inflected forms of the same word, into the </a:t>
-            </a:r>
-            <a:r>
-              <a:rPr lang="en-US" sz="1600" i="1" dirty="0">
-                <a:latin typeface="+mj-lt"/>
-              </a:rPr>
-              <a:t>lemma</a:t>
+              <a:t>What other preprocessing steps could have been utilized?</a:t>
             </a:r>
           </a:p>
           <a:p>
@@ -4977,7 +5434,7 @@
               <a:rPr lang="en-US" sz="1600" dirty="0">
                 <a:latin typeface="+mj-lt"/>
               </a:rPr>
-              <a:t>What is a lemma?</a:t>
+              <a:t>Instead of lemmatization, we could have used stemming:</a:t>
             </a:r>
           </a:p>
           <a:p>
@@ -5002,7 +5459,7 @@
               <a:rPr lang="en-US" sz="1600" dirty="0">
                 <a:latin typeface="+mj-lt"/>
               </a:rPr>
-              <a:t>Semantic nucleus of a word</a:t>
+              <a:t>Similar to lemmatization, but simpler (and not necessarily humanly interpretable):</a:t>
             </a:r>
           </a:p>
           <a:p>
@@ -5024,303 +5481,6 @@
               <a:defRPr/>
             </a:pPr>
             <a:r>
-              <a:rPr lang="en-US" sz="1600" dirty="0">
-                <a:latin typeface="+mj-lt"/>
-              </a:rPr>
-              <a:t>Infinitive for verbs</a:t>
-            </a:r>
-          </a:p>
-          <a:p>
-            <a:pPr marL="2114230" marR="0" lvl="3" indent="-285750" algn="l" defTabSz="914400" rtl="0" eaLnBrk="0" fontAlgn="base" latinLnBrk="0" hangingPunct="0">
-              <a:lnSpc>
-                <a:spcPct val="100000"/>
-              </a:lnSpc>
-              <a:spcBef>
-                <a:spcPct val="30000"/>
-              </a:spcBef>
-              <a:spcAft>
-                <a:spcPct val="0"/>
-              </a:spcAft>
-              <a:buClrTx/>
-              <a:buSzTx/>
-              <a:buFont typeface="Arial" panose="020B0604020202020204" pitchFamily="34" charset="0"/>
-              <a:buChar char="•"/>
-              <a:tabLst/>
-              <a:defRPr/>
-            </a:pPr>
-            <a:r>
-              <a:rPr lang="en-US" sz="1600" dirty="0">
-                <a:latin typeface="+mj-lt"/>
-              </a:rPr>
-              <a:t>Singular form for nouns</a:t>
-            </a:r>
-          </a:p>
-          <a:p>
-            <a:pPr marL="1504737" marR="0" lvl="2" indent="-285750" algn="l" defTabSz="914400" rtl="0" eaLnBrk="0" fontAlgn="base" latinLnBrk="0" hangingPunct="0">
-              <a:lnSpc>
-                <a:spcPct val="100000"/>
-              </a:lnSpc>
-              <a:spcBef>
-                <a:spcPct val="30000"/>
-              </a:spcBef>
-              <a:spcAft>
-                <a:spcPct val="0"/>
-              </a:spcAft>
-              <a:buClrTx/>
-              <a:buSzTx/>
-              <a:buFont typeface="Arial" panose="020B0604020202020204" pitchFamily="34" charset="0"/>
-              <a:buChar char="•"/>
-              <a:tabLst/>
-              <a:defRPr/>
-            </a:pPr>
-            <a:r>
-              <a:rPr lang="en-US" sz="1600" dirty="0">
-                <a:latin typeface="+mj-lt"/>
-              </a:rPr>
-              <a:t>How is lemmatization carried out?</a:t>
-            </a:r>
-          </a:p>
-          <a:p>
-            <a:pPr marL="2114230" marR="0" lvl="3" indent="-285750" algn="l" defTabSz="914400" rtl="0" eaLnBrk="0" fontAlgn="base" latinLnBrk="0" hangingPunct="0">
-              <a:lnSpc>
-                <a:spcPct val="100000"/>
-              </a:lnSpc>
-              <a:spcBef>
-                <a:spcPct val="30000"/>
-              </a:spcBef>
-              <a:spcAft>
-                <a:spcPct val="0"/>
-              </a:spcAft>
-              <a:buClrTx/>
-              <a:buSzTx/>
-              <a:buFont typeface="Arial" panose="020B0604020202020204" pitchFamily="34" charset="0"/>
-              <a:buChar char="•"/>
-              <a:tabLst/>
-              <a:defRPr/>
-            </a:pPr>
-            <a:r>
-              <a:rPr lang="en-US" sz="1600" dirty="0">
-                <a:latin typeface="+mj-lt"/>
-              </a:rPr>
-              <a:t>Two methods:</a:t>
-            </a:r>
-          </a:p>
-          <a:p>
-            <a:pPr marL="2723723" marR="0" lvl="4" indent="-285750" algn="l" defTabSz="914400" rtl="0" eaLnBrk="0" fontAlgn="base" latinLnBrk="0" hangingPunct="0">
-              <a:lnSpc>
-                <a:spcPct val="100000"/>
-              </a:lnSpc>
-              <a:spcBef>
-                <a:spcPct val="30000"/>
-              </a:spcBef>
-              <a:spcAft>
-                <a:spcPct val="0"/>
-              </a:spcAft>
-              <a:buClrTx/>
-              <a:buSzTx/>
-              <a:buFont typeface="Arial" panose="020B0604020202020204" pitchFamily="34" charset="0"/>
-              <a:buChar char="•"/>
-              <a:tabLst/>
-              <a:defRPr/>
-            </a:pPr>
-            <a:r>
-              <a:rPr lang="en-US" sz="1600" dirty="0">
-                <a:latin typeface="+mj-lt"/>
-              </a:rPr>
-              <a:t>Look-up table</a:t>
-            </a:r>
-          </a:p>
-          <a:p>
-            <a:pPr marL="2723723" marR="0" lvl="4" indent="-285750" algn="l" defTabSz="914400" rtl="0" eaLnBrk="0" fontAlgn="base" latinLnBrk="0" hangingPunct="0">
-              <a:lnSpc>
-                <a:spcPct val="100000"/>
-              </a:lnSpc>
-              <a:spcBef>
-                <a:spcPct val="30000"/>
-              </a:spcBef>
-              <a:spcAft>
-                <a:spcPct val="0"/>
-              </a:spcAft>
-              <a:buClrTx/>
-              <a:buSzTx/>
-              <a:buFont typeface="Arial" panose="020B0604020202020204" pitchFamily="34" charset="0"/>
-              <a:buChar char="•"/>
-              <a:tabLst/>
-              <a:defRPr/>
-            </a:pPr>
-            <a:r>
-              <a:rPr lang="en-US" sz="1600" dirty="0">
-                <a:latin typeface="+mj-lt"/>
-              </a:rPr>
-              <a:t>Morphology based approach (word internal structure to predict lemma, requires trained model)</a:t>
-            </a:r>
-          </a:p>
-          <a:p>
-            <a:pPr marL="1504737" marR="0" lvl="2" indent="-285750" algn="l" defTabSz="914400" rtl="0" eaLnBrk="0" fontAlgn="base" latinLnBrk="0" hangingPunct="0">
-              <a:lnSpc>
-                <a:spcPct val="100000"/>
-              </a:lnSpc>
-              <a:spcBef>
-                <a:spcPct val="30000"/>
-              </a:spcBef>
-              <a:spcAft>
-                <a:spcPct val="0"/>
-              </a:spcAft>
-              <a:buClrTx/>
-              <a:buSzTx/>
-              <a:buFont typeface="Arial" panose="020B0604020202020204" pitchFamily="34" charset="0"/>
-              <a:buChar char="•"/>
-              <a:tabLst/>
-              <a:defRPr/>
-            </a:pPr>
-            <a:r>
-              <a:rPr lang="en-US" sz="1600" dirty="0">
-                <a:latin typeface="+mj-lt"/>
-              </a:rPr>
-              <a:t>Which lemmatization method did we use?</a:t>
-            </a:r>
-          </a:p>
-          <a:p>
-            <a:pPr marL="2114230" marR="0" lvl="3" indent="-285750" algn="l" defTabSz="914400" rtl="0" eaLnBrk="0" fontAlgn="base" latinLnBrk="0" hangingPunct="0">
-              <a:lnSpc>
-                <a:spcPct val="100000"/>
-              </a:lnSpc>
-              <a:spcBef>
-                <a:spcPct val="30000"/>
-              </a:spcBef>
-              <a:spcAft>
-                <a:spcPct val="0"/>
-              </a:spcAft>
-              <a:buClrTx/>
-              <a:buSzTx/>
-              <a:buFont typeface="Arial" panose="020B0604020202020204" pitchFamily="34" charset="0"/>
-              <a:buChar char="•"/>
-              <a:tabLst/>
-              <a:defRPr/>
-            </a:pPr>
-            <a:r>
-              <a:rPr lang="en-US" sz="1600" dirty="0">
-                <a:latin typeface="+mj-lt"/>
-              </a:rPr>
-              <a:t>?????</a:t>
-            </a:r>
-          </a:p>
-          <a:p>
-            <a:pPr marL="2114230" marR="0" lvl="3" indent="-285750" algn="l" defTabSz="914400" rtl="0" eaLnBrk="0" fontAlgn="base" latinLnBrk="0" hangingPunct="0">
-              <a:lnSpc>
-                <a:spcPct val="100000"/>
-              </a:lnSpc>
-              <a:spcBef>
-                <a:spcPct val="30000"/>
-              </a:spcBef>
-              <a:spcAft>
-                <a:spcPct val="0"/>
-              </a:spcAft>
-              <a:buClrTx/>
-              <a:buSzTx/>
-              <a:buFont typeface="Arial" panose="020B0604020202020204" pitchFamily="34" charset="0"/>
-              <a:buChar char="•"/>
-              <a:tabLst/>
-              <a:defRPr/>
-            </a:pPr>
-            <a:endParaRPr lang="en-US" sz="1600" dirty="0">
-              <a:latin typeface="+mj-lt"/>
-            </a:endParaRPr>
-          </a:p>
-          <a:p>
-            <a:pPr marL="895243" marR="0" lvl="1" indent="-285750" algn="l" defTabSz="914400" rtl="0" eaLnBrk="0" fontAlgn="base" latinLnBrk="0" hangingPunct="0">
-              <a:lnSpc>
-                <a:spcPct val="100000"/>
-              </a:lnSpc>
-              <a:spcBef>
-                <a:spcPct val="30000"/>
-              </a:spcBef>
-              <a:spcAft>
-                <a:spcPct val="0"/>
-              </a:spcAft>
-              <a:buClrTx/>
-              <a:buSzTx/>
-              <a:buFont typeface="Arial" panose="020B0604020202020204" pitchFamily="34" charset="0"/>
-              <a:buChar char="•"/>
-              <a:tabLst/>
-              <a:defRPr/>
-            </a:pPr>
-            <a:r>
-              <a:rPr lang="en-US" sz="1600" dirty="0">
-                <a:latin typeface="+mj-lt"/>
-              </a:rPr>
-              <a:t>What other preprocessing steps could have been utilized?</a:t>
-            </a:r>
-          </a:p>
-          <a:p>
-            <a:pPr marL="1504737" marR="0" lvl="2" indent="-285750" algn="l" defTabSz="914400" rtl="0" eaLnBrk="0" fontAlgn="base" latinLnBrk="0" hangingPunct="0">
-              <a:lnSpc>
-                <a:spcPct val="100000"/>
-              </a:lnSpc>
-              <a:spcBef>
-                <a:spcPct val="30000"/>
-              </a:spcBef>
-              <a:spcAft>
-                <a:spcPct val="0"/>
-              </a:spcAft>
-              <a:buClrTx/>
-              <a:buSzTx/>
-              <a:buFont typeface="Arial" panose="020B0604020202020204" pitchFamily="34" charset="0"/>
-              <a:buChar char="•"/>
-              <a:tabLst/>
-              <a:defRPr/>
-            </a:pPr>
-            <a:r>
-              <a:rPr lang="en-US" sz="1600" dirty="0">
-                <a:latin typeface="+mj-lt"/>
-              </a:rPr>
-              <a:t>Instead of lemmatization, we could have used stemming:</a:t>
-            </a:r>
-          </a:p>
-          <a:p>
-            <a:pPr marL="2114230" marR="0" lvl="3" indent="-285750" algn="l" defTabSz="914400" rtl="0" eaLnBrk="0" fontAlgn="base" latinLnBrk="0" hangingPunct="0">
-              <a:lnSpc>
-                <a:spcPct val="100000"/>
-              </a:lnSpc>
-              <a:spcBef>
-                <a:spcPct val="30000"/>
-              </a:spcBef>
-              <a:spcAft>
-                <a:spcPct val="0"/>
-              </a:spcAft>
-              <a:buClrTx/>
-              <a:buSzTx/>
-              <a:buFont typeface="Arial" panose="020B0604020202020204" pitchFamily="34" charset="0"/>
-              <a:buChar char="•"/>
-              <a:tabLst/>
-              <a:defRPr/>
-            </a:pPr>
-            <a:r>
-              <a:rPr lang="en-US" sz="1600" dirty="0">
-                <a:latin typeface="+mj-lt"/>
-              </a:rPr>
-              <a:t>Similar to lemmatization, but simpler (and not necessarily humanly interpretable):</a:t>
-            </a:r>
-          </a:p>
-          <a:p>
-            <a:pPr marL="2114230" marR="0" lvl="3" indent="-285750" algn="l" defTabSz="914400" rtl="0" eaLnBrk="0" fontAlgn="base" latinLnBrk="0" hangingPunct="0">
-              <a:lnSpc>
-                <a:spcPct val="100000"/>
-              </a:lnSpc>
-              <a:spcBef>
-                <a:spcPct val="30000"/>
-              </a:spcBef>
-              <a:spcAft>
-                <a:spcPct val="0"/>
-              </a:spcAft>
-              <a:buClrTx/>
-              <a:buSzTx/>
-              <a:buFont typeface="Arial" panose="020B0604020202020204" pitchFamily="34" charset="0"/>
-              <a:buChar char="•"/>
-              <a:tabLst/>
-              <a:defRPr/>
-            </a:pPr>
-            <a:r>
               <a:rPr lang="da-DK" sz="1800" i="1" dirty="0">
                 <a:effectLst/>
                 <a:latin typeface="Calibri" panose="020F0502020204030204" pitchFamily="34" charset="0"/>
@@ -5358,125 +5518,256 @@
             <a:endParaRPr lang="en-GB" dirty="0"/>
           </a:p>
           <a:p>
-            <a:pPr marL="895243" marR="0" lvl="1" indent="-285750" algn="l" defTabSz="914400" rtl="0" eaLnBrk="0" fontAlgn="base" latinLnBrk="0" hangingPunct="0">
-              <a:lnSpc>
-                <a:spcPct val="100000"/>
-              </a:lnSpc>
-              <a:spcBef>
-                <a:spcPct val="30000"/>
-              </a:spcBef>
-              <a:spcAft>
-                <a:spcPct val="0"/>
-              </a:spcAft>
-              <a:buClrTx/>
-              <a:buSzTx/>
-              <a:buFont typeface="Arial" panose="020B0604020202020204" pitchFamily="34" charset="0"/>
-              <a:buChar char="•"/>
-              <a:tabLst/>
-              <a:defRPr/>
-            </a:pPr>
-            <a:endParaRPr lang="en-GB" dirty="0"/>
-          </a:p>
-          <a:p>
-            <a:pPr marL="285750" marR="0" lvl="0" indent="-285750" algn="l" defTabSz="914400" rtl="0" eaLnBrk="0" fontAlgn="base" latinLnBrk="0" hangingPunct="0">
-              <a:lnSpc>
-                <a:spcPct val="100000"/>
-              </a:lnSpc>
-              <a:spcBef>
-                <a:spcPct val="30000"/>
-              </a:spcBef>
-              <a:spcAft>
-                <a:spcPct val="0"/>
-              </a:spcAft>
-              <a:buClrTx/>
-              <a:buSzTx/>
-              <a:buFont typeface="Arial" panose="020B0604020202020204" pitchFamily="34" charset="0"/>
-              <a:buChar char="•"/>
-              <a:tabLst/>
-              <a:defRPr/>
-            </a:pPr>
-            <a:r>
-              <a:rPr lang="en-GB" dirty="0" err="1"/>
+            <a:pPr marL="285750" lvl="0" indent="-285750">
+              <a:buFont typeface="Arial" panose="020B0604020202020204" pitchFamily="34" charset="0"/>
+              <a:buChar char="•"/>
+            </a:pPr>
+            <a:endParaRPr lang="en-US" b="0" i="0" dirty="0">
+              <a:solidFill>
+                <a:srgbClr val="FFFFFF"/>
+              </a:solidFill>
+              <a:effectLst/>
+              <a:latin typeface="Segoe UI Historic" panose="020B0502040204020203" pitchFamily="34" charset="0"/>
+            </a:endParaRPr>
+          </a:p>
+          <a:p>
+            <a:pPr marL="285750" lvl="0" indent="-285750">
+              <a:buFont typeface="Arial" panose="020B0604020202020204" pitchFamily="34" charset="0"/>
+              <a:buChar char="•"/>
+            </a:pPr>
+            <a:r>
+              <a:rPr lang="en-US" b="0" i="0" dirty="0">
+                <a:solidFill>
+                  <a:srgbClr val="FFFFFF"/>
+                </a:solidFill>
+                <a:effectLst/>
+                <a:latin typeface="Segoe UI Historic" panose="020B0502040204020203" pitchFamily="34" charset="0"/>
+              </a:rPr>
+              <a:t>BERT </a:t>
+            </a:r>
+          </a:p>
+          <a:p>
+            <a:pPr marL="285750" lvl="0" indent="-285750">
+              <a:buFont typeface="Arial" panose="020B0604020202020204" pitchFamily="34" charset="0"/>
+              <a:buChar char="•"/>
+            </a:pPr>
+            <a:endParaRPr lang="en-US" b="0" i="0" dirty="0">
+              <a:solidFill>
+                <a:srgbClr val="FFFFFF"/>
+              </a:solidFill>
+              <a:effectLst/>
+              <a:latin typeface="Segoe UI Historic" panose="020B0502040204020203" pitchFamily="34" charset="0"/>
+            </a:endParaRPr>
+          </a:p>
+          <a:p>
+            <a:pPr marL="285750" lvl="0" indent="-285750">
+              <a:buFont typeface="Arial" panose="020B0604020202020204" pitchFamily="34" charset="0"/>
+              <a:buChar char="•"/>
+            </a:pPr>
+            <a:r>
+              <a:rPr lang="en-US" b="0" i="0" dirty="0">
+                <a:solidFill>
+                  <a:srgbClr val="FFFFFF"/>
+                </a:solidFill>
+                <a:effectLst/>
+                <a:latin typeface="Segoe UI Historic" panose="020B0502040204020203" pitchFamily="34" charset="0"/>
+              </a:rPr>
+              <a:t>Macro F1-score</a:t>
+            </a:r>
+          </a:p>
+          <a:p>
+            <a:pPr marL="895243" lvl="1" indent="-285750">
+              <a:buFont typeface="Arial" panose="020B0604020202020204" pitchFamily="34" charset="0"/>
+              <a:buChar char="•"/>
+            </a:pPr>
+            <a:r>
+              <a:rPr lang="en-US" b="0" i="0" dirty="0">
+                <a:solidFill>
+                  <a:srgbClr val="FFFFFF"/>
+                </a:solidFill>
+                <a:effectLst/>
+                <a:latin typeface="Segoe UI Historic" panose="020B0502040204020203" pitchFamily="34" charset="0"/>
+              </a:rPr>
+              <a:t>Classification matrix -&gt; best</a:t>
+            </a:r>
+          </a:p>
+          <a:p>
+            <a:pPr marL="895243" lvl="1" indent="-285750">
+              <a:buFont typeface="Arial" panose="020B0604020202020204" pitchFamily="34" charset="0"/>
+              <a:buChar char="•"/>
+            </a:pPr>
+            <a:endParaRPr lang="en-US" b="0" i="0" dirty="0">
+              <a:solidFill>
+                <a:srgbClr val="FFFFFF"/>
+              </a:solidFill>
+              <a:effectLst/>
+              <a:latin typeface="Segoe UI Historic" panose="020B0502040204020203" pitchFamily="34" charset="0"/>
+            </a:endParaRPr>
+          </a:p>
+          <a:p>
+            <a:pPr marL="285750" lvl="0" indent="-285750">
+              <a:buFont typeface="Arial" panose="020B0604020202020204" pitchFamily="34" charset="0"/>
+              <a:buChar char="•"/>
+            </a:pPr>
+            <a:r>
+              <a:rPr lang="en-US" b="0" i="0" dirty="0" err="1">
+                <a:solidFill>
+                  <a:srgbClr val="FFFFFF"/>
+                </a:solidFill>
+                <a:effectLst/>
+                <a:latin typeface="Segoe UI Historic" panose="020B0502040204020203" pitchFamily="34" charset="0"/>
+              </a:rPr>
               <a:t>fastText</a:t>
             </a:r>
-            <a:endParaRPr lang="en-GB" dirty="0"/>
-          </a:p>
-          <a:p>
-            <a:pPr marL="895243" marR="0" lvl="1" indent="-285750" algn="l" defTabSz="914400" rtl="0" eaLnBrk="0" fontAlgn="base" latinLnBrk="0" hangingPunct="0">
-              <a:lnSpc>
-                <a:spcPct val="100000"/>
-              </a:lnSpc>
-              <a:spcBef>
-                <a:spcPct val="30000"/>
-              </a:spcBef>
-              <a:spcAft>
-                <a:spcPct val="0"/>
-              </a:spcAft>
-              <a:buClrTx/>
-              <a:buSzTx/>
-              <a:buFont typeface="Arial" panose="020B0604020202020204" pitchFamily="34" charset="0"/>
-              <a:buChar char="•"/>
-              <a:tabLst/>
-              <a:defRPr/>
-            </a:pPr>
-            <a:r>
-              <a:rPr lang="en-GB" dirty="0" err="1"/>
-              <a:t>fastText</a:t>
-            </a:r>
-            <a:r>
-              <a:rPr lang="en-GB" dirty="0"/>
-              <a:t> is an improvement of word2vec, that includes sub-word information. </a:t>
-            </a:r>
-          </a:p>
-          <a:p>
-            <a:pPr marL="895243" marR="0" lvl="1" indent="-285750" algn="l" defTabSz="914400" rtl="0" eaLnBrk="0" fontAlgn="base" latinLnBrk="0" hangingPunct="0">
-              <a:lnSpc>
-                <a:spcPct val="100000"/>
-              </a:lnSpc>
-              <a:spcBef>
-                <a:spcPct val="30000"/>
-              </a:spcBef>
-              <a:spcAft>
-                <a:spcPct val="0"/>
-              </a:spcAft>
-              <a:buClrTx/>
-              <a:buSzTx/>
-              <a:buFont typeface="Arial" panose="020B0604020202020204" pitchFamily="34" charset="0"/>
-              <a:buChar char="•"/>
-              <a:tabLst/>
-              <a:defRPr/>
-            </a:pPr>
-            <a:r>
-              <a:rPr lang="en-GB" dirty="0"/>
-              <a:t>Looks up </a:t>
-            </a:r>
-            <a:r>
-              <a:rPr lang="en-GB" dirty="0" err="1"/>
-              <a:t>subword</a:t>
-            </a:r>
-            <a:r>
-              <a:rPr lang="en-GB" dirty="0"/>
-              <a:t> embeddings, averages, and then this is embedding of the word</a:t>
-            </a:r>
-          </a:p>
-          <a:p>
-            <a:pPr marL="895243" marR="0" lvl="1" indent="-285750" algn="l" defTabSz="914400" rtl="0" eaLnBrk="0" fontAlgn="base" latinLnBrk="0" hangingPunct="0">
-              <a:lnSpc>
-                <a:spcPct val="100000"/>
-              </a:lnSpc>
-              <a:spcBef>
-                <a:spcPct val="30000"/>
-              </a:spcBef>
-              <a:spcAft>
-                <a:spcPct val="0"/>
-              </a:spcAft>
-              <a:buClrTx/>
-              <a:buSzTx/>
-              <a:buFont typeface="Arial" panose="020B0604020202020204" pitchFamily="34" charset="0"/>
-              <a:buChar char="•"/>
-              <a:tabLst/>
-              <a:defRPr/>
-            </a:pPr>
+            <a:r>
+              <a:rPr lang="en-US" b="0" i="0" dirty="0">
+                <a:solidFill>
+                  <a:srgbClr val="FFFFFF"/>
+                </a:solidFill>
+                <a:effectLst/>
+                <a:latin typeface="Segoe UI Historic" panose="020B0502040204020203" pitchFamily="34" charset="0"/>
+              </a:rPr>
+              <a:t> </a:t>
+            </a:r>
+            <a:r>
+              <a:rPr lang="en-US" b="0" i="0" dirty="0" err="1">
+                <a:solidFill>
+                  <a:srgbClr val="FFFFFF"/>
+                </a:solidFill>
+                <a:effectLst/>
+                <a:latin typeface="Segoe UI Historic" panose="020B0502040204020203" pitchFamily="34" charset="0"/>
+              </a:rPr>
+              <a:t>skipgram</a:t>
+            </a:r>
+            <a:r>
+              <a:rPr lang="en-US" b="0" i="0" dirty="0">
+                <a:solidFill>
+                  <a:srgbClr val="FFFFFF"/>
+                </a:solidFill>
+                <a:effectLst/>
+                <a:latin typeface="Segoe UI Historic" panose="020B0502040204020203" pitchFamily="34" charset="0"/>
+              </a:rPr>
+              <a:t> </a:t>
+            </a:r>
+          </a:p>
+          <a:p>
+            <a:pPr marL="895243" lvl="1" indent="-285750">
+              <a:buFont typeface="Arial" panose="020B0604020202020204" pitchFamily="34" charset="0"/>
+              <a:buChar char="•"/>
+            </a:pPr>
+            <a:r>
+              <a:rPr lang="en-US" b="0" i="0" dirty="0">
+                <a:solidFill>
+                  <a:srgbClr val="FFFFFF"/>
+                </a:solidFill>
+                <a:effectLst/>
+                <a:latin typeface="Segoe UI Historic" panose="020B0502040204020203" pitchFamily="34" charset="0"/>
+              </a:rPr>
+              <a:t>Word2vec upgrade, includes N-grams</a:t>
+            </a:r>
+          </a:p>
+          <a:p>
+            <a:pPr marL="895243" lvl="1" indent="-285750">
+              <a:buFont typeface="Arial" panose="020B0604020202020204" pitchFamily="34" charset="0"/>
+              <a:buChar char="•"/>
+            </a:pPr>
+            <a:r>
+              <a:rPr lang="en-US" b="0" i="0" dirty="0">
+                <a:solidFill>
+                  <a:srgbClr val="FFFFFF"/>
+                </a:solidFill>
+                <a:effectLst/>
+                <a:latin typeface="Segoe UI Historic" panose="020B0502040204020203" pitchFamily="34" charset="0"/>
+              </a:rPr>
+              <a:t>100 dimensions</a:t>
+            </a:r>
+          </a:p>
+          <a:p>
+            <a:pPr marL="285750" lvl="0" indent="-285750">
+              <a:buFont typeface="Arial" panose="020B0604020202020204" pitchFamily="34" charset="0"/>
+              <a:buChar char="•"/>
+            </a:pPr>
+            <a:endParaRPr lang="en-US" b="0" i="0" dirty="0">
+              <a:solidFill>
+                <a:srgbClr val="FFFFFF"/>
+              </a:solidFill>
+              <a:effectLst/>
+              <a:latin typeface="Segoe UI Historic" panose="020B0502040204020203" pitchFamily="34" charset="0"/>
+            </a:endParaRPr>
+          </a:p>
+          <a:p>
+            <a:pPr marL="285750" lvl="0" indent="-285750">
+              <a:buFont typeface="Arial" panose="020B0604020202020204" pitchFamily="34" charset="0"/>
+              <a:buChar char="•"/>
+            </a:pPr>
+            <a:r>
+              <a:rPr lang="en-US" b="0" i="0" dirty="0">
+                <a:solidFill>
+                  <a:srgbClr val="FFFFFF"/>
+                </a:solidFill>
+                <a:effectLst/>
+                <a:latin typeface="Segoe UI Historic" panose="020B0502040204020203" pitchFamily="34" charset="0"/>
+              </a:rPr>
+              <a:t>Problems of Dynamic Word Embeddings.</a:t>
+            </a:r>
+          </a:p>
+          <a:p>
+            <a:pPr marL="895243" lvl="1" indent="-285750">
+              <a:buFont typeface="Arial" panose="020B0604020202020204" pitchFamily="34" charset="0"/>
+              <a:buChar char="•"/>
+            </a:pPr>
+            <a:r>
+              <a:rPr lang="en-US" b="0" i="0" dirty="0">
+                <a:solidFill>
+                  <a:srgbClr val="FFFFFF"/>
+                </a:solidFill>
+                <a:effectLst/>
+                <a:latin typeface="Segoe UI Historic" panose="020B0502040204020203" pitchFamily="34" charset="0"/>
+              </a:rPr>
+              <a:t>1) Cosine as distance</a:t>
+            </a:r>
+          </a:p>
+          <a:p>
+            <a:pPr marL="895243" lvl="1" indent="-285750">
+              <a:buFont typeface="Arial" panose="020B0604020202020204" pitchFamily="34" charset="0"/>
+              <a:buChar char="•"/>
+            </a:pPr>
+            <a:r>
+              <a:rPr lang="en-US" b="0" i="0" dirty="0">
+                <a:solidFill>
+                  <a:srgbClr val="FFFFFF"/>
+                </a:solidFill>
+                <a:effectLst/>
+                <a:latin typeface="Segoe UI Historic" panose="020B0502040204020203" pitchFamily="34" charset="0"/>
+              </a:rPr>
+              <a:t>2) Comparing word embeddings across different models</a:t>
+            </a:r>
+          </a:p>
+          <a:p>
+            <a:pPr marL="895243" lvl="1" indent="-285750">
+              <a:buFont typeface="Arial" panose="020B0604020202020204" pitchFamily="34" charset="0"/>
+              <a:buChar char="•"/>
+            </a:pPr>
+            <a:r>
+              <a:rPr lang="en-US" b="0" i="0" dirty="0">
+                <a:solidFill>
+                  <a:srgbClr val="FFFFFF"/>
+                </a:solidFill>
+                <a:effectLst/>
+                <a:latin typeface="Segoe UI Historic" panose="020B0502040204020203" pitchFamily="34" charset="0"/>
+              </a:rPr>
+              <a:t>3) If we had sampled data randomly from the same period, we would also have seen semantic shifts and changes in nearest </a:t>
+            </a:r>
+            <a:r>
+              <a:rPr lang="en-US" b="0" i="0" dirty="0" err="1">
+                <a:solidFill>
+                  <a:srgbClr val="FFFFFF"/>
+                </a:solidFill>
+                <a:effectLst/>
+                <a:latin typeface="Segoe UI Historic" panose="020B0502040204020203" pitchFamily="34" charset="0"/>
+              </a:rPr>
+              <a:t>neighbours</a:t>
+            </a:r>
             <a:endParaRPr lang="en-GB" dirty="0"/>
           </a:p>
           <a:p>
@@ -5747,7 +6038,7 @@
       </p:grpSpPr>
       <p:sp>
         <p:nvSpPr>
-          <p:cNvPr id="2" name="Slide Image Placeholder 1"/>
+          <p:cNvPr id="2" name="Pladsholder til slidebillede 1"/>
           <p:cNvSpPr>
             <a:spLocks noGrp="1" noRot="1" noChangeAspect="1"/>
           </p:cNvSpPr>
@@ -5759,7 +6050,7 @@
       </p:sp>
       <p:sp>
         <p:nvSpPr>
-          <p:cNvPr id="3" name="Notes Placeholder 2"/>
+          <p:cNvPr id="3" name="Pladsholder til noter 2"/>
           <p:cNvSpPr>
             <a:spLocks noGrp="1"/>
           </p:cNvSpPr>
@@ -5772,26 +6063,310 @@
           <a:bodyPr/>
           <a:lstStyle/>
           <a:p>
-            <a:pPr marL="285750" indent="-285750">
-              <a:buFont typeface="Arial" panose="020B0604020202020204" pitchFamily="34" charset="0"/>
-              <a:buChar char="•"/>
-            </a:pPr>
-            <a:r>
-              <a:rPr lang="en-US" dirty="0"/>
-              <a:t>Came to realize problem not mentioned in synopsis</a:t>
-            </a:r>
-            <a:endParaRPr lang="da-DK" dirty="0"/>
-          </a:p>
-        </p:txBody>
-      </p:sp>
-      <p:sp>
-        <p:nvSpPr>
-          <p:cNvPr id="4" name="Slide Number Placeholder 3"/>
+            <a:pPr marL="285750" lvl="0" indent="-285750">
+              <a:buFont typeface="Arial" panose="020B0604020202020204" pitchFamily="34" charset="0"/>
+              <a:buChar char="•"/>
+            </a:pPr>
+            <a:r>
+              <a:rPr lang="en-GB" dirty="0" err="1"/>
+              <a:t>FastText</a:t>
+            </a:r>
+            <a:r>
+              <a:rPr lang="en-GB" dirty="0"/>
+              <a:t>:</a:t>
+            </a:r>
+          </a:p>
+          <a:p>
+            <a:pPr marL="895243" lvl="1" indent="-285750">
+              <a:buFont typeface="Arial" panose="020B0604020202020204" pitchFamily="34" charset="0"/>
+              <a:buChar char="•"/>
+            </a:pPr>
+            <a:r>
+              <a:rPr lang="en-GB" dirty="0"/>
+              <a:t>Word Embedding Module</a:t>
+            </a:r>
+          </a:p>
+          <a:p>
+            <a:pPr marL="895243" lvl="1" indent="-285750">
+              <a:buFont typeface="Arial" panose="020B0604020202020204" pitchFamily="34" charset="0"/>
+              <a:buChar char="•"/>
+            </a:pPr>
+            <a:r>
+              <a:rPr lang="en-GB" dirty="0"/>
+              <a:t>Same as Word2Vec but 1 notable difference:</a:t>
+            </a:r>
+          </a:p>
+          <a:p>
+            <a:pPr marL="1504737" lvl="2" indent="-285750">
+              <a:buFont typeface="Arial" panose="020B0604020202020204" pitchFamily="34" charset="0"/>
+              <a:buChar char="•"/>
+            </a:pPr>
+            <a:r>
+              <a:rPr lang="en-GB" dirty="0"/>
+              <a:t>Using N-grams and summing the word embeddings for the N-grams instead of only using words.</a:t>
+            </a:r>
+          </a:p>
+          <a:p>
+            <a:pPr marL="1504737" lvl="2" indent="-285750">
+              <a:buFont typeface="Arial" panose="020B0604020202020204" pitchFamily="34" charset="0"/>
+              <a:buChar char="•"/>
+            </a:pPr>
+            <a:r>
+              <a:rPr lang="en-GB" dirty="0"/>
+              <a:t>-&gt; Essentially language independent, as words are broken into N-grams</a:t>
+            </a:r>
+          </a:p>
+          <a:p>
+            <a:pPr marL="895243" lvl="1" indent="-285750">
+              <a:buFont typeface="Arial" panose="020B0604020202020204" pitchFamily="34" charset="0"/>
+              <a:buChar char="•"/>
+            </a:pPr>
+            <a:endParaRPr lang="en-GB" dirty="0"/>
+          </a:p>
+          <a:p>
+            <a:pPr marL="285750" lvl="0" indent="-285750">
+              <a:buFont typeface="Arial" panose="020B0604020202020204" pitchFamily="34" charset="0"/>
+              <a:buChar char="•"/>
+            </a:pPr>
+            <a:r>
+              <a:rPr lang="en-GB" dirty="0"/>
+              <a:t>It implements </a:t>
+            </a:r>
+            <a:r>
+              <a:rPr lang="en-GB" dirty="0" err="1"/>
+              <a:t>skipgrams</a:t>
+            </a:r>
+            <a:r>
+              <a:rPr lang="en-GB" dirty="0"/>
+              <a:t> with negative sampling, which is quite </a:t>
+            </a:r>
+            <a:r>
+              <a:rPr lang="en-GB" dirty="0" err="1"/>
+              <a:t>ingenius</a:t>
+            </a:r>
+            <a:r>
+              <a:rPr lang="en-GB" dirty="0"/>
+              <a:t>:</a:t>
+            </a:r>
+          </a:p>
+          <a:p>
+            <a:pPr marL="895243" lvl="1" indent="-285750">
+              <a:buFont typeface="Arial" panose="020B0604020202020204" pitchFamily="34" charset="0"/>
+              <a:buChar char="•"/>
+            </a:pPr>
+            <a:r>
+              <a:rPr lang="en-GB" dirty="0"/>
+              <a:t>Here, the embedding for a given word are the weights in a simple binary classification task</a:t>
+            </a:r>
+          </a:p>
+          <a:p>
+            <a:pPr marL="895243" lvl="1" indent="-285750">
+              <a:buFont typeface="Arial" panose="020B0604020202020204" pitchFamily="34" charset="0"/>
+              <a:buChar char="•"/>
+            </a:pPr>
+            <a:r>
+              <a:rPr lang="en-GB" dirty="0"/>
+              <a:t>What </a:t>
+            </a:r>
+            <a:r>
+              <a:rPr lang="en-GB" dirty="0" err="1"/>
+              <a:t>skipgrams</a:t>
+            </a:r>
+            <a:r>
+              <a:rPr lang="en-GB" dirty="0"/>
+              <a:t> with negative sampling does is, that it uses a target word to predict context words</a:t>
+            </a:r>
+          </a:p>
+          <a:p>
+            <a:pPr marL="895243" lvl="1" indent="-285750">
+              <a:buFont typeface="Arial" panose="020B0604020202020204" pitchFamily="34" charset="0"/>
+              <a:buChar char="•"/>
+            </a:pPr>
+            <a:r>
+              <a:rPr lang="en-GB" dirty="0"/>
+              <a:t>It, for a given target word:</a:t>
+            </a:r>
+          </a:p>
+          <a:p>
+            <a:pPr marL="1504737" lvl="2" indent="-285750">
+              <a:buFont typeface="Arial" panose="020B0604020202020204" pitchFamily="34" charset="0"/>
+              <a:buChar char="•"/>
+            </a:pPr>
+            <a:r>
+              <a:rPr lang="en-GB" dirty="0"/>
+              <a:t>Samples words that are within window size of target word</a:t>
+            </a:r>
+          </a:p>
+          <a:p>
+            <a:pPr marL="1504737" lvl="2" indent="-285750">
+              <a:buFont typeface="Arial" panose="020B0604020202020204" pitchFamily="34" charset="0"/>
+              <a:buChar char="•"/>
+            </a:pPr>
+            <a:r>
+              <a:rPr lang="en-GB" dirty="0"/>
+              <a:t>+ Samples words that are not.</a:t>
+            </a:r>
+          </a:p>
+          <a:p>
+            <a:pPr marL="895243" lvl="1" indent="-285750">
+              <a:buFont typeface="Arial" panose="020B0604020202020204" pitchFamily="34" charset="0"/>
+              <a:buChar char="•"/>
+            </a:pPr>
+            <a:r>
+              <a:rPr lang="en-GB" dirty="0"/>
+              <a:t>Builds a logistic regression classifier for the given word to predict whether a context word is:</a:t>
+            </a:r>
+          </a:p>
+          <a:p>
+            <a:pPr marL="1504737" lvl="2" indent="-285750">
+              <a:buFont typeface="Arial" panose="020B0604020202020204" pitchFamily="34" charset="0"/>
+              <a:buChar char="•"/>
+            </a:pPr>
+            <a:r>
+              <a:rPr lang="en-GB" dirty="0"/>
+              <a:t>a positive class (occurs within window size)</a:t>
+            </a:r>
+          </a:p>
+          <a:p>
+            <a:pPr marL="1504737" lvl="2" indent="-285750">
+              <a:buFont typeface="Arial" panose="020B0604020202020204" pitchFamily="34" charset="0"/>
+              <a:buChar char="•"/>
+            </a:pPr>
+            <a:r>
+              <a:rPr lang="en-GB" dirty="0"/>
+              <a:t>a negative class (does not co-occur with target word)</a:t>
+            </a:r>
+          </a:p>
+          <a:p>
+            <a:pPr marL="895243" lvl="1" indent="-285750">
+              <a:buFont typeface="Arial" panose="020B0604020202020204" pitchFamily="34" charset="0"/>
+              <a:buChar char="•"/>
+            </a:pPr>
+            <a:r>
+              <a:rPr lang="en-GB" dirty="0"/>
+              <a:t>Doesn’t use the classifier to predict, but just extract the weights -&gt; the weights are then the embedding of a word</a:t>
+            </a:r>
+          </a:p>
+          <a:p>
+            <a:pPr marL="895243" lvl="1" indent="-285750">
+              <a:buFont typeface="Arial" panose="020B0604020202020204" pitchFamily="34" charset="0"/>
+              <a:buChar char="•"/>
+            </a:pPr>
+            <a:endParaRPr lang="en-GB" dirty="0"/>
+          </a:p>
+          <a:p>
+            <a:pPr marL="285750" lvl="0" indent="-285750">
+              <a:buFont typeface="Arial" panose="020B0604020202020204" pitchFamily="34" charset="0"/>
+              <a:buChar char="•"/>
+            </a:pPr>
+            <a:r>
+              <a:rPr lang="en-GB" dirty="0"/>
+              <a:t>Why does it work? </a:t>
+            </a:r>
+          </a:p>
+          <a:p>
+            <a:pPr marL="895243" lvl="1" indent="-285750">
+              <a:buFont typeface="Arial" panose="020B0604020202020204" pitchFamily="34" charset="0"/>
+              <a:buChar char="•"/>
+            </a:pPr>
+            <a:r>
+              <a:rPr lang="en-GB" dirty="0"/>
+              <a:t>“You shall know a word by the company it keeps”</a:t>
+            </a:r>
+          </a:p>
+          <a:p>
+            <a:pPr marL="1504737" lvl="2" indent="-285750">
+              <a:buFont typeface="Arial" panose="020B0604020202020204" pitchFamily="34" charset="0"/>
+              <a:buChar char="•"/>
+            </a:pPr>
+            <a:r>
+              <a:rPr lang="en-GB" dirty="0"/>
+              <a:t>1) Synonyms would appear in similar contexts</a:t>
+            </a:r>
+          </a:p>
+          <a:p>
+            <a:pPr marL="1504737" lvl="2" indent="-285750">
+              <a:buFont typeface="Arial" panose="020B0604020202020204" pitchFamily="34" charset="0"/>
+              <a:buChar char="•"/>
+            </a:pPr>
+            <a:r>
+              <a:rPr lang="en-GB" dirty="0"/>
+              <a:t>2) Since the classification task is based on context, then the classification task is similar</a:t>
+            </a:r>
+          </a:p>
+          <a:p>
+            <a:pPr marL="1504737" lvl="2" indent="-285750">
+              <a:buFont typeface="Arial" panose="020B0604020202020204" pitchFamily="34" charset="0"/>
+              <a:buChar char="•"/>
+            </a:pPr>
+            <a:r>
+              <a:rPr lang="en-GB" dirty="0"/>
+              <a:t>3) Similar tasks would entail similar weights -&gt; therefore similar embeddings(!)</a:t>
+            </a:r>
+          </a:p>
+          <a:p>
+            <a:pPr marL="1504737" lvl="2" indent="-285750">
+              <a:buFont typeface="Arial" panose="020B0604020202020204" pitchFamily="34" charset="0"/>
+              <a:buChar char="•"/>
+            </a:pPr>
+            <a:endParaRPr lang="en-GB" dirty="0"/>
+          </a:p>
+          <a:p>
+            <a:pPr marL="285750" lvl="0" indent="-285750">
+              <a:buFont typeface="Arial" panose="020B0604020202020204" pitchFamily="34" charset="0"/>
+              <a:buChar char="•"/>
+            </a:pPr>
+            <a:r>
+              <a:rPr lang="en-GB" dirty="0"/>
+              <a:t>Then, because we’re using </a:t>
+            </a:r>
+            <a:r>
+              <a:rPr lang="en-GB" dirty="0" err="1"/>
+              <a:t>fastText</a:t>
+            </a:r>
+            <a:r>
+              <a:rPr lang="en-GB" dirty="0"/>
+              <a:t> rather than Word2Vec, we do this for n-grams instead. And then sum the n-gram embeddings for each word.</a:t>
+            </a:r>
+          </a:p>
+          <a:p>
+            <a:pPr marL="1504737" lvl="2" indent="-285750">
+              <a:buFont typeface="Arial" panose="020B0604020202020204" pitchFamily="34" charset="0"/>
+              <a:buChar char="•"/>
+            </a:pPr>
+            <a:endParaRPr lang="en-GB" dirty="0"/>
+          </a:p>
+          <a:p>
+            <a:pPr marL="895243" lvl="1" indent="-285750">
+              <a:buFont typeface="Arial" panose="020B0604020202020204" pitchFamily="34" charset="0"/>
+              <a:buChar char="•"/>
+            </a:pPr>
+            <a:endParaRPr lang="en-GB" dirty="0"/>
+          </a:p>
+          <a:p>
+            <a:pPr marL="895243" lvl="1" indent="-285750">
+              <a:buFont typeface="Arial" panose="020B0604020202020204" pitchFamily="34" charset="0"/>
+              <a:buChar char="•"/>
+            </a:pPr>
+            <a:endParaRPr lang="en-GB" dirty="0"/>
+          </a:p>
+          <a:p>
+            <a:pPr marL="0" lvl="0" indent="0">
+              <a:buFont typeface="Arial" panose="020B0604020202020204" pitchFamily="34" charset="0"/>
+              <a:buNone/>
+            </a:pPr>
+            <a:endParaRPr lang="en-GB" dirty="0"/>
+          </a:p>
+        </p:txBody>
+      </p:sp>
+      <p:sp>
+        <p:nvSpPr>
+          <p:cNvPr id="4" name="Pladsholder til slidenummer 3"/>
           <p:cNvSpPr>
             <a:spLocks noGrp="1"/>
           </p:cNvSpPr>
           <p:nvPr>
-            <p:ph type="sldNum" sz="quarter" idx="5"/>
+            <p:ph type="sldNum" sz="quarter" idx="10"/>
           </p:nvPr>
         </p:nvSpPr>
         <p:spPr/>
@@ -5803,7 +6378,7 @@
               <a:defRPr/>
             </a:pPr>
             <a:fld id="{72C160C3-3AB6-49C1-8001-AFDAD271EB5B}" type="slidenum">
-              <a:rPr lang="en-GB" smtClean="0"/>
+              <a:rPr lang="en-GB"/>
               <a:pPr>
                 <a:defRPr/>
               </a:pPr>
@@ -5816,7 +6391,7 @@
     </p:spTree>
     <p:extLst>
       <p:ext uri="{BB962C8B-B14F-4D97-AF65-F5344CB8AC3E}">
-        <p14:creationId xmlns:p14="http://schemas.microsoft.com/office/powerpoint/2010/main" val="3639815090"/>
+        <p14:creationId xmlns:p14="http://schemas.microsoft.com/office/powerpoint/2010/main" val="3062008834"/>
       </p:ext>
     </p:extLst>
   </p:cSld>
@@ -5876,139 +6451,8 @@
             </a:pPr>
             <a:r>
               <a:rPr lang="en-GB" dirty="0"/>
-              <a:t>3 problematic factors that I only thought of after finishing our project</a:t>
-            </a:r>
-          </a:p>
-          <a:p>
-            <a:pPr marL="895243" marR="0" lvl="1" indent="-285750" algn="l" defTabSz="914400" rtl="0" eaLnBrk="0" fontAlgn="base" latinLnBrk="0" hangingPunct="0">
-              <a:lnSpc>
-                <a:spcPct val="100000"/>
-              </a:lnSpc>
-              <a:spcBef>
-                <a:spcPct val="30000"/>
-              </a:spcBef>
-              <a:spcAft>
-                <a:spcPct val="0"/>
-              </a:spcAft>
-              <a:buClrTx/>
-              <a:buSzTx/>
-              <a:buFont typeface="Arial" panose="020B0604020202020204" pitchFamily="34" charset="0"/>
-              <a:buChar char="•"/>
-              <a:tabLst/>
-              <a:defRPr/>
-            </a:pPr>
-            <a:r>
-              <a:rPr lang="en-US" sz="1600" b="0" i="0" u="none" strike="noStrike" baseline="0" dirty="0">
-                <a:latin typeface="SFRM1000"/>
-              </a:rPr>
-              <a:t>1</a:t>
-            </a:r>
-            <a:r>
-              <a:rPr lang="en-US" sz="1600" b="0" i="0" u="none" strike="noStrike" baseline="30000" dirty="0">
-                <a:latin typeface="SFRM1000"/>
-              </a:rPr>
-              <a:t>st</a:t>
-            </a:r>
-            <a:r>
-              <a:rPr lang="en-US" sz="1600" b="0" i="0" u="none" strike="noStrike" baseline="0" dirty="0">
-                <a:latin typeface="SFRM1000"/>
-              </a:rPr>
-              <a:t> </a:t>
-            </a:r>
-          </a:p>
-          <a:p>
-            <a:pPr marL="1504737" marR="0" lvl="2" indent="-285750" algn="l" defTabSz="914400" rtl="0" eaLnBrk="0" fontAlgn="base" latinLnBrk="0" hangingPunct="0">
-              <a:lnSpc>
-                <a:spcPct val="100000"/>
-              </a:lnSpc>
-              <a:spcBef>
-                <a:spcPct val="30000"/>
-              </a:spcBef>
-              <a:spcAft>
-                <a:spcPct val="0"/>
-              </a:spcAft>
-              <a:buClrTx/>
-              <a:buSzTx/>
-              <a:buFont typeface="Arial" panose="020B0604020202020204" pitchFamily="34" charset="0"/>
-              <a:buChar char="•"/>
-              <a:tabLst/>
-              <a:defRPr/>
-            </a:pPr>
-            <a:r>
-              <a:rPr lang="en-US" sz="1600" b="0" i="0" u="none" strike="noStrike" baseline="0" dirty="0">
-                <a:latin typeface="SFRM1000"/>
-              </a:rPr>
-              <a:t>Even if we had sampled Fake News and real news randomly from within the same period 5 times. And then had trained 5 models on these 5 datasets, then we would likely ALSO have seen semantic shifts as well as changes in nearest </a:t>
-            </a:r>
-            <a:r>
-              <a:rPr lang="en-US" sz="1600" b="0" i="0" u="none" strike="noStrike" baseline="0" dirty="0" err="1">
-                <a:latin typeface="SFRM1000"/>
-              </a:rPr>
-              <a:t>neighbours</a:t>
-            </a:r>
-            <a:r>
-              <a:rPr lang="en-US" sz="1600" b="0" i="0" u="none" strike="noStrike" baseline="0" dirty="0">
-                <a:latin typeface="SFRM1000"/>
-              </a:rPr>
-              <a:t> for the word </a:t>
-            </a:r>
-            <a:r>
-              <a:rPr lang="en-US" sz="1600" b="0" i="1" u="none" strike="noStrike" baseline="0" dirty="0">
-                <a:latin typeface="SFRM1000"/>
-              </a:rPr>
-              <a:t>Russia</a:t>
-            </a:r>
-            <a:r>
-              <a:rPr lang="en-US" sz="1600" b="0" i="0" u="none" strike="noStrike" baseline="0" dirty="0">
-                <a:latin typeface="SFRM1000"/>
-              </a:rPr>
-              <a:t>. Just because the data is different.</a:t>
-            </a:r>
-          </a:p>
-          <a:p>
-            <a:pPr marL="1218987" marR="0" lvl="2" indent="0" algn="l" defTabSz="914400" rtl="0" eaLnBrk="0" fontAlgn="base" latinLnBrk="0" hangingPunct="0">
-              <a:lnSpc>
-                <a:spcPct val="100000"/>
-              </a:lnSpc>
-              <a:spcBef>
-                <a:spcPct val="30000"/>
-              </a:spcBef>
-              <a:spcAft>
-                <a:spcPct val="0"/>
-              </a:spcAft>
-              <a:buClrTx/>
-              <a:buSzTx/>
-              <a:buFont typeface="Arial" panose="020B0604020202020204" pitchFamily="34" charset="0"/>
-              <a:buNone/>
-              <a:tabLst/>
-              <a:defRPr/>
-            </a:pPr>
-            <a:endParaRPr lang="en-GB" dirty="0"/>
-          </a:p>
-          <a:p>
-            <a:pPr marL="895243" lvl="1" indent="-285750">
-              <a:buFont typeface="Arial" panose="020B0604020202020204" pitchFamily="34" charset="0"/>
-              <a:buChar char="•"/>
-            </a:pPr>
-            <a:r>
-              <a:rPr lang="en-GB" dirty="0"/>
-              <a:t>2</a:t>
-            </a:r>
-            <a:r>
-              <a:rPr lang="en-GB" baseline="30000" dirty="0"/>
-              <a:t>nd</a:t>
-            </a:r>
-            <a:r>
-              <a:rPr lang="en-GB" dirty="0"/>
-              <a:t> problem relates to using cosine distance</a:t>
-            </a:r>
-          </a:p>
-          <a:p>
-            <a:pPr marL="895243" lvl="1" indent="-285750">
-              <a:buFont typeface="Arial" panose="020B0604020202020204" pitchFamily="34" charset="0"/>
-              <a:buChar char="•"/>
-            </a:pPr>
-            <a:endParaRPr lang="en-GB" dirty="0"/>
+              <a:t>* Explain Distances from Russia to other words *</a:t>
+            </a:r>
           </a:p>
         </p:txBody>
       </p:sp>
@@ -6044,7 +6488,7 @@
     </p:spTree>
     <p:extLst>
       <p:ext uri="{BB962C8B-B14F-4D97-AF65-F5344CB8AC3E}">
-        <p14:creationId xmlns:p14="http://schemas.microsoft.com/office/powerpoint/2010/main" val="874402448"/>
+        <p14:creationId xmlns:p14="http://schemas.microsoft.com/office/powerpoint/2010/main" val="3775573758"/>
       </p:ext>
     </p:extLst>
   </p:cSld>
@@ -6104,7 +6548,7 @@
             </a:pPr>
             <a:r>
               <a:rPr lang="en-GB" dirty="0"/>
-              <a:t>We based our analysis on the fact that distances in embedding space represent semantic similarity</a:t>
+              <a:t>*Explain vastly different cosine distances*</a:t>
             </a:r>
           </a:p>
           <a:p>
@@ -6114,17 +6558,7 @@
             </a:pPr>
             <a:r>
               <a:rPr lang="en-GB" dirty="0"/>
-              <a:t>*Explain*</a:t>
-            </a:r>
-          </a:p>
-          <a:p>
-            <a:pPr marL="1504737" lvl="2" indent="-285750">
-              <a:buFont typeface="Arial" panose="020B0604020202020204" pitchFamily="34" charset="0"/>
-              <a:buChar char="•"/>
-            </a:pPr>
-            <a:r>
-              <a:rPr lang="en-GB" dirty="0"/>
-              <a:t>-&gt; Russia is semantically similar to Syria, and dissimilar to Couch</a:t>
+              <a:t>-&gt; Better to have used Euclidean distances</a:t>
             </a:r>
           </a:p>
         </p:txBody>
@@ -6161,7 +6595,7 @@
     </p:spTree>
     <p:extLst>
       <p:ext uri="{BB962C8B-B14F-4D97-AF65-F5344CB8AC3E}">
-        <p14:creationId xmlns:p14="http://schemas.microsoft.com/office/powerpoint/2010/main" val="3775573758"/>
+        <p14:creationId xmlns:p14="http://schemas.microsoft.com/office/powerpoint/2010/main" val="1063698113"/>
       </p:ext>
     </p:extLst>
   </p:cSld>
@@ -6309,78 +6743,11 @@
           <a:bodyPr/>
           <a:lstStyle/>
           <a:p>
-            <a:pPr marL="285750" lvl="0" indent="-285750">
-              <a:buFont typeface="Arial" panose="020B0604020202020204" pitchFamily="34" charset="0"/>
-              <a:buChar char="•"/>
-            </a:pPr>
-            <a:r>
-              <a:rPr lang="en-GB" dirty="0"/>
-              <a:t>We could also have seen something like this (Right Plot):</a:t>
-            </a:r>
-          </a:p>
-          <a:p>
-            <a:pPr marL="895243" lvl="1" indent="-285750">
-              <a:buFont typeface="Arial" panose="020B0604020202020204" pitchFamily="34" charset="0"/>
-              <a:buChar char="•"/>
-            </a:pPr>
-            <a:r>
-              <a:rPr lang="en-GB" dirty="0"/>
-              <a:t>Here, the Euclidean distances between words is identical between time first and last time period.</a:t>
-            </a:r>
-          </a:p>
-          <a:p>
-            <a:pPr marL="285750" lvl="0" indent="-285750">
-              <a:buFont typeface="Arial" panose="020B0604020202020204" pitchFamily="34" charset="0"/>
-              <a:buChar char="•"/>
+            <a:pPr marL="0" lvl="0" indent="0">
+              <a:buFont typeface="Arial" panose="020B0604020202020204" pitchFamily="34" charset="0"/>
+              <a:buNone/>
             </a:pPr>
             <a:endParaRPr lang="en-GB" dirty="0"/>
-          </a:p>
-          <a:p>
-            <a:pPr marL="285750" lvl="0" indent="-285750">
-              <a:buFont typeface="Arial" panose="020B0604020202020204" pitchFamily="34" charset="0"/>
-              <a:buChar char="•"/>
-            </a:pPr>
-            <a:r>
-              <a:rPr lang="en-GB" dirty="0"/>
-              <a:t>But the Cosine Distances are widely different</a:t>
-            </a:r>
-          </a:p>
-          <a:p>
-            <a:pPr marL="895243" lvl="1" indent="-285750">
-              <a:buFont typeface="Arial" panose="020B0604020202020204" pitchFamily="34" charset="0"/>
-              <a:buChar char="•"/>
-            </a:pPr>
-            <a:r>
-              <a:rPr lang="en-GB" dirty="0"/>
-              <a:t>*Explain*</a:t>
-            </a:r>
-          </a:p>
-          <a:p>
-            <a:pPr marL="895243" lvl="1" indent="-285750">
-              <a:buFont typeface="Arial" panose="020B0604020202020204" pitchFamily="34" charset="0"/>
-              <a:buChar char="•"/>
-            </a:pPr>
-            <a:r>
-              <a:rPr lang="en-GB" dirty="0"/>
-              <a:t>This has implications on both which words we found to most dissimilar, but also to which words are the nearest neighbours.</a:t>
-            </a:r>
-          </a:p>
-          <a:p>
-            <a:pPr marL="895243" lvl="1" indent="-285750">
-              <a:buFont typeface="Arial" panose="020B0604020202020204" pitchFamily="34" charset="0"/>
-              <a:buChar char="•"/>
-            </a:pPr>
-            <a:endParaRPr lang="en-GB" dirty="0"/>
-          </a:p>
-          <a:p>
-            <a:pPr marL="285750" lvl="0" indent="-285750">
-              <a:buFont typeface="Arial" panose="020B0604020202020204" pitchFamily="34" charset="0"/>
-              <a:buChar char="•"/>
-            </a:pPr>
-            <a:r>
-              <a:rPr lang="en-GB" dirty="0"/>
-              <a:t>We would perhaps be more interested in Euclidean distances, and not Cosine distances. </a:t>
-            </a:r>
           </a:p>
         </p:txBody>
       </p:sp>
@@ -6416,7 +6783,7 @@
     </p:spTree>
     <p:extLst>
       <p:ext uri="{BB962C8B-B14F-4D97-AF65-F5344CB8AC3E}">
-        <p14:creationId xmlns:p14="http://schemas.microsoft.com/office/powerpoint/2010/main" val="1063698113"/>
+        <p14:creationId xmlns:p14="http://schemas.microsoft.com/office/powerpoint/2010/main" val="3956077610"/>
       </p:ext>
     </p:extLst>
   </p:cSld>
@@ -6470,14 +6837,18 @@
           <a:bodyPr/>
           <a:lstStyle/>
           <a:p>
-            <a:pPr marL="285750" lvl="0" indent="-285750">
-              <a:buFont typeface="Arial" panose="020B0604020202020204" pitchFamily="34" charset="0"/>
-              <a:buChar char="•"/>
-            </a:pPr>
-            <a:r>
-              <a:rPr lang="en-GB" dirty="0"/>
-              <a:t>Another problematic factor for our analysis relates to comparing vector representations of words, across different word embedding spaces:</a:t>
-            </a:r>
+            <a:pPr marL="895243" lvl="1" indent="-285750">
+              <a:buFont typeface="Arial" panose="020B0604020202020204" pitchFamily="34" charset="0"/>
+              <a:buChar char="•"/>
+            </a:pPr>
+            <a:endParaRPr lang="en-GB" dirty="0"/>
+          </a:p>
+          <a:p>
+            <a:pPr marL="895243" lvl="1" indent="-285750">
+              <a:buFont typeface="Arial" panose="020B0604020202020204" pitchFamily="34" charset="0"/>
+              <a:buChar char="•"/>
+            </a:pPr>
+            <a:endParaRPr lang="en-GB" dirty="0"/>
           </a:p>
         </p:txBody>
       </p:sp>
@@ -6513,7 +6884,7 @@
     </p:spTree>
     <p:extLst>
       <p:ext uri="{BB962C8B-B14F-4D97-AF65-F5344CB8AC3E}">
-        <p14:creationId xmlns:p14="http://schemas.microsoft.com/office/powerpoint/2010/main" val="3956077610"/>
+        <p14:creationId xmlns:p14="http://schemas.microsoft.com/office/powerpoint/2010/main" val="1467646072"/>
       </p:ext>
     </p:extLst>
   </p:cSld>
@@ -6571,63 +6942,6 @@
               <a:buFont typeface="Arial" panose="020B0604020202020204" pitchFamily="34" charset="0"/>
               <a:buChar char="•"/>
             </a:pPr>
-            <a:r>
-              <a:rPr lang="en-GB" dirty="0"/>
-              <a:t>What we did (example only 1 word, only 2 dimensions for simplicity):</a:t>
-            </a:r>
-          </a:p>
-          <a:p>
-            <a:pPr marL="895243" lvl="1" indent="-285750">
-              <a:buFont typeface="Arial" panose="020B0604020202020204" pitchFamily="34" charset="0"/>
-              <a:buChar char="•"/>
-            </a:pPr>
-            <a:r>
-              <a:rPr lang="en-GB" dirty="0"/>
-              <a:t>Computed cosine distance -&gt; as distances in word embedding space relates to semantics</a:t>
-            </a:r>
-          </a:p>
-          <a:p>
-            <a:pPr marL="895243" lvl="1" indent="-285750">
-              <a:buFont typeface="Arial" panose="020B0604020202020204" pitchFamily="34" charset="0"/>
-              <a:buChar char="•"/>
-            </a:pPr>
-            <a:r>
-              <a:rPr lang="en-GB" dirty="0"/>
-              <a:t>BUT:</a:t>
-            </a:r>
-          </a:p>
-          <a:p>
-            <a:pPr marL="895243" lvl="1" indent="-285750">
-              <a:buFont typeface="Arial" panose="020B0604020202020204" pitchFamily="34" charset="0"/>
-              <a:buChar char="•"/>
-            </a:pPr>
-            <a:r>
-              <a:rPr lang="en-GB" dirty="0"/>
-              <a:t>They are not found in the same embedding space, which means distances between embeddings spaces cannot necessarily be interpreted as semantic distances.</a:t>
-            </a:r>
-          </a:p>
-          <a:p>
-            <a:pPr marL="895243" lvl="1" indent="-285750">
-              <a:buFont typeface="Arial" panose="020B0604020202020204" pitchFamily="34" charset="0"/>
-              <a:buChar char="•"/>
-            </a:pPr>
-            <a:r>
-              <a:rPr lang="en-GB" dirty="0"/>
-              <a:t>We could have the following example:</a:t>
-            </a:r>
-          </a:p>
-          <a:p>
-            <a:pPr marL="895243" lvl="1" indent="-285750">
-              <a:buFont typeface="Arial" panose="020B0604020202020204" pitchFamily="34" charset="0"/>
-              <a:buChar char="•"/>
-            </a:pPr>
-            <a:endParaRPr lang="en-GB" dirty="0"/>
-          </a:p>
-          <a:p>
-            <a:pPr marL="895243" lvl="1" indent="-285750">
-              <a:buFont typeface="Arial" panose="020B0604020202020204" pitchFamily="34" charset="0"/>
-              <a:buChar char="•"/>
-            </a:pPr>
             <a:endParaRPr lang="en-GB" dirty="0"/>
           </a:p>
         </p:txBody>
@@ -6664,7 +6978,7 @@
     </p:spTree>
     <p:extLst>
       <p:ext uri="{BB962C8B-B14F-4D97-AF65-F5344CB8AC3E}">
-        <p14:creationId xmlns:p14="http://schemas.microsoft.com/office/powerpoint/2010/main" val="1467646072"/>
+        <p14:creationId xmlns:p14="http://schemas.microsoft.com/office/powerpoint/2010/main" val="2679530826"/>
       </p:ext>
     </p:extLst>
   </p:cSld>
@@ -6718,37 +7032,56 @@
           <a:bodyPr/>
           <a:lstStyle/>
           <a:p>
+            <a:pPr marL="285750" marR="0" lvl="0" indent="-285750" algn="l" defTabSz="914400" rtl="0" eaLnBrk="0" fontAlgn="base" latinLnBrk="0" hangingPunct="0">
+              <a:lnSpc>
+                <a:spcPct val="100000"/>
+              </a:lnSpc>
+              <a:spcBef>
+                <a:spcPct val="30000"/>
+              </a:spcBef>
+              <a:spcAft>
+                <a:spcPct val="0"/>
+              </a:spcAft>
+              <a:buClrTx/>
+              <a:buSzTx/>
+              <a:buFont typeface="Arial" panose="020B0604020202020204" pitchFamily="34" charset="0"/>
+              <a:buChar char="•"/>
+              <a:tabLst/>
+              <a:defRPr/>
+            </a:pPr>
+            <a:r>
+              <a:rPr lang="en-US" sz="1600" b="0" i="0" u="none" strike="noStrike" baseline="0" dirty="0">
+                <a:latin typeface="SFRM1000"/>
+              </a:rPr>
+              <a:t>Even if we had sampled Fake News and real news randomly from within the same period 5 times. And then had trained 5 models on these 5 datasets, then we would likely ALSO have seen semantic shifts as well as changes in nearest </a:t>
+            </a:r>
+            <a:r>
+              <a:rPr lang="en-US" sz="1600" b="0" i="0" u="none" strike="noStrike" baseline="0" dirty="0" err="1">
+                <a:latin typeface="SFRM1000"/>
+              </a:rPr>
+              <a:t>neighbours</a:t>
+            </a:r>
+            <a:r>
+              <a:rPr lang="en-US" sz="1600" b="0" i="0" u="none" strike="noStrike" baseline="0" dirty="0">
+                <a:latin typeface="SFRM1000"/>
+              </a:rPr>
+              <a:t> for the word </a:t>
+            </a:r>
+            <a:r>
+              <a:rPr lang="en-US" sz="1600" b="0" i="1" u="none" strike="noStrike" baseline="0" dirty="0">
+                <a:latin typeface="SFRM1000"/>
+              </a:rPr>
+              <a:t>Russia</a:t>
+            </a:r>
+            <a:r>
+              <a:rPr lang="en-US" sz="1600" b="0" i="0" u="none" strike="noStrike" baseline="0" dirty="0">
+                <a:latin typeface="SFRM1000"/>
+              </a:rPr>
+              <a:t>. Just because the data is different.</a:t>
+            </a:r>
+          </a:p>
+          <a:p>
             <a:pPr marL="285750" lvl="0" indent="-285750">
-              <a:buFont typeface="Arial" panose="020B0604020202020204" pitchFamily="34" charset="0"/>
-              <a:buChar char="•"/>
-            </a:pPr>
-            <a:r>
-              <a:rPr lang="en-GB" dirty="0"/>
-              <a:t>Here, our analysis would have perceived to have changed A LOT!</a:t>
-            </a:r>
-          </a:p>
-          <a:p>
-            <a:pPr marL="285750" lvl="0" indent="-285750">
-              <a:buFont typeface="Arial" panose="020B0604020202020204" pitchFamily="34" charset="0"/>
-              <a:buChar char="•"/>
-            </a:pPr>
-            <a:r>
-              <a:rPr lang="en-GB" dirty="0"/>
-              <a:t>But, the relative distances between Russia and other words remain the same.</a:t>
-            </a:r>
-          </a:p>
-          <a:p>
-            <a:pPr marL="895243" lvl="1" indent="-285750">
-              <a:buFont typeface="Arial" panose="020B0604020202020204" pitchFamily="34" charset="0"/>
-              <a:buChar char="•"/>
-            </a:pPr>
-            <a:r>
-              <a:rPr lang="en-GB" dirty="0"/>
-              <a:t>Meaning -&gt; Russia would not have changed, semantically, but would appear to, in our analysis.</a:t>
-            </a:r>
-          </a:p>
-          <a:p>
-            <a:pPr marL="895243" lvl="1" indent="-285750">
               <a:buFont typeface="Arial" panose="020B0604020202020204" pitchFamily="34" charset="0"/>
               <a:buChar char="•"/>
             </a:pPr>
@@ -6788,7 +7121,7 @@
     </p:spTree>
     <p:extLst>
       <p:ext uri="{BB962C8B-B14F-4D97-AF65-F5344CB8AC3E}">
-        <p14:creationId xmlns:p14="http://schemas.microsoft.com/office/powerpoint/2010/main" val="2679530826"/>
+        <p14:creationId xmlns:p14="http://schemas.microsoft.com/office/powerpoint/2010/main" val="373110117"/>
       </p:ext>
     </p:extLst>
   </p:cSld>
@@ -7628,7 +7961,7 @@
           <a:bodyPr/>
           <a:lstStyle/>
           <a:p>
-            <a:pPr marL="285750" marR="0" lvl="0" indent="-285750" algn="l" defTabSz="914400" rtl="0" eaLnBrk="0" fontAlgn="base" latinLnBrk="0" hangingPunct="0">
+            <a:pPr marL="0" marR="0" lvl="0" indent="0" algn="l" defTabSz="914400" rtl="0" eaLnBrk="0" fontAlgn="base" latinLnBrk="0" hangingPunct="0">
               <a:lnSpc>
                 <a:spcPct val="100000"/>
               </a:lnSpc>
@@ -7641,133 +7974,7 @@
               <a:buClrTx/>
               <a:buSzTx/>
               <a:buFont typeface="Arial" panose="020B0604020202020204" pitchFamily="34" charset="0"/>
-              <a:buChar char="•"/>
-              <a:tabLst/>
-              <a:defRPr/>
-            </a:pPr>
-            <a:r>
-              <a:rPr lang="en-US" sz="1800" dirty="0">
-                <a:effectLst/>
-                <a:latin typeface="Times New Roman" panose="02020603050405020304" pitchFamily="18" charset="0"/>
-                <a:cs typeface="Arial" panose="020B0604020202020204" pitchFamily="34" charset="0"/>
-              </a:rPr>
-              <a:t>The potential lack of generalizability in the field</a:t>
-            </a:r>
-          </a:p>
-          <a:p>
-            <a:pPr marL="285750" marR="0" lvl="0" indent="-285750" algn="l" defTabSz="914400" rtl="0" eaLnBrk="0" fontAlgn="base" latinLnBrk="0" hangingPunct="0">
-              <a:lnSpc>
-                <a:spcPct val="100000"/>
-              </a:lnSpc>
-              <a:spcBef>
-                <a:spcPct val="30000"/>
-              </a:spcBef>
-              <a:spcAft>
-                <a:spcPct val="0"/>
-              </a:spcAft>
-              <a:buClrTx/>
-              <a:buSzTx/>
-              <a:buFont typeface="Arial" panose="020B0604020202020204" pitchFamily="34" charset="0"/>
-              <a:buChar char="•"/>
-              <a:tabLst/>
-              <a:defRPr/>
-            </a:pPr>
-            <a:endParaRPr lang="en-US" sz="1800" dirty="0">
-              <a:effectLst/>
-              <a:latin typeface="Times New Roman" panose="02020603050405020304" pitchFamily="18" charset="0"/>
-              <a:cs typeface="Arial" panose="020B0604020202020204" pitchFamily="34" charset="0"/>
-            </a:endParaRPr>
-          </a:p>
-          <a:p>
-            <a:pPr marL="895243" marR="0" lvl="1" indent="-285750" algn="l" defTabSz="914400" rtl="0" eaLnBrk="0" fontAlgn="base" latinLnBrk="0" hangingPunct="0">
-              <a:lnSpc>
-                <a:spcPct val="100000"/>
-              </a:lnSpc>
-              <a:spcBef>
-                <a:spcPct val="30000"/>
-              </a:spcBef>
-              <a:spcAft>
-                <a:spcPct val="0"/>
-              </a:spcAft>
-              <a:buClrTx/>
-              <a:buSzTx/>
-              <a:buFont typeface="Arial" panose="020B0604020202020204" pitchFamily="34" charset="0"/>
-              <a:buChar char="•"/>
-              <a:tabLst/>
-              <a:defRPr/>
-            </a:pPr>
-            <a:r>
-              <a:rPr lang="en-US" sz="1800" dirty="0">
-                <a:effectLst/>
-                <a:latin typeface="Times New Roman" panose="02020603050405020304" pitchFamily="18" charset="0"/>
-                <a:cs typeface="Arial" panose="020B0604020202020204" pitchFamily="34" charset="0"/>
-              </a:rPr>
-              <a:t>By: Train 2 models on two different datasets and cross-test</a:t>
-            </a:r>
-          </a:p>
-          <a:p>
-            <a:pPr marL="895243" marR="0" lvl="1" indent="-285750" algn="l" defTabSz="914400" rtl="0" eaLnBrk="0" fontAlgn="base" latinLnBrk="0" hangingPunct="0">
-              <a:lnSpc>
-                <a:spcPct val="100000"/>
-              </a:lnSpc>
-              <a:spcBef>
-                <a:spcPct val="30000"/>
-              </a:spcBef>
-              <a:spcAft>
-                <a:spcPct val="0"/>
-              </a:spcAft>
-              <a:buClrTx/>
-              <a:buSzTx/>
-              <a:buFont typeface="Arial" panose="020B0604020202020204" pitchFamily="34" charset="0"/>
-              <a:buChar char="•"/>
-              <a:tabLst/>
-              <a:defRPr/>
-            </a:pPr>
-            <a:endParaRPr lang="en-US" sz="1800" dirty="0">
-              <a:effectLst/>
-              <a:latin typeface="Times New Roman" panose="02020603050405020304" pitchFamily="18" charset="0"/>
-              <a:cs typeface="Arial" panose="020B0604020202020204" pitchFamily="34" charset="0"/>
-            </a:endParaRPr>
-          </a:p>
-          <a:p>
-            <a:pPr marL="895243" marR="0" lvl="1" indent="-285750" algn="l" defTabSz="914400" rtl="0" eaLnBrk="0" fontAlgn="base" latinLnBrk="0" hangingPunct="0">
-              <a:lnSpc>
-                <a:spcPct val="100000"/>
-              </a:lnSpc>
-              <a:spcBef>
-                <a:spcPct val="30000"/>
-              </a:spcBef>
-              <a:spcAft>
-                <a:spcPct val="0"/>
-              </a:spcAft>
-              <a:buClrTx/>
-              <a:buSzTx/>
-              <a:buFont typeface="Arial" panose="020B0604020202020204" pitchFamily="34" charset="0"/>
-              <a:buChar char="•"/>
-              <a:tabLst/>
-              <a:defRPr/>
-            </a:pPr>
-            <a:endParaRPr lang="en-US" sz="1800" dirty="0">
-              <a:effectLst/>
-              <a:latin typeface="Times New Roman" panose="02020603050405020304" pitchFamily="18" charset="0"/>
-              <a:cs typeface="Arial" panose="020B0604020202020204" pitchFamily="34" charset="0"/>
-            </a:endParaRPr>
-          </a:p>
-          <a:p>
-            <a:pPr marL="285750" marR="0" lvl="0" indent="-285750" algn="l" defTabSz="914400" rtl="0" eaLnBrk="0" fontAlgn="base" latinLnBrk="0" hangingPunct="0">
-              <a:lnSpc>
-                <a:spcPct val="100000"/>
-              </a:lnSpc>
-              <a:spcBef>
-                <a:spcPct val="30000"/>
-              </a:spcBef>
-              <a:spcAft>
-                <a:spcPct val="0"/>
-              </a:spcAft>
-              <a:buClrTx/>
-              <a:buSzTx/>
-              <a:buFont typeface="Arial" panose="020B0604020202020204" pitchFamily="34" charset="0"/>
-              <a:buChar char="•"/>
+              <a:buNone/>
               <a:tabLst/>
               <a:defRPr/>
             </a:pPr>
@@ -7882,81 +8089,11 @@
               <a:tabLst/>
               <a:defRPr/>
             </a:pPr>
-            <a:r>
-              <a:rPr lang="en-US" sz="1800" dirty="0">
-                <a:effectLst/>
-                <a:latin typeface="Times New Roman" panose="02020603050405020304" pitchFamily="18" charset="0"/>
-                <a:cs typeface="Arial" panose="020B0604020202020204" pitchFamily="34" charset="0"/>
-              </a:rPr>
-              <a:t>The non-</a:t>
-            </a:r>
-            <a:r>
-              <a:rPr lang="en-US" sz="1800" dirty="0" err="1">
-                <a:effectLst/>
-                <a:latin typeface="Times New Roman" panose="02020603050405020304" pitchFamily="18" charset="0"/>
-                <a:cs typeface="Arial" panose="020B0604020202020204" pitchFamily="34" charset="0"/>
-              </a:rPr>
-              <a:t>staticity</a:t>
-            </a:r>
-            <a:r>
-              <a:rPr lang="en-US" sz="1800" dirty="0">
-                <a:effectLst/>
-                <a:latin typeface="Times New Roman" panose="02020603050405020304" pitchFamily="18" charset="0"/>
-                <a:cs typeface="Arial" panose="020B0604020202020204" pitchFamily="34" charset="0"/>
-              </a:rPr>
-              <a:t> of news articles</a:t>
-            </a:r>
-          </a:p>
-          <a:p>
-            <a:pPr marL="285750" marR="0" lvl="0" indent="-285750" algn="l" defTabSz="914400" rtl="0" eaLnBrk="0" fontAlgn="base" latinLnBrk="0" hangingPunct="0">
-              <a:lnSpc>
-                <a:spcPct val="100000"/>
-              </a:lnSpc>
-              <a:spcBef>
-                <a:spcPct val="30000"/>
-              </a:spcBef>
-              <a:spcAft>
-                <a:spcPct val="0"/>
-              </a:spcAft>
-              <a:buClrTx/>
-              <a:buSzTx/>
-              <a:buFont typeface="Arial" panose="020B0604020202020204" pitchFamily="34" charset="0"/>
-              <a:buChar char="•"/>
-              <a:tabLst/>
-              <a:defRPr/>
-            </a:pPr>
             <a:endParaRPr lang="en-US" sz="1800" dirty="0">
               <a:effectLst/>
               <a:latin typeface="Times New Roman" panose="02020603050405020304" pitchFamily="18" charset="0"/>
               <a:cs typeface="Arial" panose="020B0604020202020204" pitchFamily="34" charset="0"/>
             </a:endParaRPr>
-          </a:p>
-          <a:p>
-            <a:pPr marL="895243" marR="0" lvl="1" indent="-285750" algn="l" defTabSz="914400" rtl="0" eaLnBrk="0" fontAlgn="base" latinLnBrk="0" hangingPunct="0">
-              <a:lnSpc>
-                <a:spcPct val="100000"/>
-              </a:lnSpc>
-              <a:spcBef>
-                <a:spcPct val="30000"/>
-              </a:spcBef>
-              <a:spcAft>
-                <a:spcPct val="0"/>
-              </a:spcAft>
-              <a:buClrTx/>
-              <a:buSzTx/>
-              <a:buFont typeface="Arial" panose="020B0604020202020204" pitchFamily="34" charset="0"/>
-              <a:buChar char="•"/>
-              <a:tabLst/>
-              <a:defRPr/>
-            </a:pPr>
-            <a:r>
-              <a:rPr lang="en-US" sz="1800" dirty="0">
-                <a:effectLst/>
-                <a:latin typeface="Times New Roman" panose="02020603050405020304" pitchFamily="18" charset="0"/>
-                <a:cs typeface="Arial" panose="020B0604020202020204" pitchFamily="34" charset="0"/>
-              </a:rPr>
-              <a:t>By: Exploring dynamic word embeddings across time periods</a:t>
-            </a:r>
           </a:p>
         </p:txBody>
       </p:sp>
@@ -8623,7 +8760,7 @@
             <a:fld id="{78417F83-4CBA-48F2-BAD0-783AE3701E32}" type="datetimeFigureOut">
               <a:rPr lang="en-GB" smtClean="0"/>
               <a:pPr/>
-              <a:t>21/01/2022</a:t>
+              <a:t>22/01/2022</a:t>
             </a:fld>
             <a:r>
               <a:rPr lang="en-GB" dirty="0"/>
@@ -8833,7 +8970,7 @@
             <a:fld id="{78417F83-4CBA-48F2-BAD0-783AE3701E32}" type="datetimeFigureOut">
               <a:rPr lang="en-GB" smtClean="0"/>
               <a:pPr/>
-              <a:t>21/01/2022</a:t>
+              <a:t>22/01/2022</a:t>
             </a:fld>
             <a:r>
               <a:rPr lang="en-GB" dirty="0"/>
@@ -9074,7 +9211,7 @@
             <a:fld id="{78417F83-4CBA-48F2-BAD0-783AE3701E32}" type="datetimeFigureOut">
               <a:rPr lang="en-GB" smtClean="0"/>
               <a:pPr/>
-              <a:t>21/01/2022</a:t>
+              <a:t>22/01/2022</a:t>
             </a:fld>
             <a:r>
               <a:rPr lang="en-GB" dirty="0"/>
@@ -9244,7 +9381,7 @@
             <a:fld id="{78417F83-4CBA-48F2-BAD0-783AE3701E32}" type="datetimeFigureOut">
               <a:rPr lang="en-GB" smtClean="0"/>
               <a:pPr/>
-              <a:t>21/01/2022</a:t>
+              <a:t>22/01/2022</a:t>
             </a:fld>
             <a:r>
               <a:rPr lang="en-GB" dirty="0"/>
@@ -9418,7 +9555,7 @@
             <a:fld id="{78417F83-4CBA-48F2-BAD0-783AE3701E32}" type="datetimeFigureOut">
               <a:rPr lang="en-GB" smtClean="0"/>
               <a:pPr/>
-              <a:t>21/01/2022</a:t>
+              <a:t>22/01/2022</a:t>
             </a:fld>
             <a:r>
               <a:rPr lang="en-GB" dirty="0"/>
@@ -9755,7 +9892,7 @@
             <a:fld id="{78417F83-4CBA-48F2-BAD0-783AE3701E32}" type="datetimeFigureOut">
               <a:rPr lang="en-GB" smtClean="0"/>
               <a:pPr/>
-              <a:t>21/01/2022</a:t>
+              <a:t>22/01/2022</a:t>
             </a:fld>
             <a:r>
               <a:rPr lang="en-GB" dirty="0"/>
@@ -9926,7 +10063,7 @@
             <a:fld id="{78417F83-4CBA-48F2-BAD0-783AE3701E32}" type="datetimeFigureOut">
               <a:rPr lang="en-GB" smtClean="0"/>
               <a:pPr/>
-              <a:t>21/01/2022</a:t>
+              <a:t>22/01/2022</a:t>
             </a:fld>
             <a:r>
               <a:rPr lang="en-GB" dirty="0"/>
@@ -10122,7 +10259,7 @@
             <a:fld id="{78417F83-4CBA-48F2-BAD0-783AE3701E32}" type="datetimeFigureOut">
               <a:rPr lang="en-GB" smtClean="0"/>
               <a:pPr/>
-              <a:t>21/01/2022</a:t>
+              <a:t>22/01/2022</a:t>
             </a:fld>
             <a:r>
               <a:rPr lang="en-GB" dirty="0"/>
@@ -10291,7 +10428,7 @@
             <a:fld id="{78417F83-4CBA-48F2-BAD0-783AE3701E32}" type="datetimeFigureOut">
               <a:rPr lang="en-GB" smtClean="0"/>
               <a:pPr/>
-              <a:t>21/01/2022</a:t>
+              <a:t>22/01/2022</a:t>
             </a:fld>
             <a:r>
               <a:rPr lang="en-GB" dirty="0"/>
@@ -10445,7 +10582,7 @@
             <a:fld id="{78417F83-4CBA-48F2-BAD0-783AE3701E32}" type="datetimeFigureOut">
               <a:rPr lang="en-GB" smtClean="0"/>
               <a:pPr/>
-              <a:t>21/01/2022</a:t>
+              <a:t>22/01/2022</a:t>
             </a:fld>
             <a:r>
               <a:rPr lang="en-GB" dirty="0"/>
@@ -11334,7 +11471,7 @@
             <a:fld id="{78417F83-4CBA-48F2-BAD0-783AE3701E32}" type="datetimeFigureOut">
               <a:rPr lang="en-GB" smtClean="0"/>
               <a:pPr/>
-              <a:t>21/01/2022</a:t>
+              <a:t>22/01/2022</a:t>
             </a:fld>
             <a:r>
               <a:rPr lang="en-GB" dirty="0"/>
@@ -12163,7 +12300,7 @@
             <a:fld id="{78417F83-4CBA-48F2-BAD0-783AE3701E32}" type="datetimeFigureOut">
               <a:rPr lang="en-GB" smtClean="0"/>
               <a:pPr/>
-              <a:t>21/01/2022</a:t>
+              <a:t>22/01/2022</a:t>
             </a:fld>
             <a:r>
               <a:rPr lang="en-GB" dirty="0"/>
@@ -12393,7 +12530,7 @@
             <a:fld id="{78417F83-4CBA-48F2-BAD0-783AE3701E32}" type="datetimeFigureOut">
               <a:rPr lang="en-GB" smtClean="0"/>
               <a:pPr/>
-              <a:t>21/01/2022</a:t>
+              <a:t>22/01/2022</a:t>
             </a:fld>
             <a:r>
               <a:rPr lang="en-GB" dirty="0"/>
@@ -13112,7 +13249,7 @@
             <a:fld id="{78417F83-4CBA-48F2-BAD0-783AE3701E32}" type="datetimeFigureOut">
               <a:rPr lang="en-GB" smtClean="0"/>
               <a:pPr/>
-              <a:t>21/01/2022</a:t>
+              <a:t>22/01/2022</a:t>
             </a:fld>
             <a:r>
               <a:rPr lang="en-GB" dirty="0"/>
@@ -13403,7 +13540,7 @@
             <a:fld id="{78417F83-4CBA-48F2-BAD0-783AE3701E32}" type="datetimeFigureOut">
               <a:rPr lang="en-GB" smtClean="0"/>
               <a:pPr/>
-              <a:t>21/01/2022</a:t>
+              <a:t>22/01/2022</a:t>
             </a:fld>
             <a:r>
               <a:rPr lang="en-GB" dirty="0"/>
@@ -13777,7 +13914,7 @@
             <a:fld id="{78417F83-4CBA-48F2-BAD0-783AE3701E32}" type="datetimeFigureOut">
               <a:rPr lang="en-GB" smtClean="0"/>
               <a:pPr/>
-              <a:t>21/01/2022</a:t>
+              <a:t>22/01/2022</a:t>
             </a:fld>
             <a:r>
               <a:rPr lang="en-GB" dirty="0"/>
@@ -14204,7 +14341,7 @@
             <a:fld id="{78417F83-4CBA-48F2-BAD0-783AE3701E32}" type="datetimeFigureOut">
               <a:rPr lang="en-GB" smtClean="0"/>
               <a:pPr/>
-              <a:t>21/01/2022</a:t>
+              <a:t>22/01/2022</a:t>
             </a:fld>
             <a:r>
               <a:rPr lang="en-GB" dirty="0"/>
@@ -14644,7 +14781,7 @@
             <a:fld id="{78417F83-4CBA-48F2-BAD0-783AE3701E32}" type="datetimeFigureOut">
               <a:rPr lang="en-GB" smtClean="0"/>
               <a:pPr/>
-              <a:t>21/01/2022</a:t>
+              <a:t>22/01/2022</a:t>
             </a:fld>
             <a:r>
               <a:rPr lang="en-GB" dirty="0"/>
@@ -14812,7 +14949,7 @@
             <a:fld id="{78417F83-4CBA-48F2-BAD0-783AE3701E32}" type="datetimeFigureOut">
               <a:rPr lang="en-GB" smtClean="0"/>
               <a:pPr/>
-              <a:t>21/01/2022</a:t>
+              <a:t>22/01/2022</a:t>
             </a:fld>
             <a:r>
               <a:rPr lang="en-GB" dirty="0"/>
@@ -14993,7 +15130,7 @@
             <a:fld id="{78417F83-4CBA-48F2-BAD0-783AE3701E32}" type="datetimeFigureOut">
               <a:rPr lang="en-GB" smtClean="0"/>
               <a:pPr/>
-              <a:t>21/01/2022</a:t>
+              <a:t>22/01/2022</a:t>
             </a:fld>
             <a:r>
               <a:rPr lang="en-GB" dirty="0"/>
@@ -15778,7 +15915,7 @@
             <a:fld id="{78417F83-4CBA-48F2-BAD0-783AE3701E32}" type="datetimeFigureOut">
               <a:rPr lang="en-GB" smtClean="0"/>
               <a:pPr/>
-              <a:t>21/01/2022</a:t>
+              <a:t>22/01/2022</a:t>
             </a:fld>
             <a:r>
               <a:rPr lang="en-GB"/>
@@ -18694,39 +18831,64 @@
       </p:grpSpPr>
       <p:sp>
         <p:nvSpPr>
-          <p:cNvPr id="2" name="Titel 1"/>
+          <p:cNvPr id="4" name="Title 3"/>
           <p:cNvSpPr>
             <a:spLocks noGrp="1"/>
           </p:cNvSpPr>
           <p:nvPr>
-            <p:ph type="ctrTitle"/>
-          </p:nvPr>
-        </p:nvSpPr>
+            <p:ph type="title"/>
+          </p:nvPr>
+        </p:nvSpPr>
+        <p:spPr/>
+        <p:txBody>
+          <a:bodyPr/>
+          <a:lstStyle/>
+          <a:p>
+            <a:r>
+              <a:rPr lang="en-GB" dirty="0" err="1"/>
+              <a:t>fastText</a:t>
+            </a:r>
+            <a:endParaRPr lang="en-GB" dirty="0"/>
+          </a:p>
+        </p:txBody>
+      </p:sp>
+      <p:pic>
+        <p:nvPicPr>
+          <p:cNvPr id="7" name="Picture 6">
+            <a:extLst>
+              <a:ext uri="{FF2B5EF4-FFF2-40B4-BE49-F238E27FC236}">
+                <a16:creationId xmlns:a16="http://schemas.microsoft.com/office/drawing/2014/main" id="{89068BAE-8282-481F-BD48-2A439803F6FE}"/>
+              </a:ext>
+            </a:extLst>
+          </p:cNvPr>
+          <p:cNvPicPr>
+            <a:picLocks noChangeAspect="1"/>
+          </p:cNvPicPr>
+          <p:nvPr/>
+        </p:nvPicPr>
+        <p:blipFill>
+          <a:blip r:embed="rId4"/>
+          <a:stretch>
+            <a:fillRect/>
+          </a:stretch>
+        </p:blipFill>
         <p:spPr>
           <a:xfrm>
-            <a:off x="985838" y="2482343"/>
-            <a:ext cx="10220325" cy="1661993"/>
+            <a:off x="3646140" y="1649942"/>
+            <a:ext cx="4371975" cy="3676650"/>
           </a:xfrm>
+          <a:prstGeom prst="rect">
+            <a:avLst/>
+          </a:prstGeom>
         </p:spPr>
-        <p:txBody>
-          <a:bodyPr/>
-          <a:lstStyle/>
-          <a:p>
-            <a:pPr algn="ctr"/>
-            <a:r>
-              <a:rPr lang="en-GB" dirty="0"/>
-              <a:t>Expanding on word embeddings</a:t>
-            </a:r>
-          </a:p>
-        </p:txBody>
-      </p:sp>
+      </p:pic>
     </p:spTree>
     <p:custDataLst>
       <p:tags r:id="rId1"/>
     </p:custDataLst>
     <p:extLst>
       <p:ext uri="{BB962C8B-B14F-4D97-AF65-F5344CB8AC3E}">
-        <p14:creationId xmlns:p14="http://schemas.microsoft.com/office/powerpoint/2010/main" val="2920574271"/>
+        <p14:creationId xmlns:p14="http://schemas.microsoft.com/office/powerpoint/2010/main" val="2947655216"/>
       </p:ext>
     </p:extLst>
   </p:cSld>
@@ -18790,7 +18952,7 @@
         <p:spPr>
           <a:xfrm>
             <a:off x="909836" y="1260524"/>
-            <a:ext cx="11556000" cy="484172"/>
+            <a:ext cx="11556000" cy="1038169"/>
           </a:xfrm>
           <a:prstGeom prst="rect">
             <a:avLst/>
@@ -18811,96 +18973,18 @@
               <a:buChar char="•"/>
             </a:pPr>
             <a:r>
+              <a:rPr lang="en-US" sz="2400" b="1" dirty="0">
+                <a:latin typeface="+mj-lt"/>
+              </a:rPr>
+              <a:t>Problem 1:</a:t>
+            </a:r>
+            <a:r>
               <a:rPr lang="en-US" sz="2400" dirty="0">
                 <a:latin typeface="+mj-lt"/>
               </a:rPr>
-              <a:t>Problems of our dynamic word embedding analysis</a:t>
-            </a:r>
-          </a:p>
-        </p:txBody>
-      </p:sp>
-    </p:spTree>
-    <p:custDataLst>
-      <p:tags r:id="rId1"/>
-    </p:custDataLst>
-    <p:extLst>
-      <p:ext uri="{BB962C8B-B14F-4D97-AF65-F5344CB8AC3E}">
-        <p14:creationId xmlns:p14="http://schemas.microsoft.com/office/powerpoint/2010/main" val="4201880947"/>
-      </p:ext>
-    </p:extLst>
-  </p:cSld>
-  <p:clrMapOvr>
-    <a:masterClrMapping/>
-  </p:clrMapOvr>
-</p:sld>
-</file>
-
-<file path=ppt/slides/slide29.xml><?xml version="1.0" encoding="utf-8"?>
-<p:sld xmlns:a="http://schemas.openxmlformats.org/drawingml/2006/main" xmlns:r="http://schemas.openxmlformats.org/officeDocument/2006/relationships" xmlns:p="http://schemas.openxmlformats.org/presentationml/2006/main">
-  <p:cSld>
-    <p:spTree>
-      <p:nvGrpSpPr>
-        <p:cNvPr id="1" name=""/>
-        <p:cNvGrpSpPr/>
-        <p:nvPr/>
-      </p:nvGrpSpPr>
-      <p:grpSpPr>
-        <a:xfrm>
-          <a:off x="0" y="0"/>
-          <a:ext cx="0" cy="0"/>
-          <a:chOff x="0" y="0"/>
-          <a:chExt cx="0" cy="0"/>
-        </a:xfrm>
-      </p:grpSpPr>
-      <p:sp>
-        <p:nvSpPr>
-          <p:cNvPr id="4" name="Title 3"/>
-          <p:cNvSpPr>
-            <a:spLocks noGrp="1"/>
-          </p:cNvSpPr>
-          <p:nvPr>
-            <p:ph type="title"/>
-          </p:nvPr>
-        </p:nvSpPr>
-        <p:spPr/>
-        <p:txBody>
-          <a:bodyPr/>
-          <a:lstStyle/>
-          <a:p>
-            <a:r>
-              <a:rPr lang="en-GB" dirty="0"/>
-              <a:t>Expanding on word embeddings</a:t>
-            </a:r>
-          </a:p>
-        </p:txBody>
-      </p:sp>
-      <p:sp>
-        <p:nvSpPr>
-          <p:cNvPr id="6" name="TextBox 5">
-            <a:extLst>
-              <a:ext uri="{FF2B5EF4-FFF2-40B4-BE49-F238E27FC236}">
-                <a16:creationId xmlns:a16="http://schemas.microsoft.com/office/drawing/2014/main" id="{9A9E3E45-519B-4C76-AECD-95DFCFB7708A}"/>
-              </a:ext>
-            </a:extLst>
-          </p:cNvPr>
-          <p:cNvSpPr txBox="1"/>
-          <p:nvPr/>
-        </p:nvSpPr>
-        <p:spPr>
-          <a:xfrm>
-            <a:off x="909836" y="1260524"/>
-            <a:ext cx="11556000" cy="484172"/>
-          </a:xfrm>
-          <a:prstGeom prst="rect">
-            <a:avLst/>
-          </a:prstGeom>
-          <a:noFill/>
-        </p:spPr>
-        <p:txBody>
-          <a:bodyPr wrap="square" lIns="0" tIns="0" rIns="0" bIns="0" numCol="1" rtlCol="0">
-            <a:spAutoFit/>
-          </a:bodyPr>
-          <a:lstStyle/>
+              <a:t> Using cosine distances</a:t>
+            </a:r>
+          </a:p>
           <a:p>
             <a:pPr marL="342900" indent="-342900">
               <a:lnSpc>
@@ -18909,12 +18993,9 @@
               <a:buFont typeface="Arial" panose="020B0604020202020204" pitchFamily="34" charset="0"/>
               <a:buChar char="•"/>
             </a:pPr>
-            <a:r>
-              <a:rPr lang="en-US" sz="2400" dirty="0">
-                <a:latin typeface="+mj-lt"/>
-              </a:rPr>
-              <a:t>Problems of our dynamic word embedding analysis</a:t>
-            </a:r>
+            <a:endParaRPr lang="en-US" sz="2400" dirty="0">
+              <a:latin typeface="+mj-lt"/>
+            </a:endParaRPr>
           </a:p>
         </p:txBody>
       </p:sp>
@@ -18974,7 +19055,7 @@
 </p:sld>
 </file>
 
-<file path=ppt/slides/slide3.xml><?xml version="1.0" encoding="utf-8"?>
+<file path=ppt/slides/slide29.xml><?xml version="1.0" encoding="utf-8"?>
 <p:sld xmlns:a="http://schemas.openxmlformats.org/drawingml/2006/main" xmlns:r="http://schemas.openxmlformats.org/officeDocument/2006/relationships" xmlns:p="http://schemas.openxmlformats.org/presentationml/2006/main">
   <p:cSld>
     <p:spTree>
@@ -18993,67 +19074,6 @@
       </p:grpSpPr>
       <p:sp>
         <p:nvSpPr>
-          <p:cNvPr id="2" name="Titel 1"/>
-          <p:cNvSpPr>
-            <a:spLocks noGrp="1"/>
-          </p:cNvSpPr>
-          <p:nvPr>
-            <p:ph type="ctrTitle"/>
-          </p:nvPr>
-        </p:nvSpPr>
-        <p:spPr>
-          <a:xfrm>
-            <a:off x="985838" y="2897841"/>
-            <a:ext cx="10220325" cy="830997"/>
-          </a:xfrm>
-        </p:spPr>
-        <p:txBody>
-          <a:bodyPr/>
-          <a:lstStyle/>
-          <a:p>
-            <a:pPr algn="ctr"/>
-            <a:r>
-              <a:rPr lang="en-GB" dirty="0"/>
-              <a:t>Relevance of project</a:t>
-            </a:r>
-          </a:p>
-        </p:txBody>
-      </p:sp>
-    </p:spTree>
-    <p:custDataLst>
-      <p:tags r:id="rId1"/>
-    </p:custDataLst>
-    <p:extLst>
-      <p:ext uri="{BB962C8B-B14F-4D97-AF65-F5344CB8AC3E}">
-        <p14:creationId xmlns:p14="http://schemas.microsoft.com/office/powerpoint/2010/main" val="4041979366"/>
-      </p:ext>
-    </p:extLst>
-  </p:cSld>
-  <p:clrMapOvr>
-    <a:masterClrMapping/>
-  </p:clrMapOvr>
-</p:sld>
-</file>
-
-<file path=ppt/slides/slide30.xml><?xml version="1.0" encoding="utf-8"?>
-<p:sld xmlns:a="http://schemas.openxmlformats.org/drawingml/2006/main" xmlns:r="http://schemas.openxmlformats.org/officeDocument/2006/relationships" xmlns:p="http://schemas.openxmlformats.org/presentationml/2006/main">
-  <p:cSld>
-    <p:spTree>
-      <p:nvGrpSpPr>
-        <p:cNvPr id="1" name=""/>
-        <p:cNvGrpSpPr/>
-        <p:nvPr/>
-      </p:nvGrpSpPr>
-      <p:grpSpPr>
-        <a:xfrm>
-          <a:off x="0" y="0"/>
-          <a:ext cx="0" cy="0"/>
-          <a:chOff x="0" y="0"/>
-          <a:chExt cx="0" cy="0"/>
-        </a:xfrm>
-      </p:grpSpPr>
-      <p:sp>
-        <p:nvSpPr>
           <p:cNvPr id="4" name="Title 3"/>
           <p:cNvSpPr>
             <a:spLocks noGrp="1"/>
@@ -19089,7 +19109,7 @@
         <p:spPr>
           <a:xfrm>
             <a:off x="909836" y="1260524"/>
-            <a:ext cx="11556000" cy="484172"/>
+            <a:ext cx="11556000" cy="491738"/>
           </a:xfrm>
           <a:prstGeom prst="rect">
             <a:avLst/>
@@ -19110,10 +19130,16 @@
               <a:buChar char="•"/>
             </a:pPr>
             <a:r>
+              <a:rPr lang="en-US" sz="2400" b="1" dirty="0">
+                <a:latin typeface="+mj-lt"/>
+              </a:rPr>
+              <a:t>Problem 1:</a:t>
+            </a:r>
+            <a:r>
               <a:rPr lang="en-US" sz="2400" dirty="0">
                 <a:latin typeface="+mj-lt"/>
               </a:rPr>
-              <a:t>Problems of our dynamic word embedding analysis</a:t>
+              <a:t> Using cosine distances</a:t>
             </a:r>
           </a:p>
         </p:txBody>
@@ -19214,6 +19240,172 @@
 </p:sld>
 </file>
 
+<file path=ppt/slides/slide3.xml><?xml version="1.0" encoding="utf-8"?>
+<p:sld xmlns:a="http://schemas.openxmlformats.org/drawingml/2006/main" xmlns:r="http://schemas.openxmlformats.org/officeDocument/2006/relationships" xmlns:p="http://schemas.openxmlformats.org/presentationml/2006/main">
+  <p:cSld>
+    <p:spTree>
+      <p:nvGrpSpPr>
+        <p:cNvPr id="1" name=""/>
+        <p:cNvGrpSpPr/>
+        <p:nvPr/>
+      </p:nvGrpSpPr>
+      <p:grpSpPr>
+        <a:xfrm>
+          <a:off x="0" y="0"/>
+          <a:ext cx="0" cy="0"/>
+          <a:chOff x="0" y="0"/>
+          <a:chExt cx="0" cy="0"/>
+        </a:xfrm>
+      </p:grpSpPr>
+      <p:sp>
+        <p:nvSpPr>
+          <p:cNvPr id="2" name="Titel 1"/>
+          <p:cNvSpPr>
+            <a:spLocks noGrp="1"/>
+          </p:cNvSpPr>
+          <p:nvPr>
+            <p:ph type="ctrTitle"/>
+          </p:nvPr>
+        </p:nvSpPr>
+        <p:spPr>
+          <a:xfrm>
+            <a:off x="985838" y="2897841"/>
+            <a:ext cx="10220325" cy="830997"/>
+          </a:xfrm>
+        </p:spPr>
+        <p:txBody>
+          <a:bodyPr/>
+          <a:lstStyle/>
+          <a:p>
+            <a:pPr algn="ctr"/>
+            <a:r>
+              <a:rPr lang="en-GB" dirty="0"/>
+              <a:t>Relevance of project</a:t>
+            </a:r>
+          </a:p>
+        </p:txBody>
+      </p:sp>
+    </p:spTree>
+    <p:custDataLst>
+      <p:tags r:id="rId1"/>
+    </p:custDataLst>
+    <p:extLst>
+      <p:ext uri="{BB962C8B-B14F-4D97-AF65-F5344CB8AC3E}">
+        <p14:creationId xmlns:p14="http://schemas.microsoft.com/office/powerpoint/2010/main" val="4041979366"/>
+      </p:ext>
+    </p:extLst>
+  </p:cSld>
+  <p:clrMapOvr>
+    <a:masterClrMapping/>
+  </p:clrMapOvr>
+</p:sld>
+</file>
+
+<file path=ppt/slides/slide30.xml><?xml version="1.0" encoding="utf-8"?>
+<p:sld xmlns:a="http://schemas.openxmlformats.org/drawingml/2006/main" xmlns:r="http://schemas.openxmlformats.org/officeDocument/2006/relationships" xmlns:p="http://schemas.openxmlformats.org/presentationml/2006/main">
+  <p:cSld>
+    <p:spTree>
+      <p:nvGrpSpPr>
+        <p:cNvPr id="1" name=""/>
+        <p:cNvGrpSpPr/>
+        <p:nvPr/>
+      </p:nvGrpSpPr>
+      <p:grpSpPr>
+        <a:xfrm>
+          <a:off x="0" y="0"/>
+          <a:ext cx="0" cy="0"/>
+          <a:chOff x="0" y="0"/>
+          <a:chExt cx="0" cy="0"/>
+        </a:xfrm>
+      </p:grpSpPr>
+      <p:sp>
+        <p:nvSpPr>
+          <p:cNvPr id="4" name="Title 3"/>
+          <p:cNvSpPr>
+            <a:spLocks noGrp="1"/>
+          </p:cNvSpPr>
+          <p:nvPr>
+            <p:ph type="title"/>
+          </p:nvPr>
+        </p:nvSpPr>
+        <p:spPr/>
+        <p:txBody>
+          <a:bodyPr/>
+          <a:lstStyle/>
+          <a:p>
+            <a:r>
+              <a:rPr lang="en-GB" dirty="0"/>
+              <a:t>Expanding on word embeddings</a:t>
+            </a:r>
+          </a:p>
+        </p:txBody>
+      </p:sp>
+      <p:sp>
+        <p:nvSpPr>
+          <p:cNvPr id="6" name="TextBox 5">
+            <a:extLst>
+              <a:ext uri="{FF2B5EF4-FFF2-40B4-BE49-F238E27FC236}">
+                <a16:creationId xmlns:a16="http://schemas.microsoft.com/office/drawing/2014/main" id="{9A9E3E45-519B-4C76-AECD-95DFCFB7708A}"/>
+              </a:ext>
+            </a:extLst>
+          </p:cNvPr>
+          <p:cNvSpPr txBox="1"/>
+          <p:nvPr/>
+        </p:nvSpPr>
+        <p:spPr>
+          <a:xfrm>
+            <a:off x="909836" y="1260524"/>
+            <a:ext cx="11556000" cy="491738"/>
+          </a:xfrm>
+          <a:prstGeom prst="rect">
+            <a:avLst/>
+          </a:prstGeom>
+          <a:noFill/>
+        </p:spPr>
+        <p:txBody>
+          <a:bodyPr wrap="square" lIns="0" tIns="0" rIns="0" bIns="0" numCol="1" rtlCol="0">
+            <a:spAutoFit/>
+          </a:bodyPr>
+          <a:lstStyle/>
+          <a:p>
+            <a:pPr marL="342900" indent="-342900">
+              <a:lnSpc>
+                <a:spcPct val="150000"/>
+              </a:lnSpc>
+              <a:buFont typeface="Arial" panose="020B0604020202020204" pitchFamily="34" charset="0"/>
+              <a:buChar char="•"/>
+            </a:pPr>
+            <a:r>
+              <a:rPr lang="en-US" sz="2400" b="1" dirty="0">
+                <a:latin typeface="+mj-lt"/>
+              </a:rPr>
+              <a:t>Problem 2:</a:t>
+            </a:r>
+            <a:r>
+              <a:rPr lang="en-US" sz="2400" dirty="0">
+                <a:latin typeface="+mj-lt"/>
+              </a:rPr>
+              <a:t> Comparing word embeddings across different models</a:t>
+            </a:r>
+          </a:p>
+        </p:txBody>
+      </p:sp>
+    </p:spTree>
+    <p:custDataLst>
+      <p:tags r:id="rId1"/>
+    </p:custDataLst>
+    <p:extLst>
+      <p:ext uri="{BB962C8B-B14F-4D97-AF65-F5344CB8AC3E}">
+        <p14:creationId xmlns:p14="http://schemas.microsoft.com/office/powerpoint/2010/main" val="2275671290"/>
+      </p:ext>
+    </p:extLst>
+  </p:cSld>
+  <p:clrMapOvr>
+    <a:masterClrMapping/>
+  </p:clrMapOvr>
+</p:sld>
+</file>
+
 <file path=ppt/slides/slide31.xml><?xml version="1.0" encoding="utf-8"?>
 <p:sld xmlns:a="http://schemas.openxmlformats.org/drawingml/2006/main" xmlns:r="http://schemas.openxmlformats.org/officeDocument/2006/relationships" xmlns:p="http://schemas.openxmlformats.org/presentationml/2006/main">
   <p:cSld>
@@ -19268,7 +19460,7 @@
         <p:spPr>
           <a:xfrm>
             <a:off x="909836" y="1260524"/>
-            <a:ext cx="11556000" cy="484172"/>
+            <a:ext cx="11556000" cy="491738"/>
           </a:xfrm>
           <a:prstGeom prst="rect">
             <a:avLst/>
@@ -19289,109 +19481,16 @@
               <a:buChar char="•"/>
             </a:pPr>
             <a:r>
+              <a:rPr lang="en-US" sz="2400" b="1" dirty="0">
+                <a:latin typeface="+mj-lt"/>
+              </a:rPr>
+              <a:t>Problem 2:</a:t>
+            </a:r>
+            <a:r>
               <a:rPr lang="en-US" sz="2400" dirty="0">
                 <a:latin typeface="+mj-lt"/>
               </a:rPr>
-              <a:t>Problems of our dynamic word embedding analysis</a:t>
-            </a:r>
-          </a:p>
-        </p:txBody>
-      </p:sp>
-    </p:spTree>
-    <p:custDataLst>
-      <p:tags r:id="rId1"/>
-    </p:custDataLst>
-    <p:extLst>
-      <p:ext uri="{BB962C8B-B14F-4D97-AF65-F5344CB8AC3E}">
-        <p14:creationId xmlns:p14="http://schemas.microsoft.com/office/powerpoint/2010/main" val="2275671290"/>
-      </p:ext>
-    </p:extLst>
-  </p:cSld>
-  <p:clrMapOvr>
-    <a:masterClrMapping/>
-  </p:clrMapOvr>
-</p:sld>
-</file>
-
-<file path=ppt/slides/slide32.xml><?xml version="1.0" encoding="utf-8"?>
-<p:sld xmlns:a="http://schemas.openxmlformats.org/drawingml/2006/main" xmlns:r="http://schemas.openxmlformats.org/officeDocument/2006/relationships" xmlns:p="http://schemas.openxmlformats.org/presentationml/2006/main">
-  <p:cSld>
-    <p:spTree>
-      <p:nvGrpSpPr>
-        <p:cNvPr id="1" name=""/>
-        <p:cNvGrpSpPr/>
-        <p:nvPr/>
-      </p:nvGrpSpPr>
-      <p:grpSpPr>
-        <a:xfrm>
-          <a:off x="0" y="0"/>
-          <a:ext cx="0" cy="0"/>
-          <a:chOff x="0" y="0"/>
-          <a:chExt cx="0" cy="0"/>
-        </a:xfrm>
-      </p:grpSpPr>
-      <p:sp>
-        <p:nvSpPr>
-          <p:cNvPr id="4" name="Title 3"/>
-          <p:cNvSpPr>
-            <a:spLocks noGrp="1"/>
-          </p:cNvSpPr>
-          <p:nvPr>
-            <p:ph type="title"/>
-          </p:nvPr>
-        </p:nvSpPr>
-        <p:spPr/>
-        <p:txBody>
-          <a:bodyPr/>
-          <a:lstStyle/>
-          <a:p>
-            <a:r>
-              <a:rPr lang="en-GB" dirty="0"/>
-              <a:t>Expanding on word embeddings</a:t>
-            </a:r>
-          </a:p>
-        </p:txBody>
-      </p:sp>
-      <p:sp>
-        <p:nvSpPr>
-          <p:cNvPr id="6" name="TextBox 5">
-            <a:extLst>
-              <a:ext uri="{FF2B5EF4-FFF2-40B4-BE49-F238E27FC236}">
-                <a16:creationId xmlns:a16="http://schemas.microsoft.com/office/drawing/2014/main" id="{9A9E3E45-519B-4C76-AECD-95DFCFB7708A}"/>
-              </a:ext>
-            </a:extLst>
-          </p:cNvPr>
-          <p:cNvSpPr txBox="1"/>
-          <p:nvPr/>
-        </p:nvSpPr>
-        <p:spPr>
-          <a:xfrm>
-            <a:off x="909836" y="1260524"/>
-            <a:ext cx="11556000" cy="484172"/>
-          </a:xfrm>
-          <a:prstGeom prst="rect">
-            <a:avLst/>
-          </a:prstGeom>
-          <a:noFill/>
-        </p:spPr>
-        <p:txBody>
-          <a:bodyPr wrap="square" lIns="0" tIns="0" rIns="0" bIns="0" numCol="1" rtlCol="0">
-            <a:spAutoFit/>
-          </a:bodyPr>
-          <a:lstStyle/>
-          <a:p>
-            <a:pPr marL="342900" indent="-342900">
-              <a:lnSpc>
-                <a:spcPct val="150000"/>
-              </a:lnSpc>
-              <a:buFont typeface="Arial" panose="020B0604020202020204" pitchFamily="34" charset="0"/>
-              <a:buChar char="•"/>
-            </a:pPr>
-            <a:r>
-              <a:rPr lang="en-US" sz="2400" dirty="0">
-                <a:latin typeface="+mj-lt"/>
-              </a:rPr>
-              <a:t>Problems of our dynamic word embedding analysis</a:t>
+              <a:t> Comparing word embeddings across different models</a:t>
             </a:r>
           </a:p>
         </p:txBody>
@@ -19494,7 +19593,7 @@
 </p:sld>
 </file>
 
-<file path=ppt/slides/slide33.xml><?xml version="1.0" encoding="utf-8"?>
+<file path=ppt/slides/slide32.xml><?xml version="1.0" encoding="utf-8"?>
 <p:sld xmlns:a="http://schemas.openxmlformats.org/drawingml/2006/main" xmlns:r="http://schemas.openxmlformats.org/officeDocument/2006/relationships" xmlns:p="http://schemas.openxmlformats.org/presentationml/2006/main">
   <p:cSld>
     <p:spTree>
@@ -19548,7 +19647,7 @@
         <p:spPr>
           <a:xfrm>
             <a:off x="909836" y="1260524"/>
-            <a:ext cx="11556000" cy="484172"/>
+            <a:ext cx="10369152" cy="491738"/>
           </a:xfrm>
           <a:prstGeom prst="rect">
             <a:avLst/>
@@ -19569,10 +19668,16 @@
               <a:buChar char="•"/>
             </a:pPr>
             <a:r>
+              <a:rPr lang="en-US" sz="2400" b="1" dirty="0">
+                <a:latin typeface="+mj-lt"/>
+              </a:rPr>
+              <a:t>Problem 2:</a:t>
+            </a:r>
+            <a:r>
               <a:rPr lang="en-US" sz="2400" dirty="0">
                 <a:latin typeface="+mj-lt"/>
               </a:rPr>
-              <a:t>Problems of our dynamic word embedding analysis</a:t>
+              <a:t> Comparing word embeddings across different models</a:t>
             </a:r>
           </a:p>
         </p:txBody>
@@ -19757,6 +19862,111 @@
 </p:sld>
 </file>
 
+<file path=ppt/slides/slide33.xml><?xml version="1.0" encoding="utf-8"?>
+<p:sld xmlns:a="http://schemas.openxmlformats.org/drawingml/2006/main" xmlns:r="http://schemas.openxmlformats.org/officeDocument/2006/relationships" xmlns:p="http://schemas.openxmlformats.org/presentationml/2006/main">
+  <p:cSld>
+    <p:spTree>
+      <p:nvGrpSpPr>
+        <p:cNvPr id="1" name=""/>
+        <p:cNvGrpSpPr/>
+        <p:nvPr/>
+      </p:nvGrpSpPr>
+      <p:grpSpPr>
+        <a:xfrm>
+          <a:off x="0" y="0"/>
+          <a:ext cx="0" cy="0"/>
+          <a:chOff x="0" y="0"/>
+          <a:chExt cx="0" cy="0"/>
+        </a:xfrm>
+      </p:grpSpPr>
+      <p:sp>
+        <p:nvSpPr>
+          <p:cNvPr id="4" name="Title 3"/>
+          <p:cNvSpPr>
+            <a:spLocks noGrp="1"/>
+          </p:cNvSpPr>
+          <p:nvPr>
+            <p:ph type="title"/>
+          </p:nvPr>
+        </p:nvSpPr>
+        <p:spPr/>
+        <p:txBody>
+          <a:bodyPr/>
+          <a:lstStyle/>
+          <a:p>
+            <a:r>
+              <a:rPr lang="en-GB" dirty="0"/>
+              <a:t>Expanding on word embeddings</a:t>
+            </a:r>
+          </a:p>
+        </p:txBody>
+      </p:sp>
+      <p:sp>
+        <p:nvSpPr>
+          <p:cNvPr id="6" name="TextBox 5">
+            <a:extLst>
+              <a:ext uri="{FF2B5EF4-FFF2-40B4-BE49-F238E27FC236}">
+                <a16:creationId xmlns:a16="http://schemas.microsoft.com/office/drawing/2014/main" id="{9A9E3E45-519B-4C76-AECD-95DFCFB7708A}"/>
+              </a:ext>
+            </a:extLst>
+          </p:cNvPr>
+          <p:cNvSpPr txBox="1"/>
+          <p:nvPr/>
+        </p:nvSpPr>
+        <p:spPr>
+          <a:xfrm>
+            <a:off x="909836" y="1260524"/>
+            <a:ext cx="10369152" cy="491738"/>
+          </a:xfrm>
+          <a:prstGeom prst="rect">
+            <a:avLst/>
+          </a:prstGeom>
+          <a:noFill/>
+        </p:spPr>
+        <p:txBody>
+          <a:bodyPr wrap="square" lIns="0" tIns="0" rIns="0" bIns="0" numCol="1" rtlCol="0">
+            <a:spAutoFit/>
+          </a:bodyPr>
+          <a:lstStyle/>
+          <a:p>
+            <a:pPr marL="342900" indent="-342900">
+              <a:lnSpc>
+                <a:spcPct val="150000"/>
+              </a:lnSpc>
+              <a:buFont typeface="Arial" panose="020B0604020202020204" pitchFamily="34" charset="0"/>
+              <a:buChar char="•"/>
+            </a:pPr>
+            <a:r>
+              <a:rPr lang="en-US" sz="2400" b="1" dirty="0">
+                <a:latin typeface="+mj-lt"/>
+              </a:rPr>
+              <a:t>Problem 3:</a:t>
+            </a:r>
+            <a:r>
+              <a:rPr lang="en-US" sz="2400" dirty="0">
+                <a:latin typeface="+mj-lt"/>
+              </a:rPr>
+              <a:t> Changes happen, regardless of time</a:t>
+            </a:r>
+          </a:p>
+        </p:txBody>
+      </p:sp>
+    </p:spTree>
+    <p:custDataLst>
+      <p:tags r:id="rId1"/>
+    </p:custDataLst>
+    <p:extLst>
+      <p:ext uri="{BB962C8B-B14F-4D97-AF65-F5344CB8AC3E}">
+        <p14:creationId xmlns:p14="http://schemas.microsoft.com/office/powerpoint/2010/main" val="2875486689"/>
+      </p:ext>
+    </p:extLst>
+  </p:cSld>
+  <p:clrMapOvr>
+    <a:masterClrMapping/>
+  </p:clrMapOvr>
+</p:sld>
+</file>
+
 <file path=ppt/slides/slide4.xml><?xml version="1.0" encoding="utf-8"?>
 <p:sld xmlns:a="http://schemas.openxmlformats.org/drawingml/2006/main" xmlns:r="http://schemas.openxmlformats.org/officeDocument/2006/relationships" xmlns:p="http://schemas.openxmlformats.org/presentationml/2006/main">
   <p:cSld>
@@ -19811,7 +20021,7 @@
         <p:spPr>
           <a:xfrm>
             <a:off x="981844" y="1268760"/>
-            <a:ext cx="10081120" cy="630173"/>
+            <a:ext cx="10081120" cy="1384995"/>
           </a:xfrm>
           <a:prstGeom prst="rect">
             <a:avLst/>
@@ -19832,11 +20042,49 @@
               <a:buChar char="•"/>
             </a:pPr>
             <a:r>
+              <a:rPr lang="en-US" sz="2400" b="1" dirty="0">
+                <a:latin typeface="+mj-lt"/>
+              </a:rPr>
+              <a:t>Background</a:t>
+            </a:r>
+          </a:p>
+          <a:p>
+            <a:pPr marL="1066693" lvl="1" indent="-457200">
+              <a:lnSpc>
+                <a:spcPct val="100000"/>
+              </a:lnSpc>
+              <a:buFont typeface="Arial" panose="020B0604020202020204" pitchFamily="34" charset="0"/>
+              <a:buChar char="•"/>
+            </a:pPr>
+            <a:r>
               <a:rPr lang="en-US" sz="2400" dirty="0">
                 <a:latin typeface="+mj-lt"/>
               </a:rPr>
               <a:t>Fake News misleads</a:t>
             </a:r>
+            <a:endParaRPr kumimoji="0" lang="en-US" sz="2400" i="0" u="none" strike="noStrike" kern="1200" cap="none" spc="0" normalizeH="0" baseline="0" noProof="0" dirty="0">
+              <a:ln>
+                <a:noFill/>
+              </a:ln>
+              <a:solidFill>
+                <a:srgbClr val="000000"/>
+              </a:solidFill>
+              <a:effectLst/>
+              <a:uLnTx/>
+              <a:uFillTx/>
+              <a:latin typeface="AU Passata"/>
+              <a:ea typeface="+mn-ea"/>
+              <a:cs typeface="+mn-cs"/>
+            </a:endParaRPr>
+          </a:p>
+          <a:p>
+            <a:pPr marL="1066693" lvl="1" indent="-457200">
+              <a:lnSpc>
+                <a:spcPct val="100000"/>
+              </a:lnSpc>
+              <a:buFont typeface="Arial" panose="020B0604020202020204" pitchFamily="34" charset="0"/>
+              <a:buChar char="•"/>
+            </a:pPr>
             <a:endParaRPr lang="en-US" sz="1800" dirty="0">
               <a:latin typeface="AU Passata Light" panose="020B0604020202020204" charset="0"/>
             </a:endParaRPr>
@@ -19900,10 +20148,10 @@
       </p:sp>
       <p:sp>
         <p:nvSpPr>
-          <p:cNvPr id="6" name="TextBox 5">
+          <p:cNvPr id="5" name="TextBox 4">
             <a:extLst>
               <a:ext uri="{FF2B5EF4-FFF2-40B4-BE49-F238E27FC236}">
-                <a16:creationId xmlns:a16="http://schemas.microsoft.com/office/drawing/2014/main" id="{D8273499-1CC5-476F-99E5-7F382CA1733A}"/>
+                <a16:creationId xmlns:a16="http://schemas.microsoft.com/office/drawing/2014/main" id="{D8E5DAFB-3730-41CA-B689-CA08D0D8F159}"/>
               </a:ext>
             </a:extLst>
           </p:cNvPr>
@@ -19913,7 +20161,7 @@
         <p:spPr>
           <a:xfrm>
             <a:off x="981844" y="1268760"/>
-            <a:ext cx="10081120" cy="1951432"/>
+            <a:ext cx="10081120" cy="1477328"/>
           </a:xfrm>
           <a:prstGeom prst="rect">
             <a:avLst/>
@@ -19934,6 +20182,21 @@
               <a:buChar char="•"/>
             </a:pPr>
             <a:r>
+              <a:rPr lang="en-US" sz="2400" b="1" dirty="0">
+                <a:latin typeface="+mj-lt"/>
+              </a:rPr>
+              <a:t>Background</a:t>
+            </a:r>
+          </a:p>
+          <a:p>
+            <a:pPr marL="1066693" lvl="1" indent="-457200">
+              <a:lnSpc>
+                <a:spcPct val="100000"/>
+              </a:lnSpc>
+              <a:buFont typeface="Arial" panose="020B0604020202020204" pitchFamily="34" charset="0"/>
+              <a:buChar char="•"/>
+            </a:pPr>
+            <a:r>
               <a:rPr lang="en-US" sz="2400" dirty="0">
                 <a:latin typeface="+mj-lt"/>
               </a:rPr>
@@ -19941,29 +20204,31 @@
             </a:r>
           </a:p>
           <a:p>
-            <a:pPr marL="457200" indent="-457200">
-              <a:lnSpc>
-                <a:spcPct val="200000"/>
-              </a:lnSpc>
-              <a:buFont typeface="Arial" panose="020B0604020202020204" pitchFamily="34" charset="0"/>
-              <a:buChar char="•"/>
-            </a:pPr>
-            <a:r>
-              <a:rPr lang="en-US" sz="2400" dirty="0">
-                <a:latin typeface="+mj-lt"/>
+            <a:pPr marL="1066693" lvl="1" indent="-457200">
+              <a:lnSpc>
+                <a:spcPct val="100000"/>
+              </a:lnSpc>
+              <a:buFont typeface="Arial" panose="020B0604020202020204" pitchFamily="34" charset="0"/>
+              <a:buChar char="•"/>
+              <a:defRPr/>
+            </a:pPr>
+            <a:r>
+              <a:rPr kumimoji="0" lang="en-US" sz="2400" b="0" i="0" u="none" strike="noStrike" kern="1200" cap="none" spc="0" normalizeH="0" baseline="0" noProof="0" dirty="0">
+                <a:ln>
+                  <a:noFill/>
+                </a:ln>
+                <a:solidFill>
+                  <a:srgbClr val="000000"/>
+                </a:solidFill>
+                <a:effectLst/>
+                <a:uLnTx/>
+                <a:uFillTx/>
+                <a:latin typeface="AU Passata"/>
+                <a:ea typeface="+mn-ea"/>
+                <a:cs typeface="+mn-cs"/>
               </a:rPr>
               <a:t>ML approaches show promising results</a:t>
             </a:r>
-          </a:p>
-          <a:p>
-            <a:pPr>
-              <a:lnSpc>
-                <a:spcPct val="200000"/>
-              </a:lnSpc>
-            </a:pPr>
-            <a:endParaRPr lang="en-US" sz="1800" dirty="0">
-              <a:latin typeface="AU Passata Light" panose="020B0604020202020204" charset="0"/>
-            </a:endParaRPr>
           </a:p>
         </p:txBody>
       </p:sp>
@@ -20025,10 +20290,10 @@
       </p:sp>
       <p:sp>
         <p:nvSpPr>
-          <p:cNvPr id="6" name="TextBox 5">
+          <p:cNvPr id="7" name="TextBox 6">
             <a:extLst>
               <a:ext uri="{FF2B5EF4-FFF2-40B4-BE49-F238E27FC236}">
-                <a16:creationId xmlns:a16="http://schemas.microsoft.com/office/drawing/2014/main" id="{D8273499-1CC5-476F-99E5-7F382CA1733A}"/>
+                <a16:creationId xmlns:a16="http://schemas.microsoft.com/office/drawing/2014/main" id="{BD504D91-718B-4131-8DC1-4BAA07356338}"/>
               </a:ext>
             </a:extLst>
           </p:cNvPr>
@@ -20038,7 +20303,7 @@
         <p:spPr>
           <a:xfrm>
             <a:off x="981844" y="1268760"/>
-            <a:ext cx="10081120" cy="2954655"/>
+            <a:ext cx="10081120" cy="3416320"/>
           </a:xfrm>
           <a:prstGeom prst="rect">
             <a:avLst/>
@@ -20059,6 +20324,21 @@
               <a:buChar char="•"/>
             </a:pPr>
             <a:r>
+              <a:rPr lang="en-US" sz="2400" b="1" dirty="0">
+                <a:latin typeface="+mj-lt"/>
+              </a:rPr>
+              <a:t>Background</a:t>
+            </a:r>
+          </a:p>
+          <a:p>
+            <a:pPr marL="1066693" lvl="1" indent="-457200">
+              <a:lnSpc>
+                <a:spcPct val="100000"/>
+              </a:lnSpc>
+              <a:buFont typeface="Arial" panose="020B0604020202020204" pitchFamily="34" charset="0"/>
+              <a:buChar char="•"/>
+            </a:pPr>
+            <a:r>
               <a:rPr lang="en-US" sz="2400" dirty="0">
                 <a:latin typeface="+mj-lt"/>
               </a:rPr>
@@ -20066,33 +20346,84 @@
             </a:r>
           </a:p>
           <a:p>
+            <a:pPr marL="1066693" lvl="1" indent="-457200">
+              <a:lnSpc>
+                <a:spcPct val="100000"/>
+              </a:lnSpc>
+              <a:buFont typeface="Arial" panose="020B0604020202020204" pitchFamily="34" charset="0"/>
+              <a:buChar char="•"/>
+              <a:defRPr/>
+            </a:pPr>
+            <a:r>
+              <a:rPr kumimoji="0" lang="en-US" sz="2400" b="0" i="0" u="none" strike="noStrike" kern="1200" cap="none" spc="0" normalizeH="0" baseline="0" noProof="0" dirty="0">
+                <a:ln>
+                  <a:noFill/>
+                </a:ln>
+                <a:solidFill>
+                  <a:srgbClr val="000000"/>
+                </a:solidFill>
+                <a:effectLst/>
+                <a:uLnTx/>
+                <a:uFillTx/>
+                <a:latin typeface="AU Passata"/>
+                <a:ea typeface="+mn-ea"/>
+                <a:cs typeface="+mn-cs"/>
+              </a:rPr>
+              <a:t>ML approaches show promising results</a:t>
+            </a:r>
+          </a:p>
+          <a:p>
+            <a:pPr marL="1066693" lvl="1" indent="-457200">
+              <a:lnSpc>
+                <a:spcPct val="100000"/>
+              </a:lnSpc>
+              <a:buFont typeface="Arial" panose="020B0604020202020204" pitchFamily="34" charset="0"/>
+              <a:buChar char="•"/>
+              <a:defRPr/>
+            </a:pPr>
+            <a:endParaRPr lang="en-US" sz="2400" dirty="0">
+              <a:solidFill>
+                <a:srgbClr val="000000"/>
+              </a:solidFill>
+              <a:latin typeface="AU Passata"/>
+            </a:endParaRPr>
+          </a:p>
+          <a:p>
             <a:pPr marL="457200" indent="-457200">
               <a:lnSpc>
-                <a:spcPct val="200000"/>
-              </a:lnSpc>
-              <a:buFont typeface="Arial" panose="020B0604020202020204" pitchFamily="34" charset="0"/>
-              <a:buChar char="•"/>
+                <a:spcPct val="150000"/>
+              </a:lnSpc>
+              <a:buFont typeface="Arial" panose="020B0604020202020204" pitchFamily="34" charset="0"/>
+              <a:buChar char="•"/>
+              <a:defRPr/>
+            </a:pPr>
+            <a:r>
+              <a:rPr lang="en-US" sz="2400" b="1" dirty="0">
+                <a:solidFill>
+                  <a:srgbClr val="000000"/>
+                </a:solidFill>
+                <a:latin typeface="AU Passata"/>
+              </a:rPr>
+              <a:t>But! Generalizability?</a:t>
+            </a:r>
+          </a:p>
+          <a:p>
+            <a:pPr marL="1066693" lvl="1" indent="-457200">
+              <a:lnSpc>
+                <a:spcPct val="100000"/>
+              </a:lnSpc>
+              <a:buFont typeface="Arial" panose="020B0604020202020204" pitchFamily="34" charset="0"/>
+              <a:buChar char="•"/>
+              <a:defRPr/>
             </a:pPr>
             <a:r>
               <a:rPr lang="en-US" sz="2400" dirty="0">
-                <a:latin typeface="+mj-lt"/>
-              </a:rPr>
-              <a:t>ML approaches show promising results</a:t>
-            </a:r>
-          </a:p>
-          <a:p>
-            <a:pPr marL="457200" indent="-457200">
-              <a:lnSpc>
-                <a:spcPct val="200000"/>
-              </a:lnSpc>
-              <a:buFont typeface="Arial" panose="020B0604020202020204" pitchFamily="34" charset="0"/>
-              <a:buChar char="•"/>
-            </a:pPr>
-            <a:r>
-              <a:rPr lang="en-US" sz="2400" dirty="0">
-                <a:latin typeface="+mj-lt"/>
-              </a:rPr>
-              <a:t>BUT… Generalizability?</a:t>
+                <a:solidFill>
+                  <a:srgbClr val="000000"/>
+                </a:solidFill>
+                <a:latin typeface="AU Passata"/>
+              </a:rPr>
+              <a:t>Across sources</a:t>
             </a:r>
           </a:p>
           <a:p>
@@ -20102,12 +20433,24 @@
               </a:lnSpc>
               <a:buFont typeface="Arial" panose="020B0604020202020204" pitchFamily="34" charset="0"/>
               <a:buChar char="•"/>
-            </a:pPr>
-            <a:r>
-              <a:rPr lang="en-US" sz="2400" dirty="0">
-                <a:latin typeface="+mj-lt"/>
-              </a:rPr>
-              <a:t>Across sources</a:t>
+              <a:defRPr/>
+            </a:pPr>
+            <a:r>
+              <a:rPr kumimoji="0" lang="en-US" sz="2400" i="0" u="none" strike="noStrike" kern="1200" cap="none" spc="0" normalizeH="0" baseline="0" noProof="0" dirty="0">
+                <a:ln>
+                  <a:noFill/>
+                </a:ln>
+                <a:solidFill>
+                  <a:srgbClr val="000000"/>
+                </a:solidFill>
+                <a:effectLst/>
+                <a:uLnTx/>
+                <a:uFillTx/>
+                <a:latin typeface="AU Passata"/>
+                <a:ea typeface="+mn-ea"/>
+                <a:cs typeface="+mn-cs"/>
+              </a:rPr>
+              <a:t>Across time</a:t>
             </a:r>
           </a:p>
           <a:p>
@@ -20118,12 +20461,6 @@
               <a:buFont typeface="Arial" panose="020B0604020202020204" pitchFamily="34" charset="0"/>
               <a:buChar char="•"/>
             </a:pPr>
-            <a:r>
-              <a:rPr lang="en-US" sz="2400" dirty="0">
-                <a:latin typeface="+mj-lt"/>
-              </a:rPr>
-              <a:t>Across time</a:t>
-            </a:r>
             <a:endParaRPr lang="en-US" sz="1800" dirty="0">
               <a:latin typeface="AU Passata Light" panose="020B0604020202020204" charset="0"/>
             </a:endParaRPr>
@@ -20694,7 +21031,7 @@
 
 <file path=ppt/tags/tag27.xml><?xml version="1.0" encoding="utf-8"?>
 <p:tagLst xmlns:a="http://schemas.openxmlformats.org/drawingml/2006/main" xmlns:r="http://schemas.openxmlformats.org/officeDocument/2006/relationships" xmlns:p="http://schemas.openxmlformats.org/presentationml/2006/main">
-  <p:tag name="TEMPLAFYSLIDEID" val="636235437374745988"/>
+  <p:tag name="TEMPLAFYSLIDEID" val="636235437375089291"/>
 </p:tagLst>
 </file>
 
